--- a/output/Presentation.pptx
+++ b/output/Presentation.pptx
@@ -7,9 +7,17 @@
   <p:sldIdLst>
     <p:sldId id="256" r:id="rId2"/>
     <p:sldId id="257" r:id="rId3"/>
+    <p:sldId id="258" r:id="rId4"/>
+    <p:sldId id="259" r:id="rId5"/>
+    <p:sldId id="260" r:id="rId6"/>
+    <p:sldId id="261" r:id="rId7"/>
+    <p:sldId id="262" r:id="rId8"/>
+    <p:sldId id="263" r:id="rId9"/>
+    <p:sldId id="264" r:id="rId10"/>
+    <p:sldId id="265" r:id="rId11"/>
   </p:sldIdLst>
   <p:notesMasterIdLst>
-    <p:notesMasterId r:id="rId4"/>
+    <p:notesMasterId r:id="rId12"/>
   </p:notesMasterIdLst>
   <p:sldSz cx="12192000" cy="6858000"/>
   <p:notesSz cx="6858000" cy="12192000"/>
@@ -545,6 +553,94 @@
 </p:notes>
 </file>
 
+<file path=ppt/notesSlides/notesSlide10.xml><?xml version="1.0" encoding="utf-8"?>
+<p:notes xmlns:a="http://schemas.openxmlformats.org/drawingml/2006/main" xmlns:r="http://schemas.openxmlformats.org/officeDocument/2006/relationships" xmlns:p="http://schemas.openxmlformats.org/presentationml/2006/main">
+  <p:cSld>
+    <p:spTree>
+      <p:nvGrpSpPr>
+        <p:cNvPr id="1" name=""/>
+        <p:cNvGrpSpPr/>
+        <p:nvPr/>
+      </p:nvGrpSpPr>
+      <p:grpSpPr>
+        <a:xfrm>
+          <a:off x="0" y="0"/>
+          <a:ext cx="0" cy="0"/>
+          <a:chOff x="0" y="0"/>
+          <a:chExt cx="0" cy="0"/>
+        </a:xfrm>
+      </p:grpSpPr>
+      <p:sp>
+        <p:nvSpPr>
+          <p:cNvPr id="2" name="Slide Image Placeholder 1"/>
+          <p:cNvSpPr>
+            <a:spLocks noGrp="1" noRot="1" noChangeAspect="1"/>
+          </p:cNvSpPr>
+          <p:nvPr>
+            <p:ph type="sldImg"/>
+          </p:nvPr>
+        </p:nvSpPr>
+        <p:spPr/>
+      </p:sp>
+      <p:sp>
+        <p:nvSpPr>
+          <p:cNvPr id="3" name="Notes Placeholder 2"/>
+          <p:cNvSpPr>
+            <a:spLocks noGrp="1"/>
+          </p:cNvSpPr>
+          <p:nvPr>
+            <p:ph type="body" idx="1"/>
+          </p:nvPr>
+        </p:nvSpPr>
+        <p:spPr/>
+        <p:txBody>
+          <a:bodyPr/>
+          <a:lstStyle/>
+          <a:p>
+            <a:r>
+              <a:rPr lang="en-US" dirty="0"/>
+              <a:t/>
+            </a:r>
+            <a:endParaRPr lang="en-US" dirty="0"/>
+          </a:p>
+        </p:txBody>
+      </p:sp>
+      <p:sp>
+        <p:nvSpPr>
+          <p:cNvPr id="4" name="Slide Number Placeholder 3"/>
+          <p:cNvSpPr>
+            <a:spLocks noGrp="1"/>
+          </p:cNvSpPr>
+          <p:nvPr>
+            <p:ph type="sldNum" sz="quarter" idx="10"/>
+          </p:nvPr>
+        </p:nvSpPr>
+        <p:spPr/>
+        <p:txBody>
+          <a:bodyPr/>
+          <a:lstStyle/>
+          <a:p>
+            <a:fld id="{F7021451-1387-4CA6-816F-3879F97B5CBC}" type="slidenum">
+              <a:rPr lang="en-US"/>
+              <a:t>10</a:t>
+            </a:fld>
+            <a:endParaRPr lang="en-US"/>
+          </a:p>
+        </p:txBody>
+      </p:sp>
+    </p:spTree>
+    <p:extLst>
+      <p:ext uri="{BB962C8B-B14F-4D97-AF65-F5344CB8AC3E}">
+        <p14:creationId xmlns:p14="http://schemas.microsoft.com/office/powerpoint/2010/main" val="1024086991"/>
+      </p:ext>
+    </p:extLst>
+  </p:cSld>
+  <p:clrMapOvr>
+    <a:masterClrMapping/>
+  </p:clrMapOvr>
+</p:notes>
+</file>
+
 <file path=ppt/notesSlides/notesSlide2.xml><?xml version="1.0" encoding="utf-8"?>
 <p:notes xmlns:a="http://schemas.openxmlformats.org/drawingml/2006/main" xmlns:r="http://schemas.openxmlformats.org/officeDocument/2006/relationships" xmlns:p="http://schemas.openxmlformats.org/presentationml/2006/main">
   <p:cSld>
@@ -615,6 +711,622 @@
             <a:fld id="{F7021451-1387-4CA6-816F-3879F97B5CBC}" type="slidenum">
               <a:rPr lang="en-US"/>
               <a:t>2</a:t>
+            </a:fld>
+            <a:endParaRPr lang="en-US"/>
+          </a:p>
+        </p:txBody>
+      </p:sp>
+    </p:spTree>
+    <p:extLst>
+      <p:ext uri="{BB962C8B-B14F-4D97-AF65-F5344CB8AC3E}">
+        <p14:creationId xmlns:p14="http://schemas.microsoft.com/office/powerpoint/2010/main" val="1024086991"/>
+      </p:ext>
+    </p:extLst>
+  </p:cSld>
+  <p:clrMapOvr>
+    <a:masterClrMapping/>
+  </p:clrMapOvr>
+</p:notes>
+</file>
+
+<file path=ppt/notesSlides/notesSlide3.xml><?xml version="1.0" encoding="utf-8"?>
+<p:notes xmlns:a="http://schemas.openxmlformats.org/drawingml/2006/main" xmlns:r="http://schemas.openxmlformats.org/officeDocument/2006/relationships" xmlns:p="http://schemas.openxmlformats.org/presentationml/2006/main">
+  <p:cSld>
+    <p:spTree>
+      <p:nvGrpSpPr>
+        <p:cNvPr id="1" name=""/>
+        <p:cNvGrpSpPr/>
+        <p:nvPr/>
+      </p:nvGrpSpPr>
+      <p:grpSpPr>
+        <a:xfrm>
+          <a:off x="0" y="0"/>
+          <a:ext cx="0" cy="0"/>
+          <a:chOff x="0" y="0"/>
+          <a:chExt cx="0" cy="0"/>
+        </a:xfrm>
+      </p:grpSpPr>
+      <p:sp>
+        <p:nvSpPr>
+          <p:cNvPr id="2" name="Slide Image Placeholder 1"/>
+          <p:cNvSpPr>
+            <a:spLocks noGrp="1" noRot="1" noChangeAspect="1"/>
+          </p:cNvSpPr>
+          <p:nvPr>
+            <p:ph type="sldImg"/>
+          </p:nvPr>
+        </p:nvSpPr>
+        <p:spPr/>
+      </p:sp>
+      <p:sp>
+        <p:nvSpPr>
+          <p:cNvPr id="3" name="Notes Placeholder 2"/>
+          <p:cNvSpPr>
+            <a:spLocks noGrp="1"/>
+          </p:cNvSpPr>
+          <p:nvPr>
+            <p:ph type="body" idx="1"/>
+          </p:nvPr>
+        </p:nvSpPr>
+        <p:spPr/>
+        <p:txBody>
+          <a:bodyPr/>
+          <a:lstStyle/>
+          <a:p>
+            <a:r>
+              <a:rPr lang="en-US" dirty="0"/>
+              <a:t/>
+            </a:r>
+            <a:endParaRPr lang="en-US" dirty="0"/>
+          </a:p>
+        </p:txBody>
+      </p:sp>
+      <p:sp>
+        <p:nvSpPr>
+          <p:cNvPr id="4" name="Slide Number Placeholder 3"/>
+          <p:cNvSpPr>
+            <a:spLocks noGrp="1"/>
+          </p:cNvSpPr>
+          <p:nvPr>
+            <p:ph type="sldNum" sz="quarter" idx="10"/>
+          </p:nvPr>
+        </p:nvSpPr>
+        <p:spPr/>
+        <p:txBody>
+          <a:bodyPr/>
+          <a:lstStyle/>
+          <a:p>
+            <a:fld id="{F7021451-1387-4CA6-816F-3879F97B5CBC}" type="slidenum">
+              <a:rPr lang="en-US"/>
+              <a:t>3</a:t>
+            </a:fld>
+            <a:endParaRPr lang="en-US"/>
+          </a:p>
+        </p:txBody>
+      </p:sp>
+    </p:spTree>
+    <p:extLst>
+      <p:ext uri="{BB962C8B-B14F-4D97-AF65-F5344CB8AC3E}">
+        <p14:creationId xmlns:p14="http://schemas.microsoft.com/office/powerpoint/2010/main" val="1024086991"/>
+      </p:ext>
+    </p:extLst>
+  </p:cSld>
+  <p:clrMapOvr>
+    <a:masterClrMapping/>
+  </p:clrMapOvr>
+</p:notes>
+</file>
+
+<file path=ppt/notesSlides/notesSlide4.xml><?xml version="1.0" encoding="utf-8"?>
+<p:notes xmlns:a="http://schemas.openxmlformats.org/drawingml/2006/main" xmlns:r="http://schemas.openxmlformats.org/officeDocument/2006/relationships" xmlns:p="http://schemas.openxmlformats.org/presentationml/2006/main">
+  <p:cSld>
+    <p:spTree>
+      <p:nvGrpSpPr>
+        <p:cNvPr id="1" name=""/>
+        <p:cNvGrpSpPr/>
+        <p:nvPr/>
+      </p:nvGrpSpPr>
+      <p:grpSpPr>
+        <a:xfrm>
+          <a:off x="0" y="0"/>
+          <a:ext cx="0" cy="0"/>
+          <a:chOff x="0" y="0"/>
+          <a:chExt cx="0" cy="0"/>
+        </a:xfrm>
+      </p:grpSpPr>
+      <p:sp>
+        <p:nvSpPr>
+          <p:cNvPr id="2" name="Slide Image Placeholder 1"/>
+          <p:cNvSpPr>
+            <a:spLocks noGrp="1" noRot="1" noChangeAspect="1"/>
+          </p:cNvSpPr>
+          <p:nvPr>
+            <p:ph type="sldImg"/>
+          </p:nvPr>
+        </p:nvSpPr>
+        <p:spPr/>
+      </p:sp>
+      <p:sp>
+        <p:nvSpPr>
+          <p:cNvPr id="3" name="Notes Placeholder 2"/>
+          <p:cNvSpPr>
+            <a:spLocks noGrp="1"/>
+          </p:cNvSpPr>
+          <p:nvPr>
+            <p:ph type="body" idx="1"/>
+          </p:nvPr>
+        </p:nvSpPr>
+        <p:spPr/>
+        <p:txBody>
+          <a:bodyPr/>
+          <a:lstStyle/>
+          <a:p>
+            <a:r>
+              <a:rPr lang="en-US" dirty="0"/>
+              <a:t/>
+            </a:r>
+            <a:endParaRPr lang="en-US" dirty="0"/>
+          </a:p>
+        </p:txBody>
+      </p:sp>
+      <p:sp>
+        <p:nvSpPr>
+          <p:cNvPr id="4" name="Slide Number Placeholder 3"/>
+          <p:cNvSpPr>
+            <a:spLocks noGrp="1"/>
+          </p:cNvSpPr>
+          <p:nvPr>
+            <p:ph type="sldNum" sz="quarter" idx="10"/>
+          </p:nvPr>
+        </p:nvSpPr>
+        <p:spPr/>
+        <p:txBody>
+          <a:bodyPr/>
+          <a:lstStyle/>
+          <a:p>
+            <a:fld id="{F7021451-1387-4CA6-816F-3879F97B5CBC}" type="slidenum">
+              <a:rPr lang="en-US"/>
+              <a:t>4</a:t>
+            </a:fld>
+            <a:endParaRPr lang="en-US"/>
+          </a:p>
+        </p:txBody>
+      </p:sp>
+    </p:spTree>
+    <p:extLst>
+      <p:ext uri="{BB962C8B-B14F-4D97-AF65-F5344CB8AC3E}">
+        <p14:creationId xmlns:p14="http://schemas.microsoft.com/office/powerpoint/2010/main" val="1024086991"/>
+      </p:ext>
+    </p:extLst>
+  </p:cSld>
+  <p:clrMapOvr>
+    <a:masterClrMapping/>
+  </p:clrMapOvr>
+</p:notes>
+</file>
+
+<file path=ppt/notesSlides/notesSlide5.xml><?xml version="1.0" encoding="utf-8"?>
+<p:notes xmlns:a="http://schemas.openxmlformats.org/drawingml/2006/main" xmlns:r="http://schemas.openxmlformats.org/officeDocument/2006/relationships" xmlns:p="http://schemas.openxmlformats.org/presentationml/2006/main">
+  <p:cSld>
+    <p:spTree>
+      <p:nvGrpSpPr>
+        <p:cNvPr id="1" name=""/>
+        <p:cNvGrpSpPr/>
+        <p:nvPr/>
+      </p:nvGrpSpPr>
+      <p:grpSpPr>
+        <a:xfrm>
+          <a:off x="0" y="0"/>
+          <a:ext cx="0" cy="0"/>
+          <a:chOff x="0" y="0"/>
+          <a:chExt cx="0" cy="0"/>
+        </a:xfrm>
+      </p:grpSpPr>
+      <p:sp>
+        <p:nvSpPr>
+          <p:cNvPr id="2" name="Slide Image Placeholder 1"/>
+          <p:cNvSpPr>
+            <a:spLocks noGrp="1" noRot="1" noChangeAspect="1"/>
+          </p:cNvSpPr>
+          <p:nvPr>
+            <p:ph type="sldImg"/>
+          </p:nvPr>
+        </p:nvSpPr>
+        <p:spPr/>
+      </p:sp>
+      <p:sp>
+        <p:nvSpPr>
+          <p:cNvPr id="3" name="Notes Placeholder 2"/>
+          <p:cNvSpPr>
+            <a:spLocks noGrp="1"/>
+          </p:cNvSpPr>
+          <p:nvPr>
+            <p:ph type="body" idx="1"/>
+          </p:nvPr>
+        </p:nvSpPr>
+        <p:spPr/>
+        <p:txBody>
+          <a:bodyPr/>
+          <a:lstStyle/>
+          <a:p>
+            <a:r>
+              <a:rPr lang="en-US" dirty="0"/>
+              <a:t/>
+            </a:r>
+            <a:endParaRPr lang="en-US" dirty="0"/>
+          </a:p>
+        </p:txBody>
+      </p:sp>
+      <p:sp>
+        <p:nvSpPr>
+          <p:cNvPr id="4" name="Slide Number Placeholder 3"/>
+          <p:cNvSpPr>
+            <a:spLocks noGrp="1"/>
+          </p:cNvSpPr>
+          <p:nvPr>
+            <p:ph type="sldNum" sz="quarter" idx="10"/>
+          </p:nvPr>
+        </p:nvSpPr>
+        <p:spPr/>
+        <p:txBody>
+          <a:bodyPr/>
+          <a:lstStyle/>
+          <a:p>
+            <a:fld id="{F7021451-1387-4CA6-816F-3879F97B5CBC}" type="slidenum">
+              <a:rPr lang="en-US"/>
+              <a:t>5</a:t>
+            </a:fld>
+            <a:endParaRPr lang="en-US"/>
+          </a:p>
+        </p:txBody>
+      </p:sp>
+    </p:spTree>
+    <p:extLst>
+      <p:ext uri="{BB962C8B-B14F-4D97-AF65-F5344CB8AC3E}">
+        <p14:creationId xmlns:p14="http://schemas.microsoft.com/office/powerpoint/2010/main" val="1024086991"/>
+      </p:ext>
+    </p:extLst>
+  </p:cSld>
+  <p:clrMapOvr>
+    <a:masterClrMapping/>
+  </p:clrMapOvr>
+</p:notes>
+</file>
+
+<file path=ppt/notesSlides/notesSlide6.xml><?xml version="1.0" encoding="utf-8"?>
+<p:notes xmlns:a="http://schemas.openxmlformats.org/drawingml/2006/main" xmlns:r="http://schemas.openxmlformats.org/officeDocument/2006/relationships" xmlns:p="http://schemas.openxmlformats.org/presentationml/2006/main">
+  <p:cSld>
+    <p:spTree>
+      <p:nvGrpSpPr>
+        <p:cNvPr id="1" name=""/>
+        <p:cNvGrpSpPr/>
+        <p:nvPr/>
+      </p:nvGrpSpPr>
+      <p:grpSpPr>
+        <a:xfrm>
+          <a:off x="0" y="0"/>
+          <a:ext cx="0" cy="0"/>
+          <a:chOff x="0" y="0"/>
+          <a:chExt cx="0" cy="0"/>
+        </a:xfrm>
+      </p:grpSpPr>
+      <p:sp>
+        <p:nvSpPr>
+          <p:cNvPr id="2" name="Slide Image Placeholder 1"/>
+          <p:cNvSpPr>
+            <a:spLocks noGrp="1" noRot="1" noChangeAspect="1"/>
+          </p:cNvSpPr>
+          <p:nvPr>
+            <p:ph type="sldImg"/>
+          </p:nvPr>
+        </p:nvSpPr>
+        <p:spPr/>
+      </p:sp>
+      <p:sp>
+        <p:nvSpPr>
+          <p:cNvPr id="3" name="Notes Placeholder 2"/>
+          <p:cNvSpPr>
+            <a:spLocks noGrp="1"/>
+          </p:cNvSpPr>
+          <p:nvPr>
+            <p:ph type="body" idx="1"/>
+          </p:nvPr>
+        </p:nvSpPr>
+        <p:spPr/>
+        <p:txBody>
+          <a:bodyPr/>
+          <a:lstStyle/>
+          <a:p>
+            <a:r>
+              <a:rPr lang="en-US" dirty="0"/>
+              <a:t/>
+            </a:r>
+            <a:endParaRPr lang="en-US" dirty="0"/>
+          </a:p>
+        </p:txBody>
+      </p:sp>
+      <p:sp>
+        <p:nvSpPr>
+          <p:cNvPr id="4" name="Slide Number Placeholder 3"/>
+          <p:cNvSpPr>
+            <a:spLocks noGrp="1"/>
+          </p:cNvSpPr>
+          <p:nvPr>
+            <p:ph type="sldNum" sz="quarter" idx="10"/>
+          </p:nvPr>
+        </p:nvSpPr>
+        <p:spPr/>
+        <p:txBody>
+          <a:bodyPr/>
+          <a:lstStyle/>
+          <a:p>
+            <a:fld id="{F7021451-1387-4CA6-816F-3879F97B5CBC}" type="slidenum">
+              <a:rPr lang="en-US"/>
+              <a:t>6</a:t>
+            </a:fld>
+            <a:endParaRPr lang="en-US"/>
+          </a:p>
+        </p:txBody>
+      </p:sp>
+    </p:spTree>
+    <p:extLst>
+      <p:ext uri="{BB962C8B-B14F-4D97-AF65-F5344CB8AC3E}">
+        <p14:creationId xmlns:p14="http://schemas.microsoft.com/office/powerpoint/2010/main" val="1024086991"/>
+      </p:ext>
+    </p:extLst>
+  </p:cSld>
+  <p:clrMapOvr>
+    <a:masterClrMapping/>
+  </p:clrMapOvr>
+</p:notes>
+</file>
+
+<file path=ppt/notesSlides/notesSlide7.xml><?xml version="1.0" encoding="utf-8"?>
+<p:notes xmlns:a="http://schemas.openxmlformats.org/drawingml/2006/main" xmlns:r="http://schemas.openxmlformats.org/officeDocument/2006/relationships" xmlns:p="http://schemas.openxmlformats.org/presentationml/2006/main">
+  <p:cSld>
+    <p:spTree>
+      <p:nvGrpSpPr>
+        <p:cNvPr id="1" name=""/>
+        <p:cNvGrpSpPr/>
+        <p:nvPr/>
+      </p:nvGrpSpPr>
+      <p:grpSpPr>
+        <a:xfrm>
+          <a:off x="0" y="0"/>
+          <a:ext cx="0" cy="0"/>
+          <a:chOff x="0" y="0"/>
+          <a:chExt cx="0" cy="0"/>
+        </a:xfrm>
+      </p:grpSpPr>
+      <p:sp>
+        <p:nvSpPr>
+          <p:cNvPr id="2" name="Slide Image Placeholder 1"/>
+          <p:cNvSpPr>
+            <a:spLocks noGrp="1" noRot="1" noChangeAspect="1"/>
+          </p:cNvSpPr>
+          <p:nvPr>
+            <p:ph type="sldImg"/>
+          </p:nvPr>
+        </p:nvSpPr>
+        <p:spPr/>
+      </p:sp>
+      <p:sp>
+        <p:nvSpPr>
+          <p:cNvPr id="3" name="Notes Placeholder 2"/>
+          <p:cNvSpPr>
+            <a:spLocks noGrp="1"/>
+          </p:cNvSpPr>
+          <p:nvPr>
+            <p:ph type="body" idx="1"/>
+          </p:nvPr>
+        </p:nvSpPr>
+        <p:spPr/>
+        <p:txBody>
+          <a:bodyPr/>
+          <a:lstStyle/>
+          <a:p>
+            <a:r>
+              <a:rPr lang="en-US" dirty="0"/>
+              <a:t/>
+            </a:r>
+            <a:endParaRPr lang="en-US" dirty="0"/>
+          </a:p>
+        </p:txBody>
+      </p:sp>
+      <p:sp>
+        <p:nvSpPr>
+          <p:cNvPr id="4" name="Slide Number Placeholder 3"/>
+          <p:cNvSpPr>
+            <a:spLocks noGrp="1"/>
+          </p:cNvSpPr>
+          <p:nvPr>
+            <p:ph type="sldNum" sz="quarter" idx="10"/>
+          </p:nvPr>
+        </p:nvSpPr>
+        <p:spPr/>
+        <p:txBody>
+          <a:bodyPr/>
+          <a:lstStyle/>
+          <a:p>
+            <a:fld id="{F7021451-1387-4CA6-816F-3879F97B5CBC}" type="slidenum">
+              <a:rPr lang="en-US"/>
+              <a:t>7</a:t>
+            </a:fld>
+            <a:endParaRPr lang="en-US"/>
+          </a:p>
+        </p:txBody>
+      </p:sp>
+    </p:spTree>
+    <p:extLst>
+      <p:ext uri="{BB962C8B-B14F-4D97-AF65-F5344CB8AC3E}">
+        <p14:creationId xmlns:p14="http://schemas.microsoft.com/office/powerpoint/2010/main" val="1024086991"/>
+      </p:ext>
+    </p:extLst>
+  </p:cSld>
+  <p:clrMapOvr>
+    <a:masterClrMapping/>
+  </p:clrMapOvr>
+</p:notes>
+</file>
+
+<file path=ppt/notesSlides/notesSlide8.xml><?xml version="1.0" encoding="utf-8"?>
+<p:notes xmlns:a="http://schemas.openxmlformats.org/drawingml/2006/main" xmlns:r="http://schemas.openxmlformats.org/officeDocument/2006/relationships" xmlns:p="http://schemas.openxmlformats.org/presentationml/2006/main">
+  <p:cSld>
+    <p:spTree>
+      <p:nvGrpSpPr>
+        <p:cNvPr id="1" name=""/>
+        <p:cNvGrpSpPr/>
+        <p:nvPr/>
+      </p:nvGrpSpPr>
+      <p:grpSpPr>
+        <a:xfrm>
+          <a:off x="0" y="0"/>
+          <a:ext cx="0" cy="0"/>
+          <a:chOff x="0" y="0"/>
+          <a:chExt cx="0" cy="0"/>
+        </a:xfrm>
+      </p:grpSpPr>
+      <p:sp>
+        <p:nvSpPr>
+          <p:cNvPr id="2" name="Slide Image Placeholder 1"/>
+          <p:cNvSpPr>
+            <a:spLocks noGrp="1" noRot="1" noChangeAspect="1"/>
+          </p:cNvSpPr>
+          <p:nvPr>
+            <p:ph type="sldImg"/>
+          </p:nvPr>
+        </p:nvSpPr>
+        <p:spPr/>
+      </p:sp>
+      <p:sp>
+        <p:nvSpPr>
+          <p:cNvPr id="3" name="Notes Placeholder 2"/>
+          <p:cNvSpPr>
+            <a:spLocks noGrp="1"/>
+          </p:cNvSpPr>
+          <p:nvPr>
+            <p:ph type="body" idx="1"/>
+          </p:nvPr>
+        </p:nvSpPr>
+        <p:spPr/>
+        <p:txBody>
+          <a:bodyPr/>
+          <a:lstStyle/>
+          <a:p>
+            <a:r>
+              <a:rPr lang="en-US" dirty="0"/>
+              <a:t/>
+            </a:r>
+            <a:endParaRPr lang="en-US" dirty="0"/>
+          </a:p>
+        </p:txBody>
+      </p:sp>
+      <p:sp>
+        <p:nvSpPr>
+          <p:cNvPr id="4" name="Slide Number Placeholder 3"/>
+          <p:cNvSpPr>
+            <a:spLocks noGrp="1"/>
+          </p:cNvSpPr>
+          <p:nvPr>
+            <p:ph type="sldNum" sz="quarter" idx="10"/>
+          </p:nvPr>
+        </p:nvSpPr>
+        <p:spPr/>
+        <p:txBody>
+          <a:bodyPr/>
+          <a:lstStyle/>
+          <a:p>
+            <a:fld id="{F7021451-1387-4CA6-816F-3879F97B5CBC}" type="slidenum">
+              <a:rPr lang="en-US"/>
+              <a:t>8</a:t>
+            </a:fld>
+            <a:endParaRPr lang="en-US"/>
+          </a:p>
+        </p:txBody>
+      </p:sp>
+    </p:spTree>
+    <p:extLst>
+      <p:ext uri="{BB962C8B-B14F-4D97-AF65-F5344CB8AC3E}">
+        <p14:creationId xmlns:p14="http://schemas.microsoft.com/office/powerpoint/2010/main" val="1024086991"/>
+      </p:ext>
+    </p:extLst>
+  </p:cSld>
+  <p:clrMapOvr>
+    <a:masterClrMapping/>
+  </p:clrMapOvr>
+</p:notes>
+</file>
+
+<file path=ppt/notesSlides/notesSlide9.xml><?xml version="1.0" encoding="utf-8"?>
+<p:notes xmlns:a="http://schemas.openxmlformats.org/drawingml/2006/main" xmlns:r="http://schemas.openxmlformats.org/officeDocument/2006/relationships" xmlns:p="http://schemas.openxmlformats.org/presentationml/2006/main">
+  <p:cSld>
+    <p:spTree>
+      <p:nvGrpSpPr>
+        <p:cNvPr id="1" name=""/>
+        <p:cNvGrpSpPr/>
+        <p:nvPr/>
+      </p:nvGrpSpPr>
+      <p:grpSpPr>
+        <a:xfrm>
+          <a:off x="0" y="0"/>
+          <a:ext cx="0" cy="0"/>
+          <a:chOff x="0" y="0"/>
+          <a:chExt cx="0" cy="0"/>
+        </a:xfrm>
+      </p:grpSpPr>
+      <p:sp>
+        <p:nvSpPr>
+          <p:cNvPr id="2" name="Slide Image Placeholder 1"/>
+          <p:cNvSpPr>
+            <a:spLocks noGrp="1" noRot="1" noChangeAspect="1"/>
+          </p:cNvSpPr>
+          <p:nvPr>
+            <p:ph type="sldImg"/>
+          </p:nvPr>
+        </p:nvSpPr>
+        <p:spPr/>
+      </p:sp>
+      <p:sp>
+        <p:nvSpPr>
+          <p:cNvPr id="3" name="Notes Placeholder 2"/>
+          <p:cNvSpPr>
+            <a:spLocks noGrp="1"/>
+          </p:cNvSpPr>
+          <p:nvPr>
+            <p:ph type="body" idx="1"/>
+          </p:nvPr>
+        </p:nvSpPr>
+        <p:spPr/>
+        <p:txBody>
+          <a:bodyPr/>
+          <a:lstStyle/>
+          <a:p>
+            <a:r>
+              <a:rPr lang="en-US" dirty="0"/>
+              <a:t/>
+            </a:r>
+            <a:endParaRPr lang="en-US" dirty="0"/>
+          </a:p>
+        </p:txBody>
+      </p:sp>
+      <p:sp>
+        <p:nvSpPr>
+          <p:cNvPr id="4" name="Slide Number Placeholder 3"/>
+          <p:cNvSpPr>
+            <a:spLocks noGrp="1"/>
+          </p:cNvSpPr>
+          <p:nvPr>
+            <p:ph type="sldNum" sz="quarter" idx="10"/>
+          </p:nvPr>
+        </p:nvSpPr>
+        <p:spPr/>
+        <p:txBody>
+          <a:bodyPr/>
+          <a:lstStyle/>
+          <a:p>
+            <a:fld id="{F7021451-1387-4CA6-816F-3879F97B5CBC}" type="slidenum">
+              <a:rPr lang="en-US"/>
+              <a:t>9</a:t>
             </a:fld>
             <a:endParaRPr lang="en-US"/>
           </a:p>
@@ -663,6 +1375,464 @@
 </p:sldLayout>
 </file>
 
+<file path=ppt/slideLayouts/slideLayout10.xml><?xml version="1.0" encoding="utf-8"?>
+<p:sldLayout xmlns:a="http://schemas.openxmlformats.org/drawingml/2006/main" xmlns:r="http://schemas.openxmlformats.org/officeDocument/2006/relationships" xmlns:p="http://schemas.openxmlformats.org/presentationml/2006/main" preserve="1">
+  <p:cSld name="titleAndContent">
+    <p:spTree>
+      <p:nvGrpSpPr>
+        <p:cNvPr id="1" name=""/>
+        <p:cNvGrpSpPr/>
+        <p:nvPr/>
+      </p:nvGrpSpPr>
+      <p:grpSpPr>
+        <a:xfrm>
+          <a:off x="0" y="0"/>
+          <a:ext cx="0" cy="0"/>
+          <a:chOff x="0" y="0"/>
+          <a:chExt cx="0" cy="0"/>
+        </a:xfrm>
+      </p:grpSpPr>
+      <p:sp>
+        <p:nvSpPr>
+          <p:cNvPr id="2" name="Shape 0"/>
+          <p:cNvSpPr/>
+          <p:nvPr/>
+        </p:nvSpPr>
+        <p:spPr>
+          <a:xfrm>
+            <a:off x="0" y="0"/>
+            <a:ext cx="12192000" cy="6858000"/>
+          </a:xfrm>
+          <a:prstGeom prst="rect">
+            <a:avLst/>
+          </a:prstGeom>
+          <a:solidFill>
+            <a:srgbClr val="FF1A9C"/>
+          </a:solidFill>
+          <a:ln/>
+        </p:spPr>
+      </p:sp>
+      <p:sp>
+        <p:nvSpPr>
+          <p:cNvPr id="3" name="Text 1"/>
+          <p:cNvSpPr/>
+          <p:nvPr>
+            <p:ph idx="101" type="title" hasCustomPrompt="1"/>
+          </p:nvPr>
+        </p:nvSpPr>
+        <p:spPr>
+          <a:xfrm>
+            <a:off x="914400" y="228600"/>
+            <a:ext cx="10433304" cy="1188720"/>
+          </a:xfrm>
+          <a:prstGeom prst="rect">
+            <a:avLst/>
+          </a:prstGeom>
+          <a:noFill/>
+          <a:ln/>
+        </p:spPr>
+        <p:txBody>
+          <a:bodyPr wrap="square" rtlCol="0"/>
+          <a:lstStyle>
+            <a:lvl1pPr algn="ctr" indent="0" marL="0">
+              <a:buNone/>
+              <a:defRPr lang="en-US" sz="4000" b="1" dirty="0">
+                <a:solidFill>
+                  <a:srgbClr val="0E0C0C"/>
+                </a:solidFill>
+                <a:latin typeface="Arial" pitchFamily="34" charset="0"/>
+                <a:ea typeface="Arial" pitchFamily="34" charset="-122"/>
+                <a:cs typeface="Arial" pitchFamily="34" charset="-120"/>
+              </a:defRPr>
+            </a:lvl1pPr>
+          </a:lstStyle>
+          <a:p>
+            <a:pPr algn="ctr" indent="0" marL="0">
+              <a:buNone/>
+            </a:pPr>
+            <a:r>
+              <a:rPr lang="en-US" sz="4000" b="1" dirty="0">
+                <a:solidFill>
+                  <a:srgbClr val="0E0C0C"/>
+                </a:solidFill>
+                <a:latin typeface="Arial" pitchFamily="34" charset="0"/>
+                <a:ea typeface="Arial" pitchFamily="34" charset="-122"/>
+                <a:cs typeface="Arial" pitchFamily="34" charset="-120"/>
+              </a:rPr>
+              <a:t>Title Placeholder</a:t>
+            </a:r>
+            <a:endParaRPr lang="en-US" sz="4000" dirty="0"/>
+          </a:p>
+        </p:txBody>
+      </p:sp>
+      <p:sp>
+        <p:nvSpPr>
+          <p:cNvPr id="4" name="Text 1"/>
+          <p:cNvSpPr/>
+          <p:nvPr>
+            <p:ph idx="102" type="body" hasCustomPrompt="1"/>
+          </p:nvPr>
+        </p:nvSpPr>
+        <p:spPr>
+          <a:xfrm>
+            <a:off x="914400" y="1417320"/>
+            <a:ext cx="10433304" cy="5029200"/>
+          </a:xfrm>
+          <a:prstGeom prst="rect">
+            <a:avLst/>
+          </a:prstGeom>
+          <a:noFill/>
+          <a:ln/>
+        </p:spPr>
+        <p:txBody>
+          <a:bodyPr wrap="square" rtlCol="0"/>
+          <a:lstStyle>
+            <a:lvl1pPr algn="l" indent="0" marL="0">
+              <a:buNone/>
+              <a:defRPr lang="en-US" sz="2600" dirty="0">
+                <a:solidFill>
+                  <a:srgbClr val="0E0C0C"/>
+                </a:solidFill>
+                <a:latin typeface="Arial" pitchFamily="34" charset="0"/>
+                <a:ea typeface="Arial" pitchFamily="34" charset="-122"/>
+                <a:cs typeface="Arial" pitchFamily="34" charset="-120"/>
+              </a:defRPr>
+            </a:lvl1pPr>
+          </a:lstStyle>
+          <a:p>
+            <a:pPr algn="l" indent="0" marL="0">
+              <a:buNone/>
+            </a:pPr>
+            <a:r>
+              <a:rPr lang="en-US" sz="2600" dirty="0">
+                <a:solidFill>
+                  <a:srgbClr val="0E0C0C"/>
+                </a:solidFill>
+                <a:latin typeface="Arial" pitchFamily="34" charset="0"/>
+                <a:ea typeface="Arial" pitchFamily="34" charset="-122"/>
+                <a:cs typeface="Arial" pitchFamily="34" charset="-120"/>
+              </a:rPr>
+              <a:t>Content Placeholder</a:t>
+            </a:r>
+            <a:endParaRPr lang="en-US" sz="2600" dirty="0"/>
+          </a:p>
+        </p:txBody>
+      </p:sp>
+      <p:sp>
+        <p:nvSpPr>
+          <p:cNvPr id="5" name="Text 1"/>
+          <p:cNvSpPr/>
+          <p:nvPr/>
+        </p:nvSpPr>
+        <p:spPr>
+          <a:xfrm>
+            <a:off x="914400" y="3657600"/>
+            <a:ext cx="11155680" cy="5943600"/>
+          </a:xfrm>
+          <a:prstGeom prst="rect">
+            <a:avLst/>
+          </a:prstGeom>
+          <a:noFill/>
+          <a:ln/>
+        </p:spPr>
+        <p:txBody>
+          <a:bodyPr wrap="square" rtlCol="0" anchor="ctr"/>
+          <a:lstStyle/>
+          <a:p>
+            <a:pPr algn="r" indent="0" marL="0">
+              <a:buNone/>
+            </a:pPr>
+            <a:r>
+              <a:rPr lang="en-US" sz="1800" dirty="0">
+                <a:solidFill>
+                  <a:srgbClr val="999999"/>
+                </a:solidFill>
+                <a:latin typeface="Arial" pitchFamily="34" charset="0"/>
+                <a:ea typeface="Arial" pitchFamily="34" charset="-122"/>
+                <a:cs typeface="Arial" pitchFamily="34" charset="-120"/>
+              </a:rPr>
+              <a:t>© Your Company Name</a:t>
+            </a:r>
+            <a:endParaRPr lang="en-US" sz="1800" dirty="0"/>
+          </a:p>
+        </p:txBody>
+      </p:sp>
+      <p:sp>
+        <p:nvSpPr>
+          <p:cNvPr id="25" name="Slide Number Placeholder 0"/>
+          <p:cNvSpPr>
+            <a:spLocks noGrp="1"/>
+          </p:cNvSpPr>
+          <p:nvPr>
+            <p:ph type="sldNum" sz="quarter" idx="4294967295"/>
+          </p:nvPr>
+        </p:nvSpPr>
+        <p:spPr>
+          <a:xfrm>
+            <a:off x="91440" y="6446520"/>
+            <a:ext cx="457200" cy="365760"/>
+          </a:xfrm>
+          <a:prstGeom prst="rect">
+            <a:avLst/>
+          </a:prstGeom>
+          <a:extLst>
+            <a:ext uri="{C572A759-6A51-4108-AA02-DFA0A04FC94B}">
+              <ma14:wrappingTextBoxFlag xmlns:ma14="http://schemas.microsoft.com/office/mac/drawingml/2011/main" val="0"/>
+            </a:ext>
+          </a:extLst>
+        </p:spPr>
+        <p:txBody>
+          <a:bodyPr/>
+          <a:lstStyle>
+            <a:lvl1pPr/>
+          </a:lstStyle>
+          <a:p>
+            <a:pPr algn="l"/>
+            <a:fld id="{F7021451-1387-4CA6-816F-3879F97B5CBC}" type="slidenum">
+              <a:rPr b="0" lang="en-US"/>
+              <a:t>1010</a:t>
+            </a:fld>
+            <a:endParaRPr lang="en-US"/>
+          </a:p>
+        </p:txBody>
+      </p:sp>
+    </p:spTree>
+  </p:cSld>
+  <p:clrMapOvr>
+    <a:masterClrMapping/>
+  </p:clrMapOvr>
+</p:sldLayout>
+</file>
+
+<file path=ppt/slideLayouts/slideLayout11.xml><?xml version="1.0" encoding="utf-8"?>
+<p:sldLayout xmlns:a="http://schemas.openxmlformats.org/drawingml/2006/main" xmlns:r="http://schemas.openxmlformats.org/officeDocument/2006/relationships" xmlns:p="http://schemas.openxmlformats.org/presentationml/2006/main" preserve="1">
+  <p:cSld name="titleSlide">
+    <p:spTree>
+      <p:nvGrpSpPr>
+        <p:cNvPr id="1" name=""/>
+        <p:cNvGrpSpPr/>
+        <p:nvPr/>
+      </p:nvGrpSpPr>
+      <p:grpSpPr>
+        <a:xfrm>
+          <a:off x="0" y="0"/>
+          <a:ext cx="0" cy="0"/>
+          <a:chOff x="0" y="0"/>
+          <a:chExt cx="0" cy="0"/>
+        </a:xfrm>
+      </p:grpSpPr>
+      <p:sp>
+        <p:nvSpPr>
+          <p:cNvPr id="2" name="Shape 0"/>
+          <p:cNvSpPr/>
+          <p:nvPr/>
+        </p:nvSpPr>
+        <p:spPr>
+          <a:xfrm>
+            <a:off x="0" y="0"/>
+            <a:ext cx="12192000" cy="6858000"/>
+          </a:xfrm>
+          <a:prstGeom prst="rect">
+            <a:avLst/>
+          </a:prstGeom>
+          <a:solidFill>
+            <a:srgbClr val="FF1A9C"/>
+          </a:solidFill>
+          <a:ln/>
+        </p:spPr>
+      </p:sp>
+      <p:sp>
+        <p:nvSpPr>
+          <p:cNvPr id="3" name="Text 1"/>
+          <p:cNvSpPr/>
+          <p:nvPr>
+            <p:ph idx="101" type="title" hasCustomPrompt="1"/>
+          </p:nvPr>
+        </p:nvSpPr>
+        <p:spPr>
+          <a:xfrm>
+            <a:off x="914400" y="228600"/>
+            <a:ext cx="10433304" cy="3200400"/>
+          </a:xfrm>
+          <a:prstGeom prst="rect">
+            <a:avLst/>
+          </a:prstGeom>
+          <a:noFill/>
+          <a:ln/>
+        </p:spPr>
+        <p:txBody>
+          <a:bodyPr wrap="square" rtlCol="0"/>
+          <a:lstStyle>
+            <a:lvl1pPr algn="ctr" indent="0" marL="0">
+              <a:buNone/>
+              <a:defRPr lang="en-US" sz="4000" b="1" dirty="0">
+                <a:solidFill>
+                  <a:srgbClr val="0E0C0C"/>
+                </a:solidFill>
+                <a:latin typeface="Arial" pitchFamily="34" charset="0"/>
+                <a:ea typeface="Arial" pitchFamily="34" charset="-122"/>
+                <a:cs typeface="Arial" pitchFamily="34" charset="-120"/>
+              </a:defRPr>
+            </a:lvl1pPr>
+          </a:lstStyle>
+          <a:p>
+            <a:pPr algn="ctr" indent="0" marL="0">
+              <a:buNone/>
+            </a:pPr>
+            <a:r>
+              <a:rPr lang="en-US" sz="4000" b="1" dirty="0">
+                <a:solidFill>
+                  <a:srgbClr val="0E0C0C"/>
+                </a:solidFill>
+                <a:latin typeface="Arial" pitchFamily="34" charset="0"/>
+                <a:ea typeface="Arial" pitchFamily="34" charset="-122"/>
+                <a:cs typeface="Arial" pitchFamily="34" charset="-120"/>
+              </a:rPr>
+              <a:t>Title Placeholder</a:t>
+            </a:r>
+            <a:endParaRPr lang="en-US" sz="4000" dirty="0"/>
+          </a:p>
+        </p:txBody>
+      </p:sp>
+      <p:sp>
+        <p:nvSpPr>
+          <p:cNvPr id="4" name="Text 1"/>
+          <p:cNvSpPr/>
+          <p:nvPr>
+            <p:ph idx="102" type="body" hasCustomPrompt="1"/>
+          </p:nvPr>
+        </p:nvSpPr>
+        <p:spPr>
+          <a:xfrm>
+            <a:off x="914400" y="3429000"/>
+            <a:ext cx="10433304" cy="2743200"/>
+          </a:xfrm>
+          <a:prstGeom prst="rect">
+            <a:avLst/>
+          </a:prstGeom>
+          <a:noFill/>
+          <a:ln/>
+        </p:spPr>
+        <p:txBody>
+          <a:bodyPr wrap="square" rtlCol="0"/>
+          <a:lstStyle>
+            <a:lvl1pPr algn="l" indent="0" marL="0">
+              <a:buNone/>
+              <a:defRPr lang="en-US" sz="2000" dirty="0">
+                <a:solidFill>
+                  <a:srgbClr val="0E0C0C"/>
+                </a:solidFill>
+                <a:latin typeface="Arial" pitchFamily="34" charset="0"/>
+                <a:ea typeface="Arial" pitchFamily="34" charset="-122"/>
+                <a:cs typeface="Arial" pitchFamily="34" charset="-120"/>
+              </a:defRPr>
+            </a:lvl1pPr>
+          </a:lstStyle>
+          <a:p>
+            <a:pPr algn="l" indent="0" marL="0">
+              <a:buNone/>
+            </a:pPr>
+            <a:r>
+              <a:rPr lang="en-US" sz="2000" dirty="0">
+                <a:solidFill>
+                  <a:srgbClr val="0E0C0C"/>
+                </a:solidFill>
+                <a:latin typeface="Arial" pitchFamily="34" charset="0"/>
+                <a:ea typeface="Arial" pitchFamily="34" charset="-122"/>
+                <a:cs typeface="Arial" pitchFamily="34" charset="-120"/>
+              </a:rPr>
+              <a:t>Content Placeholder</a:t>
+            </a:r>
+            <a:endParaRPr lang="en-US" sz="2000" dirty="0"/>
+          </a:p>
+        </p:txBody>
+      </p:sp>
+      <p:sp>
+        <p:nvSpPr>
+          <p:cNvPr id="5" name="Text 1"/>
+          <p:cNvSpPr/>
+          <p:nvPr/>
+        </p:nvSpPr>
+        <p:spPr>
+          <a:xfrm>
+            <a:off x="914400" y="3657600"/>
+            <a:ext cx="11155680" cy="5486400"/>
+          </a:xfrm>
+          <a:prstGeom prst="rect">
+            <a:avLst/>
+          </a:prstGeom>
+          <a:noFill/>
+          <a:ln/>
+        </p:spPr>
+        <p:txBody>
+          <a:bodyPr wrap="square" rtlCol="0" anchor="ctr"/>
+          <a:lstStyle/>
+          <a:p>
+            <a:pPr algn="r" indent="0" marL="0">
+              <a:buNone/>
+            </a:pPr>
+            <a:r>
+              <a:rPr lang="en-US" sz="1800" dirty="0">
+                <a:solidFill>
+                  <a:srgbClr val="999999"/>
+                </a:solidFill>
+                <a:latin typeface="Arial" pitchFamily="34" charset="0"/>
+                <a:ea typeface="Arial" pitchFamily="34" charset="-122"/>
+                <a:cs typeface="Arial" pitchFamily="34" charset="-120"/>
+              </a:rPr>
+              <a:t>© Your Company Name</a:t>
+            </a:r>
+            <a:endParaRPr lang="en-US" sz="1800" dirty="0"/>
+          </a:p>
+        </p:txBody>
+      </p:sp>
+      <p:sp>
+        <p:nvSpPr>
+          <p:cNvPr id="25" name="Slide Number Placeholder 0"/>
+          <p:cNvSpPr>
+            <a:spLocks noGrp="1"/>
+          </p:cNvSpPr>
+          <p:nvPr>
+            <p:ph type="sldNum" sz="quarter" idx="4294967295"/>
+          </p:nvPr>
+        </p:nvSpPr>
+        <p:spPr>
+          <a:xfrm>
+            <a:off x="91440" y="6515100"/>
+            <a:ext cx="457200" cy="457200"/>
+          </a:xfrm>
+          <a:prstGeom prst="rect">
+            <a:avLst/>
+          </a:prstGeom>
+          <a:extLst>
+            <a:ext uri="{C572A759-6A51-4108-AA02-DFA0A04FC94B}">
+              <ma14:wrappingTextBoxFlag xmlns:ma14="http://schemas.microsoft.com/office/mac/drawingml/2011/main" val="0"/>
+            </a:ext>
+          </a:extLst>
+        </p:spPr>
+        <p:txBody>
+          <a:bodyPr/>
+          <a:lstStyle>
+            <a:lvl1pPr/>
+          </a:lstStyle>
+          <a:p>
+            <a:pPr algn="l"/>
+            <a:fld id="{F7021451-1387-4CA6-816F-3879F97B5CBC}" type="slidenum">
+              <a:rPr b="0" lang="en-US"/>
+              <a:t>1011</a:t>
+            </a:fld>
+            <a:endParaRPr lang="en-US"/>
+          </a:p>
+        </p:txBody>
+      </p:sp>
+    </p:spTree>
+  </p:cSld>
+  <p:clrMapOvr>
+    <a:masterClrMapping/>
+  </p:clrMapOvr>
+</p:sldLayout>
+</file>
+
 <file path=ppt/slideLayouts/slideLayout2.xml><?xml version="1.0" encoding="utf-8"?>
 <p:sldLayout xmlns:a="http://schemas.openxmlformats.org/drawingml/2006/main" xmlns:r="http://schemas.openxmlformats.org/officeDocument/2006/relationships" xmlns:p="http://schemas.openxmlformats.org/presentationml/2006/main" preserve="1">
   <p:cSld name="titleAndContent">
@@ -726,7 +1896,7 @@
               <a:buNone/>
               <a:defRPr lang="en-US" sz="4000" b="1" dirty="0">
                 <a:solidFill>
-                  <a:srgbClr val="333333"/>
+                  <a:srgbClr val="0E0C0C"/>
                 </a:solidFill>
                 <a:latin typeface="Arial" pitchFamily="34" charset="0"/>
                 <a:ea typeface="Arial" pitchFamily="34" charset="-122"/>
@@ -741,7 +1911,7 @@
             <a:r>
               <a:rPr lang="en-US" sz="4000" b="1" dirty="0">
                 <a:solidFill>
-                  <a:srgbClr val="333333"/>
+                  <a:srgbClr val="0E0C0C"/>
                 </a:solidFill>
                 <a:latin typeface="Arial" pitchFamily="34" charset="0"/>
                 <a:ea typeface="Arial" pitchFamily="34" charset="-122"/>
@@ -763,8 +1933,8 @@
         </p:nvSpPr>
         <p:spPr>
           <a:xfrm>
-            <a:off x="914400" y="1828800"/>
-            <a:ext cx="10433304" cy="5257800"/>
+            <a:off x="914400" y="1417320"/>
+            <a:ext cx="10433304" cy="5029200"/>
           </a:xfrm>
           <a:prstGeom prst="rect">
             <a:avLst/>
@@ -777,9 +1947,9 @@
           <a:lstStyle>
             <a:lvl1pPr algn="l" indent="0" marL="0">
               <a:buNone/>
-              <a:defRPr lang="en-US" sz="2000" dirty="0">
-                <a:solidFill>
-                  <a:srgbClr val="666666"/>
+              <a:defRPr lang="en-US" sz="2600" dirty="0">
+                <a:solidFill>
+                  <a:srgbClr val="0E0C0C"/>
                 </a:solidFill>
                 <a:latin typeface="Arial" pitchFamily="34" charset="0"/>
                 <a:ea typeface="Arial" pitchFamily="34" charset="-122"/>
@@ -792,9 +1962,9 @@
               <a:buNone/>
             </a:pPr>
             <a:r>
-              <a:rPr lang="en-US" sz="2000" dirty="0">
-                <a:solidFill>
-                  <a:srgbClr val="666666"/>
+              <a:rPr lang="en-US" sz="2600" dirty="0">
+                <a:solidFill>
+                  <a:srgbClr val="0E0C0C"/>
                 </a:solidFill>
                 <a:latin typeface="Arial" pitchFamily="34" charset="0"/>
                 <a:ea typeface="Arial" pitchFamily="34" charset="-122"/>
@@ -802,7 +1972,7 @@
               </a:rPr>
               <a:t>Content Placeholder</a:t>
             </a:r>
-            <a:endParaRPr lang="en-US" sz="2000" dirty="0"/>
+            <a:endParaRPr lang="en-US" sz="2600" dirty="0"/>
           </a:p>
         </p:txBody>
       </p:sp>
@@ -815,7 +1985,7 @@
         <p:spPr>
           <a:xfrm>
             <a:off x="914400" y="3657600"/>
-            <a:ext cx="11155680" cy="5486400"/>
+            <a:ext cx="11155680" cy="5943600"/>
           </a:xfrm>
           <a:prstGeom prst="rect">
             <a:avLst/>
@@ -857,8 +2027,8 @@
         </p:nvSpPr>
         <p:spPr>
           <a:xfrm>
-            <a:off x="91440" y="6515100"/>
-            <a:ext cx="800000" cy="300000"/>
+            <a:off x="91440" y="6446520"/>
+            <a:ext cx="457200" cy="365760"/>
           </a:xfrm>
           <a:prstGeom prst="rect">
             <a:avLst/>
@@ -893,6 +2063,464 @@
 </file>
 
 <file path=ppt/slideLayouts/slideLayout3.xml><?xml version="1.0" encoding="utf-8"?>
+<p:sldLayout xmlns:a="http://schemas.openxmlformats.org/drawingml/2006/main" xmlns:r="http://schemas.openxmlformats.org/officeDocument/2006/relationships" xmlns:p="http://schemas.openxmlformats.org/presentationml/2006/main" preserve="1">
+  <p:cSld name="titleAndContent">
+    <p:spTree>
+      <p:nvGrpSpPr>
+        <p:cNvPr id="1" name=""/>
+        <p:cNvGrpSpPr/>
+        <p:nvPr/>
+      </p:nvGrpSpPr>
+      <p:grpSpPr>
+        <a:xfrm>
+          <a:off x="0" y="0"/>
+          <a:ext cx="0" cy="0"/>
+          <a:chOff x="0" y="0"/>
+          <a:chExt cx="0" cy="0"/>
+        </a:xfrm>
+      </p:grpSpPr>
+      <p:sp>
+        <p:nvSpPr>
+          <p:cNvPr id="2" name="Shape 0"/>
+          <p:cNvSpPr/>
+          <p:nvPr/>
+        </p:nvSpPr>
+        <p:spPr>
+          <a:xfrm>
+            <a:off x="0" y="0"/>
+            <a:ext cx="12192000" cy="6858000"/>
+          </a:xfrm>
+          <a:prstGeom prst="rect">
+            <a:avLst/>
+          </a:prstGeom>
+          <a:solidFill>
+            <a:srgbClr val="FF1A9C"/>
+          </a:solidFill>
+          <a:ln/>
+        </p:spPr>
+      </p:sp>
+      <p:sp>
+        <p:nvSpPr>
+          <p:cNvPr id="3" name="Text 1"/>
+          <p:cNvSpPr/>
+          <p:nvPr>
+            <p:ph idx="101" type="title" hasCustomPrompt="1"/>
+          </p:nvPr>
+        </p:nvSpPr>
+        <p:spPr>
+          <a:xfrm>
+            <a:off x="914400" y="228600"/>
+            <a:ext cx="10433304" cy="1188720"/>
+          </a:xfrm>
+          <a:prstGeom prst="rect">
+            <a:avLst/>
+          </a:prstGeom>
+          <a:noFill/>
+          <a:ln/>
+        </p:spPr>
+        <p:txBody>
+          <a:bodyPr wrap="square" rtlCol="0"/>
+          <a:lstStyle>
+            <a:lvl1pPr algn="ctr" indent="0" marL="0">
+              <a:buNone/>
+              <a:defRPr lang="en-US" sz="4000" b="1" dirty="0">
+                <a:solidFill>
+                  <a:srgbClr val="0E0C0C"/>
+                </a:solidFill>
+                <a:latin typeface="Arial" pitchFamily="34" charset="0"/>
+                <a:ea typeface="Arial" pitchFamily="34" charset="-122"/>
+                <a:cs typeface="Arial" pitchFamily="34" charset="-120"/>
+              </a:defRPr>
+            </a:lvl1pPr>
+          </a:lstStyle>
+          <a:p>
+            <a:pPr algn="ctr" indent="0" marL="0">
+              <a:buNone/>
+            </a:pPr>
+            <a:r>
+              <a:rPr lang="en-US" sz="4000" b="1" dirty="0">
+                <a:solidFill>
+                  <a:srgbClr val="0E0C0C"/>
+                </a:solidFill>
+                <a:latin typeface="Arial" pitchFamily="34" charset="0"/>
+                <a:ea typeface="Arial" pitchFamily="34" charset="-122"/>
+                <a:cs typeface="Arial" pitchFamily="34" charset="-120"/>
+              </a:rPr>
+              <a:t>Title Placeholder</a:t>
+            </a:r>
+            <a:endParaRPr lang="en-US" sz="4000" dirty="0"/>
+          </a:p>
+        </p:txBody>
+      </p:sp>
+      <p:sp>
+        <p:nvSpPr>
+          <p:cNvPr id="4" name="Text 1"/>
+          <p:cNvSpPr/>
+          <p:nvPr>
+            <p:ph idx="102" type="body" hasCustomPrompt="1"/>
+          </p:nvPr>
+        </p:nvSpPr>
+        <p:spPr>
+          <a:xfrm>
+            <a:off x="914400" y="1417320"/>
+            <a:ext cx="10433304" cy="5029200"/>
+          </a:xfrm>
+          <a:prstGeom prst="rect">
+            <a:avLst/>
+          </a:prstGeom>
+          <a:noFill/>
+          <a:ln/>
+        </p:spPr>
+        <p:txBody>
+          <a:bodyPr wrap="square" rtlCol="0"/>
+          <a:lstStyle>
+            <a:lvl1pPr algn="l" indent="0" marL="0">
+              <a:buNone/>
+              <a:defRPr lang="en-US" sz="2600" dirty="0">
+                <a:solidFill>
+                  <a:srgbClr val="0E0C0C"/>
+                </a:solidFill>
+                <a:latin typeface="Arial" pitchFamily="34" charset="0"/>
+                <a:ea typeface="Arial" pitchFamily="34" charset="-122"/>
+                <a:cs typeface="Arial" pitchFamily="34" charset="-120"/>
+              </a:defRPr>
+            </a:lvl1pPr>
+          </a:lstStyle>
+          <a:p>
+            <a:pPr algn="l" indent="0" marL="0">
+              <a:buNone/>
+            </a:pPr>
+            <a:r>
+              <a:rPr lang="en-US" sz="2600" dirty="0">
+                <a:solidFill>
+                  <a:srgbClr val="0E0C0C"/>
+                </a:solidFill>
+                <a:latin typeface="Arial" pitchFamily="34" charset="0"/>
+                <a:ea typeface="Arial" pitchFamily="34" charset="-122"/>
+                <a:cs typeface="Arial" pitchFamily="34" charset="-120"/>
+              </a:rPr>
+              <a:t>Content Placeholder</a:t>
+            </a:r>
+            <a:endParaRPr lang="en-US" sz="2600" dirty="0"/>
+          </a:p>
+        </p:txBody>
+      </p:sp>
+      <p:sp>
+        <p:nvSpPr>
+          <p:cNvPr id="5" name="Text 1"/>
+          <p:cNvSpPr/>
+          <p:nvPr/>
+        </p:nvSpPr>
+        <p:spPr>
+          <a:xfrm>
+            <a:off x="914400" y="3657600"/>
+            <a:ext cx="11155680" cy="5943600"/>
+          </a:xfrm>
+          <a:prstGeom prst="rect">
+            <a:avLst/>
+          </a:prstGeom>
+          <a:noFill/>
+          <a:ln/>
+        </p:spPr>
+        <p:txBody>
+          <a:bodyPr wrap="square" rtlCol="0" anchor="ctr"/>
+          <a:lstStyle/>
+          <a:p>
+            <a:pPr algn="r" indent="0" marL="0">
+              <a:buNone/>
+            </a:pPr>
+            <a:r>
+              <a:rPr lang="en-US" sz="1800" dirty="0">
+                <a:solidFill>
+                  <a:srgbClr val="999999"/>
+                </a:solidFill>
+                <a:latin typeface="Arial" pitchFamily="34" charset="0"/>
+                <a:ea typeface="Arial" pitchFamily="34" charset="-122"/>
+                <a:cs typeface="Arial" pitchFamily="34" charset="-120"/>
+              </a:rPr>
+              <a:t>© Your Company Name</a:t>
+            </a:r>
+            <a:endParaRPr lang="en-US" sz="1800" dirty="0"/>
+          </a:p>
+        </p:txBody>
+      </p:sp>
+      <p:sp>
+        <p:nvSpPr>
+          <p:cNvPr id="25" name="Slide Number Placeholder 0"/>
+          <p:cNvSpPr>
+            <a:spLocks noGrp="1"/>
+          </p:cNvSpPr>
+          <p:nvPr>
+            <p:ph type="sldNum" sz="quarter" idx="4294967295"/>
+          </p:nvPr>
+        </p:nvSpPr>
+        <p:spPr>
+          <a:xfrm>
+            <a:off x="91440" y="6446520"/>
+            <a:ext cx="457200" cy="365760"/>
+          </a:xfrm>
+          <a:prstGeom prst="rect">
+            <a:avLst/>
+          </a:prstGeom>
+          <a:extLst>
+            <a:ext uri="{C572A759-6A51-4108-AA02-DFA0A04FC94B}">
+              <ma14:wrappingTextBoxFlag xmlns:ma14="http://schemas.microsoft.com/office/mac/drawingml/2011/main" val="0"/>
+            </a:ext>
+          </a:extLst>
+        </p:spPr>
+        <p:txBody>
+          <a:bodyPr/>
+          <a:lstStyle>
+            <a:lvl1pPr/>
+          </a:lstStyle>
+          <a:p>
+            <a:pPr algn="l"/>
+            <a:fld id="{F7021451-1387-4CA6-816F-3879F97B5CBC}" type="slidenum">
+              <a:rPr b="0" lang="en-US"/>
+              <a:t>1003</a:t>
+            </a:fld>
+            <a:endParaRPr lang="en-US"/>
+          </a:p>
+        </p:txBody>
+      </p:sp>
+    </p:spTree>
+  </p:cSld>
+  <p:clrMapOvr>
+    <a:masterClrMapping/>
+  </p:clrMapOvr>
+</p:sldLayout>
+</file>
+
+<file path=ppt/slideLayouts/slideLayout4.xml><?xml version="1.0" encoding="utf-8"?>
+<p:sldLayout xmlns:a="http://schemas.openxmlformats.org/drawingml/2006/main" xmlns:r="http://schemas.openxmlformats.org/officeDocument/2006/relationships" xmlns:p="http://schemas.openxmlformats.org/presentationml/2006/main" preserve="1">
+  <p:cSld name="titleAndContent">
+    <p:spTree>
+      <p:nvGrpSpPr>
+        <p:cNvPr id="1" name=""/>
+        <p:cNvGrpSpPr/>
+        <p:nvPr/>
+      </p:nvGrpSpPr>
+      <p:grpSpPr>
+        <a:xfrm>
+          <a:off x="0" y="0"/>
+          <a:ext cx="0" cy="0"/>
+          <a:chOff x="0" y="0"/>
+          <a:chExt cx="0" cy="0"/>
+        </a:xfrm>
+      </p:grpSpPr>
+      <p:sp>
+        <p:nvSpPr>
+          <p:cNvPr id="2" name="Shape 0"/>
+          <p:cNvSpPr/>
+          <p:nvPr/>
+        </p:nvSpPr>
+        <p:spPr>
+          <a:xfrm>
+            <a:off x="0" y="0"/>
+            <a:ext cx="12192000" cy="6858000"/>
+          </a:xfrm>
+          <a:prstGeom prst="rect">
+            <a:avLst/>
+          </a:prstGeom>
+          <a:solidFill>
+            <a:srgbClr val="FF1A9C"/>
+          </a:solidFill>
+          <a:ln/>
+        </p:spPr>
+      </p:sp>
+      <p:sp>
+        <p:nvSpPr>
+          <p:cNvPr id="3" name="Text 1"/>
+          <p:cNvSpPr/>
+          <p:nvPr>
+            <p:ph idx="101" type="title" hasCustomPrompt="1"/>
+          </p:nvPr>
+        </p:nvSpPr>
+        <p:spPr>
+          <a:xfrm>
+            <a:off x="914400" y="228600"/>
+            <a:ext cx="10433304" cy="1188720"/>
+          </a:xfrm>
+          <a:prstGeom prst="rect">
+            <a:avLst/>
+          </a:prstGeom>
+          <a:noFill/>
+          <a:ln/>
+        </p:spPr>
+        <p:txBody>
+          <a:bodyPr wrap="square" rtlCol="0"/>
+          <a:lstStyle>
+            <a:lvl1pPr algn="ctr" indent="0" marL="0">
+              <a:buNone/>
+              <a:defRPr lang="en-US" sz="4000" b="1" dirty="0">
+                <a:solidFill>
+                  <a:srgbClr val="0E0C0C"/>
+                </a:solidFill>
+                <a:latin typeface="Arial" pitchFamily="34" charset="0"/>
+                <a:ea typeface="Arial" pitchFamily="34" charset="-122"/>
+                <a:cs typeface="Arial" pitchFamily="34" charset="-120"/>
+              </a:defRPr>
+            </a:lvl1pPr>
+          </a:lstStyle>
+          <a:p>
+            <a:pPr algn="ctr" indent="0" marL="0">
+              <a:buNone/>
+            </a:pPr>
+            <a:r>
+              <a:rPr lang="en-US" sz="4000" b="1" dirty="0">
+                <a:solidFill>
+                  <a:srgbClr val="0E0C0C"/>
+                </a:solidFill>
+                <a:latin typeface="Arial" pitchFamily="34" charset="0"/>
+                <a:ea typeface="Arial" pitchFamily="34" charset="-122"/>
+                <a:cs typeface="Arial" pitchFamily="34" charset="-120"/>
+              </a:rPr>
+              <a:t>Title Placeholder</a:t>
+            </a:r>
+            <a:endParaRPr lang="en-US" sz="4000" dirty="0"/>
+          </a:p>
+        </p:txBody>
+      </p:sp>
+      <p:sp>
+        <p:nvSpPr>
+          <p:cNvPr id="4" name="Text 1"/>
+          <p:cNvSpPr/>
+          <p:nvPr>
+            <p:ph idx="102" type="body" hasCustomPrompt="1"/>
+          </p:nvPr>
+        </p:nvSpPr>
+        <p:spPr>
+          <a:xfrm>
+            <a:off x="914400" y="1417320"/>
+            <a:ext cx="10433304" cy="5029200"/>
+          </a:xfrm>
+          <a:prstGeom prst="rect">
+            <a:avLst/>
+          </a:prstGeom>
+          <a:noFill/>
+          <a:ln/>
+        </p:spPr>
+        <p:txBody>
+          <a:bodyPr wrap="square" rtlCol="0"/>
+          <a:lstStyle>
+            <a:lvl1pPr algn="l" indent="0" marL="0">
+              <a:buNone/>
+              <a:defRPr lang="en-US" sz="2600" dirty="0">
+                <a:solidFill>
+                  <a:srgbClr val="0E0C0C"/>
+                </a:solidFill>
+                <a:latin typeface="Arial" pitchFamily="34" charset="0"/>
+                <a:ea typeface="Arial" pitchFamily="34" charset="-122"/>
+                <a:cs typeface="Arial" pitchFamily="34" charset="-120"/>
+              </a:defRPr>
+            </a:lvl1pPr>
+          </a:lstStyle>
+          <a:p>
+            <a:pPr algn="l" indent="0" marL="0">
+              <a:buNone/>
+            </a:pPr>
+            <a:r>
+              <a:rPr lang="en-US" sz="2600" dirty="0">
+                <a:solidFill>
+                  <a:srgbClr val="0E0C0C"/>
+                </a:solidFill>
+                <a:latin typeface="Arial" pitchFamily="34" charset="0"/>
+                <a:ea typeface="Arial" pitchFamily="34" charset="-122"/>
+                <a:cs typeface="Arial" pitchFamily="34" charset="-120"/>
+              </a:rPr>
+              <a:t>Content Placeholder</a:t>
+            </a:r>
+            <a:endParaRPr lang="en-US" sz="2600" dirty="0"/>
+          </a:p>
+        </p:txBody>
+      </p:sp>
+      <p:sp>
+        <p:nvSpPr>
+          <p:cNvPr id="5" name="Text 1"/>
+          <p:cNvSpPr/>
+          <p:nvPr/>
+        </p:nvSpPr>
+        <p:spPr>
+          <a:xfrm>
+            <a:off x="914400" y="3657600"/>
+            <a:ext cx="11155680" cy="5943600"/>
+          </a:xfrm>
+          <a:prstGeom prst="rect">
+            <a:avLst/>
+          </a:prstGeom>
+          <a:noFill/>
+          <a:ln/>
+        </p:spPr>
+        <p:txBody>
+          <a:bodyPr wrap="square" rtlCol="0" anchor="ctr"/>
+          <a:lstStyle/>
+          <a:p>
+            <a:pPr algn="r" indent="0" marL="0">
+              <a:buNone/>
+            </a:pPr>
+            <a:r>
+              <a:rPr lang="en-US" sz="1800" dirty="0">
+                <a:solidFill>
+                  <a:srgbClr val="999999"/>
+                </a:solidFill>
+                <a:latin typeface="Arial" pitchFamily="34" charset="0"/>
+                <a:ea typeface="Arial" pitchFamily="34" charset="-122"/>
+                <a:cs typeface="Arial" pitchFamily="34" charset="-120"/>
+              </a:rPr>
+              <a:t>© Your Company Name</a:t>
+            </a:r>
+            <a:endParaRPr lang="en-US" sz="1800" dirty="0"/>
+          </a:p>
+        </p:txBody>
+      </p:sp>
+      <p:sp>
+        <p:nvSpPr>
+          <p:cNvPr id="25" name="Slide Number Placeholder 0"/>
+          <p:cNvSpPr>
+            <a:spLocks noGrp="1"/>
+          </p:cNvSpPr>
+          <p:nvPr>
+            <p:ph type="sldNum" sz="quarter" idx="4294967295"/>
+          </p:nvPr>
+        </p:nvSpPr>
+        <p:spPr>
+          <a:xfrm>
+            <a:off x="91440" y="6446520"/>
+            <a:ext cx="457200" cy="365760"/>
+          </a:xfrm>
+          <a:prstGeom prst="rect">
+            <a:avLst/>
+          </a:prstGeom>
+          <a:extLst>
+            <a:ext uri="{C572A759-6A51-4108-AA02-DFA0A04FC94B}">
+              <ma14:wrappingTextBoxFlag xmlns:ma14="http://schemas.microsoft.com/office/mac/drawingml/2011/main" val="0"/>
+            </a:ext>
+          </a:extLst>
+        </p:spPr>
+        <p:txBody>
+          <a:bodyPr/>
+          <a:lstStyle>
+            <a:lvl1pPr/>
+          </a:lstStyle>
+          <a:p>
+            <a:pPr algn="l"/>
+            <a:fld id="{F7021451-1387-4CA6-816F-3879F97B5CBC}" type="slidenum">
+              <a:rPr b="0" lang="en-US"/>
+              <a:t>1004</a:t>
+            </a:fld>
+            <a:endParaRPr lang="en-US"/>
+          </a:p>
+        </p:txBody>
+      </p:sp>
+    </p:spTree>
+  </p:cSld>
+  <p:clrMapOvr>
+    <a:masterClrMapping/>
+  </p:clrMapOvr>
+</p:sldLayout>
+</file>
+
+<file path=ppt/slideLayouts/slideLayout5.xml><?xml version="1.0" encoding="utf-8"?>
 <p:sldLayout xmlns:a="http://schemas.openxmlformats.org/drawingml/2006/main" xmlns:r="http://schemas.openxmlformats.org/officeDocument/2006/relationships" xmlns:p="http://schemas.openxmlformats.org/presentationml/2006/main" preserve="1">
   <p:cSld name="twoContent">
     <p:spTree>
@@ -955,7 +2583,7 @@
               <a:buNone/>
               <a:defRPr lang="en-US" sz="4000" b="1" dirty="0">
                 <a:solidFill>
-                  <a:srgbClr val="333333"/>
+                  <a:srgbClr val="0E0C0C"/>
                 </a:solidFill>
                 <a:latin typeface="Arial" pitchFamily="34" charset="0"/>
                 <a:ea typeface="Arial" pitchFamily="34" charset="-122"/>
@@ -970,7 +2598,7 @@
             <a:r>
               <a:rPr lang="en-US" sz="4000" b="1" dirty="0">
                 <a:solidFill>
-                  <a:srgbClr val="333333"/>
+                  <a:srgbClr val="0E0C0C"/>
                 </a:solidFill>
                 <a:latin typeface="Arial" pitchFamily="34" charset="0"/>
                 <a:ea typeface="Arial" pitchFamily="34" charset="-122"/>
@@ -1006,9 +2634,9 @@
           <a:lstStyle>
             <a:lvl1pPr algn="l" indent="0" marL="0">
               <a:buNone/>
-              <a:defRPr lang="en-US" sz="2000" dirty="0">
-                <a:solidFill>
-                  <a:srgbClr val="666666"/>
+              <a:defRPr lang="en-US" sz="2500" dirty="0">
+                <a:solidFill>
+                  <a:srgbClr val="0E0C0C"/>
                 </a:solidFill>
                 <a:latin typeface="Arial" pitchFamily="34" charset="0"/>
                 <a:ea typeface="Arial" pitchFamily="34" charset="-122"/>
@@ -1021,9 +2649,9 @@
               <a:buNone/>
             </a:pPr>
             <a:r>
-              <a:rPr lang="en-US" sz="2000" dirty="0">
-                <a:solidFill>
-                  <a:srgbClr val="666666"/>
+              <a:rPr lang="en-US" sz="2500" dirty="0">
+                <a:solidFill>
+                  <a:srgbClr val="0E0C0C"/>
                 </a:solidFill>
                 <a:latin typeface="Arial" pitchFamily="34" charset="0"/>
                 <a:ea typeface="Arial" pitchFamily="34" charset="-122"/>
@@ -1031,7 +2659,7 @@
               </a:rPr>
               <a:t>Content Placeholder</a:t>
             </a:r>
-            <a:endParaRPr lang="en-US" sz="2000" dirty="0"/>
+            <a:endParaRPr lang="en-US" sz="2500" dirty="0"/>
           </a:p>
         </p:txBody>
       </p:sp>
@@ -1059,9 +2687,9 @@
           <a:lstStyle>
             <a:lvl1pPr algn="l" indent="0" marL="0">
               <a:buNone/>
-              <a:defRPr lang="en-US" sz="2000" dirty="0">
-                <a:solidFill>
-                  <a:srgbClr val="666666"/>
+              <a:defRPr lang="en-US" sz="2500" dirty="0">
+                <a:solidFill>
+                  <a:srgbClr val="0E0C0C"/>
                 </a:solidFill>
                 <a:latin typeface="Arial" pitchFamily="34" charset="0"/>
                 <a:ea typeface="Arial" pitchFamily="34" charset="-122"/>
@@ -1074,9 +2702,9 @@
               <a:buNone/>
             </a:pPr>
             <a:r>
-              <a:rPr lang="en-US" sz="2000" dirty="0">
-                <a:solidFill>
-                  <a:srgbClr val="666666"/>
+              <a:rPr lang="en-US" sz="2500" dirty="0">
+                <a:solidFill>
+                  <a:srgbClr val="0E0C0C"/>
                 </a:solidFill>
                 <a:latin typeface="Arial" pitchFamily="34" charset="0"/>
                 <a:ea typeface="Arial" pitchFamily="34" charset="-122"/>
@@ -1084,7 +2712,7 @@
               </a:rPr>
               <a:t>Second Content Placeholder</a:t>
             </a:r>
-            <a:endParaRPr lang="en-US" sz="2000" dirty="0"/>
+            <a:endParaRPr lang="en-US" sz="2500" dirty="0"/>
           </a:p>
         </p:txBody>
       </p:sp>
@@ -1160,7 +2788,1135 @@
             <a:pPr algn="l"/>
             <a:fld id="{F7021451-1387-4CA6-816F-3879F97B5CBC}" type="slidenum">
               <a:rPr b="0" lang="en-US"/>
-              <a:t>1003</a:t>
+              <a:t>1005</a:t>
+            </a:fld>
+            <a:endParaRPr lang="en-US"/>
+          </a:p>
+        </p:txBody>
+      </p:sp>
+    </p:spTree>
+  </p:cSld>
+  <p:clrMapOvr>
+    <a:masterClrMapping/>
+  </p:clrMapOvr>
+</p:sldLayout>
+</file>
+
+<file path=ppt/slideLayouts/slideLayout6.xml><?xml version="1.0" encoding="utf-8"?>
+<p:sldLayout xmlns:a="http://schemas.openxmlformats.org/drawingml/2006/main" xmlns:r="http://schemas.openxmlformats.org/officeDocument/2006/relationships" xmlns:p="http://schemas.openxmlformats.org/presentationml/2006/main" preserve="1">
+  <p:cSld name="contentWithCaption">
+    <p:spTree>
+      <p:nvGrpSpPr>
+        <p:cNvPr id="1" name=""/>
+        <p:cNvGrpSpPr/>
+        <p:nvPr/>
+      </p:nvGrpSpPr>
+      <p:grpSpPr>
+        <a:xfrm>
+          <a:off x="0" y="0"/>
+          <a:ext cx="0" cy="0"/>
+          <a:chOff x="0" y="0"/>
+          <a:chExt cx="0" cy="0"/>
+        </a:xfrm>
+      </p:grpSpPr>
+      <p:sp>
+        <p:nvSpPr>
+          <p:cNvPr id="2" name="Shape 0"/>
+          <p:cNvSpPr/>
+          <p:nvPr/>
+        </p:nvSpPr>
+        <p:spPr>
+          <a:xfrm>
+            <a:off x="0" y="0"/>
+            <a:ext cx="12192000" cy="6858000"/>
+          </a:xfrm>
+          <a:prstGeom prst="rect">
+            <a:avLst/>
+          </a:prstGeom>
+          <a:solidFill>
+            <a:srgbClr val="FF1A9C"/>
+          </a:solidFill>
+          <a:ln/>
+        </p:spPr>
+      </p:sp>
+      <p:sp>
+        <p:nvSpPr>
+          <p:cNvPr id="3" name="Text 1"/>
+          <p:cNvSpPr/>
+          <p:nvPr>
+            <p:ph idx="101" type="title" hasCustomPrompt="1"/>
+          </p:nvPr>
+        </p:nvSpPr>
+        <p:spPr>
+          <a:xfrm>
+            <a:off x="457200" y="457200"/>
+            <a:ext cx="5486400" cy="1371600"/>
+          </a:xfrm>
+          <a:prstGeom prst="rect">
+            <a:avLst/>
+          </a:prstGeom>
+          <a:noFill/>
+          <a:ln/>
+        </p:spPr>
+        <p:txBody>
+          <a:bodyPr wrap="square" rtlCol="0"/>
+          <a:lstStyle>
+            <a:lvl1pPr algn="l" indent="0" marL="0">
+              <a:buNone/>
+              <a:defRPr lang="en-US" sz="4000" b="1" dirty="0">
+                <a:solidFill>
+                  <a:srgbClr val="0E0C0C"/>
+                </a:solidFill>
+                <a:latin typeface="Arial" pitchFamily="34" charset="0"/>
+                <a:ea typeface="Arial" pitchFamily="34" charset="-122"/>
+                <a:cs typeface="Arial" pitchFamily="34" charset="-120"/>
+              </a:defRPr>
+            </a:lvl1pPr>
+          </a:lstStyle>
+          <a:p>
+            <a:pPr algn="l" indent="0" marL="0">
+              <a:buNone/>
+            </a:pPr>
+            <a:r>
+              <a:rPr lang="en-US" sz="4000" b="1" dirty="0">
+                <a:solidFill>
+                  <a:srgbClr val="0E0C0C"/>
+                </a:solidFill>
+                <a:latin typeface="Arial" pitchFamily="34" charset="0"/>
+                <a:ea typeface="Arial" pitchFamily="34" charset="-122"/>
+                <a:cs typeface="Arial" pitchFamily="34" charset="-120"/>
+              </a:rPr>
+              <a:t>Title Placeholder</a:t>
+            </a:r>
+            <a:endParaRPr lang="en-US" sz="4000" dirty="0"/>
+          </a:p>
+        </p:txBody>
+      </p:sp>
+      <p:sp>
+        <p:nvSpPr>
+          <p:cNvPr id="4" name="Text 1"/>
+          <p:cNvSpPr/>
+          <p:nvPr>
+            <p:ph idx="102" type="body" hasCustomPrompt="1"/>
+          </p:nvPr>
+        </p:nvSpPr>
+        <p:spPr>
+          <a:xfrm>
+            <a:off x="6400800" y="457200"/>
+            <a:ext cx="5029200" cy="5486400"/>
+          </a:xfrm>
+          <a:prstGeom prst="rect">
+            <a:avLst/>
+          </a:prstGeom>
+          <a:noFill/>
+          <a:ln/>
+        </p:spPr>
+        <p:txBody>
+          <a:bodyPr wrap="square" rtlCol="0"/>
+          <a:lstStyle>
+            <a:lvl1pPr algn="l" indent="0" marL="0">
+              <a:buNone/>
+              <a:defRPr lang="en-US" sz="2000" dirty="0">
+                <a:solidFill>
+                  <a:srgbClr val="0E0C0C"/>
+                </a:solidFill>
+                <a:latin typeface="Arial" pitchFamily="34" charset="0"/>
+                <a:ea typeface="Arial" pitchFamily="34" charset="-122"/>
+                <a:cs typeface="Arial" pitchFamily="34" charset="-120"/>
+              </a:defRPr>
+            </a:lvl1pPr>
+          </a:lstStyle>
+          <a:p>
+            <a:pPr algn="l" indent="0" marL="0">
+              <a:buNone/>
+            </a:pPr>
+            <a:r>
+              <a:rPr lang="en-US" sz="2000" dirty="0">
+                <a:solidFill>
+                  <a:srgbClr val="0E0C0C"/>
+                </a:solidFill>
+                <a:latin typeface="Arial" pitchFamily="34" charset="0"/>
+                <a:ea typeface="Arial" pitchFamily="34" charset="-122"/>
+                <a:cs typeface="Arial" pitchFamily="34" charset="-120"/>
+              </a:rPr>
+              <a:t>Content Placeholder</a:t>
+            </a:r>
+            <a:endParaRPr lang="en-US" sz="2000" dirty="0"/>
+          </a:p>
+        </p:txBody>
+      </p:sp>
+      <p:sp>
+        <p:nvSpPr>
+          <p:cNvPr id="5" name="Text 1"/>
+          <p:cNvSpPr/>
+          <p:nvPr>
+            <p:ph idx="103" type="body" hasCustomPrompt="1"/>
+          </p:nvPr>
+        </p:nvSpPr>
+        <p:spPr>
+          <a:xfrm>
+            <a:off x="457200" y="2286000"/>
+            <a:ext cx="5486400" cy="3657600"/>
+          </a:xfrm>
+          <a:prstGeom prst="rect">
+            <a:avLst/>
+          </a:prstGeom>
+          <a:noFill/>
+          <a:ln/>
+        </p:spPr>
+        <p:txBody>
+          <a:bodyPr wrap="square" rtlCol="0"/>
+          <a:lstStyle>
+            <a:lvl1pPr algn="l" indent="0" marL="0">
+              <a:buNone/>
+              <a:defRPr lang="en-US" sz="2400" dirty="0">
+                <a:solidFill>
+                  <a:srgbClr val="211F1F"/>
+                </a:solidFill>
+                <a:latin typeface="Arial" pitchFamily="34" charset="0"/>
+                <a:ea typeface="Arial" pitchFamily="34" charset="-122"/>
+                <a:cs typeface="Arial" pitchFamily="34" charset="-120"/>
+              </a:defRPr>
+            </a:lvl1pPr>
+          </a:lstStyle>
+          <a:p>
+            <a:pPr algn="l" indent="0" marL="0">
+              <a:buNone/>
+            </a:pPr>
+            <a:r>
+              <a:rPr lang="en-US" sz="2400" dirty="0">
+                <a:solidFill>
+                  <a:srgbClr val="211F1F"/>
+                </a:solidFill>
+                <a:latin typeface="Arial" pitchFamily="34" charset="0"/>
+                <a:ea typeface="Arial" pitchFamily="34" charset="-122"/>
+                <a:cs typeface="Arial" pitchFamily="34" charset="-120"/>
+              </a:rPr>
+              <a:t>Caption Placeholder</a:t>
+            </a:r>
+            <a:endParaRPr lang="en-US" sz="2400" dirty="0"/>
+          </a:p>
+        </p:txBody>
+      </p:sp>
+      <p:sp>
+        <p:nvSpPr>
+          <p:cNvPr id="6" name="Text 1"/>
+          <p:cNvSpPr/>
+          <p:nvPr/>
+        </p:nvSpPr>
+        <p:spPr>
+          <a:xfrm>
+            <a:off x="914400" y="3657600"/>
+            <a:ext cx="11155680" cy="5486400"/>
+          </a:xfrm>
+          <a:prstGeom prst="rect">
+            <a:avLst/>
+          </a:prstGeom>
+          <a:noFill/>
+          <a:ln/>
+        </p:spPr>
+        <p:txBody>
+          <a:bodyPr wrap="square" rtlCol="0" anchor="ctr"/>
+          <a:lstStyle/>
+          <a:p>
+            <a:pPr algn="r" indent="0" marL="0">
+              <a:buNone/>
+            </a:pPr>
+            <a:r>
+              <a:rPr lang="en-US" sz="1800" dirty="0">
+                <a:solidFill>
+                  <a:srgbClr val="999999"/>
+                </a:solidFill>
+                <a:latin typeface="Arial" pitchFamily="34" charset="0"/>
+                <a:ea typeface="Arial" pitchFamily="34" charset="-122"/>
+                <a:cs typeface="Arial" pitchFamily="34" charset="-120"/>
+              </a:rPr>
+              <a:t>© Your Company Name</a:t>
+            </a:r>
+            <a:endParaRPr lang="en-US" sz="1800" dirty="0"/>
+          </a:p>
+        </p:txBody>
+      </p:sp>
+      <p:sp>
+        <p:nvSpPr>
+          <p:cNvPr id="25" name="Slide Number Placeholder 0"/>
+          <p:cNvSpPr>
+            <a:spLocks noGrp="1"/>
+          </p:cNvSpPr>
+          <p:nvPr>
+            <p:ph type="sldNum" sz="quarter" idx="4294967295"/>
+          </p:nvPr>
+        </p:nvSpPr>
+        <p:spPr>
+          <a:xfrm>
+            <a:off x="91440" y="6515100"/>
+            <a:ext cx="457200" cy="457200"/>
+          </a:xfrm>
+          <a:prstGeom prst="rect">
+            <a:avLst/>
+          </a:prstGeom>
+          <a:extLst>
+            <a:ext uri="{C572A759-6A51-4108-AA02-DFA0A04FC94B}">
+              <ma14:wrappingTextBoxFlag xmlns:ma14="http://schemas.microsoft.com/office/mac/drawingml/2011/main" val="0"/>
+            </a:ext>
+          </a:extLst>
+        </p:spPr>
+        <p:txBody>
+          <a:bodyPr/>
+          <a:lstStyle>
+            <a:lvl1pPr/>
+          </a:lstStyle>
+          <a:p>
+            <a:pPr algn="l"/>
+            <a:fld id="{F7021451-1387-4CA6-816F-3879F97B5CBC}" type="slidenum">
+              <a:rPr b="0" lang="en-US"/>
+              <a:t>1006</a:t>
+            </a:fld>
+            <a:endParaRPr lang="en-US"/>
+          </a:p>
+        </p:txBody>
+      </p:sp>
+    </p:spTree>
+  </p:cSld>
+  <p:clrMapOvr>
+    <a:masterClrMapping/>
+  </p:clrMapOvr>
+</p:sldLayout>
+</file>
+
+<file path=ppt/slideLayouts/slideLayout7.xml><?xml version="1.0" encoding="utf-8"?>
+<p:sldLayout xmlns:a="http://schemas.openxmlformats.org/drawingml/2006/main" xmlns:r="http://schemas.openxmlformats.org/officeDocument/2006/relationships" xmlns:p="http://schemas.openxmlformats.org/presentationml/2006/main" preserve="1">
+  <p:cSld name="contentWithCaption">
+    <p:spTree>
+      <p:nvGrpSpPr>
+        <p:cNvPr id="1" name=""/>
+        <p:cNvGrpSpPr/>
+        <p:nvPr/>
+      </p:nvGrpSpPr>
+      <p:grpSpPr>
+        <a:xfrm>
+          <a:off x="0" y="0"/>
+          <a:ext cx="0" cy="0"/>
+          <a:chOff x="0" y="0"/>
+          <a:chExt cx="0" cy="0"/>
+        </a:xfrm>
+      </p:grpSpPr>
+      <p:sp>
+        <p:nvSpPr>
+          <p:cNvPr id="2" name="Shape 0"/>
+          <p:cNvSpPr/>
+          <p:nvPr/>
+        </p:nvSpPr>
+        <p:spPr>
+          <a:xfrm>
+            <a:off x="0" y="0"/>
+            <a:ext cx="12192000" cy="6858000"/>
+          </a:xfrm>
+          <a:prstGeom prst="rect">
+            <a:avLst/>
+          </a:prstGeom>
+          <a:solidFill>
+            <a:srgbClr val="FF1A9C"/>
+          </a:solidFill>
+          <a:ln/>
+        </p:spPr>
+      </p:sp>
+      <p:sp>
+        <p:nvSpPr>
+          <p:cNvPr id="3" name="Text 1"/>
+          <p:cNvSpPr/>
+          <p:nvPr>
+            <p:ph idx="101" type="title" hasCustomPrompt="1"/>
+          </p:nvPr>
+        </p:nvSpPr>
+        <p:spPr>
+          <a:xfrm>
+            <a:off x="457200" y="457200"/>
+            <a:ext cx="5486400" cy="1371600"/>
+          </a:xfrm>
+          <a:prstGeom prst="rect">
+            <a:avLst/>
+          </a:prstGeom>
+          <a:noFill/>
+          <a:ln/>
+        </p:spPr>
+        <p:txBody>
+          <a:bodyPr wrap="square" rtlCol="0"/>
+          <a:lstStyle>
+            <a:lvl1pPr algn="l" indent="0" marL="0">
+              <a:buNone/>
+              <a:defRPr lang="en-US" sz="4000" b="1" dirty="0">
+                <a:solidFill>
+                  <a:srgbClr val="0E0C0C"/>
+                </a:solidFill>
+                <a:latin typeface="Arial" pitchFamily="34" charset="0"/>
+                <a:ea typeface="Arial" pitchFamily="34" charset="-122"/>
+                <a:cs typeface="Arial" pitchFamily="34" charset="-120"/>
+              </a:defRPr>
+            </a:lvl1pPr>
+          </a:lstStyle>
+          <a:p>
+            <a:pPr algn="l" indent="0" marL="0">
+              <a:buNone/>
+            </a:pPr>
+            <a:r>
+              <a:rPr lang="en-US" sz="4000" b="1" dirty="0">
+                <a:solidFill>
+                  <a:srgbClr val="0E0C0C"/>
+                </a:solidFill>
+                <a:latin typeface="Arial" pitchFamily="34" charset="0"/>
+                <a:ea typeface="Arial" pitchFamily="34" charset="-122"/>
+                <a:cs typeface="Arial" pitchFamily="34" charset="-120"/>
+              </a:rPr>
+              <a:t>Title Placeholder</a:t>
+            </a:r>
+            <a:endParaRPr lang="en-US" sz="4000" dirty="0"/>
+          </a:p>
+        </p:txBody>
+      </p:sp>
+      <p:sp>
+        <p:nvSpPr>
+          <p:cNvPr id="4" name="Text 1"/>
+          <p:cNvSpPr/>
+          <p:nvPr>
+            <p:ph idx="102" type="body" hasCustomPrompt="1"/>
+          </p:nvPr>
+        </p:nvSpPr>
+        <p:spPr>
+          <a:xfrm>
+            <a:off x="6400800" y="457200"/>
+            <a:ext cx="5029200" cy="5486400"/>
+          </a:xfrm>
+          <a:prstGeom prst="rect">
+            <a:avLst/>
+          </a:prstGeom>
+          <a:noFill/>
+          <a:ln/>
+        </p:spPr>
+        <p:txBody>
+          <a:bodyPr wrap="square" rtlCol="0"/>
+          <a:lstStyle>
+            <a:lvl1pPr algn="l" indent="0" marL="0">
+              <a:buNone/>
+              <a:defRPr lang="en-US" sz="2000" dirty="0">
+                <a:solidFill>
+                  <a:srgbClr val="0E0C0C"/>
+                </a:solidFill>
+                <a:latin typeface="Arial" pitchFamily="34" charset="0"/>
+                <a:ea typeface="Arial" pitchFamily="34" charset="-122"/>
+                <a:cs typeface="Arial" pitchFamily="34" charset="-120"/>
+              </a:defRPr>
+            </a:lvl1pPr>
+          </a:lstStyle>
+          <a:p>
+            <a:pPr algn="l" indent="0" marL="0">
+              <a:buNone/>
+            </a:pPr>
+            <a:r>
+              <a:rPr lang="en-US" sz="2000" dirty="0">
+                <a:solidFill>
+                  <a:srgbClr val="0E0C0C"/>
+                </a:solidFill>
+                <a:latin typeface="Arial" pitchFamily="34" charset="0"/>
+                <a:ea typeface="Arial" pitchFamily="34" charset="-122"/>
+                <a:cs typeface="Arial" pitchFamily="34" charset="-120"/>
+              </a:rPr>
+              <a:t>Content Placeholder</a:t>
+            </a:r>
+            <a:endParaRPr lang="en-US" sz="2000" dirty="0"/>
+          </a:p>
+        </p:txBody>
+      </p:sp>
+      <p:sp>
+        <p:nvSpPr>
+          <p:cNvPr id="5" name="Text 1"/>
+          <p:cNvSpPr/>
+          <p:nvPr>
+            <p:ph idx="103" type="body" hasCustomPrompt="1"/>
+          </p:nvPr>
+        </p:nvSpPr>
+        <p:spPr>
+          <a:xfrm>
+            <a:off x="457200" y="2286000"/>
+            <a:ext cx="5486400" cy="3657600"/>
+          </a:xfrm>
+          <a:prstGeom prst="rect">
+            <a:avLst/>
+          </a:prstGeom>
+          <a:noFill/>
+          <a:ln/>
+        </p:spPr>
+        <p:txBody>
+          <a:bodyPr wrap="square" rtlCol="0"/>
+          <a:lstStyle>
+            <a:lvl1pPr algn="l" indent="0" marL="0">
+              <a:buNone/>
+              <a:defRPr lang="en-US" sz="2400" dirty="0">
+                <a:solidFill>
+                  <a:srgbClr val="211F1F"/>
+                </a:solidFill>
+                <a:latin typeface="Arial" pitchFamily="34" charset="0"/>
+                <a:ea typeface="Arial" pitchFamily="34" charset="-122"/>
+                <a:cs typeface="Arial" pitchFamily="34" charset="-120"/>
+              </a:defRPr>
+            </a:lvl1pPr>
+          </a:lstStyle>
+          <a:p>
+            <a:pPr algn="l" indent="0" marL="0">
+              <a:buNone/>
+            </a:pPr>
+            <a:r>
+              <a:rPr lang="en-US" sz="2400" dirty="0">
+                <a:solidFill>
+                  <a:srgbClr val="211F1F"/>
+                </a:solidFill>
+                <a:latin typeface="Arial" pitchFamily="34" charset="0"/>
+                <a:ea typeface="Arial" pitchFamily="34" charset="-122"/>
+                <a:cs typeface="Arial" pitchFamily="34" charset="-120"/>
+              </a:rPr>
+              <a:t>Caption Placeholder</a:t>
+            </a:r>
+            <a:endParaRPr lang="en-US" sz="2400" dirty="0"/>
+          </a:p>
+        </p:txBody>
+      </p:sp>
+      <p:sp>
+        <p:nvSpPr>
+          <p:cNvPr id="6" name="Text 1"/>
+          <p:cNvSpPr/>
+          <p:nvPr/>
+        </p:nvSpPr>
+        <p:spPr>
+          <a:xfrm>
+            <a:off x="914400" y="3657600"/>
+            <a:ext cx="11155680" cy="5486400"/>
+          </a:xfrm>
+          <a:prstGeom prst="rect">
+            <a:avLst/>
+          </a:prstGeom>
+          <a:noFill/>
+          <a:ln/>
+        </p:spPr>
+        <p:txBody>
+          <a:bodyPr wrap="square" rtlCol="0" anchor="ctr"/>
+          <a:lstStyle/>
+          <a:p>
+            <a:pPr algn="r" indent="0" marL="0">
+              <a:buNone/>
+            </a:pPr>
+            <a:r>
+              <a:rPr lang="en-US" sz="1800" dirty="0">
+                <a:solidFill>
+                  <a:srgbClr val="999999"/>
+                </a:solidFill>
+                <a:latin typeface="Arial" pitchFamily="34" charset="0"/>
+                <a:ea typeface="Arial" pitchFamily="34" charset="-122"/>
+                <a:cs typeface="Arial" pitchFamily="34" charset="-120"/>
+              </a:rPr>
+              <a:t>© Your Company Name</a:t>
+            </a:r>
+            <a:endParaRPr lang="en-US" sz="1800" dirty="0"/>
+          </a:p>
+        </p:txBody>
+      </p:sp>
+      <p:sp>
+        <p:nvSpPr>
+          <p:cNvPr id="25" name="Slide Number Placeholder 0"/>
+          <p:cNvSpPr>
+            <a:spLocks noGrp="1"/>
+          </p:cNvSpPr>
+          <p:nvPr>
+            <p:ph type="sldNum" sz="quarter" idx="4294967295"/>
+          </p:nvPr>
+        </p:nvSpPr>
+        <p:spPr>
+          <a:xfrm>
+            <a:off x="91440" y="6515100"/>
+            <a:ext cx="457200" cy="457200"/>
+          </a:xfrm>
+          <a:prstGeom prst="rect">
+            <a:avLst/>
+          </a:prstGeom>
+          <a:extLst>
+            <a:ext uri="{C572A759-6A51-4108-AA02-DFA0A04FC94B}">
+              <ma14:wrappingTextBoxFlag xmlns:ma14="http://schemas.microsoft.com/office/mac/drawingml/2011/main" val="0"/>
+            </a:ext>
+          </a:extLst>
+        </p:spPr>
+        <p:txBody>
+          <a:bodyPr/>
+          <a:lstStyle>
+            <a:lvl1pPr/>
+          </a:lstStyle>
+          <a:p>
+            <a:pPr algn="l"/>
+            <a:fld id="{F7021451-1387-4CA6-816F-3879F97B5CBC}" type="slidenum">
+              <a:rPr b="0" lang="en-US"/>
+              <a:t>1007</a:t>
+            </a:fld>
+            <a:endParaRPr lang="en-US"/>
+          </a:p>
+        </p:txBody>
+      </p:sp>
+    </p:spTree>
+  </p:cSld>
+  <p:clrMapOvr>
+    <a:masterClrMapping/>
+  </p:clrMapOvr>
+</p:sldLayout>
+</file>
+
+<file path=ppt/slideLayouts/slideLayout8.xml><?xml version="1.0" encoding="utf-8"?>
+<p:sldLayout xmlns:a="http://schemas.openxmlformats.org/drawingml/2006/main" xmlns:r="http://schemas.openxmlformats.org/officeDocument/2006/relationships" xmlns:p="http://schemas.openxmlformats.org/presentationml/2006/main" preserve="1">
+  <p:cSld name="contentWithCaption">
+    <p:spTree>
+      <p:nvGrpSpPr>
+        <p:cNvPr id="1" name=""/>
+        <p:cNvGrpSpPr/>
+        <p:nvPr/>
+      </p:nvGrpSpPr>
+      <p:grpSpPr>
+        <a:xfrm>
+          <a:off x="0" y="0"/>
+          <a:ext cx="0" cy="0"/>
+          <a:chOff x="0" y="0"/>
+          <a:chExt cx="0" cy="0"/>
+        </a:xfrm>
+      </p:grpSpPr>
+      <p:sp>
+        <p:nvSpPr>
+          <p:cNvPr id="2" name="Shape 0"/>
+          <p:cNvSpPr/>
+          <p:nvPr/>
+        </p:nvSpPr>
+        <p:spPr>
+          <a:xfrm>
+            <a:off x="0" y="0"/>
+            <a:ext cx="12192000" cy="6858000"/>
+          </a:xfrm>
+          <a:prstGeom prst="rect">
+            <a:avLst/>
+          </a:prstGeom>
+          <a:solidFill>
+            <a:srgbClr val="FF1A9C"/>
+          </a:solidFill>
+          <a:ln/>
+        </p:spPr>
+      </p:sp>
+      <p:sp>
+        <p:nvSpPr>
+          <p:cNvPr id="3" name="Text 1"/>
+          <p:cNvSpPr/>
+          <p:nvPr>
+            <p:ph idx="101" type="title" hasCustomPrompt="1"/>
+          </p:nvPr>
+        </p:nvSpPr>
+        <p:spPr>
+          <a:xfrm>
+            <a:off x="457200" y="457200"/>
+            <a:ext cx="5486400" cy="1371600"/>
+          </a:xfrm>
+          <a:prstGeom prst="rect">
+            <a:avLst/>
+          </a:prstGeom>
+          <a:noFill/>
+          <a:ln/>
+        </p:spPr>
+        <p:txBody>
+          <a:bodyPr wrap="square" rtlCol="0"/>
+          <a:lstStyle>
+            <a:lvl1pPr algn="l" indent="0" marL="0">
+              <a:buNone/>
+              <a:defRPr lang="en-US" sz="4000" b="1" dirty="0">
+                <a:solidFill>
+                  <a:srgbClr val="0E0C0C"/>
+                </a:solidFill>
+                <a:latin typeface="Arial" pitchFamily="34" charset="0"/>
+                <a:ea typeface="Arial" pitchFamily="34" charset="-122"/>
+                <a:cs typeface="Arial" pitchFamily="34" charset="-120"/>
+              </a:defRPr>
+            </a:lvl1pPr>
+          </a:lstStyle>
+          <a:p>
+            <a:pPr algn="l" indent="0" marL="0">
+              <a:buNone/>
+            </a:pPr>
+            <a:r>
+              <a:rPr lang="en-US" sz="4000" b="1" dirty="0">
+                <a:solidFill>
+                  <a:srgbClr val="0E0C0C"/>
+                </a:solidFill>
+                <a:latin typeface="Arial" pitchFamily="34" charset="0"/>
+                <a:ea typeface="Arial" pitchFamily="34" charset="-122"/>
+                <a:cs typeface="Arial" pitchFamily="34" charset="-120"/>
+              </a:rPr>
+              <a:t>Title Placeholder</a:t>
+            </a:r>
+            <a:endParaRPr lang="en-US" sz="4000" dirty="0"/>
+          </a:p>
+        </p:txBody>
+      </p:sp>
+      <p:sp>
+        <p:nvSpPr>
+          <p:cNvPr id="4" name="Text 1"/>
+          <p:cNvSpPr/>
+          <p:nvPr>
+            <p:ph idx="102" type="body" hasCustomPrompt="1"/>
+          </p:nvPr>
+        </p:nvSpPr>
+        <p:spPr>
+          <a:xfrm>
+            <a:off x="6400800" y="457200"/>
+            <a:ext cx="5029200" cy="5486400"/>
+          </a:xfrm>
+          <a:prstGeom prst="rect">
+            <a:avLst/>
+          </a:prstGeom>
+          <a:noFill/>
+          <a:ln/>
+        </p:spPr>
+        <p:txBody>
+          <a:bodyPr wrap="square" rtlCol="0"/>
+          <a:lstStyle>
+            <a:lvl1pPr algn="l" indent="0" marL="0">
+              <a:buNone/>
+              <a:defRPr lang="en-US" sz="2000" dirty="0">
+                <a:solidFill>
+                  <a:srgbClr val="0E0C0C"/>
+                </a:solidFill>
+                <a:latin typeface="Arial" pitchFamily="34" charset="0"/>
+                <a:ea typeface="Arial" pitchFamily="34" charset="-122"/>
+                <a:cs typeface="Arial" pitchFamily="34" charset="-120"/>
+              </a:defRPr>
+            </a:lvl1pPr>
+          </a:lstStyle>
+          <a:p>
+            <a:pPr algn="l" indent="0" marL="0">
+              <a:buNone/>
+            </a:pPr>
+            <a:r>
+              <a:rPr lang="en-US" sz="2000" dirty="0">
+                <a:solidFill>
+                  <a:srgbClr val="0E0C0C"/>
+                </a:solidFill>
+                <a:latin typeface="Arial" pitchFamily="34" charset="0"/>
+                <a:ea typeface="Arial" pitchFamily="34" charset="-122"/>
+                <a:cs typeface="Arial" pitchFamily="34" charset="-120"/>
+              </a:rPr>
+              <a:t>Content Placeholder</a:t>
+            </a:r>
+            <a:endParaRPr lang="en-US" sz="2000" dirty="0"/>
+          </a:p>
+        </p:txBody>
+      </p:sp>
+      <p:sp>
+        <p:nvSpPr>
+          <p:cNvPr id="5" name="Text 1"/>
+          <p:cNvSpPr/>
+          <p:nvPr>
+            <p:ph idx="103" type="body" hasCustomPrompt="1"/>
+          </p:nvPr>
+        </p:nvSpPr>
+        <p:spPr>
+          <a:xfrm>
+            <a:off x="457200" y="2286000"/>
+            <a:ext cx="5486400" cy="3657600"/>
+          </a:xfrm>
+          <a:prstGeom prst="rect">
+            <a:avLst/>
+          </a:prstGeom>
+          <a:noFill/>
+          <a:ln/>
+        </p:spPr>
+        <p:txBody>
+          <a:bodyPr wrap="square" rtlCol="0"/>
+          <a:lstStyle>
+            <a:lvl1pPr algn="l" indent="0" marL="0">
+              <a:buNone/>
+              <a:defRPr lang="en-US" sz="2400" dirty="0">
+                <a:solidFill>
+                  <a:srgbClr val="211F1F"/>
+                </a:solidFill>
+                <a:latin typeface="Arial" pitchFamily="34" charset="0"/>
+                <a:ea typeface="Arial" pitchFamily="34" charset="-122"/>
+                <a:cs typeface="Arial" pitchFamily="34" charset="-120"/>
+              </a:defRPr>
+            </a:lvl1pPr>
+          </a:lstStyle>
+          <a:p>
+            <a:pPr algn="l" indent="0" marL="0">
+              <a:buNone/>
+            </a:pPr>
+            <a:r>
+              <a:rPr lang="en-US" sz="2400" dirty="0">
+                <a:solidFill>
+                  <a:srgbClr val="211F1F"/>
+                </a:solidFill>
+                <a:latin typeface="Arial" pitchFamily="34" charset="0"/>
+                <a:ea typeface="Arial" pitchFamily="34" charset="-122"/>
+                <a:cs typeface="Arial" pitchFamily="34" charset="-120"/>
+              </a:rPr>
+              <a:t>Caption Placeholder</a:t>
+            </a:r>
+            <a:endParaRPr lang="en-US" sz="2400" dirty="0"/>
+          </a:p>
+        </p:txBody>
+      </p:sp>
+      <p:sp>
+        <p:nvSpPr>
+          <p:cNvPr id="6" name="Text 1"/>
+          <p:cNvSpPr/>
+          <p:nvPr/>
+        </p:nvSpPr>
+        <p:spPr>
+          <a:xfrm>
+            <a:off x="914400" y="3657600"/>
+            <a:ext cx="11155680" cy="5486400"/>
+          </a:xfrm>
+          <a:prstGeom prst="rect">
+            <a:avLst/>
+          </a:prstGeom>
+          <a:noFill/>
+          <a:ln/>
+        </p:spPr>
+        <p:txBody>
+          <a:bodyPr wrap="square" rtlCol="0" anchor="ctr"/>
+          <a:lstStyle/>
+          <a:p>
+            <a:pPr algn="r" indent="0" marL="0">
+              <a:buNone/>
+            </a:pPr>
+            <a:r>
+              <a:rPr lang="en-US" sz="1800" dirty="0">
+                <a:solidFill>
+                  <a:srgbClr val="999999"/>
+                </a:solidFill>
+                <a:latin typeface="Arial" pitchFamily="34" charset="0"/>
+                <a:ea typeface="Arial" pitchFamily="34" charset="-122"/>
+                <a:cs typeface="Arial" pitchFamily="34" charset="-120"/>
+              </a:rPr>
+              <a:t>© Your Company Name</a:t>
+            </a:r>
+            <a:endParaRPr lang="en-US" sz="1800" dirty="0"/>
+          </a:p>
+        </p:txBody>
+      </p:sp>
+      <p:sp>
+        <p:nvSpPr>
+          <p:cNvPr id="25" name="Slide Number Placeholder 0"/>
+          <p:cNvSpPr>
+            <a:spLocks noGrp="1"/>
+          </p:cNvSpPr>
+          <p:nvPr>
+            <p:ph type="sldNum" sz="quarter" idx="4294967295"/>
+          </p:nvPr>
+        </p:nvSpPr>
+        <p:spPr>
+          <a:xfrm>
+            <a:off x="91440" y="6515100"/>
+            <a:ext cx="457200" cy="457200"/>
+          </a:xfrm>
+          <a:prstGeom prst="rect">
+            <a:avLst/>
+          </a:prstGeom>
+          <a:extLst>
+            <a:ext uri="{C572A759-6A51-4108-AA02-DFA0A04FC94B}">
+              <ma14:wrappingTextBoxFlag xmlns:ma14="http://schemas.microsoft.com/office/mac/drawingml/2011/main" val="0"/>
+            </a:ext>
+          </a:extLst>
+        </p:spPr>
+        <p:txBody>
+          <a:bodyPr/>
+          <a:lstStyle>
+            <a:lvl1pPr/>
+          </a:lstStyle>
+          <a:p>
+            <a:pPr algn="l"/>
+            <a:fld id="{F7021451-1387-4CA6-816F-3879F97B5CBC}" type="slidenum">
+              <a:rPr b="0" lang="en-US"/>
+              <a:t>1008</a:t>
+            </a:fld>
+            <a:endParaRPr lang="en-US"/>
+          </a:p>
+        </p:txBody>
+      </p:sp>
+    </p:spTree>
+  </p:cSld>
+  <p:clrMapOvr>
+    <a:masterClrMapping/>
+  </p:clrMapOvr>
+</p:sldLayout>
+</file>
+
+<file path=ppt/slideLayouts/slideLayout9.xml><?xml version="1.0" encoding="utf-8"?>
+<p:sldLayout xmlns:a="http://schemas.openxmlformats.org/drawingml/2006/main" xmlns:r="http://schemas.openxmlformats.org/officeDocument/2006/relationships" xmlns:p="http://schemas.openxmlformats.org/presentationml/2006/main" preserve="1">
+  <p:cSld name="contentWithCaption">
+    <p:spTree>
+      <p:nvGrpSpPr>
+        <p:cNvPr id="1" name=""/>
+        <p:cNvGrpSpPr/>
+        <p:nvPr/>
+      </p:nvGrpSpPr>
+      <p:grpSpPr>
+        <a:xfrm>
+          <a:off x="0" y="0"/>
+          <a:ext cx="0" cy="0"/>
+          <a:chOff x="0" y="0"/>
+          <a:chExt cx="0" cy="0"/>
+        </a:xfrm>
+      </p:grpSpPr>
+      <p:sp>
+        <p:nvSpPr>
+          <p:cNvPr id="2" name="Shape 0"/>
+          <p:cNvSpPr/>
+          <p:nvPr/>
+        </p:nvSpPr>
+        <p:spPr>
+          <a:xfrm>
+            <a:off x="0" y="0"/>
+            <a:ext cx="12192000" cy="6858000"/>
+          </a:xfrm>
+          <a:prstGeom prst="rect">
+            <a:avLst/>
+          </a:prstGeom>
+          <a:solidFill>
+            <a:srgbClr val="FF1A9C"/>
+          </a:solidFill>
+          <a:ln/>
+        </p:spPr>
+      </p:sp>
+      <p:sp>
+        <p:nvSpPr>
+          <p:cNvPr id="3" name="Text 1"/>
+          <p:cNvSpPr/>
+          <p:nvPr>
+            <p:ph idx="101" type="title" hasCustomPrompt="1"/>
+          </p:nvPr>
+        </p:nvSpPr>
+        <p:spPr>
+          <a:xfrm>
+            <a:off x="457200" y="457200"/>
+            <a:ext cx="5486400" cy="1371600"/>
+          </a:xfrm>
+          <a:prstGeom prst="rect">
+            <a:avLst/>
+          </a:prstGeom>
+          <a:noFill/>
+          <a:ln/>
+        </p:spPr>
+        <p:txBody>
+          <a:bodyPr wrap="square" rtlCol="0"/>
+          <a:lstStyle>
+            <a:lvl1pPr algn="l" indent="0" marL="0">
+              <a:buNone/>
+              <a:defRPr lang="en-US" sz="4000" b="1" dirty="0">
+                <a:solidFill>
+                  <a:srgbClr val="0E0C0C"/>
+                </a:solidFill>
+                <a:latin typeface="Arial" pitchFamily="34" charset="0"/>
+                <a:ea typeface="Arial" pitchFamily="34" charset="-122"/>
+                <a:cs typeface="Arial" pitchFamily="34" charset="-120"/>
+              </a:defRPr>
+            </a:lvl1pPr>
+          </a:lstStyle>
+          <a:p>
+            <a:pPr algn="l" indent="0" marL="0">
+              <a:buNone/>
+            </a:pPr>
+            <a:r>
+              <a:rPr lang="en-US" sz="4000" b="1" dirty="0">
+                <a:solidFill>
+                  <a:srgbClr val="0E0C0C"/>
+                </a:solidFill>
+                <a:latin typeface="Arial" pitchFamily="34" charset="0"/>
+                <a:ea typeface="Arial" pitchFamily="34" charset="-122"/>
+                <a:cs typeface="Arial" pitchFamily="34" charset="-120"/>
+              </a:rPr>
+              <a:t>Title Placeholder</a:t>
+            </a:r>
+            <a:endParaRPr lang="en-US" sz="4000" dirty="0"/>
+          </a:p>
+        </p:txBody>
+      </p:sp>
+      <p:sp>
+        <p:nvSpPr>
+          <p:cNvPr id="4" name="Text 1"/>
+          <p:cNvSpPr/>
+          <p:nvPr>
+            <p:ph idx="102" type="body" hasCustomPrompt="1"/>
+          </p:nvPr>
+        </p:nvSpPr>
+        <p:spPr>
+          <a:xfrm>
+            <a:off x="6400800" y="457200"/>
+            <a:ext cx="5029200" cy="5486400"/>
+          </a:xfrm>
+          <a:prstGeom prst="rect">
+            <a:avLst/>
+          </a:prstGeom>
+          <a:noFill/>
+          <a:ln/>
+        </p:spPr>
+        <p:txBody>
+          <a:bodyPr wrap="square" rtlCol="0"/>
+          <a:lstStyle>
+            <a:lvl1pPr algn="l" indent="0" marL="0">
+              <a:buNone/>
+              <a:defRPr lang="en-US" sz="2000" dirty="0">
+                <a:solidFill>
+                  <a:srgbClr val="0E0C0C"/>
+                </a:solidFill>
+                <a:latin typeface="Arial" pitchFamily="34" charset="0"/>
+                <a:ea typeface="Arial" pitchFamily="34" charset="-122"/>
+                <a:cs typeface="Arial" pitchFamily="34" charset="-120"/>
+              </a:defRPr>
+            </a:lvl1pPr>
+          </a:lstStyle>
+          <a:p>
+            <a:pPr algn="l" indent="0" marL="0">
+              <a:buNone/>
+            </a:pPr>
+            <a:r>
+              <a:rPr lang="en-US" sz="2000" dirty="0">
+                <a:solidFill>
+                  <a:srgbClr val="0E0C0C"/>
+                </a:solidFill>
+                <a:latin typeface="Arial" pitchFamily="34" charset="0"/>
+                <a:ea typeface="Arial" pitchFamily="34" charset="-122"/>
+                <a:cs typeface="Arial" pitchFamily="34" charset="-120"/>
+              </a:rPr>
+              <a:t>Content Placeholder</a:t>
+            </a:r>
+            <a:endParaRPr lang="en-US" sz="2000" dirty="0"/>
+          </a:p>
+        </p:txBody>
+      </p:sp>
+      <p:sp>
+        <p:nvSpPr>
+          <p:cNvPr id="5" name="Text 1"/>
+          <p:cNvSpPr/>
+          <p:nvPr>
+            <p:ph idx="103" type="body" hasCustomPrompt="1"/>
+          </p:nvPr>
+        </p:nvSpPr>
+        <p:spPr>
+          <a:xfrm>
+            <a:off x="457200" y="2286000"/>
+            <a:ext cx="5486400" cy="3657600"/>
+          </a:xfrm>
+          <a:prstGeom prst="rect">
+            <a:avLst/>
+          </a:prstGeom>
+          <a:noFill/>
+          <a:ln/>
+        </p:spPr>
+        <p:txBody>
+          <a:bodyPr wrap="square" rtlCol="0"/>
+          <a:lstStyle>
+            <a:lvl1pPr algn="l" indent="0" marL="0">
+              <a:buNone/>
+              <a:defRPr lang="en-US" sz="2400" dirty="0">
+                <a:solidFill>
+                  <a:srgbClr val="211F1F"/>
+                </a:solidFill>
+                <a:latin typeface="Arial" pitchFamily="34" charset="0"/>
+                <a:ea typeface="Arial" pitchFamily="34" charset="-122"/>
+                <a:cs typeface="Arial" pitchFamily="34" charset="-120"/>
+              </a:defRPr>
+            </a:lvl1pPr>
+          </a:lstStyle>
+          <a:p>
+            <a:pPr algn="l" indent="0" marL="0">
+              <a:buNone/>
+            </a:pPr>
+            <a:r>
+              <a:rPr lang="en-US" sz="2400" dirty="0">
+                <a:solidFill>
+                  <a:srgbClr val="211F1F"/>
+                </a:solidFill>
+                <a:latin typeface="Arial" pitchFamily="34" charset="0"/>
+                <a:ea typeface="Arial" pitchFamily="34" charset="-122"/>
+                <a:cs typeface="Arial" pitchFamily="34" charset="-120"/>
+              </a:rPr>
+              <a:t>Caption Placeholder</a:t>
+            </a:r>
+            <a:endParaRPr lang="en-US" sz="2400" dirty="0"/>
+          </a:p>
+        </p:txBody>
+      </p:sp>
+      <p:sp>
+        <p:nvSpPr>
+          <p:cNvPr id="6" name="Text 1"/>
+          <p:cNvSpPr/>
+          <p:nvPr/>
+        </p:nvSpPr>
+        <p:spPr>
+          <a:xfrm>
+            <a:off x="914400" y="3657600"/>
+            <a:ext cx="11155680" cy="5486400"/>
+          </a:xfrm>
+          <a:prstGeom prst="rect">
+            <a:avLst/>
+          </a:prstGeom>
+          <a:noFill/>
+          <a:ln/>
+        </p:spPr>
+        <p:txBody>
+          <a:bodyPr wrap="square" rtlCol="0" anchor="ctr"/>
+          <a:lstStyle/>
+          <a:p>
+            <a:pPr algn="r" indent="0" marL="0">
+              <a:buNone/>
+            </a:pPr>
+            <a:r>
+              <a:rPr lang="en-US" sz="1800" dirty="0">
+                <a:solidFill>
+                  <a:srgbClr val="999999"/>
+                </a:solidFill>
+                <a:latin typeface="Arial" pitchFamily="34" charset="0"/>
+                <a:ea typeface="Arial" pitchFamily="34" charset="-122"/>
+                <a:cs typeface="Arial" pitchFamily="34" charset="-120"/>
+              </a:rPr>
+              <a:t>© Your Company Name</a:t>
+            </a:r>
+            <a:endParaRPr lang="en-US" sz="1800" dirty="0"/>
+          </a:p>
+        </p:txBody>
+      </p:sp>
+      <p:sp>
+        <p:nvSpPr>
+          <p:cNvPr id="25" name="Slide Number Placeholder 0"/>
+          <p:cNvSpPr>
+            <a:spLocks noGrp="1"/>
+          </p:cNvSpPr>
+          <p:nvPr>
+            <p:ph type="sldNum" sz="quarter" idx="4294967295"/>
+          </p:nvPr>
+        </p:nvSpPr>
+        <p:spPr>
+          <a:xfrm>
+            <a:off x="91440" y="6515100"/>
+            <a:ext cx="457200" cy="457200"/>
+          </a:xfrm>
+          <a:prstGeom prst="rect">
+            <a:avLst/>
+          </a:prstGeom>
+          <a:extLst>
+            <a:ext uri="{C572A759-6A51-4108-AA02-DFA0A04FC94B}">
+              <ma14:wrappingTextBoxFlag xmlns:ma14="http://schemas.microsoft.com/office/mac/drawingml/2011/main" val="0"/>
+            </a:ext>
+          </a:extLst>
+        </p:spPr>
+        <p:txBody>
+          <a:bodyPr/>
+          <a:lstStyle>
+            <a:lvl1pPr/>
+          </a:lstStyle>
+          <a:p>
+            <a:pPr algn="l"/>
+            <a:fld id="{F7021451-1387-4CA6-816F-3879F97B5CBC}" type="slidenum">
+              <a:rPr b="0" lang="en-US"/>
+              <a:t>1009</a:t>
             </a:fld>
             <a:endParaRPr lang="en-US"/>
           </a:p>
@@ -1203,8 +3959,8 @@
         </p:nvSpPr>
         <p:spPr>
           <a:xfrm>
-            <a:off x="91440" y="4886325"/>
-            <a:ext cx="800000" cy="300000"/>
+            <a:off x="91440" y="4834890"/>
+            <a:ext cx="457200" cy="365760"/>
           </a:xfrm>
           <a:prstGeom prst="rect">
             <a:avLst/>
@@ -1237,6 +3993,14 @@
     <p:sldLayoutId id="2147483649" r:id="rId1"/>
     <p:sldLayoutId id="2147483650" r:id="rId2"/>
     <p:sldLayoutId id="2147483651" r:id="rId3"/>
+    <p:sldLayoutId id="2147483652" r:id="rId4"/>
+    <p:sldLayoutId id="2147483653" r:id="rId5"/>
+    <p:sldLayoutId id="2147483654" r:id="rId6"/>
+    <p:sldLayoutId id="2147483655" r:id="rId7"/>
+    <p:sldLayoutId id="2147483656" r:id="rId8"/>
+    <p:sldLayoutId id="2147483657" r:id="rId9"/>
+    <p:sldLayoutId id="2147483658" r:id="rId10"/>
+    <p:sldLayoutId id="2147483659" r:id="rId11"/>
   </p:sldLayoutIdLst>
   <p:hf sldNum="0" hdr="0" ftr="0" dt="0"/>
   <p:txStyles>
@@ -1538,13 +4302,13 @@
             <a:r>
               <a:rPr lang="en-US" sz="4000" b="1" dirty="0">
                 <a:solidFill>
-                  <a:srgbClr val="333333"/>
-                </a:solidFill>
-                <a:latin typeface="Arial" pitchFamily="34" charset="0"/>
-                <a:ea typeface="Arial" pitchFamily="34" charset="-122"/>
-                <a:cs typeface="Arial" pitchFamily="34" charset="-120"/>
-              </a:rPr>
-              <a:t>Title and Content</a:t>
+                  <a:srgbClr val="0E0C0C"/>
+                </a:solidFill>
+                <a:latin typeface="Arial" pitchFamily="34" charset="0"/>
+                <a:ea typeface="Arial" pitchFamily="34" charset="-122"/>
+                <a:cs typeface="Arial" pitchFamily="34" charset="-120"/>
+              </a:rPr>
+              <a:t>Content List</a:t>
             </a:r>
             <a:endParaRPr lang="en-US" sz="4000" dirty="0"/>
           </a:p>
@@ -1560,8 +4324,8 @@
         </p:nvSpPr>
         <p:spPr>
           <a:xfrm>
-            <a:off x="914400" y="1828800"/>
-            <a:ext cx="10433304" cy="5257800"/>
+            <a:off x="914400" y="1417320"/>
+            <a:ext cx="10433304" cy="5029200"/>
           </a:xfrm>
           <a:prstGeom prst="rect">
             <a:avLst/>
@@ -1577,17 +4341,170 @@
               <a:buNone/>
             </a:pPr>
             <a:r>
-              <a:rPr lang="en-US" sz="2000" dirty="0">
-                <a:solidFill>
-                  <a:srgbClr val="666666"/>
-                </a:solidFill>
-                <a:latin typeface="Arial" pitchFamily="34" charset="0"/>
-                <a:ea typeface="Arial" pitchFamily="34" charset="-122"/>
-                <a:cs typeface="Arial" pitchFamily="34" charset="-120"/>
-              </a:rPr>
-              <a:t>Content</a:t>
-            </a:r>
-            <a:endParaRPr lang="en-US" sz="2000" dirty="0"/>
+              <a:rPr lang="en-US" sz="2600" dirty="0">
+                <a:solidFill>
+                  <a:srgbClr val="0E0C0C"/>
+                </a:solidFill>
+                <a:latin typeface="Arial" pitchFamily="34" charset="0"/>
+                <a:ea typeface="Arial" pitchFamily="34" charset="-122"/>
+                <a:cs typeface="Arial" pitchFamily="34" charset="-120"/>
+              </a:rPr>
+              <a:t>1. Introduction to AI Flavoured</a:t>
+            </a:r>
+            <a:endParaRPr lang="en-US" sz="2600" dirty="0"/>
+          </a:p>
+          <a:p>
+            <a:pPr algn="l" indent="0" marL="0">
+              <a:buNone/>
+            </a:pPr>
+            <a:r>
+              <a:rPr lang="en-US" sz="2600" dirty="0">
+                <a:solidFill>
+                  <a:srgbClr val="0E0C0C"/>
+                </a:solidFill>
+                <a:latin typeface="Arial" pitchFamily="34" charset="0"/>
+                <a:ea typeface="Arial" pitchFamily="34" charset="-122"/>
+                <a:cs typeface="Arial" pitchFamily="34" charset="-120"/>
+              </a:rPr>
+              <a:t>2. Project Overview</a:t>
+            </a:r>
+            <a:endParaRPr lang="en-US" sz="2600" dirty="0"/>
+          </a:p>
+          <a:p>
+            <a:pPr algn="l" indent="0" marL="0">
+              <a:buNone/>
+            </a:pPr>
+            <a:r>
+              <a:rPr lang="en-US" sz="2600" dirty="0">
+                <a:solidFill>
+                  <a:srgbClr val="0E0C0C"/>
+                </a:solidFill>
+                <a:latin typeface="Arial" pitchFamily="34" charset="0"/>
+                <a:ea typeface="Arial" pitchFamily="34" charset="-122"/>
+                <a:cs typeface="Arial" pitchFamily="34" charset="-120"/>
+              </a:rPr>
+              <a:t>3. Core Functionalities</a:t>
+            </a:r>
+            <a:endParaRPr lang="en-US" sz="2600" dirty="0"/>
+          </a:p>
+          <a:p>
+            <a:pPr algn="l" indent="0" marL="0">
+              <a:buNone/>
+            </a:pPr>
+            <a:r>
+              <a:rPr lang="en-US" sz="2600" dirty="0">
+                <a:solidFill>
+                  <a:srgbClr val="0E0C0C"/>
+                </a:solidFill>
+                <a:latin typeface="Arial" pitchFamily="34" charset="0"/>
+                <a:ea typeface="Arial" pitchFamily="34" charset="-122"/>
+                <a:cs typeface="Arial" pitchFamily="34" charset="-120"/>
+              </a:rPr>
+              <a:t>4. Intelligent Summarization</a:t>
+            </a:r>
+            <a:endParaRPr lang="en-US" sz="2600" dirty="0"/>
+          </a:p>
+          <a:p>
+            <a:pPr algn="l" indent="0" marL="0">
+              <a:buNone/>
+            </a:pPr>
+            <a:r>
+              <a:rPr lang="en-US" sz="2600" dirty="0">
+                <a:solidFill>
+                  <a:srgbClr val="0E0C0C"/>
+                </a:solidFill>
+                <a:latin typeface="Arial" pitchFamily="34" charset="0"/>
+                <a:ea typeface="Arial" pitchFamily="34" charset="-122"/>
+                <a:cs typeface="Arial" pitchFamily="34" charset="-120"/>
+              </a:rPr>
+              <a:t>5. Interactive Engagement</a:t>
+            </a:r>
+            <a:endParaRPr lang="en-US" sz="2600" dirty="0"/>
+          </a:p>
+          <a:p>
+            <a:pPr algn="l" indent="0" marL="0">
+              <a:buNone/>
+            </a:pPr>
+            <a:r>
+              <a:rPr lang="en-US" sz="2600" dirty="0">
+                <a:solidFill>
+                  <a:srgbClr val="0E0C0C"/>
+                </a:solidFill>
+                <a:latin typeface="Arial" pitchFamily="34" charset="0"/>
+                <a:ea typeface="Arial" pitchFamily="34" charset="-122"/>
+                <a:cs typeface="Arial" pitchFamily="34" charset="-120"/>
+              </a:rPr>
+              <a:t>6. Multilingual Support</a:t>
+            </a:r>
+            <a:endParaRPr lang="en-US" sz="2600" dirty="0"/>
+          </a:p>
+          <a:p>
+            <a:pPr algn="l" indent="0" marL="0">
+              <a:buNone/>
+            </a:pPr>
+            <a:r>
+              <a:rPr lang="en-US" sz="2600" dirty="0">
+                <a:solidFill>
+                  <a:srgbClr val="0E0C0C"/>
+                </a:solidFill>
+                <a:latin typeface="Arial" pitchFamily="34" charset="0"/>
+                <a:ea typeface="Arial" pitchFamily="34" charset="-122"/>
+                <a:cs typeface="Arial" pitchFamily="34" charset="-120"/>
+              </a:rPr>
+              <a:t>7. Personalized Learning Experiences</a:t>
+            </a:r>
+            <a:endParaRPr lang="en-US" sz="2600" dirty="0"/>
+          </a:p>
+          <a:p>
+            <a:pPr algn="l" indent="0" marL="0">
+              <a:buNone/>
+            </a:pPr>
+            <a:r>
+              <a:rPr lang="en-US" sz="2600" dirty="0">
+                <a:solidFill>
+                  <a:srgbClr val="0E0C0C"/>
+                </a:solidFill>
+                <a:latin typeface="Arial" pitchFamily="34" charset="0"/>
+                <a:ea typeface="Arial" pitchFamily="34" charset="-122"/>
+                <a:cs typeface="Arial" pitchFamily="34" charset="-120"/>
+              </a:rPr>
+              <a:t>8. Technical Aspects and Benefits</a:t>
+            </a:r>
+            <a:endParaRPr lang="en-US" sz="2600" dirty="0"/>
+          </a:p>
+          <a:p>
+            <a:pPr algn="l" indent="0" marL="0">
+              <a:buNone/>
+            </a:pPr>
+            <a:r>
+              <a:rPr lang="en-US" sz="2600" dirty="0">
+                <a:solidFill>
+                  <a:srgbClr val="0E0C0C"/>
+                </a:solidFill>
+                <a:latin typeface="Arial" pitchFamily="34" charset="0"/>
+                <a:ea typeface="Arial" pitchFamily="34" charset="-122"/>
+                <a:cs typeface="Arial" pitchFamily="34" charset="-120"/>
+              </a:rPr>
+              <a:t>9. Future Scopes</a:t>
+            </a:r>
+            <a:endParaRPr lang="en-US" sz="2600" dirty="0"/>
+          </a:p>
+          <a:p>
+            <a:pPr algn="l" indent="0" marL="0">
+              <a:buNone/>
+            </a:pPr>
+            <a:r>
+              <a:rPr lang="en-US" sz="2600" dirty="0">
+                <a:solidFill>
+                  <a:srgbClr val="0E0C0C"/>
+                </a:solidFill>
+                <a:latin typeface="Arial" pitchFamily="34" charset="0"/>
+                <a:ea typeface="Arial" pitchFamily="34" charset="-122"/>
+                <a:cs typeface="Arial" pitchFamily="34" charset="-120"/>
+              </a:rPr>
+              <a:t>10. Thank You</a:t>
+            </a:r>
+            <a:endParaRPr lang="en-US" sz="2600" dirty="0"/>
           </a:p>
         </p:txBody>
       </p:sp>
@@ -1603,8 +4520,8 @@
         </p:nvSpPr>
         <p:spPr>
           <a:xfrm>
-            <a:off x="91440" y="6515100"/>
-            <a:ext cx="800000" cy="300000"/>
+            <a:off x="91440" y="6446520"/>
+            <a:ext cx="457200" cy="365760"/>
           </a:xfrm>
           <a:prstGeom prst="rect">
             <a:avLst/>
@@ -1625,6 +4542,152 @@
             <a:fld id="{F7021451-1387-4CA6-816F-3879F97B5CBC}" type="slidenum">
               <a:rPr b="0" lang="en-US"/>
               <a:t>1</a:t>
+            </a:fld>
+            <a:endParaRPr lang="en-US"/>
+          </a:p>
+        </p:txBody>
+      </p:sp>
+    </p:spTree>
+  </p:cSld>
+  <p:clrMapOvr>
+    <a:masterClrMapping/>
+  </p:clrMapOvr>
+</p:sld>
+</file>
+
+<file path=ppt/slides/slide10.xml><?xml version="1.0" encoding="utf-8"?>
+<p:sld xmlns:a="http://schemas.openxmlformats.org/drawingml/2006/main" xmlns:r="http://schemas.openxmlformats.org/officeDocument/2006/relationships" xmlns:p="http://schemas.openxmlformats.org/presentationml/2006/main">
+  <p:cSld name="Slide 10">
+    <p:spTree>
+      <p:nvGrpSpPr>
+        <p:cNvPr id="1" name=""/>
+        <p:cNvGrpSpPr/>
+        <p:nvPr/>
+      </p:nvGrpSpPr>
+      <p:grpSpPr>
+        <a:xfrm>
+          <a:off x="0" y="0"/>
+          <a:ext cx="0" cy="0"/>
+          <a:chOff x="0" y="0"/>
+          <a:chExt cx="0" cy="0"/>
+        </a:xfrm>
+      </p:grpSpPr>
+      <p:sp>
+        <p:nvSpPr>
+          <p:cNvPr id="2" name="Text 1"/>
+          <p:cNvSpPr/>
+          <p:nvPr>
+            <p:ph idx="101" type="title" hasCustomPrompt="1"/>
+          </p:nvPr>
+        </p:nvSpPr>
+        <p:spPr>
+          <a:xfrm>
+            <a:off x="914400" y="228600"/>
+            <a:ext cx="10433304" cy="3200400"/>
+          </a:xfrm>
+          <a:prstGeom prst="rect">
+            <a:avLst/>
+          </a:prstGeom>
+          <a:noFill/>
+          <a:ln/>
+        </p:spPr>
+        <p:txBody>
+          <a:bodyPr wrap="square" rtlCol="0" anchor="ctr"/>
+          <a:lstStyle/>
+          <a:p>
+            <a:pPr algn="ctr" indent="0" marL="0">
+              <a:buNone/>
+            </a:pPr>
+            <a:r>
+              <a:rPr lang="en-US" sz="4000" b="1" dirty="0">
+                <a:solidFill>
+                  <a:srgbClr val="0E0C0C"/>
+                </a:solidFill>
+                <a:latin typeface="Arial" pitchFamily="34" charset="0"/>
+                <a:ea typeface="Arial" pitchFamily="34" charset="-122"/>
+                <a:cs typeface="Arial" pitchFamily="34" charset="-120"/>
+              </a:rPr>
+              <a:t>Thank You</a:t>
+            </a:r>
+            <a:endParaRPr lang="en-US" sz="4000" dirty="0"/>
+          </a:p>
+        </p:txBody>
+      </p:sp>
+      <p:sp>
+        <p:nvSpPr>
+          <p:cNvPr id="3" name="Text 1"/>
+          <p:cNvSpPr/>
+          <p:nvPr>
+            <p:ph idx="102" type="body" hasCustomPrompt="1"/>
+          </p:nvPr>
+        </p:nvSpPr>
+        <p:spPr>
+          <a:xfrm>
+            <a:off x="914400" y="3429000"/>
+            <a:ext cx="10433304" cy="2743200"/>
+          </a:xfrm>
+          <a:prstGeom prst="rect">
+            <a:avLst/>
+          </a:prstGeom>
+          <a:noFill/>
+          <a:ln/>
+        </p:spPr>
+        <p:txBody>
+          <a:bodyPr wrap="square" rtlCol="0" anchor="t"/>
+          <a:lstStyle/>
+          <a:p>
+            <a:pPr algn="l" indent="0" marL="0">
+              <a:buNone/>
+            </a:pPr>
+            <a:r>
+              <a:rPr lang="en-US" sz="2000" dirty="0">
+                <a:solidFill>
+                  <a:srgbClr val="0E0C0C"/>
+                </a:solidFill>
+                <a:latin typeface="Arial" pitchFamily="34" charset="0"/>
+                <a:ea typeface="Arial" pitchFamily="34" charset="-122"/>
+                <a:cs typeface="Arial" pitchFamily="34" charset="-120"/>
+              </a:rPr>
+              <a:t>Thank you for your attention. We hope AI Flavoured will revolutionize your document comprehension and learning experience.</a:t>
+            </a:r>
+            <a:endParaRPr lang="en-US" sz="2000" dirty="0"/>
+          </a:p>
+        </p:txBody>
+      </p:sp>
+      <p:sp>
+        <p:nvSpPr>
+          <p:cNvPr id="25" name="Slide Number Placeholder 0"/>
+          <p:cNvSpPr>
+            <a:spLocks noGrp="1"/>
+          </p:cNvSpPr>
+          <p:nvPr>
+            <p:ph type="sldNum" sz="quarter" idx="4294967295"/>
+          </p:nvPr>
+        </p:nvSpPr>
+        <p:spPr>
+          <a:xfrm>
+            <a:off x="91440" y="6515100"/>
+            <a:ext cx="457200" cy="457200"/>
+          </a:xfrm>
+          <a:prstGeom prst="rect">
+            <a:avLst/>
+          </a:prstGeom>
+          <a:extLst>
+            <a:ext uri="{C572A759-6A51-4108-AA02-DFA0A04FC94B}">
+              <ma14:wrappingTextBoxFlag xmlns:ma14="http://schemas.microsoft.com/office/mac/drawingml/2011/main" val="0"/>
+            </a:ext>
+          </a:extLst>
+        </p:spPr>
+        <p:txBody>
+          <a:bodyPr/>
+          <a:lstStyle>
+            <a:lvl1pPr/>
+          </a:lstStyle>
+          <a:p>
+            <a:pPr algn="l"/>
+            <a:fld id="{F7021451-1387-4CA6-816F-3879F97B5CBC}" type="slidenum">
+              <a:rPr b="0" lang="en-US"/>
+              <a:t>10</a:t>
             </a:fld>
             <a:endParaRPr lang="en-US"/>
           </a:p>
@@ -1666,7 +4729,7 @@
         <p:spPr>
           <a:xfrm>
             <a:off x="914400" y="228600"/>
-            <a:ext cx="10433304" cy="1371600"/>
+            <a:ext cx="10433304" cy="1188720"/>
           </a:xfrm>
           <a:prstGeom prst="rect">
             <a:avLst/>
@@ -1684,13 +4747,13 @@
             <a:r>
               <a:rPr lang="en-US" sz="4000" b="1" dirty="0">
                 <a:solidFill>
-                  <a:srgbClr val="333333"/>
-                </a:solidFill>
-                <a:latin typeface="Arial" pitchFamily="34" charset="0"/>
-                <a:ea typeface="Arial" pitchFamily="34" charset="-122"/>
-                <a:cs typeface="Arial" pitchFamily="34" charset="-120"/>
-              </a:rPr>
-              <a:t>Ai Flavoured Presention Structure</a:t>
+                  <a:srgbClr val="0E0C0C"/>
+                </a:solidFill>
+                <a:latin typeface="Arial" pitchFamily="34" charset="0"/>
+                <a:ea typeface="Arial" pitchFamily="34" charset="-122"/>
+                <a:cs typeface="Arial" pitchFamily="34" charset="-120"/>
+              </a:rPr>
+              <a:t>Introduction to AI Flavoured</a:t>
             </a:r>
             <a:endParaRPr lang="en-US" sz="4000" dirty="0"/>
           </a:p>
@@ -1706,8 +4769,8 @@
         </p:nvSpPr>
         <p:spPr>
           <a:xfrm>
-            <a:off x="914400" y="1828800"/>
-            <a:ext cx="5029200" cy="4114800"/>
+            <a:off x="914400" y="1417320"/>
+            <a:ext cx="10433304" cy="5029200"/>
           </a:xfrm>
           <a:prstGeom prst="rect">
             <a:avLst/>
@@ -1723,92 +4786,20 @@
               <a:buNone/>
             </a:pPr>
             <a:r>
-              <a:rPr lang="en-US" sz="2000" dirty="0">
-                <a:solidFill>
-                  <a:srgbClr val="666666"/>
-                </a:solidFill>
-                <a:latin typeface="Arial" pitchFamily="34" charset="0"/>
-                <a:ea typeface="Arial" pitchFamily="34" charset="-122"/>
-                <a:cs typeface="Arial" pitchFamily="34" charset="-120"/>
-              </a:rPr>
-              <a:t>Hello World from PptxGenJS...</a:t>
-            </a:r>
-            <a:endParaRPr lang="en-US" sz="2000" dirty="0"/>
-          </a:p>
-          <a:p>
-            <a:pPr algn="l" indent="0" marL="0">
-              <a:buNone/>
-            </a:pPr>
-            <a:r>
-              <a:rPr lang="en-US" sz="2000" dirty="0">
-                <a:solidFill>
-                  <a:srgbClr val="666666"/>
-                </a:solidFill>
-                <a:latin typeface="Arial" pitchFamily="34" charset="0"/>
-                <a:ea typeface="Arial" pitchFamily="34" charset="-122"/>
-                <a:cs typeface="Arial" pitchFamily="34" charset="-120"/>
-              </a:rPr>
-              <a:t>qwsdjiasuh this is body text</a:t>
-            </a:r>
-            <a:endParaRPr lang="en-US" sz="2000" dirty="0"/>
-          </a:p>
-        </p:txBody>
-      </p:sp>
-      <p:sp>
-        <p:nvSpPr>
-          <p:cNvPr id="4" name="Text 1"/>
-          <p:cNvSpPr/>
-          <p:nvPr>
-            <p:ph idx="103" type="body" hasCustomPrompt="1"/>
-          </p:nvPr>
-        </p:nvSpPr>
-        <p:spPr>
-          <a:xfrm>
-            <a:off x="6400800" y="1828800"/>
-            <a:ext cx="5029200" cy="4114800"/>
-          </a:xfrm>
-          <a:prstGeom prst="rect">
-            <a:avLst/>
-          </a:prstGeom>
-          <a:noFill/>
-          <a:ln/>
-        </p:spPr>
-        <p:txBody>
-          <a:bodyPr wrap="square" rtlCol="0" anchor="t"/>
-          <a:lstStyle/>
-          <a:p>
-            <a:pPr algn="l" indent="0" marL="0">
-              <a:buNone/>
-            </a:pPr>
-            <a:r>
-              <a:rPr lang="en-US" sz="2000" dirty="0">
-                <a:solidFill>
-                  <a:srgbClr val="666666"/>
-                </a:solidFill>
-                <a:latin typeface="Arial" pitchFamily="34" charset="0"/>
-                <a:ea typeface="Arial" pitchFamily="34" charset="-122"/>
-                <a:cs typeface="Arial" pitchFamily="34" charset="-120"/>
-              </a:rPr>
-              <a:t>Hello World from PptxGenJS...</a:t>
-            </a:r>
-            <a:endParaRPr lang="en-US" sz="2000" dirty="0"/>
-          </a:p>
-          <a:p>
-            <a:pPr algn="l" indent="0" marL="0">
-              <a:buNone/>
-            </a:pPr>
-            <a:r>
-              <a:rPr lang="en-US" sz="2000" dirty="0">
-                <a:solidFill>
-                  <a:srgbClr val="666666"/>
-                </a:solidFill>
-                <a:latin typeface="Arial" pitchFamily="34" charset="0"/>
-                <a:ea typeface="Arial" pitchFamily="34" charset="-122"/>
-                <a:cs typeface="Arial" pitchFamily="34" charset="-120"/>
-              </a:rPr>
-              <a:t>qwsdjiasuh this is body text i am suceeding</a:t>
-            </a:r>
-            <a:endParaRPr lang="en-US" sz="2000" dirty="0"/>
+              <a:rPr lang="en-US" sz="2600" dirty="0">
+                <a:solidFill>
+                  <a:srgbClr val="0E0C0C"/>
+                </a:solidFill>
+                <a:latin typeface="Arial" pitchFamily="34" charset="0"/>
+                <a:ea typeface="Arial" pitchFamily="34" charset="-122"/>
+                <a:cs typeface="Arial" pitchFamily="34" charset="-120"/>
+              </a:rPr>
+              <a:t>1. AI Flavoured is a project that leverages artificial intelligence to revolutionize document comprehension and learning. 
+2. The platform features advanced summarization engines, interactive communication, multilingual support, and personalized learning experiences. 
+3. It aims to address challenges such as information overload, complex documents, and language barriers. 
+</a:t>
+            </a:r>
+            <a:endParaRPr lang="en-US" sz="2600" dirty="0"/>
           </a:p>
         </p:txBody>
       </p:sp>
@@ -1824,8 +4815,8 @@
         </p:nvSpPr>
         <p:spPr>
           <a:xfrm>
-            <a:off x="91440" y="6515100"/>
-            <a:ext cx="457200" cy="457200"/>
+            <a:off x="91440" y="6446520"/>
+            <a:ext cx="457200" cy="365760"/>
           </a:xfrm>
           <a:prstGeom prst="rect">
             <a:avLst/>
@@ -1846,6 +4837,1349 @@
             <a:fld id="{F7021451-1387-4CA6-816F-3879F97B5CBC}" type="slidenum">
               <a:rPr b="0" lang="en-US"/>
               <a:t>2</a:t>
+            </a:fld>
+            <a:endParaRPr lang="en-US"/>
+          </a:p>
+        </p:txBody>
+      </p:sp>
+    </p:spTree>
+  </p:cSld>
+  <p:clrMapOvr>
+    <a:masterClrMapping/>
+  </p:clrMapOvr>
+</p:sld>
+</file>
+
+<file path=ppt/slides/slide3.xml><?xml version="1.0" encoding="utf-8"?>
+<p:sld xmlns:a="http://schemas.openxmlformats.org/drawingml/2006/main" xmlns:r="http://schemas.openxmlformats.org/officeDocument/2006/relationships" xmlns:p="http://schemas.openxmlformats.org/presentationml/2006/main">
+  <p:cSld name="Slide 3">
+    <p:spTree>
+      <p:nvGrpSpPr>
+        <p:cNvPr id="1" name=""/>
+        <p:cNvGrpSpPr/>
+        <p:nvPr/>
+      </p:nvGrpSpPr>
+      <p:grpSpPr>
+        <a:xfrm>
+          <a:off x="0" y="0"/>
+          <a:ext cx="0" cy="0"/>
+          <a:chOff x="0" y="0"/>
+          <a:chExt cx="0" cy="0"/>
+        </a:xfrm>
+      </p:grpSpPr>
+      <p:sp>
+        <p:nvSpPr>
+          <p:cNvPr id="2" name="Text 1"/>
+          <p:cNvSpPr/>
+          <p:nvPr>
+            <p:ph idx="101" type="title" hasCustomPrompt="1"/>
+          </p:nvPr>
+        </p:nvSpPr>
+        <p:spPr>
+          <a:xfrm>
+            <a:off x="914400" y="228600"/>
+            <a:ext cx="10433304" cy="1188720"/>
+          </a:xfrm>
+          <a:prstGeom prst="rect">
+            <a:avLst/>
+          </a:prstGeom>
+          <a:noFill/>
+          <a:ln/>
+        </p:spPr>
+        <p:txBody>
+          <a:bodyPr wrap="square" rtlCol="0" anchor="ctr"/>
+          <a:lstStyle/>
+          <a:p>
+            <a:pPr algn="ctr" indent="0" marL="0">
+              <a:buNone/>
+            </a:pPr>
+            <a:r>
+              <a:rPr lang="en-US" sz="4000" b="1" dirty="0">
+                <a:solidFill>
+                  <a:srgbClr val="0E0C0C"/>
+                </a:solidFill>
+                <a:latin typeface="Arial" pitchFamily="34" charset="0"/>
+                <a:ea typeface="Arial" pitchFamily="34" charset="-122"/>
+                <a:cs typeface="Arial" pitchFamily="34" charset="-120"/>
+              </a:rPr>
+              <a:t>Project Overview</a:t>
+            </a:r>
+            <a:endParaRPr lang="en-US" sz="4000" dirty="0"/>
+          </a:p>
+        </p:txBody>
+      </p:sp>
+      <p:sp>
+        <p:nvSpPr>
+          <p:cNvPr id="3" name="Text 1"/>
+          <p:cNvSpPr/>
+          <p:nvPr>
+            <p:ph idx="102" type="body" hasCustomPrompt="1"/>
+          </p:nvPr>
+        </p:nvSpPr>
+        <p:spPr>
+          <a:xfrm>
+            <a:off x="914400" y="1417320"/>
+            <a:ext cx="10433304" cy="5029200"/>
+          </a:xfrm>
+          <a:prstGeom prst="rect">
+            <a:avLst/>
+          </a:prstGeom>
+          <a:noFill/>
+          <a:ln/>
+        </p:spPr>
+        <p:txBody>
+          <a:bodyPr wrap="square" rtlCol="0" anchor="t"/>
+          <a:lstStyle/>
+          <a:p>
+            <a:pPr algn="l" indent="0" marL="0">
+              <a:buNone/>
+            </a:pPr>
+            <a:r>
+              <a:rPr lang="en-US" sz="2600" dirty="0">
+                <a:solidFill>
+                  <a:srgbClr val="0E0C0C"/>
+                </a:solidFill>
+                <a:latin typeface="Arial" pitchFamily="34" charset="0"/>
+                <a:ea typeface="Arial" pitchFamily="34" charset="-122"/>
+                <a:cs typeface="Arial" pitchFamily="34" charset="-120"/>
+              </a:rPr>
+              <a:t>1. AI Flavoured empowers users to efficiently extract insights from written content. 
+2. The project stands as a beacon of efficiency and clarity in the realm of document comprehension. 
+3. It offers a dynamic and engaging learning experience for individuals worldwide. 
+</a:t>
+            </a:r>
+            <a:endParaRPr lang="en-US" sz="2600" dirty="0"/>
+          </a:p>
+        </p:txBody>
+      </p:sp>
+      <p:sp>
+        <p:nvSpPr>
+          <p:cNvPr id="25" name="Slide Number Placeholder 0"/>
+          <p:cNvSpPr>
+            <a:spLocks noGrp="1"/>
+          </p:cNvSpPr>
+          <p:nvPr>
+            <p:ph type="sldNum" sz="quarter" idx="4294967295"/>
+          </p:nvPr>
+        </p:nvSpPr>
+        <p:spPr>
+          <a:xfrm>
+            <a:off x="91440" y="6446520"/>
+            <a:ext cx="457200" cy="365760"/>
+          </a:xfrm>
+          <a:prstGeom prst="rect">
+            <a:avLst/>
+          </a:prstGeom>
+          <a:extLst>
+            <a:ext uri="{C572A759-6A51-4108-AA02-DFA0A04FC94B}">
+              <ma14:wrappingTextBoxFlag xmlns:ma14="http://schemas.microsoft.com/office/mac/drawingml/2011/main" val="0"/>
+            </a:ext>
+          </a:extLst>
+        </p:spPr>
+        <p:txBody>
+          <a:bodyPr/>
+          <a:lstStyle>
+            <a:lvl1pPr/>
+          </a:lstStyle>
+          <a:p>
+            <a:pPr algn="l"/>
+            <a:fld id="{F7021451-1387-4CA6-816F-3879F97B5CBC}" type="slidenum">
+              <a:rPr b="0" lang="en-US"/>
+              <a:t>3</a:t>
+            </a:fld>
+            <a:endParaRPr lang="en-US"/>
+          </a:p>
+        </p:txBody>
+      </p:sp>
+    </p:spTree>
+  </p:cSld>
+  <p:clrMapOvr>
+    <a:masterClrMapping/>
+  </p:clrMapOvr>
+</p:sld>
+</file>
+
+<file path=ppt/slides/slide4.xml><?xml version="1.0" encoding="utf-8"?>
+<p:sld xmlns:a="http://schemas.openxmlformats.org/drawingml/2006/main" xmlns:r="http://schemas.openxmlformats.org/officeDocument/2006/relationships" xmlns:p="http://schemas.openxmlformats.org/presentationml/2006/main">
+  <p:cSld name="Slide 4">
+    <p:spTree>
+      <p:nvGrpSpPr>
+        <p:cNvPr id="1" name=""/>
+        <p:cNvGrpSpPr/>
+        <p:nvPr/>
+      </p:nvGrpSpPr>
+      <p:grpSpPr>
+        <a:xfrm>
+          <a:off x="0" y="0"/>
+          <a:ext cx="0" cy="0"/>
+          <a:chOff x="0" y="0"/>
+          <a:chExt cx="0" cy="0"/>
+        </a:xfrm>
+      </p:grpSpPr>
+      <p:sp>
+        <p:nvSpPr>
+          <p:cNvPr id="2" name="Text 1"/>
+          <p:cNvSpPr/>
+          <p:nvPr>
+            <p:ph idx="101" type="title" hasCustomPrompt="1"/>
+          </p:nvPr>
+        </p:nvSpPr>
+        <p:spPr>
+          <a:xfrm>
+            <a:off x="914400" y="228600"/>
+            <a:ext cx="10433304" cy="1371600"/>
+          </a:xfrm>
+          <a:prstGeom prst="rect">
+            <a:avLst/>
+          </a:prstGeom>
+          <a:noFill/>
+          <a:ln/>
+        </p:spPr>
+        <p:txBody>
+          <a:bodyPr wrap="square" rtlCol="0" anchor="ctr"/>
+          <a:lstStyle/>
+          <a:p>
+            <a:pPr algn="ctr" indent="0" marL="0">
+              <a:buNone/>
+            </a:pPr>
+            <a:r>
+              <a:rPr lang="en-US" sz="4000" b="1" dirty="0">
+                <a:solidFill>
+                  <a:srgbClr val="0E0C0C"/>
+                </a:solidFill>
+                <a:latin typeface="Arial" pitchFamily="34" charset="0"/>
+                <a:ea typeface="Arial" pitchFamily="34" charset="-122"/>
+                <a:cs typeface="Arial" pitchFamily="34" charset="-120"/>
+              </a:rPr>
+              <a:t>Core Functionalities</a:t>
+            </a:r>
+            <a:endParaRPr lang="en-US" sz="4000" dirty="0"/>
+          </a:p>
+        </p:txBody>
+      </p:sp>
+      <p:sp>
+        <p:nvSpPr>
+          <p:cNvPr id="3" name="Text 1"/>
+          <p:cNvSpPr/>
+          <p:nvPr>
+            <p:ph idx="102" type="body" hasCustomPrompt="1"/>
+          </p:nvPr>
+        </p:nvSpPr>
+        <p:spPr>
+          <a:xfrm>
+            <a:off x="914400" y="1828800"/>
+            <a:ext cx="5029200" cy="4114800"/>
+          </a:xfrm>
+          <a:prstGeom prst="rect">
+            <a:avLst/>
+          </a:prstGeom>
+          <a:noFill/>
+          <a:ln/>
+        </p:spPr>
+        <p:txBody>
+          <a:bodyPr wrap="square" rtlCol="0" anchor="t"/>
+          <a:lstStyle/>
+          <a:p>
+            <a:pPr algn="l" indent="0" marL="0">
+              <a:buNone/>
+            </a:pPr>
+            <a:r>
+              <a:rPr lang="en-US" sz="2500" dirty="0">
+                <a:solidFill>
+                  <a:srgbClr val="0E0C0C"/>
+                </a:solidFill>
+                <a:latin typeface="Arial" pitchFamily="34" charset="0"/>
+                <a:ea typeface="Arial" pitchFamily="34" charset="-122"/>
+                <a:cs typeface="Arial" pitchFamily="34" charset="-120"/>
+              </a:rPr>
+              <a:t>1. Intelligent Summarization</a:t>
+            </a:r>
+            <a:endParaRPr lang="en-US" sz="2500" dirty="0"/>
+          </a:p>
+          <a:p>
+            <a:pPr algn="l" indent="0" marL="0">
+              <a:buNone/>
+            </a:pPr>
+            <a:r>
+              <a:rPr lang="en-US" sz="2500" dirty="0">
+                <a:solidFill>
+                  <a:srgbClr val="0E0C0C"/>
+                </a:solidFill>
+                <a:latin typeface="Arial" pitchFamily="34" charset="0"/>
+                <a:ea typeface="Arial" pitchFamily="34" charset="-122"/>
+                <a:cs typeface="Arial" pitchFamily="34" charset="-120"/>
+              </a:rPr>
+              <a:t>2. Interactive Engagement</a:t>
+            </a:r>
+            <a:endParaRPr lang="en-US" sz="2500" dirty="0"/>
+          </a:p>
+          <a:p>
+            <a:pPr algn="l" indent="0" marL="0">
+              <a:buNone/>
+            </a:pPr>
+            <a:r>
+              <a:rPr lang="en-US" sz="2500" dirty="0">
+                <a:solidFill>
+                  <a:srgbClr val="0E0C0C"/>
+                </a:solidFill>
+                <a:latin typeface="Arial" pitchFamily="34" charset="0"/>
+                <a:ea typeface="Arial" pitchFamily="34" charset="-122"/>
+                <a:cs typeface="Arial" pitchFamily="34" charset="-120"/>
+              </a:rPr>
+              <a:t>3. Multilingual Support</a:t>
+            </a:r>
+            <a:endParaRPr lang="en-US" sz="2500" dirty="0"/>
+          </a:p>
+          <a:p>
+            <a:pPr algn="l" indent="0" marL="0">
+              <a:buNone/>
+            </a:pPr>
+            <a:r>
+              <a:rPr lang="en-US" sz="2500" dirty="0">
+                <a:solidFill>
+                  <a:srgbClr val="0E0C0C"/>
+                </a:solidFill>
+                <a:latin typeface="Arial" pitchFamily="34" charset="0"/>
+                <a:ea typeface="Arial" pitchFamily="34" charset="-122"/>
+                <a:cs typeface="Arial" pitchFamily="34" charset="-120"/>
+              </a:rPr>
+              <a:t>4. Personalized Learning Experiences</a:t>
+            </a:r>
+            <a:endParaRPr lang="en-US" sz="2500" dirty="0"/>
+          </a:p>
+        </p:txBody>
+      </p:sp>
+      <p:sp>
+        <p:nvSpPr>
+          <p:cNvPr id="4" name="Text 1"/>
+          <p:cNvSpPr/>
+          <p:nvPr>
+            <p:ph idx="103" type="body" hasCustomPrompt="1"/>
+          </p:nvPr>
+        </p:nvSpPr>
+        <p:spPr>
+          <a:xfrm>
+            <a:off x="6400800" y="1828800"/>
+            <a:ext cx="5029200" cy="4114800"/>
+          </a:xfrm>
+          <a:prstGeom prst="rect">
+            <a:avLst/>
+          </a:prstGeom>
+          <a:noFill/>
+          <a:ln/>
+        </p:spPr>
+        <p:txBody>
+          <a:bodyPr wrap="square" rtlCol="0" anchor="t"/>
+          <a:lstStyle/>
+          <a:p>
+            <a:pPr algn="l" indent="0" marL="0">
+              <a:buNone/>
+            </a:pPr>
+            <a:r>
+              <a:rPr lang="en-US" sz="2500" dirty="0">
+                <a:solidFill>
+                  <a:srgbClr val="0E0C0C"/>
+                </a:solidFill>
+                <a:latin typeface="Arial" pitchFamily="34" charset="0"/>
+                <a:ea typeface="Arial" pitchFamily="34" charset="-122"/>
+                <a:cs typeface="Arial" pitchFamily="34" charset="-120"/>
+              </a:rPr>
+              <a:t>1. Streamlines information retrieval</a:t>
+            </a:r>
+            <a:endParaRPr lang="en-US" sz="2500" dirty="0"/>
+          </a:p>
+          <a:p>
+            <a:pPr algn="l" indent="0" marL="0">
+              <a:buNone/>
+            </a:pPr>
+            <a:r>
+              <a:rPr lang="en-US" sz="2500" dirty="0">
+                <a:solidFill>
+                  <a:srgbClr val="0E0C0C"/>
+                </a:solidFill>
+                <a:latin typeface="Arial" pitchFamily="34" charset="0"/>
+                <a:ea typeface="Arial" pitchFamily="34" charset="-122"/>
+                <a:cs typeface="Arial" pitchFamily="34" charset="-120"/>
+              </a:rPr>
+              <a:t>2. Improves knowledge acquisition</a:t>
+            </a:r>
+            <a:endParaRPr lang="en-US" sz="2500" dirty="0"/>
+          </a:p>
+          <a:p>
+            <a:pPr algn="l" indent="0" marL="0">
+              <a:buNone/>
+            </a:pPr>
+            <a:r>
+              <a:rPr lang="en-US" sz="2500" dirty="0">
+                <a:solidFill>
+                  <a:srgbClr val="0E0C0C"/>
+                </a:solidFill>
+                <a:latin typeface="Arial" pitchFamily="34" charset="0"/>
+                <a:ea typeface="Arial" pitchFamily="34" charset="-122"/>
+                <a:cs typeface="Arial" pitchFamily="34" charset="-120"/>
+              </a:rPr>
+              <a:t>3. Fosters collaboration</a:t>
+            </a:r>
+            <a:endParaRPr lang="en-US" sz="2500" dirty="0"/>
+          </a:p>
+          <a:p>
+            <a:pPr algn="l" indent="0" marL="0">
+              <a:buNone/>
+            </a:pPr>
+            <a:r>
+              <a:rPr lang="en-US" sz="2500" dirty="0">
+                <a:solidFill>
+                  <a:srgbClr val="0E0C0C"/>
+                </a:solidFill>
+                <a:latin typeface="Arial" pitchFamily="34" charset="0"/>
+                <a:ea typeface="Arial" pitchFamily="34" charset="-122"/>
+                <a:cs typeface="Arial" pitchFamily="34" charset="-120"/>
+              </a:rPr>
+              <a:t>4. Enhances learning environments</a:t>
+            </a:r>
+            <a:endParaRPr lang="en-US" sz="2500" dirty="0"/>
+          </a:p>
+        </p:txBody>
+      </p:sp>
+      <p:sp>
+        <p:nvSpPr>
+          <p:cNvPr id="25" name="Slide Number Placeholder 0"/>
+          <p:cNvSpPr>
+            <a:spLocks noGrp="1"/>
+          </p:cNvSpPr>
+          <p:nvPr>
+            <p:ph type="sldNum" sz="quarter" idx="4294967295"/>
+          </p:nvPr>
+        </p:nvSpPr>
+        <p:spPr>
+          <a:xfrm>
+            <a:off x="91440" y="6515100"/>
+            <a:ext cx="457200" cy="457200"/>
+          </a:xfrm>
+          <a:prstGeom prst="rect">
+            <a:avLst/>
+          </a:prstGeom>
+          <a:extLst>
+            <a:ext uri="{C572A759-6A51-4108-AA02-DFA0A04FC94B}">
+              <ma14:wrappingTextBoxFlag xmlns:ma14="http://schemas.microsoft.com/office/mac/drawingml/2011/main" val="0"/>
+            </a:ext>
+          </a:extLst>
+        </p:spPr>
+        <p:txBody>
+          <a:bodyPr/>
+          <a:lstStyle>
+            <a:lvl1pPr/>
+          </a:lstStyle>
+          <a:p>
+            <a:pPr algn="l"/>
+            <a:fld id="{F7021451-1387-4CA6-816F-3879F97B5CBC}" type="slidenum">
+              <a:rPr b="0" lang="en-US"/>
+              <a:t>4</a:t>
+            </a:fld>
+            <a:endParaRPr lang="en-US"/>
+          </a:p>
+        </p:txBody>
+      </p:sp>
+    </p:spTree>
+  </p:cSld>
+  <p:clrMapOvr>
+    <a:masterClrMapping/>
+  </p:clrMapOvr>
+</p:sld>
+</file>
+
+<file path=ppt/slides/slide5.xml><?xml version="1.0" encoding="utf-8"?>
+<p:sld xmlns:a="http://schemas.openxmlformats.org/drawingml/2006/main" xmlns:r="http://schemas.openxmlformats.org/officeDocument/2006/relationships" xmlns:p="http://schemas.openxmlformats.org/presentationml/2006/main">
+  <p:cSld name="Slide 5">
+    <p:spTree>
+      <p:nvGrpSpPr>
+        <p:cNvPr id="1" name=""/>
+        <p:cNvGrpSpPr/>
+        <p:nvPr/>
+      </p:nvGrpSpPr>
+      <p:grpSpPr>
+        <a:xfrm>
+          <a:off x="0" y="0"/>
+          <a:ext cx="0" cy="0"/>
+          <a:chOff x="0" y="0"/>
+          <a:chExt cx="0" cy="0"/>
+        </a:xfrm>
+      </p:grpSpPr>
+      <p:sp>
+        <p:nvSpPr>
+          <p:cNvPr id="2" name="Text 1"/>
+          <p:cNvSpPr/>
+          <p:nvPr>
+            <p:ph idx="101" type="title" hasCustomPrompt="1"/>
+          </p:nvPr>
+        </p:nvSpPr>
+        <p:spPr>
+          <a:xfrm>
+            <a:off x="457200" y="457200"/>
+            <a:ext cx="5486400" cy="1371600"/>
+          </a:xfrm>
+          <a:prstGeom prst="rect">
+            <a:avLst/>
+          </a:prstGeom>
+          <a:noFill/>
+          <a:ln/>
+        </p:spPr>
+        <p:txBody>
+          <a:bodyPr wrap="square" rtlCol="0" anchor="ctr"/>
+          <a:lstStyle/>
+          <a:p>
+            <a:pPr algn="l" indent="0" marL="0">
+              <a:buNone/>
+            </a:pPr>
+            <a:r>
+              <a:rPr lang="en-US" sz="4000" b="1" dirty="0">
+                <a:solidFill>
+                  <a:srgbClr val="0E0C0C"/>
+                </a:solidFill>
+                <a:latin typeface="Arial" pitchFamily="34" charset="0"/>
+                <a:ea typeface="Arial" pitchFamily="34" charset="-122"/>
+                <a:cs typeface="Arial" pitchFamily="34" charset="-120"/>
+              </a:rPr>
+              <a:t>Intelligent Summarization</a:t>
+            </a:r>
+            <a:endParaRPr lang="en-US" sz="4000" dirty="0"/>
+          </a:p>
+        </p:txBody>
+      </p:sp>
+      <p:sp>
+        <p:nvSpPr>
+          <p:cNvPr id="3" name="Text 1"/>
+          <p:cNvSpPr/>
+          <p:nvPr>
+            <p:ph idx="102" type="body" hasCustomPrompt="1"/>
+          </p:nvPr>
+        </p:nvSpPr>
+        <p:spPr>
+          <a:xfrm>
+            <a:off x="6400800" y="457200"/>
+            <a:ext cx="5029200" cy="5486400"/>
+          </a:xfrm>
+          <a:prstGeom prst="rect">
+            <a:avLst/>
+          </a:prstGeom>
+          <a:noFill/>
+          <a:ln/>
+        </p:spPr>
+        <p:txBody>
+          <a:bodyPr wrap="square" rtlCol="0" anchor="t"/>
+          <a:lstStyle/>
+          <a:p>
+            <a:pPr algn="l" indent="0" marL="0">
+              <a:buNone/>
+            </a:pPr>
+            <a:r>
+              <a:rPr lang="en-US" sz="2000" dirty="0">
+                <a:solidFill>
+                  <a:srgbClr val="0E0C0C"/>
+                </a:solidFill>
+                <a:latin typeface="Arial" pitchFamily="34" charset="0"/>
+                <a:ea typeface="Arial" pitchFamily="34" charset="-122"/>
+                <a:cs typeface="Arial" pitchFamily="34" charset="-120"/>
+              </a:rPr>
+              <a:t>1. AI Flavoured's summarization engine condenses complex documents into concise summaries. 
+2. This feature helps users quickly grasp the essence of lengthy texts. 
+</a:t>
+            </a:r>
+            <a:endParaRPr lang="en-US" sz="2000" dirty="0"/>
+          </a:p>
+        </p:txBody>
+      </p:sp>
+      <p:sp>
+        <p:nvSpPr>
+          <p:cNvPr id="4" name="Text 1"/>
+          <p:cNvSpPr/>
+          <p:nvPr>
+            <p:ph idx="103" type="body" hasCustomPrompt="1"/>
+          </p:nvPr>
+        </p:nvSpPr>
+        <p:spPr>
+          <a:xfrm>
+            <a:off x="457200" y="2286000"/>
+            <a:ext cx="5486400" cy="3657600"/>
+          </a:xfrm>
+          <a:prstGeom prst="rect">
+            <a:avLst/>
+          </a:prstGeom>
+          <a:noFill/>
+          <a:ln/>
+        </p:spPr>
+        <p:txBody>
+          <a:bodyPr wrap="square" rtlCol="0" anchor="t"/>
+          <a:lstStyle/>
+          <a:p>
+            <a:pPr algn="l" indent="0" marL="0">
+              <a:buNone/>
+            </a:pPr>
+            <a:r>
+              <a:rPr lang="en-US" sz="2400" dirty="0">
+                <a:solidFill>
+                  <a:srgbClr val="211F1F"/>
+                </a:solidFill>
+                <a:latin typeface="Arial" pitchFamily="34" charset="0"/>
+                <a:ea typeface="Arial" pitchFamily="34" charset="-122"/>
+                <a:cs typeface="Arial" pitchFamily="34" charset="-120"/>
+              </a:rPr>
+              <a:t>Efficiently extract key insights from vast amounts of information.</a:t>
+            </a:r>
+            <a:endParaRPr lang="en-US" sz="2400" dirty="0"/>
+          </a:p>
+        </p:txBody>
+      </p:sp>
+      <p:sp>
+        <p:nvSpPr>
+          <p:cNvPr id="25" name="Slide Number Placeholder 0"/>
+          <p:cNvSpPr>
+            <a:spLocks noGrp="1"/>
+          </p:cNvSpPr>
+          <p:nvPr>
+            <p:ph type="sldNum" sz="quarter" idx="4294967295"/>
+          </p:nvPr>
+        </p:nvSpPr>
+        <p:spPr>
+          <a:xfrm>
+            <a:off x="91440" y="6515100"/>
+            <a:ext cx="457200" cy="457200"/>
+          </a:xfrm>
+          <a:prstGeom prst="rect">
+            <a:avLst/>
+          </a:prstGeom>
+          <a:extLst>
+            <a:ext uri="{C572A759-6A51-4108-AA02-DFA0A04FC94B}">
+              <ma14:wrappingTextBoxFlag xmlns:ma14="http://schemas.microsoft.com/office/mac/drawingml/2011/main" val="0"/>
+            </a:ext>
+          </a:extLst>
+        </p:spPr>
+        <p:txBody>
+          <a:bodyPr/>
+          <a:lstStyle>
+            <a:lvl1pPr/>
+          </a:lstStyle>
+          <a:p>
+            <a:pPr algn="l"/>
+            <a:fld id="{F7021451-1387-4CA6-816F-3879F97B5CBC}" type="slidenum">
+              <a:rPr b="0" lang="en-US"/>
+              <a:t>5</a:t>
+            </a:fld>
+            <a:endParaRPr lang="en-US"/>
+          </a:p>
+        </p:txBody>
+      </p:sp>
+    </p:spTree>
+  </p:cSld>
+  <p:clrMapOvr>
+    <a:masterClrMapping/>
+  </p:clrMapOvr>
+</p:sld>
+</file>
+
+<file path=ppt/slides/slide6.xml><?xml version="1.0" encoding="utf-8"?>
+<p:sld xmlns:a="http://schemas.openxmlformats.org/drawingml/2006/main" xmlns:r="http://schemas.openxmlformats.org/officeDocument/2006/relationships" xmlns:p="http://schemas.openxmlformats.org/presentationml/2006/main">
+  <p:cSld name="Slide 6">
+    <p:spTree>
+      <p:nvGrpSpPr>
+        <p:cNvPr id="1" name=""/>
+        <p:cNvGrpSpPr/>
+        <p:nvPr/>
+      </p:nvGrpSpPr>
+      <p:grpSpPr>
+        <a:xfrm>
+          <a:off x="0" y="0"/>
+          <a:ext cx="0" cy="0"/>
+          <a:chOff x="0" y="0"/>
+          <a:chExt cx="0" cy="0"/>
+        </a:xfrm>
+      </p:grpSpPr>
+      <p:sp>
+        <p:nvSpPr>
+          <p:cNvPr id="2" name="Text 1"/>
+          <p:cNvSpPr/>
+          <p:nvPr>
+            <p:ph idx="101" type="title" hasCustomPrompt="1"/>
+          </p:nvPr>
+        </p:nvSpPr>
+        <p:spPr>
+          <a:xfrm>
+            <a:off x="457200" y="457200"/>
+            <a:ext cx="5486400" cy="1371600"/>
+          </a:xfrm>
+          <a:prstGeom prst="rect">
+            <a:avLst/>
+          </a:prstGeom>
+          <a:noFill/>
+          <a:ln/>
+        </p:spPr>
+        <p:txBody>
+          <a:bodyPr wrap="square" rtlCol="0" anchor="ctr"/>
+          <a:lstStyle/>
+          <a:p>
+            <a:pPr algn="l" indent="0" marL="0">
+              <a:buNone/>
+            </a:pPr>
+            <a:r>
+              <a:rPr lang="en-US" sz="4000" b="1" dirty="0">
+                <a:solidFill>
+                  <a:srgbClr val="0E0C0C"/>
+                </a:solidFill>
+                <a:latin typeface="Arial" pitchFamily="34" charset="0"/>
+                <a:ea typeface="Arial" pitchFamily="34" charset="-122"/>
+                <a:cs typeface="Arial" pitchFamily="34" charset="-120"/>
+              </a:rPr>
+              <a:t>Interactive Engagement</a:t>
+            </a:r>
+            <a:endParaRPr lang="en-US" sz="4000" dirty="0"/>
+          </a:p>
+        </p:txBody>
+      </p:sp>
+      <p:sp>
+        <p:nvSpPr>
+          <p:cNvPr id="3" name="Text 1"/>
+          <p:cNvSpPr/>
+          <p:nvPr>
+            <p:ph idx="102" type="body" hasCustomPrompt="1"/>
+          </p:nvPr>
+        </p:nvSpPr>
+        <p:spPr>
+          <a:xfrm>
+            <a:off x="6400800" y="457200"/>
+            <a:ext cx="5029200" cy="5486400"/>
+          </a:xfrm>
+          <a:prstGeom prst="rect">
+            <a:avLst/>
+          </a:prstGeom>
+          <a:noFill/>
+          <a:ln/>
+        </p:spPr>
+        <p:txBody>
+          <a:bodyPr wrap="square" rtlCol="0" anchor="t"/>
+          <a:lstStyle/>
+          <a:p>
+            <a:pPr algn="l" indent="0" marL="0">
+              <a:buNone/>
+            </a:pPr>
+            <a:r>
+              <a:rPr lang="en-US" sz="2000" dirty="0">
+                <a:solidFill>
+                  <a:srgbClr val="0E0C0C"/>
+                </a:solidFill>
+                <a:latin typeface="Arial" pitchFamily="34" charset="0"/>
+                <a:ea typeface="Arial" pitchFamily="34" charset="-122"/>
+                <a:cs typeface="Arial" pitchFamily="34" charset="-120"/>
+              </a:rPr>
+              <a:t>1. The platform offers interactive communication features to enhance user engagement. 
+2. Users can interact with the content, ask questions, and receive instant feedback. 
+</a:t>
+            </a:r>
+            <a:endParaRPr lang="en-US" sz="2000" dirty="0"/>
+          </a:p>
+        </p:txBody>
+      </p:sp>
+      <p:sp>
+        <p:nvSpPr>
+          <p:cNvPr id="4" name="Text 1"/>
+          <p:cNvSpPr/>
+          <p:nvPr>
+            <p:ph idx="103" type="body" hasCustomPrompt="1"/>
+          </p:nvPr>
+        </p:nvSpPr>
+        <p:spPr>
+          <a:xfrm>
+            <a:off x="457200" y="2286000"/>
+            <a:ext cx="5486400" cy="3657600"/>
+          </a:xfrm>
+          <a:prstGeom prst="rect">
+            <a:avLst/>
+          </a:prstGeom>
+          <a:noFill/>
+          <a:ln/>
+        </p:spPr>
+        <p:txBody>
+          <a:bodyPr wrap="square" rtlCol="0" anchor="t"/>
+          <a:lstStyle/>
+          <a:p>
+            <a:pPr algn="l" indent="0" marL="0">
+              <a:buNone/>
+            </a:pPr>
+            <a:r>
+              <a:rPr lang="en-US" sz="2400" dirty="0">
+                <a:solidFill>
+                  <a:srgbClr val="211F1F"/>
+                </a:solidFill>
+                <a:latin typeface="Arial" pitchFamily="34" charset="0"/>
+                <a:ea typeface="Arial" pitchFamily="34" charset="-122"/>
+                <a:cs typeface="Arial" pitchFamily="34" charset="-120"/>
+              </a:rPr>
+              <a:t>Foster a more engaging and interactive learning experience.</a:t>
+            </a:r>
+            <a:endParaRPr lang="en-US" sz="2400" dirty="0"/>
+          </a:p>
+        </p:txBody>
+      </p:sp>
+      <p:sp>
+        <p:nvSpPr>
+          <p:cNvPr id="25" name="Slide Number Placeholder 0"/>
+          <p:cNvSpPr>
+            <a:spLocks noGrp="1"/>
+          </p:cNvSpPr>
+          <p:nvPr>
+            <p:ph type="sldNum" sz="quarter" idx="4294967295"/>
+          </p:nvPr>
+        </p:nvSpPr>
+        <p:spPr>
+          <a:xfrm>
+            <a:off x="91440" y="6515100"/>
+            <a:ext cx="457200" cy="457200"/>
+          </a:xfrm>
+          <a:prstGeom prst="rect">
+            <a:avLst/>
+          </a:prstGeom>
+          <a:extLst>
+            <a:ext uri="{C572A759-6A51-4108-AA02-DFA0A04FC94B}">
+              <ma14:wrappingTextBoxFlag xmlns:ma14="http://schemas.microsoft.com/office/mac/drawingml/2011/main" val="0"/>
+            </a:ext>
+          </a:extLst>
+        </p:spPr>
+        <p:txBody>
+          <a:bodyPr/>
+          <a:lstStyle>
+            <a:lvl1pPr/>
+          </a:lstStyle>
+          <a:p>
+            <a:pPr algn="l"/>
+            <a:fld id="{F7021451-1387-4CA6-816F-3879F97B5CBC}" type="slidenum">
+              <a:rPr b="0" lang="en-US"/>
+              <a:t>6</a:t>
+            </a:fld>
+            <a:endParaRPr lang="en-US"/>
+          </a:p>
+        </p:txBody>
+      </p:sp>
+    </p:spTree>
+  </p:cSld>
+  <p:clrMapOvr>
+    <a:masterClrMapping/>
+  </p:clrMapOvr>
+</p:sld>
+</file>
+
+<file path=ppt/slides/slide7.xml><?xml version="1.0" encoding="utf-8"?>
+<p:sld xmlns:a="http://schemas.openxmlformats.org/drawingml/2006/main" xmlns:r="http://schemas.openxmlformats.org/officeDocument/2006/relationships" xmlns:p="http://schemas.openxmlformats.org/presentationml/2006/main">
+  <p:cSld name="Slide 7">
+    <p:spTree>
+      <p:nvGrpSpPr>
+        <p:cNvPr id="1" name=""/>
+        <p:cNvGrpSpPr/>
+        <p:nvPr/>
+      </p:nvGrpSpPr>
+      <p:grpSpPr>
+        <a:xfrm>
+          <a:off x="0" y="0"/>
+          <a:ext cx="0" cy="0"/>
+          <a:chOff x="0" y="0"/>
+          <a:chExt cx="0" cy="0"/>
+        </a:xfrm>
+      </p:grpSpPr>
+      <p:sp>
+        <p:nvSpPr>
+          <p:cNvPr id="2" name="Text 1"/>
+          <p:cNvSpPr/>
+          <p:nvPr>
+            <p:ph idx="101" type="title" hasCustomPrompt="1"/>
+          </p:nvPr>
+        </p:nvSpPr>
+        <p:spPr>
+          <a:xfrm>
+            <a:off x="457200" y="457200"/>
+            <a:ext cx="5486400" cy="1371600"/>
+          </a:xfrm>
+          <a:prstGeom prst="rect">
+            <a:avLst/>
+          </a:prstGeom>
+          <a:noFill/>
+          <a:ln/>
+        </p:spPr>
+        <p:txBody>
+          <a:bodyPr wrap="square" rtlCol="0" anchor="ctr"/>
+          <a:lstStyle/>
+          <a:p>
+            <a:pPr algn="l" indent="0" marL="0">
+              <a:buNone/>
+            </a:pPr>
+            <a:r>
+              <a:rPr lang="en-US" sz="4000" b="1" dirty="0">
+                <a:solidFill>
+                  <a:srgbClr val="0E0C0C"/>
+                </a:solidFill>
+                <a:latin typeface="Arial" pitchFamily="34" charset="0"/>
+                <a:ea typeface="Arial" pitchFamily="34" charset="-122"/>
+                <a:cs typeface="Arial" pitchFamily="34" charset="-120"/>
+              </a:rPr>
+              <a:t>Multilingual Support</a:t>
+            </a:r>
+            <a:endParaRPr lang="en-US" sz="4000" dirty="0"/>
+          </a:p>
+        </p:txBody>
+      </p:sp>
+      <p:sp>
+        <p:nvSpPr>
+          <p:cNvPr id="3" name="Text 1"/>
+          <p:cNvSpPr/>
+          <p:nvPr>
+            <p:ph idx="102" type="body" hasCustomPrompt="1"/>
+          </p:nvPr>
+        </p:nvSpPr>
+        <p:spPr>
+          <a:xfrm>
+            <a:off x="6400800" y="457200"/>
+            <a:ext cx="5029200" cy="5486400"/>
+          </a:xfrm>
+          <a:prstGeom prst="rect">
+            <a:avLst/>
+          </a:prstGeom>
+          <a:noFill/>
+          <a:ln/>
+        </p:spPr>
+        <p:txBody>
+          <a:bodyPr wrap="square" rtlCol="0" anchor="t"/>
+          <a:lstStyle/>
+          <a:p>
+            <a:pPr algn="l" indent="0" marL="0">
+              <a:buNone/>
+            </a:pPr>
+            <a:r>
+              <a:rPr lang="en-US" sz="2000" dirty="0">
+                <a:solidFill>
+                  <a:srgbClr val="0E0C0C"/>
+                </a:solidFill>
+                <a:latin typeface="Arial" pitchFamily="34" charset="0"/>
+                <a:ea typeface="Arial" pitchFamily="34" charset="-122"/>
+                <a:cs typeface="Arial" pitchFamily="34" charset="-120"/>
+              </a:rPr>
+              <a:t>1. AI Flavoured supports multiple languages, breaking down language barriers. 
+2. This feature ensures accessibility for a global audience. 
+</a:t>
+            </a:r>
+            <a:endParaRPr lang="en-US" sz="2000" dirty="0"/>
+          </a:p>
+        </p:txBody>
+      </p:sp>
+      <p:sp>
+        <p:nvSpPr>
+          <p:cNvPr id="4" name="Text 1"/>
+          <p:cNvSpPr/>
+          <p:nvPr>
+            <p:ph idx="103" type="body" hasCustomPrompt="1"/>
+          </p:nvPr>
+        </p:nvSpPr>
+        <p:spPr>
+          <a:xfrm>
+            <a:off x="457200" y="2286000"/>
+            <a:ext cx="5486400" cy="3657600"/>
+          </a:xfrm>
+          <a:prstGeom prst="rect">
+            <a:avLst/>
+          </a:prstGeom>
+          <a:noFill/>
+          <a:ln/>
+        </p:spPr>
+        <p:txBody>
+          <a:bodyPr wrap="square" rtlCol="0" anchor="t"/>
+          <a:lstStyle/>
+          <a:p>
+            <a:pPr algn="l" indent="0" marL="0">
+              <a:buNone/>
+            </a:pPr>
+            <a:r>
+              <a:rPr lang="en-US" sz="2400" dirty="0">
+                <a:solidFill>
+                  <a:srgbClr val="211F1F"/>
+                </a:solidFill>
+                <a:latin typeface="Arial" pitchFamily="34" charset="0"/>
+                <a:ea typeface="Arial" pitchFamily="34" charset="-122"/>
+                <a:cs typeface="Arial" pitchFamily="34" charset="-120"/>
+              </a:rPr>
+              <a:t>Promote inclusivity and accessibility in document comprehension.</a:t>
+            </a:r>
+            <a:endParaRPr lang="en-US" sz="2400" dirty="0"/>
+          </a:p>
+        </p:txBody>
+      </p:sp>
+      <p:sp>
+        <p:nvSpPr>
+          <p:cNvPr id="25" name="Slide Number Placeholder 0"/>
+          <p:cNvSpPr>
+            <a:spLocks noGrp="1"/>
+          </p:cNvSpPr>
+          <p:nvPr>
+            <p:ph type="sldNum" sz="quarter" idx="4294967295"/>
+          </p:nvPr>
+        </p:nvSpPr>
+        <p:spPr>
+          <a:xfrm>
+            <a:off x="91440" y="6515100"/>
+            <a:ext cx="457200" cy="457200"/>
+          </a:xfrm>
+          <a:prstGeom prst="rect">
+            <a:avLst/>
+          </a:prstGeom>
+          <a:extLst>
+            <a:ext uri="{C572A759-6A51-4108-AA02-DFA0A04FC94B}">
+              <ma14:wrappingTextBoxFlag xmlns:ma14="http://schemas.microsoft.com/office/mac/drawingml/2011/main" val="0"/>
+            </a:ext>
+          </a:extLst>
+        </p:spPr>
+        <p:txBody>
+          <a:bodyPr/>
+          <a:lstStyle>
+            <a:lvl1pPr/>
+          </a:lstStyle>
+          <a:p>
+            <a:pPr algn="l"/>
+            <a:fld id="{F7021451-1387-4CA6-816F-3879F97B5CBC}" type="slidenum">
+              <a:rPr b="0" lang="en-US"/>
+              <a:t>7</a:t>
+            </a:fld>
+            <a:endParaRPr lang="en-US"/>
+          </a:p>
+        </p:txBody>
+      </p:sp>
+    </p:spTree>
+  </p:cSld>
+  <p:clrMapOvr>
+    <a:masterClrMapping/>
+  </p:clrMapOvr>
+</p:sld>
+</file>
+
+<file path=ppt/slides/slide8.xml><?xml version="1.0" encoding="utf-8"?>
+<p:sld xmlns:a="http://schemas.openxmlformats.org/drawingml/2006/main" xmlns:r="http://schemas.openxmlformats.org/officeDocument/2006/relationships" xmlns:p="http://schemas.openxmlformats.org/presentationml/2006/main">
+  <p:cSld name="Slide 8">
+    <p:spTree>
+      <p:nvGrpSpPr>
+        <p:cNvPr id="1" name=""/>
+        <p:cNvGrpSpPr/>
+        <p:nvPr/>
+      </p:nvGrpSpPr>
+      <p:grpSpPr>
+        <a:xfrm>
+          <a:off x="0" y="0"/>
+          <a:ext cx="0" cy="0"/>
+          <a:chOff x="0" y="0"/>
+          <a:chExt cx="0" cy="0"/>
+        </a:xfrm>
+      </p:grpSpPr>
+      <p:sp>
+        <p:nvSpPr>
+          <p:cNvPr id="2" name="Text 1"/>
+          <p:cNvSpPr/>
+          <p:nvPr>
+            <p:ph idx="101" type="title" hasCustomPrompt="1"/>
+          </p:nvPr>
+        </p:nvSpPr>
+        <p:spPr>
+          <a:xfrm>
+            <a:off x="457200" y="457200"/>
+            <a:ext cx="5486400" cy="1371600"/>
+          </a:xfrm>
+          <a:prstGeom prst="rect">
+            <a:avLst/>
+          </a:prstGeom>
+          <a:noFill/>
+          <a:ln/>
+        </p:spPr>
+        <p:txBody>
+          <a:bodyPr wrap="square" rtlCol="0" anchor="ctr"/>
+          <a:lstStyle/>
+          <a:p>
+            <a:pPr algn="l" indent="0" marL="0">
+              <a:buNone/>
+            </a:pPr>
+            <a:r>
+              <a:rPr lang="en-US" sz="4000" b="1" dirty="0">
+                <a:solidFill>
+                  <a:srgbClr val="0E0C0C"/>
+                </a:solidFill>
+                <a:latin typeface="Arial" pitchFamily="34" charset="0"/>
+                <a:ea typeface="Arial" pitchFamily="34" charset="-122"/>
+                <a:cs typeface="Arial" pitchFamily="34" charset="-120"/>
+              </a:rPr>
+              <a:t>Personalized Learning Experiences</a:t>
+            </a:r>
+            <a:endParaRPr lang="en-US" sz="4000" dirty="0"/>
+          </a:p>
+        </p:txBody>
+      </p:sp>
+      <p:sp>
+        <p:nvSpPr>
+          <p:cNvPr id="3" name="Text 1"/>
+          <p:cNvSpPr/>
+          <p:nvPr>
+            <p:ph idx="102" type="body" hasCustomPrompt="1"/>
+          </p:nvPr>
+        </p:nvSpPr>
+        <p:spPr>
+          <a:xfrm>
+            <a:off x="6400800" y="457200"/>
+            <a:ext cx="5029200" cy="5486400"/>
+          </a:xfrm>
+          <a:prstGeom prst="rect">
+            <a:avLst/>
+          </a:prstGeom>
+          <a:noFill/>
+          <a:ln/>
+        </p:spPr>
+        <p:txBody>
+          <a:bodyPr wrap="square" rtlCol="0" anchor="t"/>
+          <a:lstStyle/>
+          <a:p>
+            <a:pPr algn="l" indent="0" marL="0">
+              <a:buNone/>
+            </a:pPr>
+            <a:r>
+              <a:rPr lang="en-US" sz="2000" dirty="0">
+                <a:solidFill>
+                  <a:srgbClr val="0E0C0C"/>
+                </a:solidFill>
+                <a:latin typeface="Arial" pitchFamily="34" charset="0"/>
+                <a:ea typeface="Arial" pitchFamily="34" charset="-122"/>
+                <a:cs typeface="Arial" pitchFamily="34" charset="-120"/>
+              </a:rPr>
+              <a:t>1. The platform offers personalized learning experiences tailored to individual needs. 
+2. Users receive recommendations and insights based on their preferences and learning patterns. 
+</a:t>
+            </a:r>
+            <a:endParaRPr lang="en-US" sz="2000" dirty="0"/>
+          </a:p>
+        </p:txBody>
+      </p:sp>
+      <p:sp>
+        <p:nvSpPr>
+          <p:cNvPr id="4" name="Text 1"/>
+          <p:cNvSpPr/>
+          <p:nvPr>
+            <p:ph idx="103" type="body" hasCustomPrompt="1"/>
+          </p:nvPr>
+        </p:nvSpPr>
+        <p:spPr>
+          <a:xfrm>
+            <a:off x="457200" y="2286000"/>
+            <a:ext cx="5486400" cy="3657600"/>
+          </a:xfrm>
+          <a:prstGeom prst="rect">
+            <a:avLst/>
+          </a:prstGeom>
+          <a:noFill/>
+          <a:ln/>
+        </p:spPr>
+        <p:txBody>
+          <a:bodyPr wrap="square" rtlCol="0" anchor="t"/>
+          <a:lstStyle/>
+          <a:p>
+            <a:pPr algn="l" indent="0" marL="0">
+              <a:buNone/>
+            </a:pPr>
+            <a:r>
+              <a:rPr lang="en-US" sz="2400" dirty="0">
+                <a:solidFill>
+                  <a:srgbClr val="211F1F"/>
+                </a:solidFill>
+                <a:latin typeface="Arial" pitchFamily="34" charset="0"/>
+                <a:ea typeface="Arial" pitchFamily="34" charset="-122"/>
+                <a:cs typeface="Arial" pitchFamily="34" charset="-120"/>
+              </a:rPr>
+              <a:t>Enhance learning outcomes through personalized content.</a:t>
+            </a:r>
+            <a:endParaRPr lang="en-US" sz="2400" dirty="0"/>
+          </a:p>
+        </p:txBody>
+      </p:sp>
+      <p:sp>
+        <p:nvSpPr>
+          <p:cNvPr id="25" name="Slide Number Placeholder 0"/>
+          <p:cNvSpPr>
+            <a:spLocks noGrp="1"/>
+          </p:cNvSpPr>
+          <p:nvPr>
+            <p:ph type="sldNum" sz="quarter" idx="4294967295"/>
+          </p:nvPr>
+        </p:nvSpPr>
+        <p:spPr>
+          <a:xfrm>
+            <a:off x="91440" y="6515100"/>
+            <a:ext cx="457200" cy="457200"/>
+          </a:xfrm>
+          <a:prstGeom prst="rect">
+            <a:avLst/>
+          </a:prstGeom>
+          <a:extLst>
+            <a:ext uri="{C572A759-6A51-4108-AA02-DFA0A04FC94B}">
+              <ma14:wrappingTextBoxFlag xmlns:ma14="http://schemas.microsoft.com/office/mac/drawingml/2011/main" val="0"/>
+            </a:ext>
+          </a:extLst>
+        </p:spPr>
+        <p:txBody>
+          <a:bodyPr/>
+          <a:lstStyle>
+            <a:lvl1pPr/>
+          </a:lstStyle>
+          <a:p>
+            <a:pPr algn="l"/>
+            <a:fld id="{F7021451-1387-4CA6-816F-3879F97B5CBC}" type="slidenum">
+              <a:rPr b="0" lang="en-US"/>
+              <a:t>8</a:t>
+            </a:fld>
+            <a:endParaRPr lang="en-US"/>
+          </a:p>
+        </p:txBody>
+      </p:sp>
+    </p:spTree>
+  </p:cSld>
+  <p:clrMapOvr>
+    <a:masterClrMapping/>
+  </p:clrMapOvr>
+</p:sld>
+</file>
+
+<file path=ppt/slides/slide9.xml><?xml version="1.0" encoding="utf-8"?>
+<p:sld xmlns:a="http://schemas.openxmlformats.org/drawingml/2006/main" xmlns:r="http://schemas.openxmlformats.org/officeDocument/2006/relationships" xmlns:p="http://schemas.openxmlformats.org/presentationml/2006/main">
+  <p:cSld name="Slide 9">
+    <p:spTree>
+      <p:nvGrpSpPr>
+        <p:cNvPr id="1" name=""/>
+        <p:cNvGrpSpPr/>
+        <p:nvPr/>
+      </p:nvGrpSpPr>
+      <p:grpSpPr>
+        <a:xfrm>
+          <a:off x="0" y="0"/>
+          <a:ext cx="0" cy="0"/>
+          <a:chOff x="0" y="0"/>
+          <a:chExt cx="0" cy="0"/>
+        </a:xfrm>
+      </p:grpSpPr>
+      <p:sp>
+        <p:nvSpPr>
+          <p:cNvPr id="2" name="Text 1"/>
+          <p:cNvSpPr/>
+          <p:nvPr>
+            <p:ph idx="101" type="title" hasCustomPrompt="1"/>
+          </p:nvPr>
+        </p:nvSpPr>
+        <p:spPr>
+          <a:xfrm>
+            <a:off x="914400" y="228600"/>
+            <a:ext cx="10433304" cy="1188720"/>
+          </a:xfrm>
+          <a:prstGeom prst="rect">
+            <a:avLst/>
+          </a:prstGeom>
+          <a:noFill/>
+          <a:ln/>
+        </p:spPr>
+        <p:txBody>
+          <a:bodyPr wrap="square" rtlCol="0" anchor="ctr"/>
+          <a:lstStyle/>
+          <a:p>
+            <a:pPr algn="ctr" indent="0" marL="0">
+              <a:buNone/>
+            </a:pPr>
+            <a:r>
+              <a:rPr lang="en-US" sz="4000" b="1" dirty="0">
+                <a:solidFill>
+                  <a:srgbClr val="0E0C0C"/>
+                </a:solidFill>
+                <a:latin typeface="Arial" pitchFamily="34" charset="0"/>
+                <a:ea typeface="Arial" pitchFamily="34" charset="-122"/>
+                <a:cs typeface="Arial" pitchFamily="34" charset="-120"/>
+              </a:rPr>
+              <a:t>Technical Aspects and Benefits</a:t>
+            </a:r>
+            <a:endParaRPr lang="en-US" sz="4000" dirty="0"/>
+          </a:p>
+        </p:txBody>
+      </p:sp>
+      <p:sp>
+        <p:nvSpPr>
+          <p:cNvPr id="3" name="Text 1"/>
+          <p:cNvSpPr/>
+          <p:nvPr>
+            <p:ph idx="102" type="body" hasCustomPrompt="1"/>
+          </p:nvPr>
+        </p:nvSpPr>
+        <p:spPr>
+          <a:xfrm>
+            <a:off x="914400" y="1417320"/>
+            <a:ext cx="10433304" cy="5029200"/>
+          </a:xfrm>
+          <a:prstGeom prst="rect">
+            <a:avLst/>
+          </a:prstGeom>
+          <a:noFill/>
+          <a:ln/>
+        </p:spPr>
+        <p:txBody>
+          <a:bodyPr wrap="square" rtlCol="0" anchor="t"/>
+          <a:lstStyle/>
+          <a:p>
+            <a:pPr algn="l" indent="0" marL="0">
+              <a:buNone/>
+            </a:pPr>
+            <a:r>
+              <a:rPr lang="en-US" sz="2600" dirty="0">
+                <a:solidFill>
+                  <a:srgbClr val="0E0C0C"/>
+                </a:solidFill>
+                <a:latin typeface="Arial" pitchFamily="34" charset="0"/>
+                <a:ea typeface="Arial" pitchFamily="34" charset="-122"/>
+                <a:cs typeface="Arial" pitchFamily="34" charset="-120"/>
+              </a:rPr>
+              <a:t>1. AI Flavoured showcases the feasibility and operational benefits of AI in document comprehension. 
+2. It streamlines information retrieval, improves knowledge acquisition, and fosters collaboration. 
+3. The project aims to stay at the forefront of AI-powered education and knowledge sharing. 
+</a:t>
+            </a:r>
+            <a:endParaRPr lang="en-US" sz="2600" dirty="0"/>
+          </a:p>
+        </p:txBody>
+      </p:sp>
+      <p:sp>
+        <p:nvSpPr>
+          <p:cNvPr id="25" name="Slide Number Placeholder 0"/>
+          <p:cNvSpPr>
+            <a:spLocks noGrp="1"/>
+          </p:cNvSpPr>
+          <p:nvPr>
+            <p:ph type="sldNum" sz="quarter" idx="4294967295"/>
+          </p:nvPr>
+        </p:nvSpPr>
+        <p:spPr>
+          <a:xfrm>
+            <a:off x="91440" y="6446520"/>
+            <a:ext cx="457200" cy="365760"/>
+          </a:xfrm>
+          <a:prstGeom prst="rect">
+            <a:avLst/>
+          </a:prstGeom>
+          <a:extLst>
+            <a:ext uri="{C572A759-6A51-4108-AA02-DFA0A04FC94B}">
+              <ma14:wrappingTextBoxFlag xmlns:ma14="http://schemas.microsoft.com/office/mac/drawingml/2011/main" val="0"/>
+            </a:ext>
+          </a:extLst>
+        </p:spPr>
+        <p:txBody>
+          <a:bodyPr/>
+          <a:lstStyle>
+            <a:lvl1pPr/>
+          </a:lstStyle>
+          <a:p>
+            <a:pPr algn="l"/>
+            <a:fld id="{F7021451-1387-4CA6-816F-3879F97B5CBC}" type="slidenum">
+              <a:rPr b="0" lang="en-US"/>
+              <a:t>9</a:t>
             </a:fld>
             <a:endParaRPr lang="en-US"/>
           </a:p>

--- a/output/Presentation.pptx
+++ b/output/Presentation.pptx
@@ -15,9 +15,11 @@
     <p:sldId id="263" r:id="rId9"/>
     <p:sldId id="264" r:id="rId10"/>
     <p:sldId id="265" r:id="rId11"/>
+    <p:sldId id="266" r:id="rId12"/>
+    <p:sldId id="267" r:id="rId13"/>
   </p:sldIdLst>
   <p:notesMasterIdLst>
-    <p:notesMasterId r:id="rId12"/>
+    <p:notesMasterId r:id="rId14"/>
   </p:notesMasterIdLst>
   <p:sldSz cx="12192000" cy="6858000"/>
   <p:notesSz cx="6858000" cy="12192000"/>
@@ -641,6 +643,182 @@
 </p:notes>
 </file>
 
+<file path=ppt/notesSlides/notesSlide11.xml><?xml version="1.0" encoding="utf-8"?>
+<p:notes xmlns:a="http://schemas.openxmlformats.org/drawingml/2006/main" xmlns:r="http://schemas.openxmlformats.org/officeDocument/2006/relationships" xmlns:p="http://schemas.openxmlformats.org/presentationml/2006/main">
+  <p:cSld>
+    <p:spTree>
+      <p:nvGrpSpPr>
+        <p:cNvPr id="1" name=""/>
+        <p:cNvGrpSpPr/>
+        <p:nvPr/>
+      </p:nvGrpSpPr>
+      <p:grpSpPr>
+        <a:xfrm>
+          <a:off x="0" y="0"/>
+          <a:ext cx="0" cy="0"/>
+          <a:chOff x="0" y="0"/>
+          <a:chExt cx="0" cy="0"/>
+        </a:xfrm>
+      </p:grpSpPr>
+      <p:sp>
+        <p:nvSpPr>
+          <p:cNvPr id="2" name="Slide Image Placeholder 1"/>
+          <p:cNvSpPr>
+            <a:spLocks noGrp="1" noRot="1" noChangeAspect="1"/>
+          </p:cNvSpPr>
+          <p:nvPr>
+            <p:ph type="sldImg"/>
+          </p:nvPr>
+        </p:nvSpPr>
+        <p:spPr/>
+      </p:sp>
+      <p:sp>
+        <p:nvSpPr>
+          <p:cNvPr id="3" name="Notes Placeholder 2"/>
+          <p:cNvSpPr>
+            <a:spLocks noGrp="1"/>
+          </p:cNvSpPr>
+          <p:nvPr>
+            <p:ph type="body" idx="1"/>
+          </p:nvPr>
+        </p:nvSpPr>
+        <p:spPr/>
+        <p:txBody>
+          <a:bodyPr/>
+          <a:lstStyle/>
+          <a:p>
+            <a:r>
+              <a:rPr lang="en-US" dirty="0"/>
+              <a:t/>
+            </a:r>
+            <a:endParaRPr lang="en-US" dirty="0"/>
+          </a:p>
+        </p:txBody>
+      </p:sp>
+      <p:sp>
+        <p:nvSpPr>
+          <p:cNvPr id="4" name="Slide Number Placeholder 3"/>
+          <p:cNvSpPr>
+            <a:spLocks noGrp="1"/>
+          </p:cNvSpPr>
+          <p:nvPr>
+            <p:ph type="sldNum" sz="quarter" idx="10"/>
+          </p:nvPr>
+        </p:nvSpPr>
+        <p:spPr/>
+        <p:txBody>
+          <a:bodyPr/>
+          <a:lstStyle/>
+          <a:p>
+            <a:fld id="{F7021451-1387-4CA6-816F-3879F97B5CBC}" type="slidenum">
+              <a:rPr lang="en-US"/>
+              <a:t>11</a:t>
+            </a:fld>
+            <a:endParaRPr lang="en-US"/>
+          </a:p>
+        </p:txBody>
+      </p:sp>
+    </p:spTree>
+    <p:extLst>
+      <p:ext uri="{BB962C8B-B14F-4D97-AF65-F5344CB8AC3E}">
+        <p14:creationId xmlns:p14="http://schemas.microsoft.com/office/powerpoint/2010/main" val="1024086991"/>
+      </p:ext>
+    </p:extLst>
+  </p:cSld>
+  <p:clrMapOvr>
+    <a:masterClrMapping/>
+  </p:clrMapOvr>
+</p:notes>
+</file>
+
+<file path=ppt/notesSlides/notesSlide12.xml><?xml version="1.0" encoding="utf-8"?>
+<p:notes xmlns:a="http://schemas.openxmlformats.org/drawingml/2006/main" xmlns:r="http://schemas.openxmlformats.org/officeDocument/2006/relationships" xmlns:p="http://schemas.openxmlformats.org/presentationml/2006/main">
+  <p:cSld>
+    <p:spTree>
+      <p:nvGrpSpPr>
+        <p:cNvPr id="1" name=""/>
+        <p:cNvGrpSpPr/>
+        <p:nvPr/>
+      </p:nvGrpSpPr>
+      <p:grpSpPr>
+        <a:xfrm>
+          <a:off x="0" y="0"/>
+          <a:ext cx="0" cy="0"/>
+          <a:chOff x="0" y="0"/>
+          <a:chExt cx="0" cy="0"/>
+        </a:xfrm>
+      </p:grpSpPr>
+      <p:sp>
+        <p:nvSpPr>
+          <p:cNvPr id="2" name="Slide Image Placeholder 1"/>
+          <p:cNvSpPr>
+            <a:spLocks noGrp="1" noRot="1" noChangeAspect="1"/>
+          </p:cNvSpPr>
+          <p:nvPr>
+            <p:ph type="sldImg"/>
+          </p:nvPr>
+        </p:nvSpPr>
+        <p:spPr/>
+      </p:sp>
+      <p:sp>
+        <p:nvSpPr>
+          <p:cNvPr id="3" name="Notes Placeholder 2"/>
+          <p:cNvSpPr>
+            <a:spLocks noGrp="1"/>
+          </p:cNvSpPr>
+          <p:nvPr>
+            <p:ph type="body" idx="1"/>
+          </p:nvPr>
+        </p:nvSpPr>
+        <p:spPr/>
+        <p:txBody>
+          <a:bodyPr/>
+          <a:lstStyle/>
+          <a:p>
+            <a:r>
+              <a:rPr lang="en-US" dirty="0"/>
+              <a:t/>
+            </a:r>
+            <a:endParaRPr lang="en-US" dirty="0"/>
+          </a:p>
+        </p:txBody>
+      </p:sp>
+      <p:sp>
+        <p:nvSpPr>
+          <p:cNvPr id="4" name="Slide Number Placeholder 3"/>
+          <p:cNvSpPr>
+            <a:spLocks noGrp="1"/>
+          </p:cNvSpPr>
+          <p:nvPr>
+            <p:ph type="sldNum" sz="quarter" idx="10"/>
+          </p:nvPr>
+        </p:nvSpPr>
+        <p:spPr/>
+        <p:txBody>
+          <a:bodyPr/>
+          <a:lstStyle/>
+          <a:p>
+            <a:fld id="{F7021451-1387-4CA6-816F-3879F97B5CBC}" type="slidenum">
+              <a:rPr lang="en-US"/>
+              <a:t>12</a:t>
+            </a:fld>
+            <a:endParaRPr lang="en-US"/>
+          </a:p>
+        </p:txBody>
+      </p:sp>
+    </p:spTree>
+    <p:extLst>
+      <p:ext uri="{BB962C8B-B14F-4D97-AF65-F5344CB8AC3E}">
+        <p14:creationId xmlns:p14="http://schemas.microsoft.com/office/powerpoint/2010/main" val="1024086991"/>
+      </p:ext>
+    </p:extLst>
+  </p:cSld>
+  <p:clrMapOvr>
+    <a:masterClrMapping/>
+  </p:clrMapOvr>
+</p:notes>
+</file>
+
 <file path=ppt/notesSlides/notesSlide2.xml><?xml version="1.0" encoding="utf-8"?>
 <p:notes xmlns:a="http://schemas.openxmlformats.org/drawingml/2006/main" xmlns:r="http://schemas.openxmlformats.org/officeDocument/2006/relationships" xmlns:p="http://schemas.openxmlformats.org/presentationml/2006/main">
   <p:cSld>
@@ -1377,6 +1555,542 @@
 
 <file path=ppt/slideLayouts/slideLayout10.xml><?xml version="1.0" encoding="utf-8"?>
 <p:sldLayout xmlns:a="http://schemas.openxmlformats.org/drawingml/2006/main" xmlns:r="http://schemas.openxmlformats.org/officeDocument/2006/relationships" xmlns:p="http://schemas.openxmlformats.org/presentationml/2006/main" preserve="1">
+  <p:cSld name="contentWithCaption">
+    <p:spTree>
+      <p:nvGrpSpPr>
+        <p:cNvPr id="1" name=""/>
+        <p:cNvGrpSpPr/>
+        <p:nvPr/>
+      </p:nvGrpSpPr>
+      <p:grpSpPr>
+        <a:xfrm>
+          <a:off x="0" y="0"/>
+          <a:ext cx="0" cy="0"/>
+          <a:chOff x="0" y="0"/>
+          <a:chExt cx="0" cy="0"/>
+        </a:xfrm>
+      </p:grpSpPr>
+      <p:sp>
+        <p:nvSpPr>
+          <p:cNvPr id="2" name="Text 0"/>
+          <p:cNvSpPr/>
+          <p:nvPr>
+            <p:ph idx="100" type="title" hasCustomPrompt="1"/>
+          </p:nvPr>
+        </p:nvSpPr>
+        <p:spPr>
+          <a:xfrm>
+            <a:off x="457200" y="457200"/>
+            <a:ext cx="5486400" cy="1371600"/>
+          </a:xfrm>
+          <a:prstGeom prst="rect">
+            <a:avLst/>
+          </a:prstGeom>
+          <a:noFill/>
+          <a:ln/>
+        </p:spPr>
+        <p:txBody>
+          <a:bodyPr wrap="square" rtlCol="0"/>
+          <a:lstStyle>
+            <a:lvl1pPr algn="l" indent="0" marL="0">
+              <a:buNone/>
+              <a:defRPr lang="en-US" sz="4000" b="1" dirty="0">
+                <a:solidFill>
+                  <a:srgbClr val="0C151B"/>
+                </a:solidFill>
+                <a:latin typeface="Arial" pitchFamily="34" charset="0"/>
+                <a:ea typeface="Arial" pitchFamily="34" charset="-122"/>
+                <a:cs typeface="Arial" pitchFamily="34" charset="-120"/>
+              </a:defRPr>
+            </a:lvl1pPr>
+          </a:lstStyle>
+          <a:p>
+            <a:pPr algn="l" indent="0" marL="0">
+              <a:buNone/>
+            </a:pPr>
+            <a:r>
+              <a:rPr lang="en-US" sz="4000" b="1" dirty="0">
+                <a:solidFill>
+                  <a:srgbClr val="0C151B"/>
+                </a:solidFill>
+                <a:latin typeface="Arial" pitchFamily="34" charset="0"/>
+                <a:ea typeface="Arial" pitchFamily="34" charset="-122"/>
+                <a:cs typeface="Arial" pitchFamily="34" charset="-120"/>
+              </a:rPr>
+              <a:t>Title Placeholder</a:t>
+            </a:r>
+            <a:endParaRPr lang="en-US" sz="4000" dirty="0"/>
+          </a:p>
+        </p:txBody>
+      </p:sp>
+      <p:sp>
+        <p:nvSpPr>
+          <p:cNvPr id="3" name="Text 0"/>
+          <p:cNvSpPr/>
+          <p:nvPr>
+            <p:ph idx="101" type="body" hasCustomPrompt="1"/>
+          </p:nvPr>
+        </p:nvSpPr>
+        <p:spPr>
+          <a:xfrm>
+            <a:off x="6400800" y="457200"/>
+            <a:ext cx="5029200" cy="5486400"/>
+          </a:xfrm>
+          <a:prstGeom prst="rect">
+            <a:avLst/>
+          </a:prstGeom>
+          <a:noFill/>
+          <a:ln/>
+        </p:spPr>
+        <p:txBody>
+          <a:bodyPr wrap="square" rtlCol="0"/>
+          <a:lstStyle>
+            <a:lvl1pPr algn="l" indent="0" marL="0">
+              <a:buNone/>
+              <a:defRPr lang="en-US" sz="2200" b="1" dirty="0">
+                <a:solidFill>
+                  <a:srgbClr val="1D2428"/>
+                </a:solidFill>
+                <a:latin typeface="Arial" pitchFamily="34" charset="0"/>
+                <a:ea typeface="Arial" pitchFamily="34" charset="-122"/>
+                <a:cs typeface="Arial" pitchFamily="34" charset="-120"/>
+              </a:defRPr>
+            </a:lvl1pPr>
+          </a:lstStyle>
+          <a:p>
+            <a:pPr algn="l" indent="0" marL="0">
+              <a:buNone/>
+            </a:pPr>
+            <a:r>
+              <a:rPr lang="en-US" sz="2200" b="1" dirty="0">
+                <a:solidFill>
+                  <a:srgbClr val="1D2428"/>
+                </a:solidFill>
+                <a:latin typeface="Arial" pitchFamily="34" charset="0"/>
+                <a:ea typeface="Arial" pitchFamily="34" charset="-122"/>
+                <a:cs typeface="Arial" pitchFamily="34" charset="-120"/>
+              </a:rPr>
+              <a:t>Content Placeholder</a:t>
+            </a:r>
+            <a:endParaRPr lang="en-US" sz="2200" dirty="0"/>
+          </a:p>
+        </p:txBody>
+      </p:sp>
+      <p:sp>
+        <p:nvSpPr>
+          <p:cNvPr id="4" name="Text 0"/>
+          <p:cNvSpPr/>
+          <p:nvPr>
+            <p:ph idx="102" type="body" hasCustomPrompt="1"/>
+          </p:nvPr>
+        </p:nvSpPr>
+        <p:spPr>
+          <a:xfrm>
+            <a:off x="457200" y="2286000"/>
+            <a:ext cx="5486400" cy="3657600"/>
+          </a:xfrm>
+          <a:prstGeom prst="rect">
+            <a:avLst/>
+          </a:prstGeom>
+          <a:noFill/>
+          <a:ln/>
+        </p:spPr>
+        <p:txBody>
+          <a:bodyPr wrap="square" rtlCol="0"/>
+          <a:lstStyle>
+            <a:lvl1pPr algn="l" indent="0" marL="0">
+              <a:buNone/>
+              <a:defRPr lang="en-US" sz="2400" b="1" dirty="0">
+                <a:solidFill>
+                  <a:srgbClr val="1D2428"/>
+                </a:solidFill>
+                <a:latin typeface="Arial" pitchFamily="34" charset="0"/>
+                <a:ea typeface="Arial" pitchFamily="34" charset="-122"/>
+                <a:cs typeface="Arial" pitchFamily="34" charset="-120"/>
+              </a:defRPr>
+            </a:lvl1pPr>
+          </a:lstStyle>
+          <a:p>
+            <a:pPr algn="l" indent="0" marL="0">
+              <a:buNone/>
+            </a:pPr>
+            <a:r>
+              <a:rPr lang="en-US" sz="2400" b="1" dirty="0">
+                <a:solidFill>
+                  <a:srgbClr val="1D2428"/>
+                </a:solidFill>
+                <a:latin typeface="Arial" pitchFamily="34" charset="0"/>
+                <a:ea typeface="Arial" pitchFamily="34" charset="-122"/>
+                <a:cs typeface="Arial" pitchFamily="34" charset="-120"/>
+              </a:rPr>
+              <a:t>Caption Placeholder</a:t>
+            </a:r>
+            <a:endParaRPr lang="en-US" sz="2400" dirty="0"/>
+          </a:p>
+        </p:txBody>
+      </p:sp>
+      <p:sp>
+        <p:nvSpPr>
+          <p:cNvPr id="5" name="Text 0"/>
+          <p:cNvSpPr/>
+          <p:nvPr/>
+        </p:nvSpPr>
+        <p:spPr>
+          <a:xfrm>
+            <a:off x="914400" y="3657600"/>
+            <a:ext cx="11155680" cy="5943600"/>
+          </a:xfrm>
+          <a:prstGeom prst="rect">
+            <a:avLst/>
+          </a:prstGeom>
+          <a:noFill/>
+          <a:ln/>
+        </p:spPr>
+        <p:txBody>
+          <a:bodyPr wrap="square" rtlCol="0" anchor="ctr"/>
+          <a:lstStyle/>
+          <a:p>
+            <a:pPr algn="r" indent="0" marL="0">
+              <a:buNone/>
+            </a:pPr>
+            <a:r>
+              <a:rPr lang="en-US" sz="1400" dirty="0">
+                <a:solidFill>
+                  <a:srgbClr val="FFC0CB"/>
+                </a:solidFill>
+                <a:latin typeface="Arial" pitchFamily="34" charset="0"/>
+                <a:ea typeface="Arial" pitchFamily="34" charset="-122"/>
+                <a:cs typeface="Arial" pitchFamily="34" charset="-120"/>
+              </a:rPr>
+              <a:t>Made with Ai Flavoured</a:t>
+            </a:r>
+            <a:endParaRPr lang="en-US" sz="1400" dirty="0"/>
+          </a:p>
+        </p:txBody>
+      </p:sp>
+      <p:sp>
+        <p:nvSpPr>
+          <p:cNvPr id="25" name="Slide Number Placeholder 0"/>
+          <p:cNvSpPr>
+            <a:spLocks noGrp="1"/>
+          </p:cNvSpPr>
+          <p:nvPr>
+            <p:ph type="sldNum" sz="quarter" idx="4294967295"/>
+          </p:nvPr>
+        </p:nvSpPr>
+        <p:spPr>
+          <a:xfrm>
+            <a:off x="91440" y="6446520"/>
+            <a:ext cx="640080" cy="365760"/>
+          </a:xfrm>
+          <a:prstGeom prst="rect">
+            <a:avLst/>
+          </a:prstGeom>
+          <a:extLst>
+            <a:ext uri="{C572A759-6A51-4108-AA02-DFA0A04FC94B}">
+              <ma14:wrappingTextBoxFlag xmlns:ma14="http://schemas.microsoft.com/office/mac/drawingml/2011/main" val="0"/>
+            </a:ext>
+          </a:extLst>
+        </p:spPr>
+        <p:txBody>
+          <a:bodyPr/>
+          <a:lstStyle>
+            <a:lvl1pPr>
+              <a:defRPr sz="1200">
+                <a:solidFill>
+                  <a:srgbClr val="0C151B"/>
+                </a:solidFill>
+              </a:defRPr>
+            </a:lvl1pPr>
+          </a:lstStyle>
+          <a:p>
+            <a:pPr algn="l"/>
+            <a:fld id="{F7021451-1387-4CA6-816F-3879F97B5CBC}" type="slidenum">
+              <a:rPr b="0" lang="en-US"/>
+              <a:t>1010</a:t>
+            </a:fld>
+            <a:endParaRPr lang="en-US"/>
+          </a:p>
+        </p:txBody>
+      </p:sp>
+    </p:spTree>
+  </p:cSld>
+  <p:clrMapOvr>
+    <a:masterClrMapping/>
+  </p:clrMapOvr>
+</p:sldLayout>
+</file>
+
+<file path=ppt/slideLayouts/slideLayout11.xml><?xml version="1.0" encoding="utf-8"?>
+<p:sldLayout xmlns:a="http://schemas.openxmlformats.org/drawingml/2006/main" xmlns:r="http://schemas.openxmlformats.org/officeDocument/2006/relationships" xmlns:p="http://schemas.openxmlformats.org/presentationml/2006/main" preserve="1">
+  <p:cSld name="contentWithCaption">
+    <p:spTree>
+      <p:nvGrpSpPr>
+        <p:cNvPr id="1" name=""/>
+        <p:cNvGrpSpPr/>
+        <p:nvPr/>
+      </p:nvGrpSpPr>
+      <p:grpSpPr>
+        <a:xfrm>
+          <a:off x="0" y="0"/>
+          <a:ext cx="0" cy="0"/>
+          <a:chOff x="0" y="0"/>
+          <a:chExt cx="0" cy="0"/>
+        </a:xfrm>
+      </p:grpSpPr>
+      <p:sp>
+        <p:nvSpPr>
+          <p:cNvPr id="2" name="Text 0"/>
+          <p:cNvSpPr/>
+          <p:nvPr>
+            <p:ph idx="100" type="title" hasCustomPrompt="1"/>
+          </p:nvPr>
+        </p:nvSpPr>
+        <p:spPr>
+          <a:xfrm>
+            <a:off x="457200" y="457200"/>
+            <a:ext cx="5486400" cy="1371600"/>
+          </a:xfrm>
+          <a:prstGeom prst="rect">
+            <a:avLst/>
+          </a:prstGeom>
+          <a:noFill/>
+          <a:ln/>
+        </p:spPr>
+        <p:txBody>
+          <a:bodyPr wrap="square" rtlCol="0"/>
+          <a:lstStyle>
+            <a:lvl1pPr algn="l" indent="0" marL="0">
+              <a:buNone/>
+              <a:defRPr lang="en-US" sz="4000" b="1" dirty="0">
+                <a:solidFill>
+                  <a:srgbClr val="0C151B"/>
+                </a:solidFill>
+                <a:latin typeface="Arial" pitchFamily="34" charset="0"/>
+                <a:ea typeface="Arial" pitchFamily="34" charset="-122"/>
+                <a:cs typeface="Arial" pitchFamily="34" charset="-120"/>
+              </a:defRPr>
+            </a:lvl1pPr>
+          </a:lstStyle>
+          <a:p>
+            <a:pPr algn="l" indent="0" marL="0">
+              <a:buNone/>
+            </a:pPr>
+            <a:r>
+              <a:rPr lang="en-US" sz="4000" b="1" dirty="0">
+                <a:solidFill>
+                  <a:srgbClr val="0C151B"/>
+                </a:solidFill>
+                <a:latin typeface="Arial" pitchFamily="34" charset="0"/>
+                <a:ea typeface="Arial" pitchFamily="34" charset="-122"/>
+                <a:cs typeface="Arial" pitchFamily="34" charset="-120"/>
+              </a:rPr>
+              <a:t>Title Placeholder</a:t>
+            </a:r>
+            <a:endParaRPr lang="en-US" sz="4000" dirty="0"/>
+          </a:p>
+        </p:txBody>
+      </p:sp>
+      <p:sp>
+        <p:nvSpPr>
+          <p:cNvPr id="3" name="Text 0"/>
+          <p:cNvSpPr/>
+          <p:nvPr>
+            <p:ph idx="101" type="body" hasCustomPrompt="1"/>
+          </p:nvPr>
+        </p:nvSpPr>
+        <p:spPr>
+          <a:xfrm>
+            <a:off x="6400800" y="457200"/>
+            <a:ext cx="5029200" cy="5486400"/>
+          </a:xfrm>
+          <a:prstGeom prst="rect">
+            <a:avLst/>
+          </a:prstGeom>
+          <a:noFill/>
+          <a:ln/>
+        </p:spPr>
+        <p:txBody>
+          <a:bodyPr wrap="square" rtlCol="0"/>
+          <a:lstStyle>
+            <a:lvl1pPr algn="l" indent="0" marL="0">
+              <a:buNone/>
+              <a:defRPr lang="en-US" sz="2200" b="1" dirty="0">
+                <a:solidFill>
+                  <a:srgbClr val="1D2428"/>
+                </a:solidFill>
+                <a:latin typeface="Arial" pitchFamily="34" charset="0"/>
+                <a:ea typeface="Arial" pitchFamily="34" charset="-122"/>
+                <a:cs typeface="Arial" pitchFamily="34" charset="-120"/>
+              </a:defRPr>
+            </a:lvl1pPr>
+          </a:lstStyle>
+          <a:p>
+            <a:pPr algn="l" indent="0" marL="0">
+              <a:buNone/>
+            </a:pPr>
+            <a:r>
+              <a:rPr lang="en-US" sz="2200" b="1" dirty="0">
+                <a:solidFill>
+                  <a:srgbClr val="1D2428"/>
+                </a:solidFill>
+                <a:latin typeface="Arial" pitchFamily="34" charset="0"/>
+                <a:ea typeface="Arial" pitchFamily="34" charset="-122"/>
+                <a:cs typeface="Arial" pitchFamily="34" charset="-120"/>
+              </a:rPr>
+              <a:t>Content Placeholder</a:t>
+            </a:r>
+            <a:endParaRPr lang="en-US" sz="2200" dirty="0"/>
+          </a:p>
+        </p:txBody>
+      </p:sp>
+      <p:sp>
+        <p:nvSpPr>
+          <p:cNvPr id="4" name="Text 0"/>
+          <p:cNvSpPr/>
+          <p:nvPr>
+            <p:ph idx="102" type="body" hasCustomPrompt="1"/>
+          </p:nvPr>
+        </p:nvSpPr>
+        <p:spPr>
+          <a:xfrm>
+            <a:off x="457200" y="2286000"/>
+            <a:ext cx="5486400" cy="3657600"/>
+          </a:xfrm>
+          <a:prstGeom prst="rect">
+            <a:avLst/>
+          </a:prstGeom>
+          <a:noFill/>
+          <a:ln/>
+        </p:spPr>
+        <p:txBody>
+          <a:bodyPr wrap="square" rtlCol="0"/>
+          <a:lstStyle>
+            <a:lvl1pPr algn="l" indent="0" marL="0">
+              <a:buNone/>
+              <a:defRPr lang="en-US" sz="2400" b="1" dirty="0">
+                <a:solidFill>
+                  <a:srgbClr val="1D2428"/>
+                </a:solidFill>
+                <a:latin typeface="Arial" pitchFamily="34" charset="0"/>
+                <a:ea typeface="Arial" pitchFamily="34" charset="-122"/>
+                <a:cs typeface="Arial" pitchFamily="34" charset="-120"/>
+              </a:defRPr>
+            </a:lvl1pPr>
+          </a:lstStyle>
+          <a:p>
+            <a:pPr algn="l" indent="0" marL="0">
+              <a:buNone/>
+            </a:pPr>
+            <a:r>
+              <a:rPr lang="en-US" sz="2400" b="1" dirty="0">
+                <a:solidFill>
+                  <a:srgbClr val="1D2428"/>
+                </a:solidFill>
+                <a:latin typeface="Arial" pitchFamily="34" charset="0"/>
+                <a:ea typeface="Arial" pitchFamily="34" charset="-122"/>
+                <a:cs typeface="Arial" pitchFamily="34" charset="-120"/>
+              </a:rPr>
+              <a:t>Caption Placeholder</a:t>
+            </a:r>
+            <a:endParaRPr lang="en-US" sz="2400" dirty="0"/>
+          </a:p>
+        </p:txBody>
+      </p:sp>
+      <p:sp>
+        <p:nvSpPr>
+          <p:cNvPr id="5" name="Text 0"/>
+          <p:cNvSpPr/>
+          <p:nvPr/>
+        </p:nvSpPr>
+        <p:spPr>
+          <a:xfrm>
+            <a:off x="914400" y="3657600"/>
+            <a:ext cx="11155680" cy="5943600"/>
+          </a:xfrm>
+          <a:prstGeom prst="rect">
+            <a:avLst/>
+          </a:prstGeom>
+          <a:noFill/>
+          <a:ln/>
+        </p:spPr>
+        <p:txBody>
+          <a:bodyPr wrap="square" rtlCol="0" anchor="ctr"/>
+          <a:lstStyle/>
+          <a:p>
+            <a:pPr algn="r" indent="0" marL="0">
+              <a:buNone/>
+            </a:pPr>
+            <a:r>
+              <a:rPr lang="en-US" sz="1400" dirty="0">
+                <a:solidFill>
+                  <a:srgbClr val="FFC0CB"/>
+                </a:solidFill>
+                <a:latin typeface="Arial" pitchFamily="34" charset="0"/>
+                <a:ea typeface="Arial" pitchFamily="34" charset="-122"/>
+                <a:cs typeface="Arial" pitchFamily="34" charset="-120"/>
+              </a:rPr>
+              <a:t>Made with Ai Flavoured</a:t>
+            </a:r>
+            <a:endParaRPr lang="en-US" sz="1400" dirty="0"/>
+          </a:p>
+        </p:txBody>
+      </p:sp>
+      <p:sp>
+        <p:nvSpPr>
+          <p:cNvPr id="25" name="Slide Number Placeholder 0"/>
+          <p:cNvSpPr>
+            <a:spLocks noGrp="1"/>
+          </p:cNvSpPr>
+          <p:nvPr>
+            <p:ph type="sldNum" sz="quarter" idx="4294967295"/>
+          </p:nvPr>
+        </p:nvSpPr>
+        <p:spPr>
+          <a:xfrm>
+            <a:off x="91440" y="6446520"/>
+            <a:ext cx="640080" cy="365760"/>
+          </a:xfrm>
+          <a:prstGeom prst="rect">
+            <a:avLst/>
+          </a:prstGeom>
+          <a:extLst>
+            <a:ext uri="{C572A759-6A51-4108-AA02-DFA0A04FC94B}">
+              <ma14:wrappingTextBoxFlag xmlns:ma14="http://schemas.microsoft.com/office/mac/drawingml/2011/main" val="0"/>
+            </a:ext>
+          </a:extLst>
+        </p:spPr>
+        <p:txBody>
+          <a:bodyPr/>
+          <a:lstStyle>
+            <a:lvl1pPr>
+              <a:defRPr sz="1200">
+                <a:solidFill>
+                  <a:srgbClr val="0C151B"/>
+                </a:solidFill>
+              </a:defRPr>
+            </a:lvl1pPr>
+          </a:lstStyle>
+          <a:p>
+            <a:pPr algn="l"/>
+            <a:fld id="{F7021451-1387-4CA6-816F-3879F97B5CBC}" type="slidenum">
+              <a:rPr b="0" lang="en-US"/>
+              <a:t>1011</a:t>
+            </a:fld>
+            <a:endParaRPr lang="en-US"/>
+          </a:p>
+        </p:txBody>
+      </p:sp>
+    </p:spTree>
+  </p:cSld>
+  <p:clrMapOvr>
+    <a:masterClrMapping/>
+  </p:clrMapOvr>
+</p:sldLayout>
+</file>
+
+<file path=ppt/slideLayouts/slideLayout12.xml><?xml version="1.0" encoding="utf-8"?>
+<p:sldLayout xmlns:a="http://schemas.openxmlformats.org/drawingml/2006/main" xmlns:r="http://schemas.openxmlformats.org/officeDocument/2006/relationships" xmlns:p="http://schemas.openxmlformats.org/presentationml/2006/main" preserve="1">
   <p:cSld name="titleAndContent">
     <p:spTree>
       <p:nvGrpSpPr>
@@ -1394,30 +2108,10 @@
       </p:grpSpPr>
       <p:sp>
         <p:nvSpPr>
-          <p:cNvPr id="2" name="Shape 0"/>
-          <p:cNvSpPr/>
-          <p:nvPr/>
-        </p:nvSpPr>
-        <p:spPr>
-          <a:xfrm>
-            <a:off x="0" y="0"/>
-            <a:ext cx="12192000" cy="6858000"/>
-          </a:xfrm>
-          <a:prstGeom prst="rect">
-            <a:avLst/>
-          </a:prstGeom>
-          <a:solidFill>
-            <a:srgbClr val="FF1A9C"/>
-          </a:solidFill>
-          <a:ln/>
-        </p:spPr>
-      </p:sp>
-      <p:sp>
-        <p:nvSpPr>
-          <p:cNvPr id="3" name="Text 1"/>
-          <p:cNvSpPr/>
-          <p:nvPr>
-            <p:ph idx="101" type="title" hasCustomPrompt="1"/>
+          <p:cNvPr id="2" name="Text 0"/>
+          <p:cNvSpPr/>
+          <p:nvPr>
+            <p:ph idx="100" type="title" hasCustomPrompt="1"/>
           </p:nvPr>
         </p:nvSpPr>
         <p:spPr>
@@ -1438,7 +2132,7 @@
               <a:buNone/>
               <a:defRPr lang="en-US" sz="4000" b="1" dirty="0">
                 <a:solidFill>
-                  <a:srgbClr val="0E0C0C"/>
+                  <a:srgbClr val="0C151B"/>
                 </a:solidFill>
                 <a:latin typeface="Arial" pitchFamily="34" charset="0"/>
                 <a:ea typeface="Arial" pitchFamily="34" charset="-122"/>
@@ -1453,7 +2147,7 @@
             <a:r>
               <a:rPr lang="en-US" sz="4000" b="1" dirty="0">
                 <a:solidFill>
-                  <a:srgbClr val="0E0C0C"/>
+                  <a:srgbClr val="0C151B"/>
                 </a:solidFill>
                 <a:latin typeface="Arial" pitchFamily="34" charset="0"/>
                 <a:ea typeface="Arial" pitchFamily="34" charset="-122"/>
@@ -1467,10 +2161,10 @@
       </p:sp>
       <p:sp>
         <p:nvSpPr>
-          <p:cNvPr id="4" name="Text 1"/>
-          <p:cNvSpPr/>
-          <p:nvPr>
-            <p:ph idx="102" type="body" hasCustomPrompt="1"/>
+          <p:cNvPr id="3" name="Text 0"/>
+          <p:cNvSpPr/>
+          <p:nvPr>
+            <p:ph idx="101" type="body" hasCustomPrompt="1"/>
           </p:nvPr>
         </p:nvSpPr>
         <p:spPr>
@@ -1489,9 +2183,9 @@
           <a:lstStyle>
             <a:lvl1pPr algn="l" indent="0" marL="0">
               <a:buNone/>
-              <a:defRPr lang="en-US" sz="2600" dirty="0">
-                <a:solidFill>
-                  <a:srgbClr val="0E0C0C"/>
+              <a:defRPr lang="en-US" sz="2600" b="1" dirty="0">
+                <a:solidFill>
+                  <a:srgbClr val="1D2428"/>
                 </a:solidFill>
                 <a:latin typeface="Arial" pitchFamily="34" charset="0"/>
                 <a:ea typeface="Arial" pitchFamily="34" charset="-122"/>
@@ -1503,24 +2197,97 @@
             <a:pPr algn="l" indent="0" marL="0">
               <a:buNone/>
             </a:pPr>
-            <a:r>
-              <a:rPr lang="en-US" sz="2600" dirty="0">
-                <a:solidFill>
-                  <a:srgbClr val="0E0C0C"/>
-                </a:solidFill>
-                <a:latin typeface="Arial" pitchFamily="34" charset="0"/>
-                <a:ea typeface="Arial" pitchFamily="34" charset="-122"/>
-                <a:cs typeface="Arial" pitchFamily="34" charset="-120"/>
-              </a:rPr>
-              <a:t>Content Placeholder</a:t>
-            </a:r>
             <a:endParaRPr lang="en-US" sz="2600" dirty="0"/>
           </a:p>
         </p:txBody>
       </p:sp>
       <p:sp>
         <p:nvSpPr>
-          <p:cNvPr id="5" name="Text 1"/>
+          <p:cNvPr id="4" name="Text 0"/>
+          <p:cNvSpPr/>
+          <p:nvPr>
+            <p:ph idx="102" type="body" hasCustomPrompt="1"/>
+          </p:nvPr>
+        </p:nvSpPr>
+        <p:spPr>
+          <a:xfrm>
+            <a:off x="457200" y="1417320"/>
+            <a:ext cx="5486400" cy="5029200"/>
+          </a:xfrm>
+          <a:prstGeom prst="rect">
+            <a:avLst/>
+          </a:prstGeom>
+          <a:noFill/>
+          <a:ln/>
+        </p:spPr>
+        <p:txBody>
+          <a:bodyPr wrap="square" rtlCol="0"/>
+          <a:lstStyle>
+            <a:lvl1pPr algn="l" indent="0" marL="0">
+              <a:buNone/>
+              <a:defRPr lang="en-US" sz="2600" b="1" dirty="0">
+                <a:solidFill>
+                  <a:srgbClr val="1D2428"/>
+                </a:solidFill>
+                <a:latin typeface="Arial" pitchFamily="34" charset="0"/>
+                <a:ea typeface="Arial" pitchFamily="34" charset="-122"/>
+                <a:cs typeface="Arial" pitchFamily="34" charset="-120"/>
+              </a:defRPr>
+            </a:lvl1pPr>
+          </a:lstStyle>
+          <a:p>
+            <a:pPr algn="l" indent="0" marL="0">
+              <a:buNone/>
+            </a:pPr>
+            <a:endParaRPr lang="en-US" sz="2600" dirty="0"/>
+          </a:p>
+        </p:txBody>
+      </p:sp>
+      <p:sp>
+        <p:nvSpPr>
+          <p:cNvPr id="5" name="Text 0"/>
+          <p:cNvSpPr/>
+          <p:nvPr>
+            <p:ph idx="103" type="body" hasCustomPrompt="1"/>
+          </p:nvPr>
+        </p:nvSpPr>
+        <p:spPr>
+          <a:xfrm>
+            <a:off x="5943600" y="1417320"/>
+            <a:ext cx="5486400" cy="5029200"/>
+          </a:xfrm>
+          <a:prstGeom prst="rect">
+            <a:avLst/>
+          </a:prstGeom>
+          <a:noFill/>
+          <a:ln/>
+        </p:spPr>
+        <p:txBody>
+          <a:bodyPr wrap="square" rtlCol="0"/>
+          <a:lstStyle>
+            <a:lvl1pPr algn="l" indent="0" marL="0">
+              <a:buNone/>
+              <a:defRPr lang="en-US" sz="2600" b="1" dirty="0">
+                <a:solidFill>
+                  <a:srgbClr val="1D2428"/>
+                </a:solidFill>
+                <a:latin typeface="Arial" pitchFamily="34" charset="0"/>
+                <a:ea typeface="Arial" pitchFamily="34" charset="-122"/>
+                <a:cs typeface="Arial" pitchFamily="34" charset="-120"/>
+              </a:defRPr>
+            </a:lvl1pPr>
+          </a:lstStyle>
+          <a:p>
+            <a:pPr algn="l" indent="0" marL="0">
+              <a:buNone/>
+            </a:pPr>
+            <a:endParaRPr lang="en-US" sz="2600" dirty="0"/>
+          </a:p>
+        </p:txBody>
+      </p:sp>
+      <p:sp>
+        <p:nvSpPr>
+          <p:cNvPr id="6" name="Text 0"/>
           <p:cNvSpPr/>
           <p:nvPr/>
         </p:nvSpPr>
@@ -1543,17 +2310,17 @@
               <a:buNone/>
             </a:pPr>
             <a:r>
-              <a:rPr lang="en-US" sz="1800" dirty="0">
-                <a:solidFill>
-                  <a:srgbClr val="999999"/>
-                </a:solidFill>
-                <a:latin typeface="Arial" pitchFamily="34" charset="0"/>
-                <a:ea typeface="Arial" pitchFamily="34" charset="-122"/>
-                <a:cs typeface="Arial" pitchFamily="34" charset="-120"/>
-              </a:rPr>
-              <a:t>© Your Company Name</a:t>
-            </a:r>
-            <a:endParaRPr lang="en-US" sz="1800" dirty="0"/>
+              <a:rPr lang="en-US" sz="1400" dirty="0">
+                <a:solidFill>
+                  <a:srgbClr val="FFC0CB"/>
+                </a:solidFill>
+                <a:latin typeface="Arial" pitchFamily="34" charset="0"/>
+                <a:ea typeface="Arial" pitchFamily="34" charset="-122"/>
+                <a:cs typeface="Arial" pitchFamily="34" charset="-120"/>
+              </a:rPr>
+              <a:t>Made with Ai Flavoured</a:t>
+            </a:r>
+            <a:endParaRPr lang="en-US" sz="1400" dirty="0"/>
           </a:p>
         </p:txBody>
       </p:sp>
@@ -1570,7 +2337,7 @@
         <p:spPr>
           <a:xfrm>
             <a:off x="91440" y="6446520"/>
-            <a:ext cx="457200" cy="365760"/>
+            <a:ext cx="640080" cy="365760"/>
           </a:xfrm>
           <a:prstGeom prst="rect">
             <a:avLst/>
@@ -1584,13 +2351,19 @@
         <p:txBody>
           <a:bodyPr/>
           <a:lstStyle>
-            <a:lvl1pPr/>
+            <a:lvl1pPr>
+              <a:defRPr sz="1200">
+                <a:solidFill>
+                  <a:srgbClr val="0C151B"/>
+                </a:solidFill>
+              </a:defRPr>
+            </a:lvl1pPr>
           </a:lstStyle>
           <a:p>
             <a:pPr algn="l"/>
             <a:fld id="{F7021451-1387-4CA6-816F-3879F97B5CBC}" type="slidenum">
               <a:rPr b="0" lang="en-US"/>
-              <a:t>1010</a:t>
+              <a:t>1012</a:t>
             </a:fld>
             <a:endParaRPr lang="en-US"/>
           </a:p>
@@ -1604,7 +2377,7 @@
 </p:sldLayout>
 </file>
 
-<file path=ppt/slideLayouts/slideLayout11.xml><?xml version="1.0" encoding="utf-8"?>
+<file path=ppt/slideLayouts/slideLayout13.xml><?xml version="1.0" encoding="utf-8"?>
 <p:sldLayout xmlns:a="http://schemas.openxmlformats.org/drawingml/2006/main" xmlns:r="http://schemas.openxmlformats.org/officeDocument/2006/relationships" xmlns:p="http://schemas.openxmlformats.org/presentationml/2006/main" preserve="1">
   <p:cSld name="titleSlide">
     <p:spTree>
@@ -1623,30 +2396,10 @@
       </p:grpSpPr>
       <p:sp>
         <p:nvSpPr>
-          <p:cNvPr id="2" name="Shape 0"/>
-          <p:cNvSpPr/>
-          <p:nvPr/>
-        </p:nvSpPr>
-        <p:spPr>
-          <a:xfrm>
-            <a:off x="0" y="0"/>
-            <a:ext cx="12192000" cy="6858000"/>
-          </a:xfrm>
-          <a:prstGeom prst="rect">
-            <a:avLst/>
-          </a:prstGeom>
-          <a:solidFill>
-            <a:srgbClr val="FF1A9C"/>
-          </a:solidFill>
-          <a:ln/>
-        </p:spPr>
-      </p:sp>
-      <p:sp>
-        <p:nvSpPr>
-          <p:cNvPr id="3" name="Text 1"/>
-          <p:cNvSpPr/>
-          <p:nvPr>
-            <p:ph idx="101" type="title" hasCustomPrompt="1"/>
+          <p:cNvPr id="2" name="Text 0"/>
+          <p:cNvSpPr/>
+          <p:nvPr>
+            <p:ph idx="100" type="title" hasCustomPrompt="1"/>
           </p:nvPr>
         </p:nvSpPr>
         <p:spPr>
@@ -1667,7 +2420,7 @@
               <a:buNone/>
               <a:defRPr lang="en-US" sz="4000" b="1" dirty="0">
                 <a:solidFill>
-                  <a:srgbClr val="0E0C0C"/>
+                  <a:srgbClr val="0C151B"/>
                 </a:solidFill>
                 <a:latin typeface="Arial" pitchFamily="34" charset="0"/>
                 <a:ea typeface="Arial" pitchFamily="34" charset="-122"/>
@@ -1682,7 +2435,7 @@
             <a:r>
               <a:rPr lang="en-US" sz="4000" b="1" dirty="0">
                 <a:solidFill>
-                  <a:srgbClr val="0E0C0C"/>
+                  <a:srgbClr val="0C151B"/>
                 </a:solidFill>
                 <a:latin typeface="Arial" pitchFamily="34" charset="0"/>
                 <a:ea typeface="Arial" pitchFamily="34" charset="-122"/>
@@ -1696,10 +2449,10 @@
       </p:sp>
       <p:sp>
         <p:nvSpPr>
-          <p:cNvPr id="4" name="Text 1"/>
-          <p:cNvSpPr/>
-          <p:nvPr>
-            <p:ph idx="102" type="body" hasCustomPrompt="1"/>
+          <p:cNvPr id="3" name="Text 0"/>
+          <p:cNvSpPr/>
+          <p:nvPr>
+            <p:ph idx="101" type="body" hasCustomPrompt="1"/>
           </p:nvPr>
         </p:nvSpPr>
         <p:spPr>
@@ -1718,9 +2471,9 @@
           <a:lstStyle>
             <a:lvl1pPr algn="l" indent="0" marL="0">
               <a:buNone/>
-              <a:defRPr lang="en-US" sz="2000" dirty="0">
-                <a:solidFill>
-                  <a:srgbClr val="0E0C0C"/>
+              <a:defRPr lang="en-US" sz="2200" b="1" dirty="0">
+                <a:solidFill>
+                  <a:srgbClr val="1D2428"/>
                 </a:solidFill>
                 <a:latin typeface="Arial" pitchFamily="34" charset="0"/>
                 <a:ea typeface="Arial" pitchFamily="34" charset="-122"/>
@@ -1733,9 +2486,9 @@
               <a:buNone/>
             </a:pPr>
             <a:r>
-              <a:rPr lang="en-US" sz="2000" dirty="0">
-                <a:solidFill>
-                  <a:srgbClr val="0E0C0C"/>
+              <a:rPr lang="en-US" sz="2200" b="1" dirty="0">
+                <a:solidFill>
+                  <a:srgbClr val="1D2428"/>
                 </a:solidFill>
                 <a:latin typeface="Arial" pitchFamily="34" charset="0"/>
                 <a:ea typeface="Arial" pitchFamily="34" charset="-122"/>
@@ -1743,20 +2496,20 @@
               </a:rPr>
               <a:t>Content Placeholder</a:t>
             </a:r>
-            <a:endParaRPr lang="en-US" sz="2000" dirty="0"/>
-          </a:p>
-        </p:txBody>
-      </p:sp>
-      <p:sp>
-        <p:nvSpPr>
-          <p:cNvPr id="5" name="Text 1"/>
+            <a:endParaRPr lang="en-US" sz="2200" dirty="0"/>
+          </a:p>
+        </p:txBody>
+      </p:sp>
+      <p:sp>
+        <p:nvSpPr>
+          <p:cNvPr id="4" name="Text 0"/>
           <p:cNvSpPr/>
           <p:nvPr/>
         </p:nvSpPr>
         <p:spPr>
           <a:xfrm>
             <a:off x="914400" y="3657600"/>
-            <a:ext cx="11155680" cy="5486400"/>
+            <a:ext cx="11155680" cy="5943600"/>
           </a:xfrm>
           <a:prstGeom prst="rect">
             <a:avLst/>
@@ -1772,17 +2525,17 @@
               <a:buNone/>
             </a:pPr>
             <a:r>
-              <a:rPr lang="en-US" sz="1800" dirty="0">
-                <a:solidFill>
-                  <a:srgbClr val="999999"/>
-                </a:solidFill>
-                <a:latin typeface="Arial" pitchFamily="34" charset="0"/>
-                <a:ea typeface="Arial" pitchFamily="34" charset="-122"/>
-                <a:cs typeface="Arial" pitchFamily="34" charset="-120"/>
-              </a:rPr>
-              <a:t>© Your Company Name</a:t>
-            </a:r>
-            <a:endParaRPr lang="en-US" sz="1800" dirty="0"/>
+              <a:rPr lang="en-US" sz="1400" dirty="0">
+                <a:solidFill>
+                  <a:srgbClr val="FFC0CB"/>
+                </a:solidFill>
+                <a:latin typeface="Arial" pitchFamily="34" charset="0"/>
+                <a:ea typeface="Arial" pitchFamily="34" charset="-122"/>
+                <a:cs typeface="Arial" pitchFamily="34" charset="-120"/>
+              </a:rPr>
+              <a:t>Made with Ai Flavoured</a:t>
+            </a:r>
+            <a:endParaRPr lang="en-US" sz="1400" dirty="0"/>
           </a:p>
         </p:txBody>
       </p:sp>
@@ -1798,8 +2551,8 @@
         </p:nvSpPr>
         <p:spPr>
           <a:xfrm>
-            <a:off x="91440" y="6515100"/>
-            <a:ext cx="457200" cy="457200"/>
+            <a:off x="91440" y="6446520"/>
+            <a:ext cx="640080" cy="365760"/>
           </a:xfrm>
           <a:prstGeom prst="rect">
             <a:avLst/>
@@ -1813,13 +2566,19 @@
         <p:txBody>
           <a:bodyPr/>
           <a:lstStyle>
-            <a:lvl1pPr/>
+            <a:lvl1pPr>
+              <a:defRPr sz="1200">
+                <a:solidFill>
+                  <a:srgbClr val="0C151B"/>
+                </a:solidFill>
+              </a:defRPr>
+            </a:lvl1pPr>
           </a:lstStyle>
           <a:p>
             <a:pPr algn="l"/>
             <a:fld id="{F7021451-1387-4CA6-816F-3879F97B5CBC}" type="slidenum">
               <a:rPr b="0" lang="en-US"/>
-              <a:t>1011</a:t>
+              <a:t>1013</a:t>
             </a:fld>
             <a:endParaRPr lang="en-US"/>
           </a:p>
@@ -1852,30 +2611,10 @@
       </p:grpSpPr>
       <p:sp>
         <p:nvSpPr>
-          <p:cNvPr id="2" name="Shape 0"/>
-          <p:cNvSpPr/>
-          <p:nvPr/>
-        </p:nvSpPr>
-        <p:spPr>
-          <a:xfrm>
-            <a:off x="0" y="0"/>
-            <a:ext cx="12192000" cy="6858000"/>
-          </a:xfrm>
-          <a:prstGeom prst="rect">
-            <a:avLst/>
-          </a:prstGeom>
-          <a:solidFill>
-            <a:srgbClr val="FF1A9C"/>
-          </a:solidFill>
-          <a:ln/>
-        </p:spPr>
-      </p:sp>
-      <p:sp>
-        <p:nvSpPr>
-          <p:cNvPr id="3" name="Text 1"/>
-          <p:cNvSpPr/>
-          <p:nvPr>
-            <p:ph idx="101" type="title" hasCustomPrompt="1"/>
+          <p:cNvPr id="2" name="Text 0"/>
+          <p:cNvSpPr/>
+          <p:nvPr>
+            <p:ph idx="100" type="title" hasCustomPrompt="1"/>
           </p:nvPr>
         </p:nvSpPr>
         <p:spPr>
@@ -1896,7 +2635,7 @@
               <a:buNone/>
               <a:defRPr lang="en-US" sz="4000" b="1" dirty="0">
                 <a:solidFill>
-                  <a:srgbClr val="0E0C0C"/>
+                  <a:srgbClr val="0C151B"/>
                 </a:solidFill>
                 <a:latin typeface="Arial" pitchFamily="34" charset="0"/>
                 <a:ea typeface="Arial" pitchFamily="34" charset="-122"/>
@@ -1911,7 +2650,7 @@
             <a:r>
               <a:rPr lang="en-US" sz="4000" b="1" dirty="0">
                 <a:solidFill>
-                  <a:srgbClr val="0E0C0C"/>
+                  <a:srgbClr val="0C151B"/>
                 </a:solidFill>
                 <a:latin typeface="Arial" pitchFamily="34" charset="0"/>
                 <a:ea typeface="Arial" pitchFamily="34" charset="-122"/>
@@ -1925,10 +2664,10 @@
       </p:sp>
       <p:sp>
         <p:nvSpPr>
-          <p:cNvPr id="4" name="Text 1"/>
-          <p:cNvSpPr/>
-          <p:nvPr>
-            <p:ph idx="102" type="body" hasCustomPrompt="1"/>
+          <p:cNvPr id="3" name="Text 0"/>
+          <p:cNvSpPr/>
+          <p:nvPr>
+            <p:ph idx="101" type="body" hasCustomPrompt="1"/>
           </p:nvPr>
         </p:nvSpPr>
         <p:spPr>
@@ -1947,9 +2686,9 @@
           <a:lstStyle>
             <a:lvl1pPr algn="l" indent="0" marL="0">
               <a:buNone/>
-              <a:defRPr lang="en-US" sz="2600" dirty="0">
-                <a:solidFill>
-                  <a:srgbClr val="0E0C0C"/>
+              <a:defRPr lang="en-US" sz="2600" b="1" dirty="0">
+                <a:solidFill>
+                  <a:srgbClr val="1D2428"/>
                 </a:solidFill>
                 <a:latin typeface="Arial" pitchFamily="34" charset="0"/>
                 <a:ea typeface="Arial" pitchFamily="34" charset="-122"/>
@@ -1961,24 +2700,97 @@
             <a:pPr algn="l" indent="0" marL="0">
               <a:buNone/>
             </a:pPr>
-            <a:r>
-              <a:rPr lang="en-US" sz="2600" dirty="0">
-                <a:solidFill>
-                  <a:srgbClr val="0E0C0C"/>
-                </a:solidFill>
-                <a:latin typeface="Arial" pitchFamily="34" charset="0"/>
-                <a:ea typeface="Arial" pitchFamily="34" charset="-122"/>
-                <a:cs typeface="Arial" pitchFamily="34" charset="-120"/>
-              </a:rPr>
-              <a:t>Content Placeholder</a:t>
-            </a:r>
             <a:endParaRPr lang="en-US" sz="2600" dirty="0"/>
           </a:p>
         </p:txBody>
       </p:sp>
       <p:sp>
         <p:nvSpPr>
-          <p:cNvPr id="5" name="Text 1"/>
+          <p:cNvPr id="4" name="Text 0"/>
+          <p:cNvSpPr/>
+          <p:nvPr>
+            <p:ph idx="102" type="body" hasCustomPrompt="1"/>
+          </p:nvPr>
+        </p:nvSpPr>
+        <p:spPr>
+          <a:xfrm>
+            <a:off x="457200" y="1417320"/>
+            <a:ext cx="5486400" cy="5029200"/>
+          </a:xfrm>
+          <a:prstGeom prst="rect">
+            <a:avLst/>
+          </a:prstGeom>
+          <a:noFill/>
+          <a:ln/>
+        </p:spPr>
+        <p:txBody>
+          <a:bodyPr wrap="square" rtlCol="0"/>
+          <a:lstStyle>
+            <a:lvl1pPr algn="l" indent="0" marL="0">
+              <a:buNone/>
+              <a:defRPr lang="en-US" sz="2600" b="1" dirty="0">
+                <a:solidFill>
+                  <a:srgbClr val="1D2428"/>
+                </a:solidFill>
+                <a:latin typeface="Arial" pitchFamily="34" charset="0"/>
+                <a:ea typeface="Arial" pitchFamily="34" charset="-122"/>
+                <a:cs typeface="Arial" pitchFamily="34" charset="-120"/>
+              </a:defRPr>
+            </a:lvl1pPr>
+          </a:lstStyle>
+          <a:p>
+            <a:pPr algn="l" indent="0" marL="0">
+              <a:buNone/>
+            </a:pPr>
+            <a:endParaRPr lang="en-US" sz="2600" dirty="0"/>
+          </a:p>
+        </p:txBody>
+      </p:sp>
+      <p:sp>
+        <p:nvSpPr>
+          <p:cNvPr id="5" name="Text 0"/>
+          <p:cNvSpPr/>
+          <p:nvPr>
+            <p:ph idx="103" type="body" hasCustomPrompt="1"/>
+          </p:nvPr>
+        </p:nvSpPr>
+        <p:spPr>
+          <a:xfrm>
+            <a:off x="5943600" y="1417320"/>
+            <a:ext cx="5486400" cy="5029200"/>
+          </a:xfrm>
+          <a:prstGeom prst="rect">
+            <a:avLst/>
+          </a:prstGeom>
+          <a:noFill/>
+          <a:ln/>
+        </p:spPr>
+        <p:txBody>
+          <a:bodyPr wrap="square" rtlCol="0"/>
+          <a:lstStyle>
+            <a:lvl1pPr algn="l" indent="0" marL="0">
+              <a:buNone/>
+              <a:defRPr lang="en-US" sz="2600" b="1" dirty="0">
+                <a:solidFill>
+                  <a:srgbClr val="1D2428"/>
+                </a:solidFill>
+                <a:latin typeface="Arial" pitchFamily="34" charset="0"/>
+                <a:ea typeface="Arial" pitchFamily="34" charset="-122"/>
+                <a:cs typeface="Arial" pitchFamily="34" charset="-120"/>
+              </a:defRPr>
+            </a:lvl1pPr>
+          </a:lstStyle>
+          <a:p>
+            <a:pPr algn="l" indent="0" marL="0">
+              <a:buNone/>
+            </a:pPr>
+            <a:endParaRPr lang="en-US" sz="2600" dirty="0"/>
+          </a:p>
+        </p:txBody>
+      </p:sp>
+      <p:sp>
+        <p:nvSpPr>
+          <p:cNvPr id="6" name="Text 0"/>
           <p:cNvSpPr/>
           <p:nvPr/>
         </p:nvSpPr>
@@ -2001,17 +2813,17 @@
               <a:buNone/>
             </a:pPr>
             <a:r>
-              <a:rPr lang="en-US" sz="1800" dirty="0">
-                <a:solidFill>
-                  <a:srgbClr val="999999"/>
-                </a:solidFill>
-                <a:latin typeface="Arial" pitchFamily="34" charset="0"/>
-                <a:ea typeface="Arial" pitchFamily="34" charset="-122"/>
-                <a:cs typeface="Arial" pitchFamily="34" charset="-120"/>
-              </a:rPr>
-              <a:t>© Your Company Name</a:t>
-            </a:r>
-            <a:endParaRPr lang="en-US" sz="1800" dirty="0"/>
+              <a:rPr lang="en-US" sz="1400" dirty="0">
+                <a:solidFill>
+                  <a:srgbClr val="FFC0CB"/>
+                </a:solidFill>
+                <a:latin typeface="Arial" pitchFamily="34" charset="0"/>
+                <a:ea typeface="Arial" pitchFamily="34" charset="-122"/>
+                <a:cs typeface="Arial" pitchFamily="34" charset="-120"/>
+              </a:rPr>
+              <a:t>Made with Ai Flavoured</a:t>
+            </a:r>
+            <a:endParaRPr lang="en-US" sz="1400" dirty="0"/>
           </a:p>
         </p:txBody>
       </p:sp>
@@ -2028,7 +2840,7 @@
         <p:spPr>
           <a:xfrm>
             <a:off x="91440" y="6446520"/>
-            <a:ext cx="457200" cy="365760"/>
+            <a:ext cx="640080" cy="365760"/>
           </a:xfrm>
           <a:prstGeom prst="rect">
             <a:avLst/>
@@ -2042,7 +2854,13 @@
         <p:txBody>
           <a:bodyPr/>
           <a:lstStyle>
-            <a:lvl1pPr/>
+            <a:lvl1pPr>
+              <a:defRPr sz="1200">
+                <a:solidFill>
+                  <a:srgbClr val="0C151B"/>
+                </a:solidFill>
+              </a:defRPr>
+            </a:lvl1pPr>
           </a:lstStyle>
           <a:p>
             <a:pPr algn="l"/>
@@ -2064,7 +2882,7 @@
 
 <file path=ppt/slideLayouts/slideLayout3.xml><?xml version="1.0" encoding="utf-8"?>
 <p:sldLayout xmlns:a="http://schemas.openxmlformats.org/drawingml/2006/main" xmlns:r="http://schemas.openxmlformats.org/officeDocument/2006/relationships" xmlns:p="http://schemas.openxmlformats.org/presentationml/2006/main" preserve="1">
-  <p:cSld name="titleAndContent">
+  <p:cSld name="titleSlide">
     <p:spTree>
       <p:nvGrpSpPr>
         <p:cNvPr id="1" name=""/>
@@ -2081,36 +2899,16 @@
       </p:grpSpPr>
       <p:sp>
         <p:nvSpPr>
-          <p:cNvPr id="2" name="Shape 0"/>
-          <p:cNvSpPr/>
-          <p:nvPr/>
-        </p:nvSpPr>
-        <p:spPr>
-          <a:xfrm>
-            <a:off x="0" y="0"/>
-            <a:ext cx="12192000" cy="6858000"/>
-          </a:xfrm>
-          <a:prstGeom prst="rect">
-            <a:avLst/>
-          </a:prstGeom>
-          <a:solidFill>
-            <a:srgbClr val="FF1A9C"/>
-          </a:solidFill>
-          <a:ln/>
-        </p:spPr>
-      </p:sp>
-      <p:sp>
-        <p:nvSpPr>
-          <p:cNvPr id="3" name="Text 1"/>
-          <p:cNvSpPr/>
-          <p:nvPr>
-            <p:ph idx="101" type="title" hasCustomPrompt="1"/>
+          <p:cNvPr id="2" name="Text 0"/>
+          <p:cNvSpPr/>
+          <p:nvPr>
+            <p:ph idx="100" type="title" hasCustomPrompt="1"/>
           </p:nvPr>
         </p:nvSpPr>
         <p:spPr>
           <a:xfrm>
             <a:off x="914400" y="228600"/>
-            <a:ext cx="10433304" cy="1188720"/>
+            <a:ext cx="10433304" cy="3200400"/>
           </a:xfrm>
           <a:prstGeom prst="rect">
             <a:avLst/>
@@ -2125,7 +2923,7 @@
               <a:buNone/>
               <a:defRPr lang="en-US" sz="4000" b="1" dirty="0">
                 <a:solidFill>
-                  <a:srgbClr val="0E0C0C"/>
+                  <a:srgbClr val="0C151B"/>
                 </a:solidFill>
                 <a:latin typeface="Arial" pitchFamily="34" charset="0"/>
                 <a:ea typeface="Arial" pitchFamily="34" charset="-122"/>
@@ -2140,7 +2938,7 @@
             <a:r>
               <a:rPr lang="en-US" sz="4000" b="1" dirty="0">
                 <a:solidFill>
-                  <a:srgbClr val="0E0C0C"/>
+                  <a:srgbClr val="0C151B"/>
                 </a:solidFill>
                 <a:latin typeface="Arial" pitchFamily="34" charset="0"/>
                 <a:ea typeface="Arial" pitchFamily="34" charset="-122"/>
@@ -2154,16 +2952,16 @@
       </p:sp>
       <p:sp>
         <p:nvSpPr>
-          <p:cNvPr id="4" name="Text 1"/>
-          <p:cNvSpPr/>
-          <p:nvPr>
-            <p:ph idx="102" type="body" hasCustomPrompt="1"/>
-          </p:nvPr>
-        </p:nvSpPr>
-        <p:spPr>
-          <a:xfrm>
-            <a:off x="914400" y="1417320"/>
-            <a:ext cx="10433304" cy="5029200"/>
+          <p:cNvPr id="3" name="Text 0"/>
+          <p:cNvSpPr/>
+          <p:nvPr>
+            <p:ph idx="101" type="body" hasCustomPrompt="1"/>
+          </p:nvPr>
+        </p:nvSpPr>
+        <p:spPr>
+          <a:xfrm>
+            <a:off x="914400" y="3429000"/>
+            <a:ext cx="10433304" cy="2743200"/>
           </a:xfrm>
           <a:prstGeom prst="rect">
             <a:avLst/>
@@ -2176,9 +2974,9 @@
           <a:lstStyle>
             <a:lvl1pPr algn="l" indent="0" marL="0">
               <a:buNone/>
-              <a:defRPr lang="en-US" sz="2600" dirty="0">
-                <a:solidFill>
-                  <a:srgbClr val="0E0C0C"/>
+              <a:defRPr lang="en-US" sz="2200" b="1" dirty="0">
+                <a:solidFill>
+                  <a:srgbClr val="1D2428"/>
                 </a:solidFill>
                 <a:latin typeface="Arial" pitchFamily="34" charset="0"/>
                 <a:ea typeface="Arial" pitchFamily="34" charset="-122"/>
@@ -2191,9 +2989,9 @@
               <a:buNone/>
             </a:pPr>
             <a:r>
-              <a:rPr lang="en-US" sz="2600" dirty="0">
-                <a:solidFill>
-                  <a:srgbClr val="0E0C0C"/>
+              <a:rPr lang="en-US" sz="2200" b="1" dirty="0">
+                <a:solidFill>
+                  <a:srgbClr val="1D2428"/>
                 </a:solidFill>
                 <a:latin typeface="Arial" pitchFamily="34" charset="0"/>
                 <a:ea typeface="Arial" pitchFamily="34" charset="-122"/>
@@ -2201,13 +2999,13 @@
               </a:rPr>
               <a:t>Content Placeholder</a:t>
             </a:r>
-            <a:endParaRPr lang="en-US" sz="2600" dirty="0"/>
-          </a:p>
-        </p:txBody>
-      </p:sp>
-      <p:sp>
-        <p:nvSpPr>
-          <p:cNvPr id="5" name="Text 1"/>
+            <a:endParaRPr lang="en-US" sz="2200" dirty="0"/>
+          </a:p>
+        </p:txBody>
+      </p:sp>
+      <p:sp>
+        <p:nvSpPr>
+          <p:cNvPr id="4" name="Text 0"/>
           <p:cNvSpPr/>
           <p:nvPr/>
         </p:nvSpPr>
@@ -2230,17 +3028,17 @@
               <a:buNone/>
             </a:pPr>
             <a:r>
-              <a:rPr lang="en-US" sz="1800" dirty="0">
-                <a:solidFill>
-                  <a:srgbClr val="999999"/>
-                </a:solidFill>
-                <a:latin typeface="Arial" pitchFamily="34" charset="0"/>
-                <a:ea typeface="Arial" pitchFamily="34" charset="-122"/>
-                <a:cs typeface="Arial" pitchFamily="34" charset="-120"/>
-              </a:rPr>
-              <a:t>© Your Company Name</a:t>
-            </a:r>
-            <a:endParaRPr lang="en-US" sz="1800" dirty="0"/>
+              <a:rPr lang="en-US" sz="1400" dirty="0">
+                <a:solidFill>
+                  <a:srgbClr val="FFC0CB"/>
+                </a:solidFill>
+                <a:latin typeface="Arial" pitchFamily="34" charset="0"/>
+                <a:ea typeface="Arial" pitchFamily="34" charset="-122"/>
+                <a:cs typeface="Arial" pitchFamily="34" charset="-120"/>
+              </a:rPr>
+              <a:t>Made with Ai Flavoured</a:t>
+            </a:r>
+            <a:endParaRPr lang="en-US" sz="1400" dirty="0"/>
           </a:p>
         </p:txBody>
       </p:sp>
@@ -2257,7 +3055,7 @@
         <p:spPr>
           <a:xfrm>
             <a:off x="91440" y="6446520"/>
-            <a:ext cx="457200" cy="365760"/>
+            <a:ext cx="640080" cy="365760"/>
           </a:xfrm>
           <a:prstGeom prst="rect">
             <a:avLst/>
@@ -2271,7 +3069,13 @@
         <p:txBody>
           <a:bodyPr/>
           <a:lstStyle>
-            <a:lvl1pPr/>
+            <a:lvl1pPr>
+              <a:defRPr sz="1200">
+                <a:solidFill>
+                  <a:srgbClr val="0C151B"/>
+                </a:solidFill>
+              </a:defRPr>
+            </a:lvl1pPr>
           </a:lstStyle>
           <a:p>
             <a:pPr algn="l"/>
@@ -2310,30 +3114,10 @@
       </p:grpSpPr>
       <p:sp>
         <p:nvSpPr>
-          <p:cNvPr id="2" name="Shape 0"/>
-          <p:cNvSpPr/>
-          <p:nvPr/>
-        </p:nvSpPr>
-        <p:spPr>
-          <a:xfrm>
-            <a:off x="0" y="0"/>
-            <a:ext cx="12192000" cy="6858000"/>
-          </a:xfrm>
-          <a:prstGeom prst="rect">
-            <a:avLst/>
-          </a:prstGeom>
-          <a:solidFill>
-            <a:srgbClr val="FF1A9C"/>
-          </a:solidFill>
-          <a:ln/>
-        </p:spPr>
-      </p:sp>
-      <p:sp>
-        <p:nvSpPr>
-          <p:cNvPr id="3" name="Text 1"/>
-          <p:cNvSpPr/>
-          <p:nvPr>
-            <p:ph idx="101" type="title" hasCustomPrompt="1"/>
+          <p:cNvPr id="2" name="Text 0"/>
+          <p:cNvSpPr/>
+          <p:nvPr>
+            <p:ph idx="100" type="title" hasCustomPrompt="1"/>
           </p:nvPr>
         </p:nvSpPr>
         <p:spPr>
@@ -2354,7 +3138,7 @@
               <a:buNone/>
               <a:defRPr lang="en-US" sz="4000" b="1" dirty="0">
                 <a:solidFill>
-                  <a:srgbClr val="0E0C0C"/>
+                  <a:srgbClr val="0C151B"/>
                 </a:solidFill>
                 <a:latin typeface="Arial" pitchFamily="34" charset="0"/>
                 <a:ea typeface="Arial" pitchFamily="34" charset="-122"/>
@@ -2369,7 +3153,7 @@
             <a:r>
               <a:rPr lang="en-US" sz="4000" b="1" dirty="0">
                 <a:solidFill>
-                  <a:srgbClr val="0E0C0C"/>
+                  <a:srgbClr val="0C151B"/>
                 </a:solidFill>
                 <a:latin typeface="Arial" pitchFamily="34" charset="0"/>
                 <a:ea typeface="Arial" pitchFamily="34" charset="-122"/>
@@ -2383,10 +3167,10 @@
       </p:sp>
       <p:sp>
         <p:nvSpPr>
-          <p:cNvPr id="4" name="Text 1"/>
-          <p:cNvSpPr/>
-          <p:nvPr>
-            <p:ph idx="102" type="body" hasCustomPrompt="1"/>
+          <p:cNvPr id="3" name="Text 0"/>
+          <p:cNvSpPr/>
+          <p:nvPr>
+            <p:ph idx="101" type="body" hasCustomPrompt="1"/>
           </p:nvPr>
         </p:nvSpPr>
         <p:spPr>
@@ -2405,9 +3189,9 @@
           <a:lstStyle>
             <a:lvl1pPr algn="l" indent="0" marL="0">
               <a:buNone/>
-              <a:defRPr lang="en-US" sz="2600" dirty="0">
-                <a:solidFill>
-                  <a:srgbClr val="0E0C0C"/>
+              <a:defRPr lang="en-US" sz="2600" b="1" dirty="0">
+                <a:solidFill>
+                  <a:srgbClr val="1D2428"/>
                 </a:solidFill>
                 <a:latin typeface="Arial" pitchFamily="34" charset="0"/>
                 <a:ea typeface="Arial" pitchFamily="34" charset="-122"/>
@@ -2419,24 +3203,97 @@
             <a:pPr algn="l" indent="0" marL="0">
               <a:buNone/>
             </a:pPr>
-            <a:r>
-              <a:rPr lang="en-US" sz="2600" dirty="0">
-                <a:solidFill>
-                  <a:srgbClr val="0E0C0C"/>
-                </a:solidFill>
-                <a:latin typeface="Arial" pitchFamily="34" charset="0"/>
-                <a:ea typeface="Arial" pitchFamily="34" charset="-122"/>
-                <a:cs typeface="Arial" pitchFamily="34" charset="-120"/>
-              </a:rPr>
-              <a:t>Content Placeholder</a:t>
-            </a:r>
             <a:endParaRPr lang="en-US" sz="2600" dirty="0"/>
           </a:p>
         </p:txBody>
       </p:sp>
       <p:sp>
         <p:nvSpPr>
-          <p:cNvPr id="5" name="Text 1"/>
+          <p:cNvPr id="4" name="Text 0"/>
+          <p:cNvSpPr/>
+          <p:nvPr>
+            <p:ph idx="102" type="body" hasCustomPrompt="1"/>
+          </p:nvPr>
+        </p:nvSpPr>
+        <p:spPr>
+          <a:xfrm>
+            <a:off x="457200" y="1417320"/>
+            <a:ext cx="5486400" cy="5029200"/>
+          </a:xfrm>
+          <a:prstGeom prst="rect">
+            <a:avLst/>
+          </a:prstGeom>
+          <a:noFill/>
+          <a:ln/>
+        </p:spPr>
+        <p:txBody>
+          <a:bodyPr wrap="square" rtlCol="0"/>
+          <a:lstStyle>
+            <a:lvl1pPr algn="l" indent="0" marL="0">
+              <a:buNone/>
+              <a:defRPr lang="en-US" sz="2600" b="1" dirty="0">
+                <a:solidFill>
+                  <a:srgbClr val="1D2428"/>
+                </a:solidFill>
+                <a:latin typeface="Arial" pitchFamily="34" charset="0"/>
+                <a:ea typeface="Arial" pitchFamily="34" charset="-122"/>
+                <a:cs typeface="Arial" pitchFamily="34" charset="-120"/>
+              </a:defRPr>
+            </a:lvl1pPr>
+          </a:lstStyle>
+          <a:p>
+            <a:pPr algn="l" indent="0" marL="0">
+              <a:buNone/>
+            </a:pPr>
+            <a:endParaRPr lang="en-US" sz="2600" dirty="0"/>
+          </a:p>
+        </p:txBody>
+      </p:sp>
+      <p:sp>
+        <p:nvSpPr>
+          <p:cNvPr id="5" name="Text 0"/>
+          <p:cNvSpPr/>
+          <p:nvPr>
+            <p:ph idx="103" type="body" hasCustomPrompt="1"/>
+          </p:nvPr>
+        </p:nvSpPr>
+        <p:spPr>
+          <a:xfrm>
+            <a:off x="5943600" y="1417320"/>
+            <a:ext cx="5486400" cy="5029200"/>
+          </a:xfrm>
+          <a:prstGeom prst="rect">
+            <a:avLst/>
+          </a:prstGeom>
+          <a:noFill/>
+          <a:ln/>
+        </p:spPr>
+        <p:txBody>
+          <a:bodyPr wrap="square" rtlCol="0"/>
+          <a:lstStyle>
+            <a:lvl1pPr algn="l" indent="0" marL="0">
+              <a:buNone/>
+              <a:defRPr lang="en-US" sz="2600" b="1" dirty="0">
+                <a:solidFill>
+                  <a:srgbClr val="1D2428"/>
+                </a:solidFill>
+                <a:latin typeface="Arial" pitchFamily="34" charset="0"/>
+                <a:ea typeface="Arial" pitchFamily="34" charset="-122"/>
+                <a:cs typeface="Arial" pitchFamily="34" charset="-120"/>
+              </a:defRPr>
+            </a:lvl1pPr>
+          </a:lstStyle>
+          <a:p>
+            <a:pPr algn="l" indent="0" marL="0">
+              <a:buNone/>
+            </a:pPr>
+            <a:endParaRPr lang="en-US" sz="2600" dirty="0"/>
+          </a:p>
+        </p:txBody>
+      </p:sp>
+      <p:sp>
+        <p:nvSpPr>
+          <p:cNvPr id="6" name="Text 0"/>
           <p:cNvSpPr/>
           <p:nvPr/>
         </p:nvSpPr>
@@ -2459,17 +3316,17 @@
               <a:buNone/>
             </a:pPr>
             <a:r>
-              <a:rPr lang="en-US" sz="1800" dirty="0">
-                <a:solidFill>
-                  <a:srgbClr val="999999"/>
-                </a:solidFill>
-                <a:latin typeface="Arial" pitchFamily="34" charset="0"/>
-                <a:ea typeface="Arial" pitchFamily="34" charset="-122"/>
-                <a:cs typeface="Arial" pitchFamily="34" charset="-120"/>
-              </a:rPr>
-              <a:t>© Your Company Name</a:t>
-            </a:r>
-            <a:endParaRPr lang="en-US" sz="1800" dirty="0"/>
+              <a:rPr lang="en-US" sz="1400" dirty="0">
+                <a:solidFill>
+                  <a:srgbClr val="FFC0CB"/>
+                </a:solidFill>
+                <a:latin typeface="Arial" pitchFamily="34" charset="0"/>
+                <a:ea typeface="Arial" pitchFamily="34" charset="-122"/>
+                <a:cs typeface="Arial" pitchFamily="34" charset="-120"/>
+              </a:rPr>
+              <a:t>Made with Ai Flavoured</a:t>
+            </a:r>
+            <a:endParaRPr lang="en-US" sz="1400" dirty="0"/>
           </a:p>
         </p:txBody>
       </p:sp>
@@ -2486,7 +3343,7 @@
         <p:spPr>
           <a:xfrm>
             <a:off x="91440" y="6446520"/>
-            <a:ext cx="457200" cy="365760"/>
+            <a:ext cx="640080" cy="365760"/>
           </a:xfrm>
           <a:prstGeom prst="rect">
             <a:avLst/>
@@ -2500,7 +3357,13 @@
         <p:txBody>
           <a:bodyPr/>
           <a:lstStyle>
-            <a:lvl1pPr/>
+            <a:lvl1pPr>
+              <a:defRPr sz="1200">
+                <a:solidFill>
+                  <a:srgbClr val="0C151B"/>
+                </a:solidFill>
+              </a:defRPr>
+            </a:lvl1pPr>
           </a:lstStyle>
           <a:p>
             <a:pPr algn="l"/>
@@ -2521,6 +3384,221 @@
 </file>
 
 <file path=ppt/slideLayouts/slideLayout5.xml><?xml version="1.0" encoding="utf-8"?>
+<p:sldLayout xmlns:a="http://schemas.openxmlformats.org/drawingml/2006/main" xmlns:r="http://schemas.openxmlformats.org/officeDocument/2006/relationships" xmlns:p="http://schemas.openxmlformats.org/presentationml/2006/main" preserve="1">
+  <p:cSld name="sectionHeader">
+    <p:spTree>
+      <p:nvGrpSpPr>
+        <p:cNvPr id="1" name=""/>
+        <p:cNvGrpSpPr/>
+        <p:nvPr/>
+      </p:nvGrpSpPr>
+      <p:grpSpPr>
+        <a:xfrm>
+          <a:off x="0" y="0"/>
+          <a:ext cx="0" cy="0"/>
+          <a:chOff x="0" y="0"/>
+          <a:chExt cx="0" cy="0"/>
+        </a:xfrm>
+      </p:grpSpPr>
+      <p:sp>
+        <p:nvSpPr>
+          <p:cNvPr id="2" name="Text 0"/>
+          <p:cNvSpPr/>
+          <p:nvPr>
+            <p:ph idx="100" type="title" hasCustomPrompt="1"/>
+          </p:nvPr>
+        </p:nvSpPr>
+        <p:spPr>
+          <a:xfrm>
+            <a:off x="914400" y="228600"/>
+            <a:ext cx="10433304" cy="3200400"/>
+          </a:xfrm>
+          <a:prstGeom prst="rect">
+            <a:avLst/>
+          </a:prstGeom>
+          <a:noFill/>
+          <a:ln/>
+        </p:spPr>
+        <p:txBody>
+          <a:bodyPr wrap="square" rtlCol="0"/>
+          <a:lstStyle>
+            <a:lvl1pPr algn="ctr" indent="0" marL="0">
+              <a:buNone/>
+              <a:defRPr lang="en-US" sz="4000" b="1" dirty="0">
+                <a:solidFill>
+                  <a:srgbClr val="0C151B"/>
+                </a:solidFill>
+                <a:latin typeface="Arial" pitchFamily="34" charset="0"/>
+                <a:ea typeface="Arial" pitchFamily="34" charset="-122"/>
+                <a:cs typeface="Arial" pitchFamily="34" charset="-120"/>
+              </a:defRPr>
+            </a:lvl1pPr>
+          </a:lstStyle>
+          <a:p>
+            <a:pPr algn="ctr" indent="0" marL="0">
+              <a:buNone/>
+            </a:pPr>
+            <a:r>
+              <a:rPr lang="en-US" sz="4000" b="1" dirty="0">
+                <a:solidFill>
+                  <a:srgbClr val="0C151B"/>
+                </a:solidFill>
+                <a:latin typeface="Arial" pitchFamily="34" charset="0"/>
+                <a:ea typeface="Arial" pitchFamily="34" charset="-122"/>
+                <a:cs typeface="Arial" pitchFamily="34" charset="-120"/>
+              </a:rPr>
+              <a:t>Section Header Placeholder</a:t>
+            </a:r>
+            <a:endParaRPr lang="en-US" sz="4000" dirty="0"/>
+          </a:p>
+        </p:txBody>
+      </p:sp>
+      <p:sp>
+        <p:nvSpPr>
+          <p:cNvPr id="3" name="Text 0"/>
+          <p:cNvSpPr/>
+          <p:nvPr>
+            <p:ph idx="101" type="body" hasCustomPrompt="1"/>
+          </p:nvPr>
+        </p:nvSpPr>
+        <p:spPr>
+          <a:xfrm>
+            <a:off x="914400" y="3429000"/>
+            <a:ext cx="10433304" cy="2743200"/>
+          </a:xfrm>
+          <a:prstGeom prst="rect">
+            <a:avLst/>
+          </a:prstGeom>
+          <a:noFill/>
+          <a:ln/>
+        </p:spPr>
+        <p:txBody>
+          <a:bodyPr wrap="square" rtlCol="0"/>
+          <a:lstStyle>
+            <a:lvl1pPr algn="ctr" indent="0" marL="0">
+              <a:buNone/>
+              <a:defRPr lang="en-US" sz="2300" b="1" dirty="0">
+                <a:solidFill>
+                  <a:srgbClr val="1D2428"/>
+                </a:solidFill>
+                <a:latin typeface="Arial" pitchFamily="34" charset="0"/>
+                <a:ea typeface="Arial" pitchFamily="34" charset="-122"/>
+                <a:cs typeface="Arial" pitchFamily="34" charset="-120"/>
+              </a:defRPr>
+            </a:lvl1pPr>
+          </a:lstStyle>
+          <a:p>
+            <a:pPr algn="ctr" indent="0" marL="0">
+              <a:buNone/>
+            </a:pPr>
+            <a:r>
+              <a:rPr lang="en-US" sz="2300" b="1" dirty="0">
+                <a:solidFill>
+                  <a:srgbClr val="1D2428"/>
+                </a:solidFill>
+                <a:latin typeface="Arial" pitchFamily="34" charset="0"/>
+                <a:ea typeface="Arial" pitchFamily="34" charset="-122"/>
+                <a:cs typeface="Arial" pitchFamily="34" charset="-120"/>
+              </a:rPr>
+              <a:t>Subtitle Placeholder</a:t>
+            </a:r>
+            <a:endParaRPr lang="en-US" sz="2300" dirty="0"/>
+          </a:p>
+        </p:txBody>
+      </p:sp>
+      <p:sp>
+        <p:nvSpPr>
+          <p:cNvPr id="4" name="Text 0"/>
+          <p:cNvSpPr/>
+          <p:nvPr/>
+        </p:nvSpPr>
+        <p:spPr>
+          <a:xfrm>
+            <a:off x="914400" y="3657600"/>
+            <a:ext cx="11155680" cy="5943600"/>
+          </a:xfrm>
+          <a:prstGeom prst="rect">
+            <a:avLst/>
+          </a:prstGeom>
+          <a:noFill/>
+          <a:ln/>
+        </p:spPr>
+        <p:txBody>
+          <a:bodyPr wrap="square" rtlCol="0" anchor="ctr"/>
+          <a:lstStyle/>
+          <a:p>
+            <a:pPr algn="r" indent="0" marL="0">
+              <a:buNone/>
+            </a:pPr>
+            <a:r>
+              <a:rPr lang="en-US" sz="1400" dirty="0">
+                <a:solidFill>
+                  <a:srgbClr val="FFC0CB"/>
+                </a:solidFill>
+                <a:latin typeface="Arial" pitchFamily="34" charset="0"/>
+                <a:ea typeface="Arial" pitchFamily="34" charset="-122"/>
+                <a:cs typeface="Arial" pitchFamily="34" charset="-120"/>
+              </a:rPr>
+              <a:t>Made with Ai Flavoured</a:t>
+            </a:r>
+            <a:endParaRPr lang="en-US" sz="1400" dirty="0"/>
+          </a:p>
+        </p:txBody>
+      </p:sp>
+      <p:sp>
+        <p:nvSpPr>
+          <p:cNvPr id="25" name="Slide Number Placeholder 0"/>
+          <p:cNvSpPr>
+            <a:spLocks noGrp="1"/>
+          </p:cNvSpPr>
+          <p:nvPr>
+            <p:ph type="sldNum" sz="quarter" idx="4294967295"/>
+          </p:nvPr>
+        </p:nvSpPr>
+        <p:spPr>
+          <a:xfrm>
+            <a:off x="91440" y="6446520"/>
+            <a:ext cx="640080" cy="365760"/>
+          </a:xfrm>
+          <a:prstGeom prst="rect">
+            <a:avLst/>
+          </a:prstGeom>
+          <a:extLst>
+            <a:ext uri="{C572A759-6A51-4108-AA02-DFA0A04FC94B}">
+              <ma14:wrappingTextBoxFlag xmlns:ma14="http://schemas.microsoft.com/office/mac/drawingml/2011/main" val="0"/>
+            </a:ext>
+          </a:extLst>
+        </p:spPr>
+        <p:txBody>
+          <a:bodyPr/>
+          <a:lstStyle>
+            <a:lvl1pPr>
+              <a:defRPr sz="1200">
+                <a:solidFill>
+                  <a:srgbClr val="0C151B"/>
+                </a:solidFill>
+              </a:defRPr>
+            </a:lvl1pPr>
+          </a:lstStyle>
+          <a:p>
+            <a:pPr algn="l"/>
+            <a:fld id="{F7021451-1387-4CA6-816F-3879F97B5CBC}" type="slidenum">
+              <a:rPr b="0" lang="en-US"/>
+              <a:t>1005</a:t>
+            </a:fld>
+            <a:endParaRPr lang="en-US"/>
+          </a:p>
+        </p:txBody>
+      </p:sp>
+    </p:spTree>
+  </p:cSld>
+  <p:clrMapOvr>
+    <a:masterClrMapping/>
+  </p:clrMapOvr>
+</p:sldLayout>
+</file>
+
+<file path=ppt/slideLayouts/slideLayout6.xml><?xml version="1.0" encoding="utf-8"?>
 <p:sldLayout xmlns:a="http://schemas.openxmlformats.org/drawingml/2006/main" xmlns:r="http://schemas.openxmlformats.org/officeDocument/2006/relationships" xmlns:p="http://schemas.openxmlformats.org/presentationml/2006/main" preserve="1">
   <p:cSld name="twoContent">
     <p:spTree>
@@ -2539,36 +3617,16 @@
       </p:grpSpPr>
       <p:sp>
         <p:nvSpPr>
-          <p:cNvPr id="2" name="Shape 0"/>
-          <p:cNvSpPr/>
-          <p:nvPr/>
-        </p:nvSpPr>
-        <p:spPr>
-          <a:xfrm>
-            <a:off x="0" y="0"/>
-            <a:ext cx="12192000" cy="6858000"/>
-          </a:xfrm>
-          <a:prstGeom prst="rect">
-            <a:avLst/>
-          </a:prstGeom>
-          <a:solidFill>
-            <a:srgbClr val="FF1A9C"/>
-          </a:solidFill>
-          <a:ln/>
-        </p:spPr>
-      </p:sp>
-      <p:sp>
-        <p:nvSpPr>
-          <p:cNvPr id="3" name="Text 1"/>
-          <p:cNvSpPr/>
-          <p:nvPr>
-            <p:ph idx="101" type="title" hasCustomPrompt="1"/>
-          </p:nvPr>
-        </p:nvSpPr>
-        <p:spPr>
-          <a:xfrm>
-            <a:off x="914400" y="228600"/>
-            <a:ext cx="10433304" cy="1371600"/>
+          <p:cNvPr id="2" name="Text 0"/>
+          <p:cNvSpPr/>
+          <p:nvPr>
+            <p:ph idx="100" type="title" hasCustomPrompt="1"/>
+          </p:nvPr>
+        </p:nvSpPr>
+        <p:spPr>
+          <a:xfrm>
+            <a:off x="914400" y="0"/>
+            <a:ext cx="10433304" cy="914400"/>
           </a:xfrm>
           <a:prstGeom prst="rect">
             <a:avLst/>
@@ -2583,7 +3641,7 @@
               <a:buNone/>
               <a:defRPr lang="en-US" sz="4000" b="1" dirty="0">
                 <a:solidFill>
-                  <a:srgbClr val="0E0C0C"/>
+                  <a:srgbClr val="0C151B"/>
                 </a:solidFill>
                 <a:latin typeface="Arial" pitchFamily="34" charset="0"/>
                 <a:ea typeface="Arial" pitchFamily="34" charset="-122"/>
@@ -2598,7 +3656,7 @@
             <a:r>
               <a:rPr lang="en-US" sz="4000" b="1" dirty="0">
                 <a:solidFill>
-                  <a:srgbClr val="0E0C0C"/>
+                  <a:srgbClr val="0C151B"/>
                 </a:solidFill>
                 <a:latin typeface="Arial" pitchFamily="34" charset="0"/>
                 <a:ea typeface="Arial" pitchFamily="34" charset="-122"/>
@@ -2612,15 +3670,15 @@
       </p:sp>
       <p:sp>
         <p:nvSpPr>
-          <p:cNvPr id="4" name="Text 1"/>
-          <p:cNvSpPr/>
-          <p:nvPr>
-            <p:ph idx="102" type="body" hasCustomPrompt="1"/>
-          </p:nvPr>
-        </p:nvSpPr>
-        <p:spPr>
-          <a:xfrm>
-            <a:off x="914400" y="1828800"/>
+          <p:cNvPr id="3" name="Text 0"/>
+          <p:cNvSpPr/>
+          <p:nvPr>
+            <p:ph idx="101" type="body" hasCustomPrompt="1"/>
+          </p:nvPr>
+        </p:nvSpPr>
+        <p:spPr>
+          <a:xfrm>
+            <a:off x="914400" y="1371600"/>
             <a:ext cx="5029200" cy="4114800"/>
           </a:xfrm>
           <a:prstGeom prst="rect">
@@ -2634,9 +3692,9 @@
           <a:lstStyle>
             <a:lvl1pPr algn="l" indent="0" marL="0">
               <a:buNone/>
-              <a:defRPr lang="en-US" sz="2500" dirty="0">
-                <a:solidFill>
-                  <a:srgbClr val="0E0C0C"/>
+              <a:defRPr lang="en-US" sz="2500" b="1" dirty="0">
+                <a:solidFill>
+                  <a:srgbClr val="1D2428"/>
                 </a:solidFill>
                 <a:latin typeface="Arial" pitchFamily="34" charset="0"/>
                 <a:ea typeface="Arial" pitchFamily="34" charset="-122"/>
@@ -2649,9 +3707,9 @@
               <a:buNone/>
             </a:pPr>
             <a:r>
-              <a:rPr lang="en-US" sz="2500" dirty="0">
-                <a:solidFill>
-                  <a:srgbClr val="0E0C0C"/>
+              <a:rPr lang="en-US" sz="2500" b="1" dirty="0">
+                <a:solidFill>
+                  <a:srgbClr val="1D2428"/>
                 </a:solidFill>
                 <a:latin typeface="Arial" pitchFamily="34" charset="0"/>
                 <a:ea typeface="Arial" pitchFamily="34" charset="-122"/>
@@ -2665,15 +3723,15 @@
       </p:sp>
       <p:sp>
         <p:nvSpPr>
-          <p:cNvPr id="5" name="Text 1"/>
-          <p:cNvSpPr/>
-          <p:nvPr>
-            <p:ph idx="103" type="body" hasCustomPrompt="1"/>
-          </p:nvPr>
-        </p:nvSpPr>
-        <p:spPr>
-          <a:xfrm>
-            <a:off x="6400800" y="1828800"/>
+          <p:cNvPr id="4" name="Text 0"/>
+          <p:cNvSpPr/>
+          <p:nvPr>
+            <p:ph idx="102" type="body" hasCustomPrompt="1"/>
+          </p:nvPr>
+        </p:nvSpPr>
+        <p:spPr>
+          <a:xfrm>
+            <a:off x="6400800" y="1371600"/>
             <a:ext cx="5029200" cy="4114800"/>
           </a:xfrm>
           <a:prstGeom prst="rect">
@@ -2687,9 +3745,9 @@
           <a:lstStyle>
             <a:lvl1pPr algn="l" indent="0" marL="0">
               <a:buNone/>
-              <a:defRPr lang="en-US" sz="2500" dirty="0">
-                <a:solidFill>
-                  <a:srgbClr val="0E0C0C"/>
+              <a:defRPr lang="en-US" sz="2500" b="1" dirty="0">
+                <a:solidFill>
+                  <a:srgbClr val="1D2428"/>
                 </a:solidFill>
                 <a:latin typeface="Arial" pitchFamily="34" charset="0"/>
                 <a:ea typeface="Arial" pitchFamily="34" charset="-122"/>
@@ -2702,9 +3760,9 @@
               <a:buNone/>
             </a:pPr>
             <a:r>
-              <a:rPr lang="en-US" sz="2500" dirty="0">
-                <a:solidFill>
-                  <a:srgbClr val="0E0C0C"/>
+              <a:rPr lang="en-US" sz="2500" b="1" dirty="0">
+                <a:solidFill>
+                  <a:srgbClr val="1D2428"/>
                 </a:solidFill>
                 <a:latin typeface="Arial" pitchFamily="34" charset="0"/>
                 <a:ea typeface="Arial" pitchFamily="34" charset="-122"/>
@@ -2718,14 +3776,14 @@
       </p:sp>
       <p:sp>
         <p:nvSpPr>
-          <p:cNvPr id="6" name="Text 1"/>
+          <p:cNvPr id="5" name="Text 0"/>
           <p:cNvSpPr/>
           <p:nvPr/>
         </p:nvSpPr>
         <p:spPr>
           <a:xfrm>
             <a:off x="914400" y="3657600"/>
-            <a:ext cx="11155680" cy="5486400"/>
+            <a:ext cx="11155680" cy="5943600"/>
           </a:xfrm>
           <a:prstGeom prst="rect">
             <a:avLst/>
@@ -2741,17 +3799,17 @@
               <a:buNone/>
             </a:pPr>
             <a:r>
-              <a:rPr lang="en-US" sz="1800" dirty="0">
-                <a:solidFill>
-                  <a:srgbClr val="999999"/>
-                </a:solidFill>
-                <a:latin typeface="Arial" pitchFamily="34" charset="0"/>
-                <a:ea typeface="Arial" pitchFamily="34" charset="-122"/>
-                <a:cs typeface="Arial" pitchFamily="34" charset="-120"/>
-              </a:rPr>
-              <a:t>© Your Company Name</a:t>
-            </a:r>
-            <a:endParaRPr lang="en-US" sz="1800" dirty="0"/>
+              <a:rPr lang="en-US" sz="1400" dirty="0">
+                <a:solidFill>
+                  <a:srgbClr val="FFC0CB"/>
+                </a:solidFill>
+                <a:latin typeface="Arial" pitchFamily="34" charset="0"/>
+                <a:ea typeface="Arial" pitchFamily="34" charset="-122"/>
+                <a:cs typeface="Arial" pitchFamily="34" charset="-120"/>
+              </a:rPr>
+              <a:t>Made with Ai Flavoured</a:t>
+            </a:r>
+            <a:endParaRPr lang="en-US" sz="1400" dirty="0"/>
           </a:p>
         </p:txBody>
       </p:sp>
@@ -2767,8 +3825,8 @@
         </p:nvSpPr>
         <p:spPr>
           <a:xfrm>
-            <a:off x="91440" y="6515100"/>
-            <a:ext cx="457200" cy="457200"/>
+            <a:off x="91440" y="6446520"/>
+            <a:ext cx="640080" cy="365760"/>
           </a:xfrm>
           <a:prstGeom prst="rect">
             <a:avLst/>
@@ -2782,13 +3840,19 @@
         <p:txBody>
           <a:bodyPr/>
           <a:lstStyle>
-            <a:lvl1pPr/>
+            <a:lvl1pPr>
+              <a:defRPr sz="1200">
+                <a:solidFill>
+                  <a:srgbClr val="0C151B"/>
+                </a:solidFill>
+              </a:defRPr>
+            </a:lvl1pPr>
           </a:lstStyle>
           <a:p>
             <a:pPr algn="l"/>
             <a:fld id="{F7021451-1387-4CA6-816F-3879F97B5CBC}" type="slidenum">
               <a:rPr b="0" lang="en-US"/>
-              <a:t>1005</a:t>
+              <a:t>1006</a:t>
             </a:fld>
             <a:endParaRPr lang="en-US"/>
           </a:p>
@@ -2802,9 +3866,9 @@
 </p:sldLayout>
 </file>
 
-<file path=ppt/slideLayouts/slideLayout6.xml><?xml version="1.0" encoding="utf-8"?>
+<file path=ppt/slideLayouts/slideLayout7.xml><?xml version="1.0" encoding="utf-8"?>
 <p:sldLayout xmlns:a="http://schemas.openxmlformats.org/drawingml/2006/main" xmlns:r="http://schemas.openxmlformats.org/officeDocument/2006/relationships" xmlns:p="http://schemas.openxmlformats.org/presentationml/2006/main" preserve="1">
-  <p:cSld name="contentWithCaption">
+  <p:cSld name="comparison">
     <p:spTree>
       <p:nvGrpSpPr>
         <p:cNvPr id="1" name=""/>
@@ -2821,36 +3885,175 @@
       </p:grpSpPr>
       <p:sp>
         <p:nvSpPr>
-          <p:cNvPr id="2" name="Shape 0"/>
-          <p:cNvSpPr/>
-          <p:nvPr/>
-        </p:nvSpPr>
-        <p:spPr>
-          <a:xfrm>
-            <a:off x="0" y="0"/>
-            <a:ext cx="12192000" cy="6858000"/>
-          </a:xfrm>
-          <a:prstGeom prst="rect">
-            <a:avLst/>
-          </a:prstGeom>
-          <a:solidFill>
-            <a:srgbClr val="FF1A9C"/>
-          </a:solidFill>
-          <a:ln/>
-        </p:spPr>
-      </p:sp>
-      <p:sp>
-        <p:nvSpPr>
-          <p:cNvPr id="3" name="Text 1"/>
-          <p:cNvSpPr/>
-          <p:nvPr>
-            <p:ph idx="101" type="title" hasCustomPrompt="1"/>
-          </p:nvPr>
-        </p:nvSpPr>
-        <p:spPr>
-          <a:xfrm>
-            <a:off x="457200" y="457200"/>
-            <a:ext cx="5486400" cy="1371600"/>
+          <p:cNvPr id="2" name="Text 0"/>
+          <p:cNvSpPr/>
+          <p:nvPr>
+            <p:ph idx="100" type="title" hasCustomPrompt="1"/>
+          </p:nvPr>
+        </p:nvSpPr>
+        <p:spPr>
+          <a:xfrm>
+            <a:off x="914400" y="228600"/>
+            <a:ext cx="10433304" cy="1371600"/>
+          </a:xfrm>
+          <a:prstGeom prst="rect">
+            <a:avLst/>
+          </a:prstGeom>
+          <a:noFill/>
+          <a:ln/>
+        </p:spPr>
+        <p:txBody>
+          <a:bodyPr wrap="square" rtlCol="0"/>
+          <a:lstStyle>
+            <a:lvl1pPr algn="ctr" indent="0" marL="0">
+              <a:buNone/>
+              <a:defRPr lang="en-US" sz="4000" b="1" dirty="0">
+                <a:solidFill>
+                  <a:srgbClr val="0C151B"/>
+                </a:solidFill>
+                <a:latin typeface="Arial" pitchFamily="34" charset="0"/>
+                <a:ea typeface="Arial" pitchFamily="34" charset="-122"/>
+                <a:cs typeface="Arial" pitchFamily="34" charset="-120"/>
+              </a:defRPr>
+            </a:lvl1pPr>
+          </a:lstStyle>
+          <a:p>
+            <a:pPr algn="ctr" indent="0" marL="0">
+              <a:buNone/>
+            </a:pPr>
+            <a:r>
+              <a:rPr lang="en-US" sz="4000" b="1" dirty="0">
+                <a:solidFill>
+                  <a:srgbClr val="0C151B"/>
+                </a:solidFill>
+                <a:latin typeface="Arial" pitchFamily="34" charset="0"/>
+                <a:ea typeface="Arial" pitchFamily="34" charset="-122"/>
+                <a:cs typeface="Arial" pitchFamily="34" charset="-120"/>
+              </a:rPr>
+              <a:t>Title Placeholder</a:t>
+            </a:r>
+            <a:endParaRPr lang="en-US" sz="4000" dirty="0"/>
+          </a:p>
+        </p:txBody>
+      </p:sp>
+      <p:sp>
+        <p:nvSpPr>
+          <p:cNvPr id="3" name="Text 0"/>
+          <p:cNvSpPr/>
+          <p:nvPr>
+            <p:ph idx="101" type="body" hasCustomPrompt="1"/>
+          </p:nvPr>
+        </p:nvSpPr>
+        <p:spPr>
+          <a:xfrm>
+            <a:off x="914400" y="1828800"/>
+            <a:ext cx="5029200" cy="914400"/>
+          </a:xfrm>
+          <a:prstGeom prst="rect">
+            <a:avLst/>
+          </a:prstGeom>
+          <a:noFill/>
+          <a:ln/>
+        </p:spPr>
+        <p:txBody>
+          <a:bodyPr wrap="square" rtlCol="0"/>
+          <a:lstStyle>
+            <a:lvl1pPr algn="ctr" indent="0" marL="0">
+              <a:buNone/>
+              <a:defRPr lang="en-US" sz="3000" b="1" dirty="0">
+                <a:solidFill>
+                  <a:srgbClr val="0C151B"/>
+                </a:solidFill>
+                <a:latin typeface="Arial" pitchFamily="34" charset="0"/>
+                <a:ea typeface="Arial" pitchFamily="34" charset="-122"/>
+                <a:cs typeface="Arial" pitchFamily="34" charset="-120"/>
+              </a:defRPr>
+            </a:lvl1pPr>
+          </a:lstStyle>
+          <a:p>
+            <a:pPr algn="ctr" indent="0" marL="0">
+              <a:buNone/>
+            </a:pPr>
+            <a:r>
+              <a:rPr lang="en-US" sz="3000" b="1" dirty="0">
+                <a:solidFill>
+                  <a:srgbClr val="0C151B"/>
+                </a:solidFill>
+                <a:latin typeface="Arial" pitchFamily="34" charset="0"/>
+                <a:ea typeface="Arial" pitchFamily="34" charset="-122"/>
+                <a:cs typeface="Arial" pitchFamily="34" charset="-120"/>
+              </a:rPr>
+              <a:t>Subheading Placeholder</a:t>
+            </a:r>
+            <a:endParaRPr lang="en-US" sz="3000" dirty="0"/>
+          </a:p>
+        </p:txBody>
+      </p:sp>
+      <p:sp>
+        <p:nvSpPr>
+          <p:cNvPr id="4" name="Text 0"/>
+          <p:cNvSpPr/>
+          <p:nvPr>
+            <p:ph idx="102" type="body" hasCustomPrompt="1"/>
+          </p:nvPr>
+        </p:nvSpPr>
+        <p:spPr>
+          <a:xfrm>
+            <a:off x="6400800" y="1828800"/>
+            <a:ext cx="5029200" cy="914400"/>
+          </a:xfrm>
+          <a:prstGeom prst="rect">
+            <a:avLst/>
+          </a:prstGeom>
+          <a:noFill/>
+          <a:ln/>
+        </p:spPr>
+        <p:txBody>
+          <a:bodyPr wrap="square" rtlCol="0"/>
+          <a:lstStyle>
+            <a:lvl1pPr algn="ctr" indent="0" marL="0">
+              <a:buNone/>
+              <a:defRPr lang="en-US" sz="3000" b="1" dirty="0">
+                <a:solidFill>
+                  <a:srgbClr val="0C151B"/>
+                </a:solidFill>
+                <a:latin typeface="Arial" pitchFamily="34" charset="0"/>
+                <a:ea typeface="Arial" pitchFamily="34" charset="-122"/>
+                <a:cs typeface="Arial" pitchFamily="34" charset="-120"/>
+              </a:defRPr>
+            </a:lvl1pPr>
+          </a:lstStyle>
+          <a:p>
+            <a:pPr algn="ctr" indent="0" marL="0">
+              <a:buNone/>
+            </a:pPr>
+            <a:r>
+              <a:rPr lang="en-US" sz="3000" b="1" dirty="0">
+                <a:solidFill>
+                  <a:srgbClr val="0C151B"/>
+                </a:solidFill>
+                <a:latin typeface="Arial" pitchFamily="34" charset="0"/>
+                <a:ea typeface="Arial" pitchFamily="34" charset="-122"/>
+                <a:cs typeface="Arial" pitchFamily="34" charset="-120"/>
+              </a:rPr>
+              <a:t>Second Subheading Placeholder</a:t>
+            </a:r>
+            <a:endParaRPr lang="en-US" sz="3000" dirty="0"/>
+          </a:p>
+        </p:txBody>
+      </p:sp>
+      <p:sp>
+        <p:nvSpPr>
+          <p:cNvPr id="5" name="Text 0"/>
+          <p:cNvSpPr/>
+          <p:nvPr>
+            <p:ph idx="103" type="body" hasCustomPrompt="1"/>
+          </p:nvPr>
+        </p:nvSpPr>
+        <p:spPr>
+          <a:xfrm>
+            <a:off x="914400" y="2743200"/>
+            <a:ext cx="5029200" cy="3200400"/>
           </a:xfrm>
           <a:prstGeom prst="rect">
             <a:avLst/>
@@ -2863,9 +4066,9 @@
           <a:lstStyle>
             <a:lvl1pPr algn="l" indent="0" marL="0">
               <a:buNone/>
-              <a:defRPr lang="en-US" sz="4000" b="1" dirty="0">
-                <a:solidFill>
-                  <a:srgbClr val="0E0C0C"/>
+              <a:defRPr lang="en-US" sz="2200" b="1" dirty="0">
+                <a:solidFill>
+                  <a:srgbClr val="1D2428"/>
                 </a:solidFill>
                 <a:latin typeface="Arial" pitchFamily="34" charset="0"/>
                 <a:ea typeface="Arial" pitchFamily="34" charset="-122"/>
@@ -2878,32 +4081,32 @@
               <a:buNone/>
             </a:pPr>
             <a:r>
-              <a:rPr lang="en-US" sz="4000" b="1" dirty="0">
-                <a:solidFill>
-                  <a:srgbClr val="0E0C0C"/>
-                </a:solidFill>
-                <a:latin typeface="Arial" pitchFamily="34" charset="0"/>
-                <a:ea typeface="Arial" pitchFamily="34" charset="-122"/>
-                <a:cs typeface="Arial" pitchFamily="34" charset="-120"/>
-              </a:rPr>
-              <a:t>Title Placeholder</a:t>
-            </a:r>
-            <a:endParaRPr lang="en-US" sz="4000" dirty="0"/>
-          </a:p>
-        </p:txBody>
-      </p:sp>
-      <p:sp>
-        <p:nvSpPr>
-          <p:cNvPr id="4" name="Text 1"/>
-          <p:cNvSpPr/>
-          <p:nvPr>
-            <p:ph idx="102" type="body" hasCustomPrompt="1"/>
-          </p:nvPr>
-        </p:nvSpPr>
-        <p:spPr>
-          <a:xfrm>
-            <a:off x="6400800" y="457200"/>
-            <a:ext cx="5029200" cy="5486400"/>
+              <a:rPr lang="en-US" sz="2200" b="1" dirty="0">
+                <a:solidFill>
+                  <a:srgbClr val="1D2428"/>
+                </a:solidFill>
+                <a:latin typeface="Arial" pitchFamily="34" charset="0"/>
+                <a:ea typeface="Arial" pitchFamily="34" charset="-122"/>
+                <a:cs typeface="Arial" pitchFamily="34" charset="-120"/>
+              </a:rPr>
+              <a:t>Content Placeholder</a:t>
+            </a:r>
+            <a:endParaRPr lang="en-US" sz="2200" dirty="0"/>
+          </a:p>
+        </p:txBody>
+      </p:sp>
+      <p:sp>
+        <p:nvSpPr>
+          <p:cNvPr id="6" name="Text 0"/>
+          <p:cNvSpPr/>
+          <p:nvPr>
+            <p:ph idx="104" type="body" hasCustomPrompt="1"/>
+          </p:nvPr>
+        </p:nvSpPr>
+        <p:spPr>
+          <a:xfrm>
+            <a:off x="6400800" y="2743200"/>
+            <a:ext cx="5029200" cy="3200400"/>
           </a:xfrm>
           <a:prstGeom prst="rect">
             <a:avLst/>
@@ -2916,9 +4119,9 @@
           <a:lstStyle>
             <a:lvl1pPr algn="l" indent="0" marL="0">
               <a:buNone/>
-              <a:defRPr lang="en-US" sz="2000" dirty="0">
-                <a:solidFill>
-                  <a:srgbClr val="0E0C0C"/>
+              <a:defRPr lang="en-US" sz="2200" b="1" dirty="0">
+                <a:solidFill>
+                  <a:srgbClr val="1D2428"/>
                 </a:solidFill>
                 <a:latin typeface="Arial" pitchFamily="34" charset="0"/>
                 <a:ea typeface="Arial" pitchFamily="34" charset="-122"/>
@@ -2931,83 +4134,30 @@
               <a:buNone/>
             </a:pPr>
             <a:r>
-              <a:rPr lang="en-US" sz="2000" dirty="0">
-                <a:solidFill>
-                  <a:srgbClr val="0E0C0C"/>
-                </a:solidFill>
-                <a:latin typeface="Arial" pitchFamily="34" charset="0"/>
-                <a:ea typeface="Arial" pitchFamily="34" charset="-122"/>
-                <a:cs typeface="Arial" pitchFamily="34" charset="-120"/>
-              </a:rPr>
-              <a:t>Content Placeholder</a:t>
-            </a:r>
-            <a:endParaRPr lang="en-US" sz="2000" dirty="0"/>
-          </a:p>
-        </p:txBody>
-      </p:sp>
-      <p:sp>
-        <p:nvSpPr>
-          <p:cNvPr id="5" name="Text 1"/>
-          <p:cNvSpPr/>
-          <p:nvPr>
-            <p:ph idx="103" type="body" hasCustomPrompt="1"/>
-          </p:nvPr>
-        </p:nvSpPr>
-        <p:spPr>
-          <a:xfrm>
-            <a:off x="457200" y="2286000"/>
-            <a:ext cx="5486400" cy="3657600"/>
-          </a:xfrm>
-          <a:prstGeom prst="rect">
-            <a:avLst/>
-          </a:prstGeom>
-          <a:noFill/>
-          <a:ln/>
-        </p:spPr>
-        <p:txBody>
-          <a:bodyPr wrap="square" rtlCol="0"/>
-          <a:lstStyle>
-            <a:lvl1pPr algn="l" indent="0" marL="0">
-              <a:buNone/>
-              <a:defRPr lang="en-US" sz="2400" dirty="0">
-                <a:solidFill>
-                  <a:srgbClr val="211F1F"/>
-                </a:solidFill>
-                <a:latin typeface="Arial" pitchFamily="34" charset="0"/>
-                <a:ea typeface="Arial" pitchFamily="34" charset="-122"/>
-                <a:cs typeface="Arial" pitchFamily="34" charset="-120"/>
-              </a:defRPr>
-            </a:lvl1pPr>
-          </a:lstStyle>
-          <a:p>
-            <a:pPr algn="l" indent="0" marL="0">
-              <a:buNone/>
-            </a:pPr>
-            <a:r>
-              <a:rPr lang="en-US" sz="2400" dirty="0">
-                <a:solidFill>
-                  <a:srgbClr val="211F1F"/>
-                </a:solidFill>
-                <a:latin typeface="Arial" pitchFamily="34" charset="0"/>
-                <a:ea typeface="Arial" pitchFamily="34" charset="-122"/>
-                <a:cs typeface="Arial" pitchFamily="34" charset="-120"/>
-              </a:rPr>
-              <a:t>Caption Placeholder</a:t>
-            </a:r>
-            <a:endParaRPr lang="en-US" sz="2400" dirty="0"/>
-          </a:p>
-        </p:txBody>
-      </p:sp>
-      <p:sp>
-        <p:nvSpPr>
-          <p:cNvPr id="6" name="Text 1"/>
+              <a:rPr lang="en-US" sz="2200" b="1" dirty="0">
+                <a:solidFill>
+                  <a:srgbClr val="1D2428"/>
+                </a:solidFill>
+                <a:latin typeface="Arial" pitchFamily="34" charset="0"/>
+                <a:ea typeface="Arial" pitchFamily="34" charset="-122"/>
+                <a:cs typeface="Arial" pitchFamily="34" charset="-120"/>
+              </a:rPr>
+              <a:t>Second Content Placeholder</a:t>
+            </a:r>
+            <a:endParaRPr lang="en-US" sz="2200" dirty="0"/>
+          </a:p>
+        </p:txBody>
+      </p:sp>
+      <p:sp>
+        <p:nvSpPr>
+          <p:cNvPr id="7" name="Text 0"/>
           <p:cNvSpPr/>
           <p:nvPr/>
         </p:nvSpPr>
         <p:spPr>
           <a:xfrm>
             <a:off x="914400" y="3657600"/>
-            <a:ext cx="11155680" cy="5486400"/>
+            <a:ext cx="11155680" cy="5943600"/>
           </a:xfrm>
           <a:prstGeom prst="rect">
             <a:avLst/>
@@ -3023,17 +4173,17 @@
               <a:buNone/>
             </a:pPr>
             <a:r>
-              <a:rPr lang="en-US" sz="1800" dirty="0">
-                <a:solidFill>
-                  <a:srgbClr val="999999"/>
-                </a:solidFill>
-                <a:latin typeface="Arial" pitchFamily="34" charset="0"/>
-                <a:ea typeface="Arial" pitchFamily="34" charset="-122"/>
-                <a:cs typeface="Arial" pitchFamily="34" charset="-120"/>
-              </a:rPr>
-              <a:t>© Your Company Name</a:t>
-            </a:r>
-            <a:endParaRPr lang="en-US" sz="1800" dirty="0"/>
+              <a:rPr lang="en-US" sz="1400" dirty="0">
+                <a:solidFill>
+                  <a:srgbClr val="FFC0CB"/>
+                </a:solidFill>
+                <a:latin typeface="Arial" pitchFamily="34" charset="0"/>
+                <a:ea typeface="Arial" pitchFamily="34" charset="-122"/>
+                <a:cs typeface="Arial" pitchFamily="34" charset="-120"/>
+              </a:rPr>
+              <a:t>Made with Ai Flavoured</a:t>
+            </a:r>
+            <a:endParaRPr lang="en-US" sz="1400" dirty="0"/>
           </a:p>
         </p:txBody>
       </p:sp>
@@ -3049,8 +4199,8 @@
         </p:nvSpPr>
         <p:spPr>
           <a:xfrm>
-            <a:off x="91440" y="6515100"/>
-            <a:ext cx="457200" cy="457200"/>
+            <a:off x="91440" y="6446520"/>
+            <a:ext cx="640080" cy="365760"/>
           </a:xfrm>
           <a:prstGeom prst="rect">
             <a:avLst/>
@@ -3064,289 +4214,13 @@
         <p:txBody>
           <a:bodyPr/>
           <a:lstStyle>
-            <a:lvl1pPr/>
-          </a:lstStyle>
-          <a:p>
-            <a:pPr algn="l"/>
-            <a:fld id="{F7021451-1387-4CA6-816F-3879F97B5CBC}" type="slidenum">
-              <a:rPr b="0" lang="en-US"/>
-              <a:t>1006</a:t>
-            </a:fld>
-            <a:endParaRPr lang="en-US"/>
-          </a:p>
-        </p:txBody>
-      </p:sp>
-    </p:spTree>
-  </p:cSld>
-  <p:clrMapOvr>
-    <a:masterClrMapping/>
-  </p:clrMapOvr>
-</p:sldLayout>
-</file>
-
-<file path=ppt/slideLayouts/slideLayout7.xml><?xml version="1.0" encoding="utf-8"?>
-<p:sldLayout xmlns:a="http://schemas.openxmlformats.org/drawingml/2006/main" xmlns:r="http://schemas.openxmlformats.org/officeDocument/2006/relationships" xmlns:p="http://schemas.openxmlformats.org/presentationml/2006/main" preserve="1">
-  <p:cSld name="contentWithCaption">
-    <p:spTree>
-      <p:nvGrpSpPr>
-        <p:cNvPr id="1" name=""/>
-        <p:cNvGrpSpPr/>
-        <p:nvPr/>
-      </p:nvGrpSpPr>
-      <p:grpSpPr>
-        <a:xfrm>
-          <a:off x="0" y="0"/>
-          <a:ext cx="0" cy="0"/>
-          <a:chOff x="0" y="0"/>
-          <a:chExt cx="0" cy="0"/>
-        </a:xfrm>
-      </p:grpSpPr>
-      <p:sp>
-        <p:nvSpPr>
-          <p:cNvPr id="2" name="Shape 0"/>
-          <p:cNvSpPr/>
-          <p:nvPr/>
-        </p:nvSpPr>
-        <p:spPr>
-          <a:xfrm>
-            <a:off x="0" y="0"/>
-            <a:ext cx="12192000" cy="6858000"/>
-          </a:xfrm>
-          <a:prstGeom prst="rect">
-            <a:avLst/>
-          </a:prstGeom>
-          <a:solidFill>
-            <a:srgbClr val="FF1A9C"/>
-          </a:solidFill>
-          <a:ln/>
-        </p:spPr>
-      </p:sp>
-      <p:sp>
-        <p:nvSpPr>
-          <p:cNvPr id="3" name="Text 1"/>
-          <p:cNvSpPr/>
-          <p:nvPr>
-            <p:ph idx="101" type="title" hasCustomPrompt="1"/>
-          </p:nvPr>
-        </p:nvSpPr>
-        <p:spPr>
-          <a:xfrm>
-            <a:off x="457200" y="457200"/>
-            <a:ext cx="5486400" cy="1371600"/>
-          </a:xfrm>
-          <a:prstGeom prst="rect">
-            <a:avLst/>
-          </a:prstGeom>
-          <a:noFill/>
-          <a:ln/>
-        </p:spPr>
-        <p:txBody>
-          <a:bodyPr wrap="square" rtlCol="0"/>
-          <a:lstStyle>
-            <a:lvl1pPr algn="l" indent="0" marL="0">
-              <a:buNone/>
-              <a:defRPr lang="en-US" sz="4000" b="1" dirty="0">
-                <a:solidFill>
-                  <a:srgbClr val="0E0C0C"/>
-                </a:solidFill>
-                <a:latin typeface="Arial" pitchFamily="34" charset="0"/>
-                <a:ea typeface="Arial" pitchFamily="34" charset="-122"/>
-                <a:cs typeface="Arial" pitchFamily="34" charset="-120"/>
+            <a:lvl1pPr>
+              <a:defRPr sz="1200">
+                <a:solidFill>
+                  <a:srgbClr val="0C151B"/>
+                </a:solidFill>
               </a:defRPr>
             </a:lvl1pPr>
-          </a:lstStyle>
-          <a:p>
-            <a:pPr algn="l" indent="0" marL="0">
-              <a:buNone/>
-            </a:pPr>
-            <a:r>
-              <a:rPr lang="en-US" sz="4000" b="1" dirty="0">
-                <a:solidFill>
-                  <a:srgbClr val="0E0C0C"/>
-                </a:solidFill>
-                <a:latin typeface="Arial" pitchFamily="34" charset="0"/>
-                <a:ea typeface="Arial" pitchFamily="34" charset="-122"/>
-                <a:cs typeface="Arial" pitchFamily="34" charset="-120"/>
-              </a:rPr>
-              <a:t>Title Placeholder</a:t>
-            </a:r>
-            <a:endParaRPr lang="en-US" sz="4000" dirty="0"/>
-          </a:p>
-        </p:txBody>
-      </p:sp>
-      <p:sp>
-        <p:nvSpPr>
-          <p:cNvPr id="4" name="Text 1"/>
-          <p:cNvSpPr/>
-          <p:nvPr>
-            <p:ph idx="102" type="body" hasCustomPrompt="1"/>
-          </p:nvPr>
-        </p:nvSpPr>
-        <p:spPr>
-          <a:xfrm>
-            <a:off x="6400800" y="457200"/>
-            <a:ext cx="5029200" cy="5486400"/>
-          </a:xfrm>
-          <a:prstGeom prst="rect">
-            <a:avLst/>
-          </a:prstGeom>
-          <a:noFill/>
-          <a:ln/>
-        </p:spPr>
-        <p:txBody>
-          <a:bodyPr wrap="square" rtlCol="0"/>
-          <a:lstStyle>
-            <a:lvl1pPr algn="l" indent="0" marL="0">
-              <a:buNone/>
-              <a:defRPr lang="en-US" sz="2000" dirty="0">
-                <a:solidFill>
-                  <a:srgbClr val="0E0C0C"/>
-                </a:solidFill>
-                <a:latin typeface="Arial" pitchFamily="34" charset="0"/>
-                <a:ea typeface="Arial" pitchFamily="34" charset="-122"/>
-                <a:cs typeface="Arial" pitchFamily="34" charset="-120"/>
-              </a:defRPr>
-            </a:lvl1pPr>
-          </a:lstStyle>
-          <a:p>
-            <a:pPr algn="l" indent="0" marL="0">
-              <a:buNone/>
-            </a:pPr>
-            <a:r>
-              <a:rPr lang="en-US" sz="2000" dirty="0">
-                <a:solidFill>
-                  <a:srgbClr val="0E0C0C"/>
-                </a:solidFill>
-                <a:latin typeface="Arial" pitchFamily="34" charset="0"/>
-                <a:ea typeface="Arial" pitchFamily="34" charset="-122"/>
-                <a:cs typeface="Arial" pitchFamily="34" charset="-120"/>
-              </a:rPr>
-              <a:t>Content Placeholder</a:t>
-            </a:r>
-            <a:endParaRPr lang="en-US" sz="2000" dirty="0"/>
-          </a:p>
-        </p:txBody>
-      </p:sp>
-      <p:sp>
-        <p:nvSpPr>
-          <p:cNvPr id="5" name="Text 1"/>
-          <p:cNvSpPr/>
-          <p:nvPr>
-            <p:ph idx="103" type="body" hasCustomPrompt="1"/>
-          </p:nvPr>
-        </p:nvSpPr>
-        <p:spPr>
-          <a:xfrm>
-            <a:off x="457200" y="2286000"/>
-            <a:ext cx="5486400" cy="3657600"/>
-          </a:xfrm>
-          <a:prstGeom prst="rect">
-            <a:avLst/>
-          </a:prstGeom>
-          <a:noFill/>
-          <a:ln/>
-        </p:spPr>
-        <p:txBody>
-          <a:bodyPr wrap="square" rtlCol="0"/>
-          <a:lstStyle>
-            <a:lvl1pPr algn="l" indent="0" marL="0">
-              <a:buNone/>
-              <a:defRPr lang="en-US" sz="2400" dirty="0">
-                <a:solidFill>
-                  <a:srgbClr val="211F1F"/>
-                </a:solidFill>
-                <a:latin typeface="Arial" pitchFamily="34" charset="0"/>
-                <a:ea typeface="Arial" pitchFamily="34" charset="-122"/>
-                <a:cs typeface="Arial" pitchFamily="34" charset="-120"/>
-              </a:defRPr>
-            </a:lvl1pPr>
-          </a:lstStyle>
-          <a:p>
-            <a:pPr algn="l" indent="0" marL="0">
-              <a:buNone/>
-            </a:pPr>
-            <a:r>
-              <a:rPr lang="en-US" sz="2400" dirty="0">
-                <a:solidFill>
-                  <a:srgbClr val="211F1F"/>
-                </a:solidFill>
-                <a:latin typeface="Arial" pitchFamily="34" charset="0"/>
-                <a:ea typeface="Arial" pitchFamily="34" charset="-122"/>
-                <a:cs typeface="Arial" pitchFamily="34" charset="-120"/>
-              </a:rPr>
-              <a:t>Caption Placeholder</a:t>
-            </a:r>
-            <a:endParaRPr lang="en-US" sz="2400" dirty="0"/>
-          </a:p>
-        </p:txBody>
-      </p:sp>
-      <p:sp>
-        <p:nvSpPr>
-          <p:cNvPr id="6" name="Text 1"/>
-          <p:cNvSpPr/>
-          <p:nvPr/>
-        </p:nvSpPr>
-        <p:spPr>
-          <a:xfrm>
-            <a:off x="914400" y="3657600"/>
-            <a:ext cx="11155680" cy="5486400"/>
-          </a:xfrm>
-          <a:prstGeom prst="rect">
-            <a:avLst/>
-          </a:prstGeom>
-          <a:noFill/>
-          <a:ln/>
-        </p:spPr>
-        <p:txBody>
-          <a:bodyPr wrap="square" rtlCol="0" anchor="ctr"/>
-          <a:lstStyle/>
-          <a:p>
-            <a:pPr algn="r" indent="0" marL="0">
-              <a:buNone/>
-            </a:pPr>
-            <a:r>
-              <a:rPr lang="en-US" sz="1800" dirty="0">
-                <a:solidFill>
-                  <a:srgbClr val="999999"/>
-                </a:solidFill>
-                <a:latin typeface="Arial" pitchFamily="34" charset="0"/>
-                <a:ea typeface="Arial" pitchFamily="34" charset="-122"/>
-                <a:cs typeface="Arial" pitchFamily="34" charset="-120"/>
-              </a:rPr>
-              <a:t>© Your Company Name</a:t>
-            </a:r>
-            <a:endParaRPr lang="en-US" sz="1800" dirty="0"/>
-          </a:p>
-        </p:txBody>
-      </p:sp>
-      <p:sp>
-        <p:nvSpPr>
-          <p:cNvPr id="25" name="Slide Number Placeholder 0"/>
-          <p:cNvSpPr>
-            <a:spLocks noGrp="1"/>
-          </p:cNvSpPr>
-          <p:nvPr>
-            <p:ph type="sldNum" sz="quarter" idx="4294967295"/>
-          </p:nvPr>
-        </p:nvSpPr>
-        <p:spPr>
-          <a:xfrm>
-            <a:off x="91440" y="6515100"/>
-            <a:ext cx="457200" cy="457200"/>
-          </a:xfrm>
-          <a:prstGeom prst="rect">
-            <a:avLst/>
-          </a:prstGeom>
-          <a:extLst>
-            <a:ext uri="{C572A759-6A51-4108-AA02-DFA0A04FC94B}">
-              <ma14:wrappingTextBoxFlag xmlns:ma14="http://schemas.microsoft.com/office/mac/drawingml/2011/main" val="0"/>
-            </a:ext>
-          </a:extLst>
-        </p:spPr>
-        <p:txBody>
-          <a:bodyPr/>
-          <a:lstStyle>
-            <a:lvl1pPr/>
           </a:lstStyle>
           <a:p>
             <a:pPr algn="l"/>
@@ -3385,30 +4259,10 @@
       </p:grpSpPr>
       <p:sp>
         <p:nvSpPr>
-          <p:cNvPr id="2" name="Shape 0"/>
-          <p:cNvSpPr/>
-          <p:nvPr/>
-        </p:nvSpPr>
-        <p:spPr>
-          <a:xfrm>
-            <a:off x="0" y="0"/>
-            <a:ext cx="12192000" cy="6858000"/>
-          </a:xfrm>
-          <a:prstGeom prst="rect">
-            <a:avLst/>
-          </a:prstGeom>
-          <a:solidFill>
-            <a:srgbClr val="FF1A9C"/>
-          </a:solidFill>
-          <a:ln/>
-        </p:spPr>
-      </p:sp>
-      <p:sp>
-        <p:nvSpPr>
-          <p:cNvPr id="3" name="Text 1"/>
-          <p:cNvSpPr/>
-          <p:nvPr>
-            <p:ph idx="101" type="title" hasCustomPrompt="1"/>
+          <p:cNvPr id="2" name="Text 0"/>
+          <p:cNvSpPr/>
+          <p:nvPr>
+            <p:ph idx="100" type="title" hasCustomPrompt="1"/>
           </p:nvPr>
         </p:nvSpPr>
         <p:spPr>
@@ -3429,7 +4283,7 @@
               <a:buNone/>
               <a:defRPr lang="en-US" sz="4000" b="1" dirty="0">
                 <a:solidFill>
-                  <a:srgbClr val="0E0C0C"/>
+                  <a:srgbClr val="0C151B"/>
                 </a:solidFill>
                 <a:latin typeface="Arial" pitchFamily="34" charset="0"/>
                 <a:ea typeface="Arial" pitchFamily="34" charset="-122"/>
@@ -3444,7 +4298,7 @@
             <a:r>
               <a:rPr lang="en-US" sz="4000" b="1" dirty="0">
                 <a:solidFill>
-                  <a:srgbClr val="0E0C0C"/>
+                  <a:srgbClr val="0C151B"/>
                 </a:solidFill>
                 <a:latin typeface="Arial" pitchFamily="34" charset="0"/>
                 <a:ea typeface="Arial" pitchFamily="34" charset="-122"/>
@@ -3458,10 +4312,10 @@
       </p:sp>
       <p:sp>
         <p:nvSpPr>
-          <p:cNvPr id="4" name="Text 1"/>
-          <p:cNvSpPr/>
-          <p:nvPr>
-            <p:ph idx="102" type="body" hasCustomPrompt="1"/>
+          <p:cNvPr id="3" name="Text 0"/>
+          <p:cNvSpPr/>
+          <p:nvPr>
+            <p:ph idx="101" type="body" hasCustomPrompt="1"/>
           </p:nvPr>
         </p:nvSpPr>
         <p:spPr>
@@ -3480,9 +4334,9 @@
           <a:lstStyle>
             <a:lvl1pPr algn="l" indent="0" marL="0">
               <a:buNone/>
-              <a:defRPr lang="en-US" sz="2000" dirty="0">
-                <a:solidFill>
-                  <a:srgbClr val="0E0C0C"/>
+              <a:defRPr lang="en-US" sz="2200" b="1" dirty="0">
+                <a:solidFill>
+                  <a:srgbClr val="1D2428"/>
                 </a:solidFill>
                 <a:latin typeface="Arial" pitchFamily="34" charset="0"/>
                 <a:ea typeface="Arial" pitchFamily="34" charset="-122"/>
@@ -3495,9 +4349,9 @@
               <a:buNone/>
             </a:pPr>
             <a:r>
-              <a:rPr lang="en-US" sz="2000" dirty="0">
-                <a:solidFill>
-                  <a:srgbClr val="0E0C0C"/>
+              <a:rPr lang="en-US" sz="2200" b="1" dirty="0">
+                <a:solidFill>
+                  <a:srgbClr val="1D2428"/>
                 </a:solidFill>
                 <a:latin typeface="Arial" pitchFamily="34" charset="0"/>
                 <a:ea typeface="Arial" pitchFamily="34" charset="-122"/>
@@ -3505,16 +4359,16 @@
               </a:rPr>
               <a:t>Content Placeholder</a:t>
             </a:r>
-            <a:endParaRPr lang="en-US" sz="2000" dirty="0"/>
-          </a:p>
-        </p:txBody>
-      </p:sp>
-      <p:sp>
-        <p:nvSpPr>
-          <p:cNvPr id="5" name="Text 1"/>
-          <p:cNvSpPr/>
-          <p:nvPr>
-            <p:ph idx="103" type="body" hasCustomPrompt="1"/>
+            <a:endParaRPr lang="en-US" sz="2200" dirty="0"/>
+          </a:p>
+        </p:txBody>
+      </p:sp>
+      <p:sp>
+        <p:nvSpPr>
+          <p:cNvPr id="4" name="Text 0"/>
+          <p:cNvSpPr/>
+          <p:nvPr>
+            <p:ph idx="102" type="body" hasCustomPrompt="1"/>
           </p:nvPr>
         </p:nvSpPr>
         <p:spPr>
@@ -3533,9 +4387,9 @@
           <a:lstStyle>
             <a:lvl1pPr algn="l" indent="0" marL="0">
               <a:buNone/>
-              <a:defRPr lang="en-US" sz="2400" dirty="0">
-                <a:solidFill>
-                  <a:srgbClr val="211F1F"/>
+              <a:defRPr lang="en-US" sz="2400" b="1" dirty="0">
+                <a:solidFill>
+                  <a:srgbClr val="1D2428"/>
                 </a:solidFill>
                 <a:latin typeface="Arial" pitchFamily="34" charset="0"/>
                 <a:ea typeface="Arial" pitchFamily="34" charset="-122"/>
@@ -3548,9 +4402,9 @@
               <a:buNone/>
             </a:pPr>
             <a:r>
-              <a:rPr lang="en-US" sz="2400" dirty="0">
-                <a:solidFill>
-                  <a:srgbClr val="211F1F"/>
+              <a:rPr lang="en-US" sz="2400" b="1" dirty="0">
+                <a:solidFill>
+                  <a:srgbClr val="1D2428"/>
                 </a:solidFill>
                 <a:latin typeface="Arial" pitchFamily="34" charset="0"/>
                 <a:ea typeface="Arial" pitchFamily="34" charset="-122"/>
@@ -3564,14 +4418,14 @@
       </p:sp>
       <p:sp>
         <p:nvSpPr>
-          <p:cNvPr id="6" name="Text 1"/>
+          <p:cNvPr id="5" name="Text 0"/>
           <p:cNvSpPr/>
           <p:nvPr/>
         </p:nvSpPr>
         <p:spPr>
           <a:xfrm>
             <a:off x="914400" y="3657600"/>
-            <a:ext cx="11155680" cy="5486400"/>
+            <a:ext cx="11155680" cy="5943600"/>
           </a:xfrm>
           <a:prstGeom prst="rect">
             <a:avLst/>
@@ -3587,17 +4441,17 @@
               <a:buNone/>
             </a:pPr>
             <a:r>
-              <a:rPr lang="en-US" sz="1800" dirty="0">
-                <a:solidFill>
-                  <a:srgbClr val="999999"/>
-                </a:solidFill>
-                <a:latin typeface="Arial" pitchFamily="34" charset="0"/>
-                <a:ea typeface="Arial" pitchFamily="34" charset="-122"/>
-                <a:cs typeface="Arial" pitchFamily="34" charset="-120"/>
-              </a:rPr>
-              <a:t>© Your Company Name</a:t>
-            </a:r>
-            <a:endParaRPr lang="en-US" sz="1800" dirty="0"/>
+              <a:rPr lang="en-US" sz="1400" dirty="0">
+                <a:solidFill>
+                  <a:srgbClr val="FFC0CB"/>
+                </a:solidFill>
+                <a:latin typeface="Arial" pitchFamily="34" charset="0"/>
+                <a:ea typeface="Arial" pitchFamily="34" charset="-122"/>
+                <a:cs typeface="Arial" pitchFamily="34" charset="-120"/>
+              </a:rPr>
+              <a:t>Made with Ai Flavoured</a:t>
+            </a:r>
+            <a:endParaRPr lang="en-US" sz="1400" dirty="0"/>
           </a:p>
         </p:txBody>
       </p:sp>
@@ -3613,8 +4467,8 @@
         </p:nvSpPr>
         <p:spPr>
           <a:xfrm>
-            <a:off x="91440" y="6515100"/>
-            <a:ext cx="457200" cy="457200"/>
+            <a:off x="91440" y="6446520"/>
+            <a:ext cx="640080" cy="365760"/>
           </a:xfrm>
           <a:prstGeom prst="rect">
             <a:avLst/>
@@ -3628,7 +4482,13 @@
         <p:txBody>
           <a:bodyPr/>
           <a:lstStyle>
-            <a:lvl1pPr/>
+            <a:lvl1pPr>
+              <a:defRPr sz="1200">
+                <a:solidFill>
+                  <a:srgbClr val="0C151B"/>
+                </a:solidFill>
+              </a:defRPr>
+            </a:lvl1pPr>
           </a:lstStyle>
           <a:p>
             <a:pPr algn="l"/>
@@ -3667,30 +4527,10 @@
       </p:grpSpPr>
       <p:sp>
         <p:nvSpPr>
-          <p:cNvPr id="2" name="Shape 0"/>
-          <p:cNvSpPr/>
-          <p:nvPr/>
-        </p:nvSpPr>
-        <p:spPr>
-          <a:xfrm>
-            <a:off x="0" y="0"/>
-            <a:ext cx="12192000" cy="6858000"/>
-          </a:xfrm>
-          <a:prstGeom prst="rect">
-            <a:avLst/>
-          </a:prstGeom>
-          <a:solidFill>
-            <a:srgbClr val="FF1A9C"/>
-          </a:solidFill>
-          <a:ln/>
-        </p:spPr>
-      </p:sp>
-      <p:sp>
-        <p:nvSpPr>
-          <p:cNvPr id="3" name="Text 1"/>
-          <p:cNvSpPr/>
-          <p:nvPr>
-            <p:ph idx="101" type="title" hasCustomPrompt="1"/>
+          <p:cNvPr id="2" name="Text 0"/>
+          <p:cNvSpPr/>
+          <p:nvPr>
+            <p:ph idx="100" type="title" hasCustomPrompt="1"/>
           </p:nvPr>
         </p:nvSpPr>
         <p:spPr>
@@ -3711,7 +4551,7 @@
               <a:buNone/>
               <a:defRPr lang="en-US" sz="4000" b="1" dirty="0">
                 <a:solidFill>
-                  <a:srgbClr val="0E0C0C"/>
+                  <a:srgbClr val="0C151B"/>
                 </a:solidFill>
                 <a:latin typeface="Arial" pitchFamily="34" charset="0"/>
                 <a:ea typeface="Arial" pitchFamily="34" charset="-122"/>
@@ -3726,7 +4566,7 @@
             <a:r>
               <a:rPr lang="en-US" sz="4000" b="1" dirty="0">
                 <a:solidFill>
-                  <a:srgbClr val="0E0C0C"/>
+                  <a:srgbClr val="0C151B"/>
                 </a:solidFill>
                 <a:latin typeface="Arial" pitchFamily="34" charset="0"/>
                 <a:ea typeface="Arial" pitchFamily="34" charset="-122"/>
@@ -3740,10 +4580,10 @@
       </p:sp>
       <p:sp>
         <p:nvSpPr>
-          <p:cNvPr id="4" name="Text 1"/>
-          <p:cNvSpPr/>
-          <p:nvPr>
-            <p:ph idx="102" type="body" hasCustomPrompt="1"/>
+          <p:cNvPr id="3" name="Text 0"/>
+          <p:cNvSpPr/>
+          <p:nvPr>
+            <p:ph idx="101" type="body" hasCustomPrompt="1"/>
           </p:nvPr>
         </p:nvSpPr>
         <p:spPr>
@@ -3762,9 +4602,9 @@
           <a:lstStyle>
             <a:lvl1pPr algn="l" indent="0" marL="0">
               <a:buNone/>
-              <a:defRPr lang="en-US" sz="2000" dirty="0">
-                <a:solidFill>
-                  <a:srgbClr val="0E0C0C"/>
+              <a:defRPr lang="en-US" sz="2200" b="1" dirty="0">
+                <a:solidFill>
+                  <a:srgbClr val="1D2428"/>
                 </a:solidFill>
                 <a:latin typeface="Arial" pitchFamily="34" charset="0"/>
                 <a:ea typeface="Arial" pitchFamily="34" charset="-122"/>
@@ -3777,9 +4617,9 @@
               <a:buNone/>
             </a:pPr>
             <a:r>
-              <a:rPr lang="en-US" sz="2000" dirty="0">
-                <a:solidFill>
-                  <a:srgbClr val="0E0C0C"/>
+              <a:rPr lang="en-US" sz="2200" b="1" dirty="0">
+                <a:solidFill>
+                  <a:srgbClr val="1D2428"/>
                 </a:solidFill>
                 <a:latin typeface="Arial" pitchFamily="34" charset="0"/>
                 <a:ea typeface="Arial" pitchFamily="34" charset="-122"/>
@@ -3787,16 +4627,16 @@
               </a:rPr>
               <a:t>Content Placeholder</a:t>
             </a:r>
-            <a:endParaRPr lang="en-US" sz="2000" dirty="0"/>
-          </a:p>
-        </p:txBody>
-      </p:sp>
-      <p:sp>
-        <p:nvSpPr>
-          <p:cNvPr id="5" name="Text 1"/>
-          <p:cNvSpPr/>
-          <p:nvPr>
-            <p:ph idx="103" type="body" hasCustomPrompt="1"/>
+            <a:endParaRPr lang="en-US" sz="2200" dirty="0"/>
+          </a:p>
+        </p:txBody>
+      </p:sp>
+      <p:sp>
+        <p:nvSpPr>
+          <p:cNvPr id="4" name="Text 0"/>
+          <p:cNvSpPr/>
+          <p:nvPr>
+            <p:ph idx="102" type="body" hasCustomPrompt="1"/>
           </p:nvPr>
         </p:nvSpPr>
         <p:spPr>
@@ -3815,9 +4655,9 @@
           <a:lstStyle>
             <a:lvl1pPr algn="l" indent="0" marL="0">
               <a:buNone/>
-              <a:defRPr lang="en-US" sz="2400" dirty="0">
-                <a:solidFill>
-                  <a:srgbClr val="211F1F"/>
+              <a:defRPr lang="en-US" sz="2400" b="1" dirty="0">
+                <a:solidFill>
+                  <a:srgbClr val="1D2428"/>
                 </a:solidFill>
                 <a:latin typeface="Arial" pitchFamily="34" charset="0"/>
                 <a:ea typeface="Arial" pitchFamily="34" charset="-122"/>
@@ -3830,9 +4670,9 @@
               <a:buNone/>
             </a:pPr>
             <a:r>
-              <a:rPr lang="en-US" sz="2400" dirty="0">
-                <a:solidFill>
-                  <a:srgbClr val="211F1F"/>
+              <a:rPr lang="en-US" sz="2400" b="1" dirty="0">
+                <a:solidFill>
+                  <a:srgbClr val="1D2428"/>
                 </a:solidFill>
                 <a:latin typeface="Arial" pitchFamily="34" charset="0"/>
                 <a:ea typeface="Arial" pitchFamily="34" charset="-122"/>
@@ -3846,14 +4686,14 @@
       </p:sp>
       <p:sp>
         <p:nvSpPr>
-          <p:cNvPr id="6" name="Text 1"/>
+          <p:cNvPr id="5" name="Text 0"/>
           <p:cNvSpPr/>
           <p:nvPr/>
         </p:nvSpPr>
         <p:spPr>
           <a:xfrm>
             <a:off x="914400" y="3657600"/>
-            <a:ext cx="11155680" cy="5486400"/>
+            <a:ext cx="11155680" cy="5943600"/>
           </a:xfrm>
           <a:prstGeom prst="rect">
             <a:avLst/>
@@ -3869,17 +4709,17 @@
               <a:buNone/>
             </a:pPr>
             <a:r>
-              <a:rPr lang="en-US" sz="1800" dirty="0">
-                <a:solidFill>
-                  <a:srgbClr val="999999"/>
-                </a:solidFill>
-                <a:latin typeface="Arial" pitchFamily="34" charset="0"/>
-                <a:ea typeface="Arial" pitchFamily="34" charset="-122"/>
-                <a:cs typeface="Arial" pitchFamily="34" charset="-120"/>
-              </a:rPr>
-              <a:t>© Your Company Name</a:t>
-            </a:r>
-            <a:endParaRPr lang="en-US" sz="1800" dirty="0"/>
+              <a:rPr lang="en-US" sz="1400" dirty="0">
+                <a:solidFill>
+                  <a:srgbClr val="FFC0CB"/>
+                </a:solidFill>
+                <a:latin typeface="Arial" pitchFamily="34" charset="0"/>
+                <a:ea typeface="Arial" pitchFamily="34" charset="-122"/>
+                <a:cs typeface="Arial" pitchFamily="34" charset="-120"/>
+              </a:rPr>
+              <a:t>Made with Ai Flavoured</a:t>
+            </a:r>
+            <a:endParaRPr lang="en-US" sz="1400" dirty="0"/>
           </a:p>
         </p:txBody>
       </p:sp>
@@ -3895,8 +4735,8 @@
         </p:nvSpPr>
         <p:spPr>
           <a:xfrm>
-            <a:off x="91440" y="6515100"/>
-            <a:ext cx="457200" cy="457200"/>
+            <a:off x="91440" y="6446520"/>
+            <a:ext cx="640080" cy="365760"/>
           </a:xfrm>
           <a:prstGeom prst="rect">
             <a:avLst/>
@@ -3910,7 +4750,13 @@
         <p:txBody>
           <a:bodyPr/>
           <a:lstStyle>
-            <a:lvl1pPr/>
+            <a:lvl1pPr>
+              <a:defRPr sz="1200">
+                <a:solidFill>
+                  <a:srgbClr val="0C151B"/>
+                </a:solidFill>
+              </a:defRPr>
+            </a:lvl1pPr>
           </a:lstStyle>
           <a:p>
             <a:pPr algn="l"/>
@@ -3960,7 +4806,7 @@
         <p:spPr>
           <a:xfrm>
             <a:off x="91440" y="4834890"/>
-            <a:ext cx="457200" cy="365760"/>
+            <a:ext cx="640080" cy="365760"/>
           </a:xfrm>
           <a:prstGeom prst="rect">
             <a:avLst/>
@@ -3974,7 +4820,13 @@
         <p:txBody>
           <a:bodyPr/>
           <a:lstStyle>
-            <a:lvl1pPr/>
+            <a:lvl1pPr>
+              <a:defRPr sz="1200">
+                <a:solidFill>
+                  <a:srgbClr val="0C151B"/>
+                </a:solidFill>
+              </a:defRPr>
+            </a:lvl1pPr>
           </a:lstStyle>
           <a:p>
             <a:pPr algn="l"/>
@@ -4001,6 +4853,8 @@
     <p:sldLayoutId id="2147483657" r:id="rId9"/>
     <p:sldLayoutId id="2147483658" r:id="rId10"/>
     <p:sldLayoutId id="2147483659" r:id="rId11"/>
+    <p:sldLayoutId id="2147483660" r:id="rId12"/>
+    <p:sldLayoutId id="2147483661" r:id="rId13"/>
   </p:sldLayoutIdLst>
   <p:hf sldNum="0" hdr="0" ftr="0" dt="0"/>
   <p:txStyles>
@@ -4259,6 +5113,20 @@
 <file path=ppt/slides/slide1.xml><?xml version="1.0" encoding="utf-8"?>
 <p:sld xmlns:a="http://schemas.openxmlformats.org/drawingml/2006/main" xmlns:r="http://schemas.openxmlformats.org/officeDocument/2006/relationships" xmlns:p="http://schemas.openxmlformats.org/presentationml/2006/main">
   <p:cSld name="Slide 1">
+    <p:bg>
+      <p:bgPr>
+        <a:blipFill dpi="0" rotWithShape="1">
+          <a:blip r:embed="rId1">
+            <a:lum/>
+          </a:blip>
+          <a:srcRect/>
+          <a:stretch>
+            <a:fillRect/>
+          </a:stretch>
+        </a:blipFill>
+        <a:effectLst/>
+      </p:bgPr>
+    </p:bg>
     <p:spTree>
       <p:nvGrpSpPr>
         <p:cNvPr id="1" name=""/>
@@ -4275,10 +5143,10 @@
       </p:grpSpPr>
       <p:sp>
         <p:nvSpPr>
-          <p:cNvPr id="2" name="Text 1"/>
-          <p:cNvSpPr/>
-          <p:nvPr>
-            <p:ph idx="101" type="title" hasCustomPrompt="1"/>
+          <p:cNvPr id="2" name="Text 0"/>
+          <p:cNvSpPr/>
+          <p:nvPr>
+            <p:ph idx="100" type="title" hasCustomPrompt="1"/>
           </p:nvPr>
         </p:nvSpPr>
         <p:spPr>
@@ -4302,7 +5170,7 @@
             <a:r>
               <a:rPr lang="en-US" sz="4000" b="1" dirty="0">
                 <a:solidFill>
-                  <a:srgbClr val="0E0C0C"/>
+                  <a:srgbClr val="0C151B"/>
                 </a:solidFill>
                 <a:latin typeface="Arial" pitchFamily="34" charset="0"/>
                 <a:ea typeface="Arial" pitchFamily="34" charset="-122"/>
@@ -4316,10 +5184,10 @@
       </p:sp>
       <p:sp>
         <p:nvSpPr>
-          <p:cNvPr id="3" name="Text 1"/>
-          <p:cNvSpPr/>
-          <p:nvPr>
-            <p:ph idx="102" type="body" hasCustomPrompt="1"/>
+          <p:cNvPr id="3" name="Text 0"/>
+          <p:cNvSpPr/>
+          <p:nvPr>
+            <p:ph idx="101" type="body" hasCustomPrompt="1"/>
           </p:nvPr>
         </p:nvSpPr>
         <p:spPr>
@@ -4341,9 +5209,9 @@
               <a:buNone/>
             </a:pPr>
             <a:r>
-              <a:rPr lang="en-US" sz="2600" dirty="0">
-                <a:solidFill>
-                  <a:srgbClr val="0E0C0C"/>
+              <a:rPr lang="en-US" sz="2600" b="1" dirty="0">
+                <a:solidFill>
+                  <a:srgbClr val="1D2428"/>
                 </a:solidFill>
                 <a:latin typeface="Arial" pitchFamily="34" charset="0"/>
                 <a:ea typeface="Arial" pitchFamily="34" charset="-122"/>
@@ -4358,9 +5226,9 @@
               <a:buNone/>
             </a:pPr>
             <a:r>
-              <a:rPr lang="en-US" sz="2600" dirty="0">
-                <a:solidFill>
-                  <a:srgbClr val="0E0C0C"/>
+              <a:rPr lang="en-US" sz="2600" b="1" dirty="0">
+                <a:solidFill>
+                  <a:srgbClr val="1D2428"/>
                 </a:solidFill>
                 <a:latin typeface="Arial" pitchFamily="34" charset="0"/>
                 <a:ea typeface="Arial" pitchFamily="34" charset="-122"/>
@@ -4375,9 +5243,9 @@
               <a:buNone/>
             </a:pPr>
             <a:r>
-              <a:rPr lang="en-US" sz="2600" dirty="0">
-                <a:solidFill>
-                  <a:srgbClr val="0E0C0C"/>
+              <a:rPr lang="en-US" sz="2600" b="1" dirty="0">
+                <a:solidFill>
+                  <a:srgbClr val="1D2428"/>
                 </a:solidFill>
                 <a:latin typeface="Arial" pitchFamily="34" charset="0"/>
                 <a:ea typeface="Arial" pitchFamily="34" charset="-122"/>
@@ -4392,9 +5260,9 @@
               <a:buNone/>
             </a:pPr>
             <a:r>
-              <a:rPr lang="en-US" sz="2600" dirty="0">
-                <a:solidFill>
-                  <a:srgbClr val="0E0C0C"/>
+              <a:rPr lang="en-US" sz="2600" b="1" dirty="0">
+                <a:solidFill>
+                  <a:srgbClr val="1D2428"/>
                 </a:solidFill>
                 <a:latin typeface="Arial" pitchFamily="34" charset="0"/>
                 <a:ea typeface="Arial" pitchFamily="34" charset="-122"/>
@@ -4409,9 +5277,9 @@
               <a:buNone/>
             </a:pPr>
             <a:r>
-              <a:rPr lang="en-US" sz="2600" dirty="0">
-                <a:solidFill>
-                  <a:srgbClr val="0E0C0C"/>
+              <a:rPr lang="en-US" sz="2600" b="1" dirty="0">
+                <a:solidFill>
+                  <a:srgbClr val="1D2428"/>
                 </a:solidFill>
                 <a:latin typeface="Arial" pitchFamily="34" charset="0"/>
                 <a:ea typeface="Arial" pitchFamily="34" charset="-122"/>
@@ -4426,9 +5294,9 @@
               <a:buNone/>
             </a:pPr>
             <a:r>
-              <a:rPr lang="en-US" sz="2600" dirty="0">
-                <a:solidFill>
-                  <a:srgbClr val="0E0C0C"/>
+              <a:rPr lang="en-US" sz="2600" b="1" dirty="0">
+                <a:solidFill>
+                  <a:srgbClr val="1D2428"/>
                 </a:solidFill>
                 <a:latin typeface="Arial" pitchFamily="34" charset="0"/>
                 <a:ea typeface="Arial" pitchFamily="34" charset="-122"/>
@@ -4443,9 +5311,9 @@
               <a:buNone/>
             </a:pPr>
             <a:r>
-              <a:rPr lang="en-US" sz="2600" dirty="0">
-                <a:solidFill>
-                  <a:srgbClr val="0E0C0C"/>
+              <a:rPr lang="en-US" sz="2600" b="1" dirty="0">
+                <a:solidFill>
+                  <a:srgbClr val="1D2428"/>
                 </a:solidFill>
                 <a:latin typeface="Arial" pitchFamily="34" charset="0"/>
                 <a:ea typeface="Arial" pitchFamily="34" charset="-122"/>
@@ -4460,9 +5328,9 @@
               <a:buNone/>
             </a:pPr>
             <a:r>
-              <a:rPr lang="en-US" sz="2600" dirty="0">
-                <a:solidFill>
-                  <a:srgbClr val="0E0C0C"/>
+              <a:rPr lang="en-US" sz="2600" b="1" dirty="0">
+                <a:solidFill>
+                  <a:srgbClr val="1D2428"/>
                 </a:solidFill>
                 <a:latin typeface="Arial" pitchFamily="34" charset="0"/>
                 <a:ea typeface="Arial" pitchFamily="34" charset="-122"/>
@@ -4477,9 +5345,9 @@
               <a:buNone/>
             </a:pPr>
             <a:r>
-              <a:rPr lang="en-US" sz="2600" dirty="0">
-                <a:solidFill>
-                  <a:srgbClr val="0E0C0C"/>
+              <a:rPr lang="en-US" sz="2600" b="1" dirty="0">
+                <a:solidFill>
+                  <a:srgbClr val="1D2428"/>
                 </a:solidFill>
                 <a:latin typeface="Arial" pitchFamily="34" charset="0"/>
                 <a:ea typeface="Arial" pitchFamily="34" charset="-122"/>
@@ -4494,9 +5362,9 @@
               <a:buNone/>
             </a:pPr>
             <a:r>
-              <a:rPr lang="en-US" sz="2600" dirty="0">
-                <a:solidFill>
-                  <a:srgbClr val="0E0C0C"/>
+              <a:rPr lang="en-US" sz="2600" b="1" dirty="0">
+                <a:solidFill>
+                  <a:srgbClr val="1D2428"/>
                 </a:solidFill>
                 <a:latin typeface="Arial" pitchFamily="34" charset="0"/>
                 <a:ea typeface="Arial" pitchFamily="34" charset="-122"/>
@@ -4504,6 +5372,66 @@
               </a:rPr>
               <a:t>10. Thank You</a:t>
             </a:r>
+            <a:endParaRPr lang="en-US" sz="2600" dirty="0"/>
+          </a:p>
+        </p:txBody>
+      </p:sp>
+      <p:sp>
+        <p:nvSpPr>
+          <p:cNvPr id="4" name="Text 0"/>
+          <p:cNvSpPr/>
+          <p:nvPr>
+            <p:ph idx="102" type="body" hasCustomPrompt="1"/>
+          </p:nvPr>
+        </p:nvSpPr>
+        <p:spPr>
+          <a:xfrm>
+            <a:off x="457200" y="1417320"/>
+            <a:ext cx="5486400" cy="5029200"/>
+          </a:xfrm>
+          <a:prstGeom prst="rect">
+            <a:avLst/>
+          </a:prstGeom>
+          <a:noFill/>
+          <a:ln/>
+        </p:spPr>
+        <p:txBody>
+          <a:bodyPr wrap="square" rtlCol="0" anchor="t"/>
+          <a:lstStyle/>
+          <a:p>
+            <a:pPr algn="l" indent="0" marL="0">
+              <a:buNone/>
+            </a:pPr>
+            <a:endParaRPr lang="en-US" sz="2600" dirty="0"/>
+          </a:p>
+        </p:txBody>
+      </p:sp>
+      <p:sp>
+        <p:nvSpPr>
+          <p:cNvPr id="5" name="Text 0"/>
+          <p:cNvSpPr/>
+          <p:nvPr>
+            <p:ph idx="103" type="body" hasCustomPrompt="1"/>
+          </p:nvPr>
+        </p:nvSpPr>
+        <p:spPr>
+          <a:xfrm>
+            <a:off x="5943600" y="1417320"/>
+            <a:ext cx="5486400" cy="5029200"/>
+          </a:xfrm>
+          <a:prstGeom prst="rect">
+            <a:avLst/>
+          </a:prstGeom>
+          <a:noFill/>
+          <a:ln/>
+        </p:spPr>
+        <p:txBody>
+          <a:bodyPr wrap="square" rtlCol="0" anchor="t"/>
+          <a:lstStyle/>
+          <a:p>
+            <a:pPr algn="l" indent="0" marL="0">
+              <a:buNone/>
+            </a:pPr>
             <a:endParaRPr lang="en-US" sz="2600" dirty="0"/>
           </a:p>
         </p:txBody>
@@ -4521,7 +5449,7 @@
         <p:spPr>
           <a:xfrm>
             <a:off x="91440" y="6446520"/>
-            <a:ext cx="457200" cy="365760"/>
+            <a:ext cx="640080" cy="365760"/>
           </a:xfrm>
           <a:prstGeom prst="rect">
             <a:avLst/>
@@ -4535,7 +5463,13 @@
         <p:txBody>
           <a:bodyPr/>
           <a:lstStyle>
-            <a:lvl1pPr/>
+            <a:lvl1pPr>
+              <a:defRPr sz="1200">
+                <a:solidFill>
+                  <a:srgbClr val="0C151B"/>
+                </a:solidFill>
+              </a:defRPr>
+            </a:lvl1pPr>
           </a:lstStyle>
           <a:p>
             <a:pPr algn="l"/>
@@ -4558,6 +5492,20 @@
 <file path=ppt/slides/slide10.xml><?xml version="1.0" encoding="utf-8"?>
 <p:sld xmlns:a="http://schemas.openxmlformats.org/drawingml/2006/main" xmlns:r="http://schemas.openxmlformats.org/officeDocument/2006/relationships" xmlns:p="http://schemas.openxmlformats.org/presentationml/2006/main">
   <p:cSld name="Slide 10">
+    <p:bg>
+      <p:bgPr>
+        <a:blipFill dpi="0" rotWithShape="1">
+          <a:blip r:embed="rId1">
+            <a:lum/>
+          </a:blip>
+          <a:srcRect/>
+          <a:stretch>
+            <a:fillRect/>
+          </a:stretch>
+        </a:blipFill>
+        <a:effectLst/>
+      </p:bgPr>
+    </p:bg>
     <p:spTree>
       <p:nvGrpSpPr>
         <p:cNvPr id="1" name=""/>
@@ -4574,16 +5522,16 @@
       </p:grpSpPr>
       <p:sp>
         <p:nvSpPr>
-          <p:cNvPr id="2" name="Text 1"/>
-          <p:cNvSpPr/>
-          <p:nvPr>
-            <p:ph idx="101" type="title" hasCustomPrompt="1"/>
-          </p:nvPr>
-        </p:nvSpPr>
-        <p:spPr>
-          <a:xfrm>
-            <a:off x="914400" y="228600"/>
-            <a:ext cx="10433304" cy="3200400"/>
+          <p:cNvPr id="2" name="Text 0"/>
+          <p:cNvSpPr/>
+          <p:nvPr>
+            <p:ph idx="100" type="title" hasCustomPrompt="1"/>
+          </p:nvPr>
+        </p:nvSpPr>
+        <p:spPr>
+          <a:xfrm>
+            <a:off x="457200" y="457200"/>
+            <a:ext cx="5486400" cy="1371600"/>
           </a:xfrm>
           <a:prstGeom prst="rect">
             <a:avLst/>
@@ -4595,19 +5543,19 @@
           <a:bodyPr wrap="square" rtlCol="0" anchor="ctr"/>
           <a:lstStyle/>
           <a:p>
-            <a:pPr algn="ctr" indent="0" marL="0">
+            <a:pPr algn="l" indent="0" marL="0">
               <a:buNone/>
             </a:pPr>
             <a:r>
               <a:rPr lang="en-US" sz="4000" b="1" dirty="0">
                 <a:solidFill>
-                  <a:srgbClr val="0E0C0C"/>
-                </a:solidFill>
-                <a:latin typeface="Arial" pitchFamily="34" charset="0"/>
-                <a:ea typeface="Arial" pitchFamily="34" charset="-122"/>
-                <a:cs typeface="Arial" pitchFamily="34" charset="-120"/>
-              </a:rPr>
-              <a:t>Thank You</a:t>
+                  <a:srgbClr val="0C151B"/>
+                </a:solidFill>
+                <a:latin typeface="Arial" pitchFamily="34" charset="0"/>
+                <a:ea typeface="Arial" pitchFamily="34" charset="-122"/>
+                <a:cs typeface="Arial" pitchFamily="34" charset="-120"/>
+              </a:rPr>
+              <a:t>Personalized Learning Experiences</a:t>
             </a:r>
             <a:endParaRPr lang="en-US" sz="4000" dirty="0"/>
           </a:p>
@@ -4615,7 +5563,50 @@
       </p:sp>
       <p:sp>
         <p:nvSpPr>
-          <p:cNvPr id="3" name="Text 1"/>
+          <p:cNvPr id="3" name="Text 0"/>
+          <p:cNvSpPr/>
+          <p:nvPr>
+            <p:ph idx="101" type="body" hasCustomPrompt="1"/>
+          </p:nvPr>
+        </p:nvSpPr>
+        <p:spPr>
+          <a:xfrm>
+            <a:off x="6400800" y="457200"/>
+            <a:ext cx="5029200" cy="5486400"/>
+          </a:xfrm>
+          <a:prstGeom prst="rect">
+            <a:avLst/>
+          </a:prstGeom>
+          <a:noFill/>
+          <a:ln/>
+        </p:spPr>
+        <p:txBody>
+          <a:bodyPr wrap="square" rtlCol="0" anchor="ctr"/>
+          <a:lstStyle/>
+          <a:p>
+            <a:pPr algn="l" indent="0" marL="0">
+              <a:buNone/>
+            </a:pPr>
+            <a:r>
+              <a:rPr lang="en-US" sz="2200" b="1" dirty="0">
+                <a:solidFill>
+                  <a:srgbClr val="1D2428"/>
+                </a:solidFill>
+                <a:latin typeface="Arial" pitchFamily="34" charset="0"/>
+                <a:ea typeface="Arial" pitchFamily="34" charset="-122"/>
+                <a:cs typeface="Arial" pitchFamily="34" charset="-120"/>
+              </a:rPr>
+              <a:t>1. The platform offers personalized learning experiences tailored to individual needs. 
+2. Users receive recommendations and insights based on their preferences and learning patterns. 
+</a:t>
+            </a:r>
+            <a:endParaRPr lang="en-US" sz="2200" dirty="0"/>
+          </a:p>
+        </p:txBody>
+      </p:sp>
+      <p:sp>
+        <p:nvSpPr>
+          <p:cNvPr id="4" name="Text 0"/>
           <p:cNvSpPr/>
           <p:nvPr>
             <p:ph idx="102" type="body" hasCustomPrompt="1"/>
@@ -4623,8 +5614,8 @@
         </p:nvSpPr>
         <p:spPr>
           <a:xfrm>
-            <a:off x="914400" y="3429000"/>
-            <a:ext cx="10433304" cy="2743200"/>
+            <a:off x="457200" y="2286000"/>
+            <a:ext cx="5486400" cy="3657600"/>
           </a:xfrm>
           <a:prstGeom prst="rect">
             <a:avLst/>
@@ -4640,17 +5631,17 @@
               <a:buNone/>
             </a:pPr>
             <a:r>
-              <a:rPr lang="en-US" sz="2000" dirty="0">
-                <a:solidFill>
-                  <a:srgbClr val="0E0C0C"/>
-                </a:solidFill>
-                <a:latin typeface="Arial" pitchFamily="34" charset="0"/>
-                <a:ea typeface="Arial" pitchFamily="34" charset="-122"/>
-                <a:cs typeface="Arial" pitchFamily="34" charset="-120"/>
-              </a:rPr>
-              <a:t>Thank you for your attention. We hope AI Flavoured will revolutionize your document comprehension and learning experience.</a:t>
-            </a:r>
-            <a:endParaRPr lang="en-US" sz="2000" dirty="0"/>
+              <a:rPr lang="en-US" sz="2400" b="1" dirty="0">
+                <a:solidFill>
+                  <a:srgbClr val="1D2428"/>
+                </a:solidFill>
+                <a:latin typeface="Arial" pitchFamily="34" charset="0"/>
+                <a:ea typeface="Arial" pitchFamily="34" charset="-122"/>
+                <a:cs typeface="Arial" pitchFamily="34" charset="-120"/>
+              </a:rPr>
+              <a:t>Enhance learning outcomes through personalized content.</a:t>
+            </a:r>
+            <a:endParaRPr lang="en-US" sz="2400" dirty="0"/>
           </a:p>
         </p:txBody>
       </p:sp>
@@ -4666,8 +5657,8 @@
         </p:nvSpPr>
         <p:spPr>
           <a:xfrm>
-            <a:off x="91440" y="6515100"/>
-            <a:ext cx="457200" cy="457200"/>
+            <a:off x="91440" y="6446520"/>
+            <a:ext cx="640080" cy="365760"/>
           </a:xfrm>
           <a:prstGeom prst="rect">
             <a:avLst/>
@@ -4681,7 +5672,13 @@
         <p:txBody>
           <a:bodyPr/>
           <a:lstStyle>
-            <a:lvl1pPr/>
+            <a:lvl1pPr>
+              <a:defRPr sz="1200">
+                <a:solidFill>
+                  <a:srgbClr val="0C151B"/>
+                </a:solidFill>
+              </a:defRPr>
+            </a:lvl1pPr>
           </a:lstStyle>
           <a:p>
             <a:pPr algn="l"/>
@@ -4701,9 +5698,23 @@
 </p:sld>
 </file>
 
-<file path=ppt/slides/slide2.xml><?xml version="1.0" encoding="utf-8"?>
+<file path=ppt/slides/slide11.xml><?xml version="1.0" encoding="utf-8"?>
 <p:sld xmlns:a="http://schemas.openxmlformats.org/drawingml/2006/main" xmlns:r="http://schemas.openxmlformats.org/officeDocument/2006/relationships" xmlns:p="http://schemas.openxmlformats.org/presentationml/2006/main">
-  <p:cSld name="Slide 2">
+  <p:cSld name="Slide 11">
+    <p:bg>
+      <p:bgPr>
+        <a:blipFill dpi="0" rotWithShape="1">
+          <a:blip r:embed="rId1">
+            <a:lum/>
+          </a:blip>
+          <a:srcRect/>
+          <a:stretch>
+            <a:fillRect/>
+          </a:stretch>
+        </a:blipFill>
+        <a:effectLst/>
+      </p:bgPr>
+    </p:bg>
     <p:spTree>
       <p:nvGrpSpPr>
         <p:cNvPr id="1" name=""/>
@@ -4720,10 +5731,10 @@
       </p:grpSpPr>
       <p:sp>
         <p:nvSpPr>
-          <p:cNvPr id="2" name="Text 1"/>
-          <p:cNvSpPr/>
-          <p:nvPr>
-            <p:ph idx="101" type="title" hasCustomPrompt="1"/>
+          <p:cNvPr id="2" name="Text 0"/>
+          <p:cNvSpPr/>
+          <p:nvPr>
+            <p:ph idx="100" type="title" hasCustomPrompt="1"/>
           </p:nvPr>
         </p:nvSpPr>
         <p:spPr>
@@ -4747,13 +5758,13 @@
             <a:r>
               <a:rPr lang="en-US" sz="4000" b="1" dirty="0">
                 <a:solidFill>
-                  <a:srgbClr val="0E0C0C"/>
-                </a:solidFill>
-                <a:latin typeface="Arial" pitchFamily="34" charset="0"/>
-                <a:ea typeface="Arial" pitchFamily="34" charset="-122"/>
-                <a:cs typeface="Arial" pitchFamily="34" charset="-120"/>
-              </a:rPr>
-              <a:t>Introduction to AI Flavoured</a:t>
+                  <a:srgbClr val="0C151B"/>
+                </a:solidFill>
+                <a:latin typeface="Arial" pitchFamily="34" charset="0"/>
+                <a:ea typeface="Arial" pitchFamily="34" charset="-122"/>
+                <a:cs typeface="Arial" pitchFamily="34" charset="-120"/>
+              </a:rPr>
+              <a:t>Technical Aspects and Benefits</a:t>
             </a:r>
             <a:endParaRPr lang="en-US" sz="4000" dirty="0"/>
           </a:p>
@@ -4761,10 +5772,10 @@
       </p:sp>
       <p:sp>
         <p:nvSpPr>
-          <p:cNvPr id="3" name="Text 1"/>
-          <p:cNvSpPr/>
-          <p:nvPr>
-            <p:ph idx="102" type="body" hasCustomPrompt="1"/>
+          <p:cNvPr id="3" name="Text 0"/>
+          <p:cNvSpPr/>
+          <p:nvPr>
+            <p:ph idx="101" type="body" hasCustomPrompt="1"/>
           </p:nvPr>
         </p:nvSpPr>
         <p:spPr>
@@ -4786,19 +5797,79 @@
               <a:buNone/>
             </a:pPr>
             <a:r>
-              <a:rPr lang="en-US" sz="2600" dirty="0">
-                <a:solidFill>
-                  <a:srgbClr val="0E0C0C"/>
-                </a:solidFill>
-                <a:latin typeface="Arial" pitchFamily="34" charset="0"/>
-                <a:ea typeface="Arial" pitchFamily="34" charset="-122"/>
-                <a:cs typeface="Arial" pitchFamily="34" charset="-120"/>
-              </a:rPr>
-              <a:t>1. AI Flavoured is a project that leverages artificial intelligence to revolutionize document comprehension and learning. 
-2. The platform features advanced summarization engines, interactive communication, multilingual support, and personalized learning experiences. 
-3. It aims to address challenges such as information overload, complex documents, and language barriers. 
+              <a:rPr lang="en-US" sz="2600" b="1" dirty="0">
+                <a:solidFill>
+                  <a:srgbClr val="1D2428"/>
+                </a:solidFill>
+                <a:latin typeface="Arial" pitchFamily="34" charset="0"/>
+                <a:ea typeface="Arial" pitchFamily="34" charset="-122"/>
+                <a:cs typeface="Arial" pitchFamily="34" charset="-120"/>
+              </a:rPr>
+              <a:t>1. AI Flavoured showcases the feasibility and operational benefits of AI in document comprehension. 
+2. It streamlines information retrieval, improves knowledge acquisition, and fosters collaboration. 
+3. The project aims to stay at the forefront of AI-powered education and knowledge sharing. 
 </a:t>
             </a:r>
+            <a:endParaRPr lang="en-US" sz="2600" dirty="0"/>
+          </a:p>
+        </p:txBody>
+      </p:sp>
+      <p:sp>
+        <p:nvSpPr>
+          <p:cNvPr id="4" name="Text 0"/>
+          <p:cNvSpPr/>
+          <p:nvPr>
+            <p:ph idx="102" type="body" hasCustomPrompt="1"/>
+          </p:nvPr>
+        </p:nvSpPr>
+        <p:spPr>
+          <a:xfrm>
+            <a:off x="457200" y="1417320"/>
+            <a:ext cx="5486400" cy="5029200"/>
+          </a:xfrm>
+          <a:prstGeom prst="rect">
+            <a:avLst/>
+          </a:prstGeom>
+          <a:noFill/>
+          <a:ln/>
+        </p:spPr>
+        <p:txBody>
+          <a:bodyPr wrap="square" rtlCol="0" anchor="t"/>
+          <a:lstStyle/>
+          <a:p>
+            <a:pPr algn="l" indent="0" marL="0">
+              <a:buNone/>
+            </a:pPr>
+            <a:endParaRPr lang="en-US" sz="2600" dirty="0"/>
+          </a:p>
+        </p:txBody>
+      </p:sp>
+      <p:sp>
+        <p:nvSpPr>
+          <p:cNvPr id="5" name="Text 0"/>
+          <p:cNvSpPr/>
+          <p:nvPr>
+            <p:ph idx="103" type="body" hasCustomPrompt="1"/>
+          </p:nvPr>
+        </p:nvSpPr>
+        <p:spPr>
+          <a:xfrm>
+            <a:off x="5943600" y="1417320"/>
+            <a:ext cx="5486400" cy="5029200"/>
+          </a:xfrm>
+          <a:prstGeom prst="rect">
+            <a:avLst/>
+          </a:prstGeom>
+          <a:noFill/>
+          <a:ln/>
+        </p:spPr>
+        <p:txBody>
+          <a:bodyPr wrap="square" rtlCol="0" anchor="t"/>
+          <a:lstStyle/>
+          <a:p>
+            <a:pPr algn="l" indent="0" marL="0">
+              <a:buNone/>
+            </a:pPr>
             <a:endParaRPr lang="en-US" sz="2600" dirty="0"/>
           </a:p>
         </p:txBody>
@@ -4816,7 +5887,7 @@
         <p:spPr>
           <a:xfrm>
             <a:off x="91440" y="6446520"/>
-            <a:ext cx="457200" cy="365760"/>
+            <a:ext cx="640080" cy="365760"/>
           </a:xfrm>
           <a:prstGeom prst="rect">
             <a:avLst/>
@@ -4830,13 +5901,19 @@
         <p:txBody>
           <a:bodyPr/>
           <a:lstStyle>
-            <a:lvl1pPr/>
+            <a:lvl1pPr>
+              <a:defRPr sz="1200">
+                <a:solidFill>
+                  <a:srgbClr val="0C151B"/>
+                </a:solidFill>
+              </a:defRPr>
+            </a:lvl1pPr>
           </a:lstStyle>
           <a:p>
             <a:pPr algn="l"/>
             <a:fld id="{F7021451-1387-4CA6-816F-3879F97B5CBC}" type="slidenum">
               <a:rPr b="0" lang="en-US"/>
-              <a:t>2</a:t>
+              <a:t>11</a:t>
             </a:fld>
             <a:endParaRPr lang="en-US"/>
           </a:p>
@@ -4850,9 +5927,23 @@
 </p:sld>
 </file>
 
-<file path=ppt/slides/slide3.xml><?xml version="1.0" encoding="utf-8"?>
+<file path=ppt/slides/slide12.xml><?xml version="1.0" encoding="utf-8"?>
 <p:sld xmlns:a="http://schemas.openxmlformats.org/drawingml/2006/main" xmlns:r="http://schemas.openxmlformats.org/officeDocument/2006/relationships" xmlns:p="http://schemas.openxmlformats.org/presentationml/2006/main">
-  <p:cSld name="Slide 3">
+  <p:cSld name="Slide 12">
+    <p:bg>
+      <p:bgPr>
+        <a:blipFill dpi="0" rotWithShape="1">
+          <a:blip r:embed="rId1">
+            <a:lum/>
+          </a:blip>
+          <a:srcRect/>
+          <a:stretch>
+            <a:fillRect/>
+          </a:stretch>
+        </a:blipFill>
+        <a:effectLst/>
+      </p:bgPr>
+    </p:bg>
     <p:spTree>
       <p:nvGrpSpPr>
         <p:cNvPr id="1" name=""/>
@@ -4869,16 +5960,16 @@
       </p:grpSpPr>
       <p:sp>
         <p:nvSpPr>
-          <p:cNvPr id="2" name="Text 1"/>
-          <p:cNvSpPr/>
-          <p:nvPr>
-            <p:ph idx="101" type="title" hasCustomPrompt="1"/>
+          <p:cNvPr id="2" name="Text 0"/>
+          <p:cNvSpPr/>
+          <p:nvPr>
+            <p:ph idx="100" type="title" hasCustomPrompt="1"/>
           </p:nvPr>
         </p:nvSpPr>
         <p:spPr>
           <a:xfrm>
             <a:off x="914400" y="228600"/>
-            <a:ext cx="10433304" cy="1188720"/>
+            <a:ext cx="10433304" cy="3200400"/>
           </a:xfrm>
           <a:prstGeom prst="rect">
             <a:avLst/>
@@ -4896,13 +5987,13 @@
             <a:r>
               <a:rPr lang="en-US" sz="4000" b="1" dirty="0">
                 <a:solidFill>
-                  <a:srgbClr val="0E0C0C"/>
-                </a:solidFill>
-                <a:latin typeface="Arial" pitchFamily="34" charset="0"/>
-                <a:ea typeface="Arial" pitchFamily="34" charset="-122"/>
-                <a:cs typeface="Arial" pitchFamily="34" charset="-120"/>
-              </a:rPr>
-              <a:t>Project Overview</a:t>
+                  <a:srgbClr val="0C151B"/>
+                </a:solidFill>
+                <a:latin typeface="Arial" pitchFamily="34" charset="0"/>
+                <a:ea typeface="Arial" pitchFamily="34" charset="-122"/>
+                <a:cs typeface="Arial" pitchFamily="34" charset="-120"/>
+              </a:rPr>
+              <a:t>Thank You</a:t>
             </a:r>
             <a:endParaRPr lang="en-US" sz="4000" dirty="0"/>
           </a:p>
@@ -4910,16 +6001,16 @@
       </p:sp>
       <p:sp>
         <p:nvSpPr>
-          <p:cNvPr id="3" name="Text 1"/>
-          <p:cNvSpPr/>
-          <p:nvPr>
-            <p:ph idx="102" type="body" hasCustomPrompt="1"/>
-          </p:nvPr>
-        </p:nvSpPr>
-        <p:spPr>
-          <a:xfrm>
-            <a:off x="914400" y="1417320"/>
-            <a:ext cx="10433304" cy="5029200"/>
+          <p:cNvPr id="3" name="Text 0"/>
+          <p:cNvSpPr/>
+          <p:nvPr>
+            <p:ph idx="101" type="body" hasCustomPrompt="1"/>
+          </p:nvPr>
+        </p:nvSpPr>
+        <p:spPr>
+          <a:xfrm>
+            <a:off x="914400" y="3429000"/>
+            <a:ext cx="10433304" cy="2743200"/>
           </a:xfrm>
           <a:prstGeom prst="rect">
             <a:avLst/>
@@ -4935,20 +6026,17 @@
               <a:buNone/>
             </a:pPr>
             <a:r>
-              <a:rPr lang="en-US" sz="2600" dirty="0">
-                <a:solidFill>
-                  <a:srgbClr val="0E0C0C"/>
-                </a:solidFill>
-                <a:latin typeface="Arial" pitchFamily="34" charset="0"/>
-                <a:ea typeface="Arial" pitchFamily="34" charset="-122"/>
-                <a:cs typeface="Arial" pitchFamily="34" charset="-120"/>
-              </a:rPr>
-              <a:t>1. AI Flavoured empowers users to efficiently extract insights from written content. 
-2. The project stands as a beacon of efficiency and clarity in the realm of document comprehension. 
-3. It offers a dynamic and engaging learning experience for individuals worldwide. 
-</a:t>
-            </a:r>
-            <a:endParaRPr lang="en-US" sz="2600" dirty="0"/>
+              <a:rPr lang="en-US" sz="2200" b="1" dirty="0">
+                <a:solidFill>
+                  <a:srgbClr val="1D2428"/>
+                </a:solidFill>
+                <a:latin typeface="Arial" pitchFamily="34" charset="0"/>
+                <a:ea typeface="Arial" pitchFamily="34" charset="-122"/>
+                <a:cs typeface="Arial" pitchFamily="34" charset="-120"/>
+              </a:rPr>
+              <a:t>Thank you for your attention. We hope AI Flavoured will revolutionize your document comprehension and learning experience.</a:t>
+            </a:r>
+            <a:endParaRPr lang="en-US" sz="2200" dirty="0"/>
           </a:p>
         </p:txBody>
       </p:sp>
@@ -4965,7 +6053,7 @@
         <p:spPr>
           <a:xfrm>
             <a:off x="91440" y="6446520"/>
-            <a:ext cx="457200" cy="365760"/>
+            <a:ext cx="640080" cy="365760"/>
           </a:xfrm>
           <a:prstGeom prst="rect">
             <a:avLst/>
@@ -4979,13 +6067,19 @@
         <p:txBody>
           <a:bodyPr/>
           <a:lstStyle>
-            <a:lvl1pPr/>
+            <a:lvl1pPr>
+              <a:defRPr sz="1200">
+                <a:solidFill>
+                  <a:srgbClr val="0C151B"/>
+                </a:solidFill>
+              </a:defRPr>
+            </a:lvl1pPr>
           </a:lstStyle>
           <a:p>
             <a:pPr algn="l"/>
             <a:fld id="{F7021451-1387-4CA6-816F-3879F97B5CBC}" type="slidenum">
               <a:rPr b="0" lang="en-US"/>
-              <a:t>3</a:t>
+              <a:t>12</a:t>
             </a:fld>
             <a:endParaRPr lang="en-US"/>
           </a:p>
@@ -4999,9 +6093,23 @@
 </p:sld>
 </file>
 
-<file path=ppt/slides/slide4.xml><?xml version="1.0" encoding="utf-8"?>
+<file path=ppt/slides/slide2.xml><?xml version="1.0" encoding="utf-8"?>
 <p:sld xmlns:a="http://schemas.openxmlformats.org/drawingml/2006/main" xmlns:r="http://schemas.openxmlformats.org/officeDocument/2006/relationships" xmlns:p="http://schemas.openxmlformats.org/presentationml/2006/main">
-  <p:cSld name="Slide 4">
+  <p:cSld name="Slide 2">
+    <p:bg>
+      <p:bgPr>
+        <a:blipFill dpi="0" rotWithShape="1">
+          <a:blip r:embed="rId1">
+            <a:lum/>
+          </a:blip>
+          <a:srcRect/>
+          <a:stretch>
+            <a:fillRect/>
+          </a:stretch>
+        </a:blipFill>
+        <a:effectLst/>
+      </p:bgPr>
+    </p:bg>
     <p:spTree>
       <p:nvGrpSpPr>
         <p:cNvPr id="1" name=""/>
@@ -5018,16 +6126,16 @@
       </p:grpSpPr>
       <p:sp>
         <p:nvSpPr>
-          <p:cNvPr id="2" name="Text 1"/>
-          <p:cNvSpPr/>
-          <p:nvPr>
-            <p:ph idx="101" type="title" hasCustomPrompt="1"/>
+          <p:cNvPr id="2" name="Text 0"/>
+          <p:cNvSpPr/>
+          <p:nvPr>
+            <p:ph idx="100" type="title" hasCustomPrompt="1"/>
           </p:nvPr>
         </p:nvSpPr>
         <p:spPr>
           <a:xfrm>
             <a:off x="914400" y="228600"/>
-            <a:ext cx="10433304" cy="1371600"/>
+            <a:ext cx="10433304" cy="3200400"/>
           </a:xfrm>
           <a:prstGeom prst="rect">
             <a:avLst/>
@@ -5045,13 +6153,13 @@
             <a:r>
               <a:rPr lang="en-US" sz="4000" b="1" dirty="0">
                 <a:solidFill>
-                  <a:srgbClr val="0E0C0C"/>
-                </a:solidFill>
-                <a:latin typeface="Arial" pitchFamily="34" charset="0"/>
-                <a:ea typeface="Arial" pitchFamily="34" charset="-122"/>
-                <a:cs typeface="Arial" pitchFamily="34" charset="-120"/>
-              </a:rPr>
-              <a:t>Core Functionalities</a:t>
+                  <a:srgbClr val="0C151B"/>
+                </a:solidFill>
+                <a:latin typeface="Arial" pitchFamily="34" charset="0"/>
+                <a:ea typeface="Arial" pitchFamily="34" charset="-122"/>
+                <a:cs typeface="Arial" pitchFamily="34" charset="-120"/>
+              </a:rPr>
+              <a:t>Introduction to AI Flavoured</a:t>
             </a:r>
             <a:endParaRPr lang="en-US" sz="4000" dirty="0"/>
           </a:p>
@@ -5059,16 +6167,16 @@
       </p:sp>
       <p:sp>
         <p:nvSpPr>
-          <p:cNvPr id="3" name="Text 1"/>
-          <p:cNvSpPr/>
-          <p:nvPr>
-            <p:ph idx="102" type="body" hasCustomPrompt="1"/>
-          </p:nvPr>
-        </p:nvSpPr>
-        <p:spPr>
-          <a:xfrm>
-            <a:off x="914400" y="1828800"/>
-            <a:ext cx="5029200" cy="4114800"/>
+          <p:cNvPr id="3" name="Text 0"/>
+          <p:cNvSpPr/>
+          <p:nvPr>
+            <p:ph idx="101" type="body" hasCustomPrompt="1"/>
+          </p:nvPr>
+        </p:nvSpPr>
+        <p:spPr>
+          <a:xfrm>
+            <a:off x="914400" y="3429000"/>
+            <a:ext cx="10433304" cy="2743200"/>
           </a:xfrm>
           <a:prstGeom prst="rect">
             <a:avLst/>
@@ -5084,160 +6192,17 @@
               <a:buNone/>
             </a:pPr>
             <a:r>
-              <a:rPr lang="en-US" sz="2500" dirty="0">
-                <a:solidFill>
-                  <a:srgbClr val="0E0C0C"/>
-                </a:solidFill>
-                <a:latin typeface="Arial" pitchFamily="34" charset="0"/>
-                <a:ea typeface="Arial" pitchFamily="34" charset="-122"/>
-                <a:cs typeface="Arial" pitchFamily="34" charset="-120"/>
-              </a:rPr>
-              <a:t>1. Intelligent Summarization</a:t>
-            </a:r>
-            <a:endParaRPr lang="en-US" sz="2500" dirty="0"/>
-          </a:p>
-          <a:p>
-            <a:pPr algn="l" indent="0" marL="0">
-              <a:buNone/>
-            </a:pPr>
-            <a:r>
-              <a:rPr lang="en-US" sz="2500" dirty="0">
-                <a:solidFill>
-                  <a:srgbClr val="0E0C0C"/>
-                </a:solidFill>
-                <a:latin typeface="Arial" pitchFamily="34" charset="0"/>
-                <a:ea typeface="Arial" pitchFamily="34" charset="-122"/>
-                <a:cs typeface="Arial" pitchFamily="34" charset="-120"/>
-              </a:rPr>
-              <a:t>2. Interactive Engagement</a:t>
-            </a:r>
-            <a:endParaRPr lang="en-US" sz="2500" dirty="0"/>
-          </a:p>
-          <a:p>
-            <a:pPr algn="l" indent="0" marL="0">
-              <a:buNone/>
-            </a:pPr>
-            <a:r>
-              <a:rPr lang="en-US" sz="2500" dirty="0">
-                <a:solidFill>
-                  <a:srgbClr val="0E0C0C"/>
-                </a:solidFill>
-                <a:latin typeface="Arial" pitchFamily="34" charset="0"/>
-                <a:ea typeface="Arial" pitchFamily="34" charset="-122"/>
-                <a:cs typeface="Arial" pitchFamily="34" charset="-120"/>
-              </a:rPr>
-              <a:t>3. Multilingual Support</a:t>
-            </a:r>
-            <a:endParaRPr lang="en-US" sz="2500" dirty="0"/>
-          </a:p>
-          <a:p>
-            <a:pPr algn="l" indent="0" marL="0">
-              <a:buNone/>
-            </a:pPr>
-            <a:r>
-              <a:rPr lang="en-US" sz="2500" dirty="0">
-                <a:solidFill>
-                  <a:srgbClr val="0E0C0C"/>
-                </a:solidFill>
-                <a:latin typeface="Arial" pitchFamily="34" charset="0"/>
-                <a:ea typeface="Arial" pitchFamily="34" charset="-122"/>
-                <a:cs typeface="Arial" pitchFamily="34" charset="-120"/>
-              </a:rPr>
-              <a:t>4. Personalized Learning Experiences</a:t>
-            </a:r>
-            <a:endParaRPr lang="en-US" sz="2500" dirty="0"/>
-          </a:p>
-        </p:txBody>
-      </p:sp>
-      <p:sp>
-        <p:nvSpPr>
-          <p:cNvPr id="4" name="Text 1"/>
-          <p:cNvSpPr/>
-          <p:nvPr>
-            <p:ph idx="103" type="body" hasCustomPrompt="1"/>
-          </p:nvPr>
-        </p:nvSpPr>
-        <p:spPr>
-          <a:xfrm>
-            <a:off x="6400800" y="1828800"/>
-            <a:ext cx="5029200" cy="4114800"/>
-          </a:xfrm>
-          <a:prstGeom prst="rect">
-            <a:avLst/>
-          </a:prstGeom>
-          <a:noFill/>
-          <a:ln/>
-        </p:spPr>
-        <p:txBody>
-          <a:bodyPr wrap="square" rtlCol="0" anchor="t"/>
-          <a:lstStyle/>
-          <a:p>
-            <a:pPr algn="l" indent="0" marL="0">
-              <a:buNone/>
-            </a:pPr>
-            <a:r>
-              <a:rPr lang="en-US" sz="2500" dirty="0">
-                <a:solidFill>
-                  <a:srgbClr val="0E0C0C"/>
-                </a:solidFill>
-                <a:latin typeface="Arial" pitchFamily="34" charset="0"/>
-                <a:ea typeface="Arial" pitchFamily="34" charset="-122"/>
-                <a:cs typeface="Arial" pitchFamily="34" charset="-120"/>
-              </a:rPr>
-              <a:t>1. Streamlines information retrieval</a:t>
-            </a:r>
-            <a:endParaRPr lang="en-US" sz="2500" dirty="0"/>
-          </a:p>
-          <a:p>
-            <a:pPr algn="l" indent="0" marL="0">
-              <a:buNone/>
-            </a:pPr>
-            <a:r>
-              <a:rPr lang="en-US" sz="2500" dirty="0">
-                <a:solidFill>
-                  <a:srgbClr val="0E0C0C"/>
-                </a:solidFill>
-                <a:latin typeface="Arial" pitchFamily="34" charset="0"/>
-                <a:ea typeface="Arial" pitchFamily="34" charset="-122"/>
-                <a:cs typeface="Arial" pitchFamily="34" charset="-120"/>
-              </a:rPr>
-              <a:t>2. Improves knowledge acquisition</a:t>
-            </a:r>
-            <a:endParaRPr lang="en-US" sz="2500" dirty="0"/>
-          </a:p>
-          <a:p>
-            <a:pPr algn="l" indent="0" marL="0">
-              <a:buNone/>
-            </a:pPr>
-            <a:r>
-              <a:rPr lang="en-US" sz="2500" dirty="0">
-                <a:solidFill>
-                  <a:srgbClr val="0E0C0C"/>
-                </a:solidFill>
-                <a:latin typeface="Arial" pitchFamily="34" charset="0"/>
-                <a:ea typeface="Arial" pitchFamily="34" charset="-122"/>
-                <a:cs typeface="Arial" pitchFamily="34" charset="-120"/>
-              </a:rPr>
-              <a:t>3. Fosters collaboration</a:t>
-            </a:r>
-            <a:endParaRPr lang="en-US" sz="2500" dirty="0"/>
-          </a:p>
-          <a:p>
-            <a:pPr algn="l" indent="0" marL="0">
-              <a:buNone/>
-            </a:pPr>
-            <a:r>
-              <a:rPr lang="en-US" sz="2500" dirty="0">
-                <a:solidFill>
-                  <a:srgbClr val="0E0C0C"/>
-                </a:solidFill>
-                <a:latin typeface="Arial" pitchFamily="34" charset="0"/>
-                <a:ea typeface="Arial" pitchFamily="34" charset="-122"/>
-                <a:cs typeface="Arial" pitchFamily="34" charset="-120"/>
-              </a:rPr>
-              <a:t>4. Enhances learning environments</a:t>
-            </a:r>
-            <a:endParaRPr lang="en-US" sz="2500" dirty="0"/>
+              <a:rPr lang="en-US" sz="2200" b="1" dirty="0">
+                <a:solidFill>
+                  <a:srgbClr val="1D2428"/>
+                </a:solidFill>
+                <a:latin typeface="Arial" pitchFamily="34" charset="0"/>
+                <a:ea typeface="Arial" pitchFamily="34" charset="-122"/>
+                <a:cs typeface="Arial" pitchFamily="34" charset="-120"/>
+              </a:rPr>
+              <a:t>AI Flavoured is a project that leverages artificial intelligence to revolutionize document comprehension and learning.</a:t>
+            </a:r>
+            <a:endParaRPr lang="en-US" sz="2200" dirty="0"/>
           </a:p>
         </p:txBody>
       </p:sp>
@@ -5253,8 +6218,8 @@
         </p:nvSpPr>
         <p:spPr>
           <a:xfrm>
-            <a:off x="91440" y="6515100"/>
-            <a:ext cx="457200" cy="457200"/>
+            <a:off x="91440" y="6446520"/>
+            <a:ext cx="640080" cy="365760"/>
           </a:xfrm>
           <a:prstGeom prst="rect">
             <a:avLst/>
@@ -5268,13 +6233,19 @@
         <p:txBody>
           <a:bodyPr/>
           <a:lstStyle>
-            <a:lvl1pPr/>
+            <a:lvl1pPr>
+              <a:defRPr sz="1200">
+                <a:solidFill>
+                  <a:srgbClr val="0C151B"/>
+                </a:solidFill>
+              </a:defRPr>
+            </a:lvl1pPr>
           </a:lstStyle>
           <a:p>
             <a:pPr algn="l"/>
             <a:fld id="{F7021451-1387-4CA6-816F-3879F97B5CBC}" type="slidenum">
               <a:rPr b="0" lang="en-US"/>
-              <a:t>4</a:t>
+              <a:t>2</a:t>
             </a:fld>
             <a:endParaRPr lang="en-US"/>
           </a:p>
@@ -5288,9 +6259,23 @@
 </p:sld>
 </file>
 
-<file path=ppt/slides/slide5.xml><?xml version="1.0" encoding="utf-8"?>
+<file path=ppt/slides/slide3.xml><?xml version="1.0" encoding="utf-8"?>
 <p:sld xmlns:a="http://schemas.openxmlformats.org/drawingml/2006/main" xmlns:r="http://schemas.openxmlformats.org/officeDocument/2006/relationships" xmlns:p="http://schemas.openxmlformats.org/presentationml/2006/main">
-  <p:cSld name="Slide 5">
+  <p:cSld name="Slide 3">
+    <p:bg>
+      <p:bgPr>
+        <a:blipFill dpi="0" rotWithShape="1">
+          <a:blip r:embed="rId1">
+            <a:lum/>
+          </a:blip>
+          <a:srcRect/>
+          <a:stretch>
+            <a:fillRect/>
+          </a:stretch>
+        </a:blipFill>
+        <a:effectLst/>
+      </p:bgPr>
+    </p:bg>
     <p:spTree>
       <p:nvGrpSpPr>
         <p:cNvPr id="1" name=""/>
@@ -5307,16 +6292,16 @@
       </p:grpSpPr>
       <p:sp>
         <p:nvSpPr>
-          <p:cNvPr id="2" name="Text 1"/>
-          <p:cNvSpPr/>
-          <p:nvPr>
-            <p:ph idx="101" type="title" hasCustomPrompt="1"/>
-          </p:nvPr>
-        </p:nvSpPr>
-        <p:spPr>
-          <a:xfrm>
-            <a:off x="457200" y="457200"/>
-            <a:ext cx="5486400" cy="1371600"/>
+          <p:cNvPr id="2" name="Text 0"/>
+          <p:cNvSpPr/>
+          <p:nvPr>
+            <p:ph idx="100" type="title" hasCustomPrompt="1"/>
+          </p:nvPr>
+        </p:nvSpPr>
+        <p:spPr>
+          <a:xfrm>
+            <a:off x="914400" y="228600"/>
+            <a:ext cx="10433304" cy="1188720"/>
           </a:xfrm>
           <a:prstGeom prst="rect">
             <a:avLst/>
@@ -5328,19 +6313,19 @@
           <a:bodyPr wrap="square" rtlCol="0" anchor="ctr"/>
           <a:lstStyle/>
           <a:p>
-            <a:pPr algn="l" indent="0" marL="0">
+            <a:pPr algn="ctr" indent="0" marL="0">
               <a:buNone/>
             </a:pPr>
             <a:r>
               <a:rPr lang="en-US" sz="4000" b="1" dirty="0">
                 <a:solidFill>
-                  <a:srgbClr val="0E0C0C"/>
-                </a:solidFill>
-                <a:latin typeface="Arial" pitchFamily="34" charset="0"/>
-                <a:ea typeface="Arial" pitchFamily="34" charset="-122"/>
-                <a:cs typeface="Arial" pitchFamily="34" charset="-120"/>
-              </a:rPr>
-              <a:t>Intelligent Summarization</a:t>
+                  <a:srgbClr val="0C151B"/>
+                </a:solidFill>
+                <a:latin typeface="Arial" pitchFamily="34" charset="0"/>
+                <a:ea typeface="Arial" pitchFamily="34" charset="-122"/>
+                <a:cs typeface="Arial" pitchFamily="34" charset="-120"/>
+              </a:rPr>
+              <a:t>Introduction to AI Flavoured</a:t>
             </a:r>
             <a:endParaRPr lang="en-US" sz="4000" dirty="0"/>
           </a:p>
@@ -5348,16 +6333,16 @@
       </p:sp>
       <p:sp>
         <p:nvSpPr>
-          <p:cNvPr id="3" name="Text 1"/>
-          <p:cNvSpPr/>
-          <p:nvPr>
-            <p:ph idx="102" type="body" hasCustomPrompt="1"/>
-          </p:nvPr>
-        </p:nvSpPr>
-        <p:spPr>
-          <a:xfrm>
-            <a:off x="6400800" y="457200"/>
-            <a:ext cx="5029200" cy="5486400"/>
+          <p:cNvPr id="3" name="Text 0"/>
+          <p:cNvSpPr/>
+          <p:nvPr>
+            <p:ph idx="101" type="body" hasCustomPrompt="1"/>
+          </p:nvPr>
+        </p:nvSpPr>
+        <p:spPr>
+          <a:xfrm>
+            <a:off x="914400" y="1417320"/>
+            <a:ext cx="10433304" cy="5029200"/>
           </a:xfrm>
           <a:prstGeom prst="rect">
             <a:avLst/>
@@ -5373,34 +6358,35 @@
               <a:buNone/>
             </a:pPr>
             <a:r>
-              <a:rPr lang="en-US" sz="2000" dirty="0">
-                <a:solidFill>
-                  <a:srgbClr val="0E0C0C"/>
-                </a:solidFill>
-                <a:latin typeface="Arial" pitchFamily="34" charset="0"/>
-                <a:ea typeface="Arial" pitchFamily="34" charset="-122"/>
-                <a:cs typeface="Arial" pitchFamily="34" charset="-120"/>
-              </a:rPr>
-              <a:t>1. AI Flavoured's summarization engine condenses complex documents into concise summaries. 
-2. This feature helps users quickly grasp the essence of lengthy texts. 
+              <a:rPr lang="en-US" sz="2600" b="1" dirty="0">
+                <a:solidFill>
+                  <a:srgbClr val="1D2428"/>
+                </a:solidFill>
+                <a:latin typeface="Arial" pitchFamily="34" charset="0"/>
+                <a:ea typeface="Arial" pitchFamily="34" charset="-122"/>
+                <a:cs typeface="Arial" pitchFamily="34" charset="-120"/>
+              </a:rPr>
+              <a:t>1. AI Flavoured is a project that leverages artificial intelligence to revolutionize document comprehension and learning. 
+2. The platform features advanced summarization engines, interactive communication, multilingual support, and personalized learning experiences. 
+3. It aims to address challenges such as information overload, complex documents, and language barriers. 
 </a:t>
             </a:r>
-            <a:endParaRPr lang="en-US" sz="2000" dirty="0"/>
-          </a:p>
-        </p:txBody>
-      </p:sp>
-      <p:sp>
-        <p:nvSpPr>
-          <p:cNvPr id="4" name="Text 1"/>
-          <p:cNvSpPr/>
-          <p:nvPr>
-            <p:ph idx="103" type="body" hasCustomPrompt="1"/>
-          </p:nvPr>
-        </p:nvSpPr>
-        <p:spPr>
-          <a:xfrm>
-            <a:off x="457200" y="2286000"/>
-            <a:ext cx="5486400" cy="3657600"/>
+            <a:endParaRPr lang="en-US" sz="2600" dirty="0"/>
+          </a:p>
+        </p:txBody>
+      </p:sp>
+      <p:sp>
+        <p:nvSpPr>
+          <p:cNvPr id="4" name="Text 0"/>
+          <p:cNvSpPr/>
+          <p:nvPr>
+            <p:ph idx="102" type="body" hasCustomPrompt="1"/>
+          </p:nvPr>
+        </p:nvSpPr>
+        <p:spPr>
+          <a:xfrm>
+            <a:off x="457200" y="1417320"/>
+            <a:ext cx="5486400" cy="5029200"/>
           </a:xfrm>
           <a:prstGeom prst="rect">
             <a:avLst/>
@@ -5415,18 +6401,37 @@
             <a:pPr algn="l" indent="0" marL="0">
               <a:buNone/>
             </a:pPr>
-            <a:r>
-              <a:rPr lang="en-US" sz="2400" dirty="0">
-                <a:solidFill>
-                  <a:srgbClr val="211F1F"/>
-                </a:solidFill>
-                <a:latin typeface="Arial" pitchFamily="34" charset="0"/>
-                <a:ea typeface="Arial" pitchFamily="34" charset="-122"/>
-                <a:cs typeface="Arial" pitchFamily="34" charset="-120"/>
-              </a:rPr>
-              <a:t>Efficiently extract key insights from vast amounts of information.</a:t>
-            </a:r>
-            <a:endParaRPr lang="en-US" sz="2400" dirty="0"/>
+            <a:endParaRPr lang="en-US" sz="2600" dirty="0"/>
+          </a:p>
+        </p:txBody>
+      </p:sp>
+      <p:sp>
+        <p:nvSpPr>
+          <p:cNvPr id="5" name="Text 0"/>
+          <p:cNvSpPr/>
+          <p:nvPr>
+            <p:ph idx="103" type="body" hasCustomPrompt="1"/>
+          </p:nvPr>
+        </p:nvSpPr>
+        <p:spPr>
+          <a:xfrm>
+            <a:off x="5943600" y="1417320"/>
+            <a:ext cx="5486400" cy="5029200"/>
+          </a:xfrm>
+          <a:prstGeom prst="rect">
+            <a:avLst/>
+          </a:prstGeom>
+          <a:noFill/>
+          <a:ln/>
+        </p:spPr>
+        <p:txBody>
+          <a:bodyPr wrap="square" rtlCol="0" anchor="t"/>
+          <a:lstStyle/>
+          <a:p>
+            <a:pPr algn="l" indent="0" marL="0">
+              <a:buNone/>
+            </a:pPr>
+            <a:endParaRPr lang="en-US" sz="2600" dirty="0"/>
           </a:p>
         </p:txBody>
       </p:sp>
@@ -5442,8 +6447,8 @@
         </p:nvSpPr>
         <p:spPr>
           <a:xfrm>
-            <a:off x="91440" y="6515100"/>
-            <a:ext cx="457200" cy="457200"/>
+            <a:off x="91440" y="6446520"/>
+            <a:ext cx="640080" cy="365760"/>
           </a:xfrm>
           <a:prstGeom prst="rect">
             <a:avLst/>
@@ -5457,13 +6462,19 @@
         <p:txBody>
           <a:bodyPr/>
           <a:lstStyle>
-            <a:lvl1pPr/>
+            <a:lvl1pPr>
+              <a:defRPr sz="1200">
+                <a:solidFill>
+                  <a:srgbClr val="0C151B"/>
+                </a:solidFill>
+              </a:defRPr>
+            </a:lvl1pPr>
           </a:lstStyle>
           <a:p>
             <a:pPr algn="l"/>
             <a:fld id="{F7021451-1387-4CA6-816F-3879F97B5CBC}" type="slidenum">
               <a:rPr b="0" lang="en-US"/>
-              <a:t>5</a:t>
+              <a:t>3</a:t>
             </a:fld>
             <a:endParaRPr lang="en-US"/>
           </a:p>
@@ -5477,9 +6488,23 @@
 </p:sld>
 </file>
 
-<file path=ppt/slides/slide6.xml><?xml version="1.0" encoding="utf-8"?>
+<file path=ppt/slides/slide4.xml><?xml version="1.0" encoding="utf-8"?>
 <p:sld xmlns:a="http://schemas.openxmlformats.org/drawingml/2006/main" xmlns:r="http://schemas.openxmlformats.org/officeDocument/2006/relationships" xmlns:p="http://schemas.openxmlformats.org/presentationml/2006/main">
-  <p:cSld name="Slide 6">
+  <p:cSld name="Slide 4">
+    <p:bg>
+      <p:bgPr>
+        <a:blipFill dpi="0" rotWithShape="1">
+          <a:blip r:embed="rId1">
+            <a:lum/>
+          </a:blip>
+          <a:srcRect/>
+          <a:stretch>
+            <a:fillRect/>
+          </a:stretch>
+        </a:blipFill>
+        <a:effectLst/>
+      </p:bgPr>
+    </p:bg>
     <p:spTree>
       <p:nvGrpSpPr>
         <p:cNvPr id="1" name=""/>
@@ -5496,16 +6521,16 @@
       </p:grpSpPr>
       <p:sp>
         <p:nvSpPr>
-          <p:cNvPr id="2" name="Text 1"/>
-          <p:cNvSpPr/>
-          <p:nvPr>
-            <p:ph idx="101" type="title" hasCustomPrompt="1"/>
-          </p:nvPr>
-        </p:nvSpPr>
-        <p:spPr>
-          <a:xfrm>
-            <a:off x="457200" y="457200"/>
-            <a:ext cx="5486400" cy="1371600"/>
+          <p:cNvPr id="2" name="Text 0"/>
+          <p:cNvSpPr/>
+          <p:nvPr>
+            <p:ph idx="100" type="title" hasCustomPrompt="1"/>
+          </p:nvPr>
+        </p:nvSpPr>
+        <p:spPr>
+          <a:xfrm>
+            <a:off x="914400" y="228600"/>
+            <a:ext cx="10433304" cy="3200400"/>
           </a:xfrm>
           <a:prstGeom prst="rect">
             <a:avLst/>
@@ -5517,19 +6542,19 @@
           <a:bodyPr wrap="square" rtlCol="0" anchor="ctr"/>
           <a:lstStyle/>
           <a:p>
-            <a:pPr algn="l" indent="0" marL="0">
+            <a:pPr algn="ctr" indent="0" marL="0">
               <a:buNone/>
             </a:pPr>
             <a:r>
               <a:rPr lang="en-US" sz="4000" b="1" dirty="0">
                 <a:solidFill>
-                  <a:srgbClr val="0E0C0C"/>
-                </a:solidFill>
-                <a:latin typeface="Arial" pitchFamily="34" charset="0"/>
-                <a:ea typeface="Arial" pitchFamily="34" charset="-122"/>
-                <a:cs typeface="Arial" pitchFamily="34" charset="-120"/>
-              </a:rPr>
-              <a:t>Interactive Engagement</a:t>
+                  <a:srgbClr val="0C151B"/>
+                </a:solidFill>
+                <a:latin typeface="Arial" pitchFamily="34" charset="0"/>
+                <a:ea typeface="Arial" pitchFamily="34" charset="-122"/>
+                <a:cs typeface="Arial" pitchFamily="34" charset="-120"/>
+              </a:rPr>
+              <a:t>Project Overview</a:t>
             </a:r>
             <a:endParaRPr lang="en-US" sz="4000" dirty="0"/>
           </a:p>
@@ -5537,85 +6562,42 @@
       </p:sp>
       <p:sp>
         <p:nvSpPr>
-          <p:cNvPr id="3" name="Text 1"/>
-          <p:cNvSpPr/>
-          <p:nvPr>
-            <p:ph idx="102" type="body" hasCustomPrompt="1"/>
-          </p:nvPr>
-        </p:nvSpPr>
-        <p:spPr>
-          <a:xfrm>
-            <a:off x="6400800" y="457200"/>
-            <a:ext cx="5029200" cy="5486400"/>
-          </a:xfrm>
-          <a:prstGeom prst="rect">
-            <a:avLst/>
-          </a:prstGeom>
-          <a:noFill/>
-          <a:ln/>
-        </p:spPr>
-        <p:txBody>
-          <a:bodyPr wrap="square" rtlCol="0" anchor="t"/>
+          <p:cNvPr id="3" name="Text 0"/>
+          <p:cNvSpPr/>
+          <p:nvPr>
+            <p:ph idx="101" type="body" hasCustomPrompt="1"/>
+          </p:nvPr>
+        </p:nvSpPr>
+        <p:spPr>
+          <a:xfrm>
+            <a:off x="914400" y="3429000"/>
+            <a:ext cx="10433304" cy="2743200"/>
+          </a:xfrm>
+          <a:prstGeom prst="rect">
+            <a:avLst/>
+          </a:prstGeom>
+          <a:noFill/>
+          <a:ln/>
+        </p:spPr>
+        <p:txBody>
+          <a:bodyPr wrap="square" rtlCol="0" anchor="ctr"/>
           <a:lstStyle/>
           <a:p>
-            <a:pPr algn="l" indent="0" marL="0">
-              <a:buNone/>
-            </a:pPr>
-            <a:r>
-              <a:rPr lang="en-US" sz="2000" dirty="0">
-                <a:solidFill>
-                  <a:srgbClr val="0E0C0C"/>
-                </a:solidFill>
-                <a:latin typeface="Arial" pitchFamily="34" charset="0"/>
-                <a:ea typeface="Arial" pitchFamily="34" charset="-122"/>
-                <a:cs typeface="Arial" pitchFamily="34" charset="-120"/>
-              </a:rPr>
-              <a:t>1. The platform offers interactive communication features to enhance user engagement. 
-2. Users can interact with the content, ask questions, and receive instant feedback. 
-</a:t>
-            </a:r>
-            <a:endParaRPr lang="en-US" sz="2000" dirty="0"/>
-          </a:p>
-        </p:txBody>
-      </p:sp>
-      <p:sp>
-        <p:nvSpPr>
-          <p:cNvPr id="4" name="Text 1"/>
-          <p:cNvSpPr/>
-          <p:nvPr>
-            <p:ph idx="103" type="body" hasCustomPrompt="1"/>
-          </p:nvPr>
-        </p:nvSpPr>
-        <p:spPr>
-          <a:xfrm>
-            <a:off x="457200" y="2286000"/>
-            <a:ext cx="5486400" cy="3657600"/>
-          </a:xfrm>
-          <a:prstGeom prst="rect">
-            <a:avLst/>
-          </a:prstGeom>
-          <a:noFill/>
-          <a:ln/>
-        </p:spPr>
-        <p:txBody>
-          <a:bodyPr wrap="square" rtlCol="0" anchor="t"/>
-          <a:lstStyle/>
-          <a:p>
-            <a:pPr algn="l" indent="0" marL="0">
-              <a:buNone/>
-            </a:pPr>
-            <a:r>
-              <a:rPr lang="en-US" sz="2400" dirty="0">
-                <a:solidFill>
-                  <a:srgbClr val="211F1F"/>
-                </a:solidFill>
-                <a:latin typeface="Arial" pitchFamily="34" charset="0"/>
-                <a:ea typeface="Arial" pitchFamily="34" charset="-122"/>
-                <a:cs typeface="Arial" pitchFamily="34" charset="-120"/>
-              </a:rPr>
-              <a:t>Foster a more engaging and interactive learning experience.</a:t>
-            </a:r>
-            <a:endParaRPr lang="en-US" sz="2400" dirty="0"/>
+            <a:pPr algn="ctr" indent="0" marL="0">
+              <a:buNone/>
+            </a:pPr>
+            <a:r>
+              <a:rPr lang="en-US" sz="2300" b="1" dirty="0">
+                <a:solidFill>
+                  <a:srgbClr val="1D2428"/>
+                </a:solidFill>
+                <a:latin typeface="Arial" pitchFamily="34" charset="0"/>
+                <a:ea typeface="Arial" pitchFamily="34" charset="-122"/>
+                <a:cs typeface="Arial" pitchFamily="34" charset="-120"/>
+              </a:rPr>
+              <a:t>AI Flavoured empowers users to efficiently extract insights from written content.</a:t>
+            </a:r>
+            <a:endParaRPr lang="en-US" sz="2300" dirty="0"/>
           </a:p>
         </p:txBody>
       </p:sp>
@@ -5631,8 +6613,8 @@
         </p:nvSpPr>
         <p:spPr>
           <a:xfrm>
-            <a:off x="91440" y="6515100"/>
-            <a:ext cx="457200" cy="457200"/>
+            <a:off x="91440" y="6446520"/>
+            <a:ext cx="640080" cy="365760"/>
           </a:xfrm>
           <a:prstGeom prst="rect">
             <a:avLst/>
@@ -5646,13 +6628,19 @@
         <p:txBody>
           <a:bodyPr/>
           <a:lstStyle>
-            <a:lvl1pPr/>
+            <a:lvl1pPr>
+              <a:defRPr sz="1200">
+                <a:solidFill>
+                  <a:srgbClr val="0C151B"/>
+                </a:solidFill>
+              </a:defRPr>
+            </a:lvl1pPr>
           </a:lstStyle>
           <a:p>
             <a:pPr algn="l"/>
             <a:fld id="{F7021451-1387-4CA6-816F-3879F97B5CBC}" type="slidenum">
               <a:rPr b="0" lang="en-US"/>
-              <a:t>6</a:t>
+              <a:t>4</a:t>
             </a:fld>
             <a:endParaRPr lang="en-US"/>
           </a:p>
@@ -5666,9 +6654,23 @@
 </p:sld>
 </file>
 
-<file path=ppt/slides/slide7.xml><?xml version="1.0" encoding="utf-8"?>
+<file path=ppt/slides/slide5.xml><?xml version="1.0" encoding="utf-8"?>
 <p:sld xmlns:a="http://schemas.openxmlformats.org/drawingml/2006/main" xmlns:r="http://schemas.openxmlformats.org/officeDocument/2006/relationships" xmlns:p="http://schemas.openxmlformats.org/presentationml/2006/main">
-  <p:cSld name="Slide 7">
+  <p:cSld name="Slide 5">
+    <p:bg>
+      <p:bgPr>
+        <a:blipFill dpi="0" rotWithShape="1">
+          <a:blip r:embed="rId1">
+            <a:lum/>
+          </a:blip>
+          <a:srcRect/>
+          <a:stretch>
+            <a:fillRect/>
+          </a:stretch>
+        </a:blipFill>
+        <a:effectLst/>
+      </p:bgPr>
+    </p:bg>
     <p:spTree>
       <p:nvGrpSpPr>
         <p:cNvPr id="1" name=""/>
@@ -5685,16 +6687,16 @@
       </p:grpSpPr>
       <p:sp>
         <p:nvSpPr>
-          <p:cNvPr id="2" name="Text 1"/>
-          <p:cNvSpPr/>
-          <p:nvPr>
-            <p:ph idx="101" type="title" hasCustomPrompt="1"/>
-          </p:nvPr>
-        </p:nvSpPr>
-        <p:spPr>
-          <a:xfrm>
-            <a:off x="457200" y="457200"/>
-            <a:ext cx="5486400" cy="1371600"/>
+          <p:cNvPr id="2" name="Text 0"/>
+          <p:cNvSpPr/>
+          <p:nvPr>
+            <p:ph idx="100" type="title" hasCustomPrompt="1"/>
+          </p:nvPr>
+        </p:nvSpPr>
+        <p:spPr>
+          <a:xfrm>
+            <a:off x="914400" y="0"/>
+            <a:ext cx="10433304" cy="914400"/>
           </a:xfrm>
           <a:prstGeom prst="rect">
             <a:avLst/>
@@ -5706,19 +6708,19 @@
           <a:bodyPr wrap="square" rtlCol="0" anchor="ctr"/>
           <a:lstStyle/>
           <a:p>
-            <a:pPr algn="l" indent="0" marL="0">
+            <a:pPr algn="ctr" indent="0" marL="0">
               <a:buNone/>
             </a:pPr>
             <a:r>
               <a:rPr lang="en-US" sz="4000" b="1" dirty="0">
                 <a:solidFill>
-                  <a:srgbClr val="0E0C0C"/>
-                </a:solidFill>
-                <a:latin typeface="Arial" pitchFamily="34" charset="0"/>
-                <a:ea typeface="Arial" pitchFamily="34" charset="-122"/>
-                <a:cs typeface="Arial" pitchFamily="34" charset="-120"/>
-              </a:rPr>
-              <a:t>Multilingual Support</a:t>
+                  <a:srgbClr val="0C151B"/>
+                </a:solidFill>
+                <a:latin typeface="Arial" pitchFamily="34" charset="0"/>
+                <a:ea typeface="Arial" pitchFamily="34" charset="-122"/>
+                <a:cs typeface="Arial" pitchFamily="34" charset="-120"/>
+              </a:rPr>
+              <a:t>Core Functionalities</a:t>
             </a:r>
             <a:endParaRPr lang="en-US" sz="4000" dirty="0"/>
           </a:p>
@@ -5726,16 +6728,16 @@
       </p:sp>
       <p:sp>
         <p:nvSpPr>
-          <p:cNvPr id="3" name="Text 1"/>
-          <p:cNvSpPr/>
-          <p:nvPr>
-            <p:ph idx="102" type="body" hasCustomPrompt="1"/>
-          </p:nvPr>
-        </p:nvSpPr>
-        <p:spPr>
-          <a:xfrm>
-            <a:off x="6400800" y="457200"/>
-            <a:ext cx="5029200" cy="5486400"/>
+          <p:cNvPr id="3" name="Text 0"/>
+          <p:cNvSpPr/>
+          <p:nvPr>
+            <p:ph idx="101" type="body" hasCustomPrompt="1"/>
+          </p:nvPr>
+        </p:nvSpPr>
+        <p:spPr>
+          <a:xfrm>
+            <a:off x="914400" y="1371600"/>
+            <a:ext cx="5029200" cy="4114800"/>
           </a:xfrm>
           <a:prstGeom prst="rect">
             <a:avLst/>
@@ -5751,34 +6753,83 @@
               <a:buNone/>
             </a:pPr>
             <a:r>
-              <a:rPr lang="en-US" sz="2000" dirty="0">
-                <a:solidFill>
-                  <a:srgbClr val="0E0C0C"/>
-                </a:solidFill>
-                <a:latin typeface="Arial" pitchFamily="34" charset="0"/>
-                <a:ea typeface="Arial" pitchFamily="34" charset="-122"/>
-                <a:cs typeface="Arial" pitchFamily="34" charset="-120"/>
-              </a:rPr>
-              <a:t>1. AI Flavoured supports multiple languages, breaking down language barriers. 
-2. This feature ensures accessibility for a global audience. 
-</a:t>
-            </a:r>
-            <a:endParaRPr lang="en-US" sz="2000" dirty="0"/>
-          </a:p>
-        </p:txBody>
-      </p:sp>
-      <p:sp>
-        <p:nvSpPr>
-          <p:cNvPr id="4" name="Text 1"/>
-          <p:cNvSpPr/>
-          <p:nvPr>
-            <p:ph idx="103" type="body" hasCustomPrompt="1"/>
-          </p:nvPr>
-        </p:nvSpPr>
-        <p:spPr>
-          <a:xfrm>
-            <a:off x="457200" y="2286000"/>
-            <a:ext cx="5486400" cy="3657600"/>
+              <a:rPr lang="en-US" sz="2500" b="1" dirty="0">
+                <a:solidFill>
+                  <a:srgbClr val="1D2428"/>
+                </a:solidFill>
+                <a:latin typeface="Arial" pitchFamily="34" charset="0"/>
+                <a:ea typeface="Arial" pitchFamily="34" charset="-122"/>
+                <a:cs typeface="Arial" pitchFamily="34" charset="-120"/>
+              </a:rPr>
+              <a:t>1. Intelligent Summarization</a:t>
+            </a:r>
+            <a:endParaRPr lang="en-US" sz="2500" dirty="0"/>
+          </a:p>
+          <a:p>
+            <a:pPr algn="l" indent="0" marL="0">
+              <a:buNone/>
+            </a:pPr>
+            <a:r>
+              <a:rPr lang="en-US" sz="2500" b="1" dirty="0">
+                <a:solidFill>
+                  <a:srgbClr val="1D2428"/>
+                </a:solidFill>
+                <a:latin typeface="Arial" pitchFamily="34" charset="0"/>
+                <a:ea typeface="Arial" pitchFamily="34" charset="-122"/>
+                <a:cs typeface="Arial" pitchFamily="34" charset="-120"/>
+              </a:rPr>
+              <a:t>2. Interactive Engagement</a:t>
+            </a:r>
+            <a:endParaRPr lang="en-US" sz="2500" dirty="0"/>
+          </a:p>
+          <a:p>
+            <a:pPr algn="l" indent="0" marL="0">
+              <a:buNone/>
+            </a:pPr>
+            <a:r>
+              <a:rPr lang="en-US" sz="2500" b="1" dirty="0">
+                <a:solidFill>
+                  <a:srgbClr val="1D2428"/>
+                </a:solidFill>
+                <a:latin typeface="Arial" pitchFamily="34" charset="0"/>
+                <a:ea typeface="Arial" pitchFamily="34" charset="-122"/>
+                <a:cs typeface="Arial" pitchFamily="34" charset="-120"/>
+              </a:rPr>
+              <a:t>3. Multilingual Support</a:t>
+            </a:r>
+            <a:endParaRPr lang="en-US" sz="2500" dirty="0"/>
+          </a:p>
+          <a:p>
+            <a:pPr algn="l" indent="0" marL="0">
+              <a:buNone/>
+            </a:pPr>
+            <a:r>
+              <a:rPr lang="en-US" sz="2500" b="1" dirty="0">
+                <a:solidFill>
+                  <a:srgbClr val="1D2428"/>
+                </a:solidFill>
+                <a:latin typeface="Arial" pitchFamily="34" charset="0"/>
+                <a:ea typeface="Arial" pitchFamily="34" charset="-122"/>
+                <a:cs typeface="Arial" pitchFamily="34" charset="-120"/>
+              </a:rPr>
+              <a:t>4. Personalized Learning Experiences</a:t>
+            </a:r>
+            <a:endParaRPr lang="en-US" sz="2500" dirty="0"/>
+          </a:p>
+        </p:txBody>
+      </p:sp>
+      <p:sp>
+        <p:nvSpPr>
+          <p:cNvPr id="4" name="Text 0"/>
+          <p:cNvSpPr/>
+          <p:nvPr>
+            <p:ph idx="102" type="body" hasCustomPrompt="1"/>
+          </p:nvPr>
+        </p:nvSpPr>
+        <p:spPr>
+          <a:xfrm>
+            <a:off x="6400800" y="1371600"/>
+            <a:ext cx="5029200" cy="4114800"/>
           </a:xfrm>
           <a:prstGeom prst="rect">
             <a:avLst/>
@@ -5794,17 +6845,68 @@
               <a:buNone/>
             </a:pPr>
             <a:r>
-              <a:rPr lang="en-US" sz="2400" dirty="0">
-                <a:solidFill>
-                  <a:srgbClr val="211F1F"/>
-                </a:solidFill>
-                <a:latin typeface="Arial" pitchFamily="34" charset="0"/>
-                <a:ea typeface="Arial" pitchFamily="34" charset="-122"/>
-                <a:cs typeface="Arial" pitchFamily="34" charset="-120"/>
-              </a:rPr>
-              <a:t>Promote inclusivity and accessibility in document comprehension.</a:t>
-            </a:r>
-            <a:endParaRPr lang="en-US" sz="2400" dirty="0"/>
+              <a:rPr lang="en-US" sz="2500" b="1" dirty="0">
+                <a:solidFill>
+                  <a:srgbClr val="1D2428"/>
+                </a:solidFill>
+                <a:latin typeface="Arial" pitchFamily="34" charset="0"/>
+                <a:ea typeface="Arial" pitchFamily="34" charset="-122"/>
+                <a:cs typeface="Arial" pitchFamily="34" charset="-120"/>
+              </a:rPr>
+              <a:t>1. Streamlines information retrieval</a:t>
+            </a:r>
+            <a:endParaRPr lang="en-US" sz="2500" dirty="0"/>
+          </a:p>
+          <a:p>
+            <a:pPr algn="l" indent="0" marL="0">
+              <a:buNone/>
+            </a:pPr>
+            <a:r>
+              <a:rPr lang="en-US" sz="2500" b="1" dirty="0">
+                <a:solidFill>
+                  <a:srgbClr val="1D2428"/>
+                </a:solidFill>
+                <a:latin typeface="Arial" pitchFamily="34" charset="0"/>
+                <a:ea typeface="Arial" pitchFamily="34" charset="-122"/>
+                <a:cs typeface="Arial" pitchFamily="34" charset="-120"/>
+              </a:rPr>
+              <a:t>2. Improves knowledge acquisition</a:t>
+            </a:r>
+            <a:endParaRPr lang="en-US" sz="2500" dirty="0"/>
+          </a:p>
+          <a:p>
+            <a:pPr algn="l" indent="0" marL="0">
+              <a:buNone/>
+            </a:pPr>
+            <a:r>
+              <a:rPr lang="en-US" sz="2500" b="1" dirty="0">
+                <a:solidFill>
+                  <a:srgbClr val="1D2428"/>
+                </a:solidFill>
+                <a:latin typeface="Arial" pitchFamily="34" charset="0"/>
+                <a:ea typeface="Arial" pitchFamily="34" charset="-122"/>
+                <a:cs typeface="Arial" pitchFamily="34" charset="-120"/>
+              </a:rPr>
+              <a:t>3. Fosters collaboration</a:t>
+            </a:r>
+            <a:endParaRPr lang="en-US" sz="2500" dirty="0"/>
+          </a:p>
+          <a:p>
+            <a:pPr algn="l" indent="0" marL="0">
+              <a:buNone/>
+            </a:pPr>
+            <a:r>
+              <a:rPr lang="en-US" sz="2500" b="1" dirty="0">
+                <a:solidFill>
+                  <a:srgbClr val="1D2428"/>
+                </a:solidFill>
+                <a:latin typeface="Arial" pitchFamily="34" charset="0"/>
+                <a:ea typeface="Arial" pitchFamily="34" charset="-122"/>
+                <a:cs typeface="Arial" pitchFamily="34" charset="-120"/>
+              </a:rPr>
+              <a:t>4. Enhances learning environments</a:t>
+            </a:r>
+            <a:endParaRPr lang="en-US" sz="2500" dirty="0"/>
           </a:p>
         </p:txBody>
       </p:sp>
@@ -5820,8 +6922,8 @@
         </p:nvSpPr>
         <p:spPr>
           <a:xfrm>
-            <a:off x="91440" y="6515100"/>
-            <a:ext cx="457200" cy="457200"/>
+            <a:off x="91440" y="6446520"/>
+            <a:ext cx="640080" cy="365760"/>
           </a:xfrm>
           <a:prstGeom prst="rect">
             <a:avLst/>
@@ -5835,13 +6937,19 @@
         <p:txBody>
           <a:bodyPr/>
           <a:lstStyle>
-            <a:lvl1pPr/>
+            <a:lvl1pPr>
+              <a:defRPr sz="1200">
+                <a:solidFill>
+                  <a:srgbClr val="0C151B"/>
+                </a:solidFill>
+              </a:defRPr>
+            </a:lvl1pPr>
           </a:lstStyle>
           <a:p>
             <a:pPr algn="l"/>
             <a:fld id="{F7021451-1387-4CA6-816F-3879F97B5CBC}" type="slidenum">
               <a:rPr b="0" lang="en-US"/>
-              <a:t>7</a:t>
+              <a:t>5</a:t>
             </a:fld>
             <a:endParaRPr lang="en-US"/>
           </a:p>
@@ -5855,9 +6963,23 @@
 </p:sld>
 </file>
 
-<file path=ppt/slides/slide8.xml><?xml version="1.0" encoding="utf-8"?>
+<file path=ppt/slides/slide6.xml><?xml version="1.0" encoding="utf-8"?>
 <p:sld xmlns:a="http://schemas.openxmlformats.org/drawingml/2006/main" xmlns:r="http://schemas.openxmlformats.org/officeDocument/2006/relationships" xmlns:p="http://schemas.openxmlformats.org/presentationml/2006/main">
-  <p:cSld name="Slide 8">
+  <p:cSld name="Slide 6">
+    <p:bg>
+      <p:bgPr>
+        <a:blipFill dpi="0" rotWithShape="1">
+          <a:blip r:embed="rId1">
+            <a:lum/>
+          </a:blip>
+          <a:srcRect/>
+          <a:stretch>
+            <a:fillRect/>
+          </a:stretch>
+        </a:blipFill>
+        <a:effectLst/>
+      </p:bgPr>
+    </p:bg>
     <p:spTree>
       <p:nvGrpSpPr>
         <p:cNvPr id="1" name=""/>
@@ -5874,16 +6996,16 @@
       </p:grpSpPr>
       <p:sp>
         <p:nvSpPr>
-          <p:cNvPr id="2" name="Text 1"/>
-          <p:cNvSpPr/>
-          <p:nvPr>
-            <p:ph idx="101" type="title" hasCustomPrompt="1"/>
-          </p:nvPr>
-        </p:nvSpPr>
-        <p:spPr>
-          <a:xfrm>
-            <a:off x="457200" y="457200"/>
-            <a:ext cx="5486400" cy="1371600"/>
+          <p:cNvPr id="2" name="Text 0"/>
+          <p:cNvSpPr/>
+          <p:nvPr>
+            <p:ph idx="100" type="title" hasCustomPrompt="1"/>
+          </p:nvPr>
+        </p:nvSpPr>
+        <p:spPr>
+          <a:xfrm>
+            <a:off x="914400" y="228600"/>
+            <a:ext cx="10433304" cy="1371600"/>
           </a:xfrm>
           <a:prstGeom prst="rect">
             <a:avLst/>
@@ -5895,19 +7017,19 @@
           <a:bodyPr wrap="square" rtlCol="0" anchor="ctr"/>
           <a:lstStyle/>
           <a:p>
-            <a:pPr algn="l" indent="0" marL="0">
+            <a:pPr algn="ctr" indent="0" marL="0">
               <a:buNone/>
             </a:pPr>
             <a:r>
               <a:rPr lang="en-US" sz="4000" b="1" dirty="0">
                 <a:solidFill>
-                  <a:srgbClr val="0E0C0C"/>
-                </a:solidFill>
-                <a:latin typeface="Arial" pitchFamily="34" charset="0"/>
-                <a:ea typeface="Arial" pitchFamily="34" charset="-122"/>
-                <a:cs typeface="Arial" pitchFamily="34" charset="-120"/>
-              </a:rPr>
-              <a:t>Personalized Learning Experiences</a:t>
+                  <a:srgbClr val="0C151B"/>
+                </a:solidFill>
+                <a:latin typeface="Arial" pitchFamily="34" charset="0"/>
+                <a:ea typeface="Arial" pitchFamily="34" charset="-122"/>
+                <a:cs typeface="Arial" pitchFamily="34" charset="-120"/>
+              </a:rPr>
+              <a:t>Core Functionalities</a:t>
             </a:r>
             <a:endParaRPr lang="en-US" sz="4000" dirty="0"/>
           </a:p>
@@ -5915,7 +7037,48 @@
       </p:sp>
       <p:sp>
         <p:nvSpPr>
-          <p:cNvPr id="3" name="Text 1"/>
+          <p:cNvPr id="3" name="Text 0"/>
+          <p:cNvSpPr/>
+          <p:nvPr>
+            <p:ph idx="101" type="body" hasCustomPrompt="1"/>
+          </p:nvPr>
+        </p:nvSpPr>
+        <p:spPr>
+          <a:xfrm>
+            <a:off x="914400" y="1828800"/>
+            <a:ext cx="5029200" cy="914400"/>
+          </a:xfrm>
+          <a:prstGeom prst="rect">
+            <a:avLst/>
+          </a:prstGeom>
+          <a:noFill/>
+          <a:ln/>
+        </p:spPr>
+        <p:txBody>
+          <a:bodyPr wrap="square" rtlCol="0" anchor="ctr"/>
+          <a:lstStyle/>
+          <a:p>
+            <a:pPr algn="ctr" indent="0" marL="0">
+              <a:buNone/>
+            </a:pPr>
+            <a:r>
+              <a:rPr lang="en-US" sz="3000" b="1" dirty="0">
+                <a:solidFill>
+                  <a:srgbClr val="0C151B"/>
+                </a:solidFill>
+                <a:latin typeface="Arial" pitchFamily="34" charset="0"/>
+                <a:ea typeface="Arial" pitchFamily="34" charset="-122"/>
+                <a:cs typeface="Arial" pitchFamily="34" charset="-120"/>
+              </a:rPr>
+              <a:t>Core Functionalities</a:t>
+            </a:r>
+            <a:endParaRPr lang="en-US" sz="3000" dirty="0"/>
+          </a:p>
+        </p:txBody>
+      </p:sp>
+      <p:sp>
+        <p:nvSpPr>
+          <p:cNvPr id="4" name="Text 0"/>
           <p:cNvSpPr/>
           <p:nvPr>
             <p:ph idx="102" type="body" hasCustomPrompt="1"/>
@@ -5923,8 +7086,49 @@
         </p:nvSpPr>
         <p:spPr>
           <a:xfrm>
-            <a:off x="6400800" y="457200"/>
-            <a:ext cx="5029200" cy="5486400"/>
+            <a:off x="6400800" y="1828800"/>
+            <a:ext cx="5029200" cy="914400"/>
+          </a:xfrm>
+          <a:prstGeom prst="rect">
+            <a:avLst/>
+          </a:prstGeom>
+          <a:noFill/>
+          <a:ln/>
+        </p:spPr>
+        <p:txBody>
+          <a:bodyPr wrap="square" rtlCol="0" anchor="ctr"/>
+          <a:lstStyle/>
+          <a:p>
+            <a:pPr algn="ctr" indent="0" marL="0">
+              <a:buNone/>
+            </a:pPr>
+            <a:r>
+              <a:rPr lang="en-US" sz="3000" b="1" dirty="0">
+                <a:solidFill>
+                  <a:srgbClr val="0C151B"/>
+                </a:solidFill>
+                <a:latin typeface="Arial" pitchFamily="34" charset="0"/>
+                <a:ea typeface="Arial" pitchFamily="34" charset="-122"/>
+                <a:cs typeface="Arial" pitchFamily="34" charset="-120"/>
+              </a:rPr>
+              <a:t>Benefits</a:t>
+            </a:r>
+            <a:endParaRPr lang="en-US" sz="3000" dirty="0"/>
+          </a:p>
+        </p:txBody>
+      </p:sp>
+      <p:sp>
+        <p:nvSpPr>
+          <p:cNvPr id="5" name="Text 0"/>
+          <p:cNvSpPr/>
+          <p:nvPr>
+            <p:ph idx="103" type="body" hasCustomPrompt="1"/>
+          </p:nvPr>
+        </p:nvSpPr>
+        <p:spPr>
+          <a:xfrm>
+            <a:off x="914400" y="2743200"/>
+            <a:ext cx="5029200" cy="3200400"/>
           </a:xfrm>
           <a:prstGeom prst="rect">
             <a:avLst/>
@@ -5940,34 +7144,83 @@
               <a:buNone/>
             </a:pPr>
             <a:r>
-              <a:rPr lang="en-US" sz="2000" dirty="0">
-                <a:solidFill>
-                  <a:srgbClr val="0E0C0C"/>
-                </a:solidFill>
-                <a:latin typeface="Arial" pitchFamily="34" charset="0"/>
-                <a:ea typeface="Arial" pitchFamily="34" charset="-122"/>
-                <a:cs typeface="Arial" pitchFamily="34" charset="-120"/>
-              </a:rPr>
-              <a:t>1. The platform offers personalized learning experiences tailored to individual needs. 
-2. Users receive recommendations and insights based on their preferences and learning patterns. 
-</a:t>
-            </a:r>
-            <a:endParaRPr lang="en-US" sz="2000" dirty="0"/>
-          </a:p>
-        </p:txBody>
-      </p:sp>
-      <p:sp>
-        <p:nvSpPr>
-          <p:cNvPr id="4" name="Text 1"/>
-          <p:cNvSpPr/>
-          <p:nvPr>
-            <p:ph idx="103" type="body" hasCustomPrompt="1"/>
-          </p:nvPr>
-        </p:nvSpPr>
-        <p:spPr>
-          <a:xfrm>
-            <a:off x="457200" y="2286000"/>
-            <a:ext cx="5486400" cy="3657600"/>
+              <a:rPr lang="en-US" sz="2200" b="1" dirty="0">
+                <a:solidFill>
+                  <a:srgbClr val="1D2428"/>
+                </a:solidFill>
+                <a:latin typeface="Arial" pitchFamily="34" charset="0"/>
+                <a:ea typeface="Arial" pitchFamily="34" charset="-122"/>
+                <a:cs typeface="Arial" pitchFamily="34" charset="-120"/>
+              </a:rPr>
+              <a:t>1. Intelligent Summarization</a:t>
+            </a:r>
+            <a:endParaRPr lang="en-US" sz="2200" dirty="0"/>
+          </a:p>
+          <a:p>
+            <a:pPr algn="l" indent="0" marL="0">
+              <a:buNone/>
+            </a:pPr>
+            <a:r>
+              <a:rPr lang="en-US" sz="2200" b="1" dirty="0">
+                <a:solidFill>
+                  <a:srgbClr val="1D2428"/>
+                </a:solidFill>
+                <a:latin typeface="Arial" pitchFamily="34" charset="0"/>
+                <a:ea typeface="Arial" pitchFamily="34" charset="-122"/>
+                <a:cs typeface="Arial" pitchFamily="34" charset="-120"/>
+              </a:rPr>
+              <a:t>2. Interactive Engagement</a:t>
+            </a:r>
+            <a:endParaRPr lang="en-US" sz="2200" dirty="0"/>
+          </a:p>
+          <a:p>
+            <a:pPr algn="l" indent="0" marL="0">
+              <a:buNone/>
+            </a:pPr>
+            <a:r>
+              <a:rPr lang="en-US" sz="2200" b="1" dirty="0">
+                <a:solidFill>
+                  <a:srgbClr val="1D2428"/>
+                </a:solidFill>
+                <a:latin typeface="Arial" pitchFamily="34" charset="0"/>
+                <a:ea typeface="Arial" pitchFamily="34" charset="-122"/>
+                <a:cs typeface="Arial" pitchFamily="34" charset="-120"/>
+              </a:rPr>
+              <a:t>3. Multilingual Support</a:t>
+            </a:r>
+            <a:endParaRPr lang="en-US" sz="2200" dirty="0"/>
+          </a:p>
+          <a:p>
+            <a:pPr algn="l" indent="0" marL="0">
+              <a:buNone/>
+            </a:pPr>
+            <a:r>
+              <a:rPr lang="en-US" sz="2200" b="1" dirty="0">
+                <a:solidFill>
+                  <a:srgbClr val="1D2428"/>
+                </a:solidFill>
+                <a:latin typeface="Arial" pitchFamily="34" charset="0"/>
+                <a:ea typeface="Arial" pitchFamily="34" charset="-122"/>
+                <a:cs typeface="Arial" pitchFamily="34" charset="-120"/>
+              </a:rPr>
+              <a:t>4. Personalized Learning Experiences</a:t>
+            </a:r>
+            <a:endParaRPr lang="en-US" sz="2200" dirty="0"/>
+          </a:p>
+        </p:txBody>
+      </p:sp>
+      <p:sp>
+        <p:nvSpPr>
+          <p:cNvPr id="6" name="Text 0"/>
+          <p:cNvSpPr/>
+          <p:nvPr>
+            <p:ph idx="104" type="body" hasCustomPrompt="1"/>
+          </p:nvPr>
+        </p:nvSpPr>
+        <p:spPr>
+          <a:xfrm>
+            <a:off x="6400800" y="2743200"/>
+            <a:ext cx="5029200" cy="3200400"/>
           </a:xfrm>
           <a:prstGeom prst="rect">
             <a:avLst/>
@@ -5983,17 +7236,68 @@
               <a:buNone/>
             </a:pPr>
             <a:r>
-              <a:rPr lang="en-US" sz="2400" dirty="0">
-                <a:solidFill>
-                  <a:srgbClr val="211F1F"/>
-                </a:solidFill>
-                <a:latin typeface="Arial" pitchFamily="34" charset="0"/>
-                <a:ea typeface="Arial" pitchFamily="34" charset="-122"/>
-                <a:cs typeface="Arial" pitchFamily="34" charset="-120"/>
-              </a:rPr>
-              <a:t>Enhance learning outcomes through personalized content.</a:t>
-            </a:r>
-            <a:endParaRPr lang="en-US" sz="2400" dirty="0"/>
+              <a:rPr lang="en-US" sz="2200" b="1" dirty="0">
+                <a:solidFill>
+                  <a:srgbClr val="1D2428"/>
+                </a:solidFill>
+                <a:latin typeface="Arial" pitchFamily="34" charset="0"/>
+                <a:ea typeface="Arial" pitchFamily="34" charset="-122"/>
+                <a:cs typeface="Arial" pitchFamily="34" charset="-120"/>
+              </a:rPr>
+              <a:t>1. Streamlines information retrieval</a:t>
+            </a:r>
+            <a:endParaRPr lang="en-US" sz="2200" dirty="0"/>
+          </a:p>
+          <a:p>
+            <a:pPr algn="l" indent="0" marL="0">
+              <a:buNone/>
+            </a:pPr>
+            <a:r>
+              <a:rPr lang="en-US" sz="2200" b="1" dirty="0">
+                <a:solidFill>
+                  <a:srgbClr val="1D2428"/>
+                </a:solidFill>
+                <a:latin typeface="Arial" pitchFamily="34" charset="0"/>
+                <a:ea typeface="Arial" pitchFamily="34" charset="-122"/>
+                <a:cs typeface="Arial" pitchFamily="34" charset="-120"/>
+              </a:rPr>
+              <a:t>2. Improves knowledge acquisition</a:t>
+            </a:r>
+            <a:endParaRPr lang="en-US" sz="2200" dirty="0"/>
+          </a:p>
+          <a:p>
+            <a:pPr algn="l" indent="0" marL="0">
+              <a:buNone/>
+            </a:pPr>
+            <a:r>
+              <a:rPr lang="en-US" sz="2200" b="1" dirty="0">
+                <a:solidFill>
+                  <a:srgbClr val="1D2428"/>
+                </a:solidFill>
+                <a:latin typeface="Arial" pitchFamily="34" charset="0"/>
+                <a:ea typeface="Arial" pitchFamily="34" charset="-122"/>
+                <a:cs typeface="Arial" pitchFamily="34" charset="-120"/>
+              </a:rPr>
+              <a:t>3. Fosters collaboration</a:t>
+            </a:r>
+            <a:endParaRPr lang="en-US" sz="2200" dirty="0"/>
+          </a:p>
+          <a:p>
+            <a:pPr algn="l" indent="0" marL="0">
+              <a:buNone/>
+            </a:pPr>
+            <a:r>
+              <a:rPr lang="en-US" sz="2200" b="1" dirty="0">
+                <a:solidFill>
+                  <a:srgbClr val="1D2428"/>
+                </a:solidFill>
+                <a:latin typeface="Arial" pitchFamily="34" charset="0"/>
+                <a:ea typeface="Arial" pitchFamily="34" charset="-122"/>
+                <a:cs typeface="Arial" pitchFamily="34" charset="-120"/>
+              </a:rPr>
+              <a:t>4. Enhances learning environments</a:t>
+            </a:r>
+            <a:endParaRPr lang="en-US" sz="2200" dirty="0"/>
           </a:p>
         </p:txBody>
       </p:sp>
@@ -6009,8 +7313,8 @@
         </p:nvSpPr>
         <p:spPr>
           <a:xfrm>
-            <a:off x="91440" y="6515100"/>
-            <a:ext cx="457200" cy="457200"/>
+            <a:off x="91440" y="6446520"/>
+            <a:ext cx="640080" cy="365760"/>
           </a:xfrm>
           <a:prstGeom prst="rect">
             <a:avLst/>
@@ -6024,13 +7328,19 @@
         <p:txBody>
           <a:bodyPr/>
           <a:lstStyle>
-            <a:lvl1pPr/>
+            <a:lvl1pPr>
+              <a:defRPr sz="1200">
+                <a:solidFill>
+                  <a:srgbClr val="0C151B"/>
+                </a:solidFill>
+              </a:defRPr>
+            </a:lvl1pPr>
           </a:lstStyle>
           <a:p>
             <a:pPr algn="l"/>
             <a:fld id="{F7021451-1387-4CA6-816F-3879F97B5CBC}" type="slidenum">
               <a:rPr b="0" lang="en-US"/>
-              <a:t>8</a:t>
+              <a:t>6</a:t>
             </a:fld>
             <a:endParaRPr lang="en-US"/>
           </a:p>
@@ -6044,9 +7354,23 @@
 </p:sld>
 </file>
 
-<file path=ppt/slides/slide9.xml><?xml version="1.0" encoding="utf-8"?>
+<file path=ppt/slides/slide7.xml><?xml version="1.0" encoding="utf-8"?>
 <p:sld xmlns:a="http://schemas.openxmlformats.org/drawingml/2006/main" xmlns:r="http://schemas.openxmlformats.org/officeDocument/2006/relationships" xmlns:p="http://schemas.openxmlformats.org/presentationml/2006/main">
-  <p:cSld name="Slide 9">
+  <p:cSld name="Slide 7">
+    <p:bg>
+      <p:bgPr>
+        <a:blipFill dpi="0" rotWithShape="1">
+          <a:blip r:embed="rId1">
+            <a:lum/>
+          </a:blip>
+          <a:srcRect/>
+          <a:stretch>
+            <a:fillRect/>
+          </a:stretch>
+        </a:blipFill>
+        <a:effectLst/>
+      </p:bgPr>
+    </p:bg>
     <p:spTree>
       <p:nvGrpSpPr>
         <p:cNvPr id="1" name=""/>
@@ -6063,16 +7387,16 @@
       </p:grpSpPr>
       <p:sp>
         <p:nvSpPr>
-          <p:cNvPr id="2" name="Text 1"/>
-          <p:cNvSpPr/>
-          <p:nvPr>
-            <p:ph idx="101" type="title" hasCustomPrompt="1"/>
-          </p:nvPr>
-        </p:nvSpPr>
-        <p:spPr>
-          <a:xfrm>
-            <a:off x="914400" y="228600"/>
-            <a:ext cx="10433304" cy="1188720"/>
+          <p:cNvPr id="2" name="Text 0"/>
+          <p:cNvSpPr/>
+          <p:nvPr>
+            <p:ph idx="100" type="title" hasCustomPrompt="1"/>
+          </p:nvPr>
+        </p:nvSpPr>
+        <p:spPr>
+          <a:xfrm>
+            <a:off x="457200" y="457200"/>
+            <a:ext cx="5486400" cy="1371600"/>
           </a:xfrm>
           <a:prstGeom prst="rect">
             <a:avLst/>
@@ -6084,19 +7408,19 @@
           <a:bodyPr wrap="square" rtlCol="0" anchor="ctr"/>
           <a:lstStyle/>
           <a:p>
-            <a:pPr algn="ctr" indent="0" marL="0">
+            <a:pPr algn="l" indent="0" marL="0">
               <a:buNone/>
             </a:pPr>
             <a:r>
               <a:rPr lang="en-US" sz="4000" b="1" dirty="0">
                 <a:solidFill>
-                  <a:srgbClr val="0E0C0C"/>
-                </a:solidFill>
-                <a:latin typeface="Arial" pitchFamily="34" charset="0"/>
-                <a:ea typeface="Arial" pitchFamily="34" charset="-122"/>
-                <a:cs typeface="Arial" pitchFamily="34" charset="-120"/>
-              </a:rPr>
-              <a:t>Technical Aspects and Benefits</a:t>
+                  <a:srgbClr val="0C151B"/>
+                </a:solidFill>
+                <a:latin typeface="Arial" pitchFamily="34" charset="0"/>
+                <a:ea typeface="Arial" pitchFamily="34" charset="-122"/>
+                <a:cs typeface="Arial" pitchFamily="34" charset="-120"/>
+              </a:rPr>
+              <a:t>Intelligent Summarization</a:t>
             </a:r>
             <a:endParaRPr lang="en-US" sz="4000" dirty="0"/>
           </a:p>
@@ -6104,7 +7428,50 @@
       </p:sp>
       <p:sp>
         <p:nvSpPr>
-          <p:cNvPr id="3" name="Text 1"/>
+          <p:cNvPr id="3" name="Text 0"/>
+          <p:cNvSpPr/>
+          <p:nvPr>
+            <p:ph idx="101" type="body" hasCustomPrompt="1"/>
+          </p:nvPr>
+        </p:nvSpPr>
+        <p:spPr>
+          <a:xfrm>
+            <a:off x="6400800" y="457200"/>
+            <a:ext cx="5029200" cy="5486400"/>
+          </a:xfrm>
+          <a:prstGeom prst="rect">
+            <a:avLst/>
+          </a:prstGeom>
+          <a:noFill/>
+          <a:ln/>
+        </p:spPr>
+        <p:txBody>
+          <a:bodyPr wrap="square" rtlCol="0" anchor="ctr"/>
+          <a:lstStyle/>
+          <a:p>
+            <a:pPr algn="l" indent="0" marL="0">
+              <a:buNone/>
+            </a:pPr>
+            <a:r>
+              <a:rPr lang="en-US" sz="2200" b="1" dirty="0">
+                <a:solidFill>
+                  <a:srgbClr val="1D2428"/>
+                </a:solidFill>
+                <a:latin typeface="Arial" pitchFamily="34" charset="0"/>
+                <a:ea typeface="Arial" pitchFamily="34" charset="-122"/>
+                <a:cs typeface="Arial" pitchFamily="34" charset="-120"/>
+              </a:rPr>
+              <a:t>1. AI Flavoured's summarization engine condenses complex documents into concise summaries. 
+2. This feature helps users quickly grasp the essence of lengthy texts. 
+</a:t>
+            </a:r>
+            <a:endParaRPr lang="en-US" sz="2200" dirty="0"/>
+          </a:p>
+        </p:txBody>
+      </p:sp>
+      <p:sp>
+        <p:nvSpPr>
+          <p:cNvPr id="4" name="Text 0"/>
           <p:cNvSpPr/>
           <p:nvPr>
             <p:ph idx="102" type="body" hasCustomPrompt="1"/>
@@ -6112,8 +7479,8 @@
         </p:nvSpPr>
         <p:spPr>
           <a:xfrm>
-            <a:off x="914400" y="1417320"/>
-            <a:ext cx="10433304" cy="5029200"/>
+            <a:off x="457200" y="2286000"/>
+            <a:ext cx="5486400" cy="3657600"/>
           </a:xfrm>
           <a:prstGeom prst="rect">
             <a:avLst/>
@@ -6129,20 +7496,17 @@
               <a:buNone/>
             </a:pPr>
             <a:r>
-              <a:rPr lang="en-US" sz="2600" dirty="0">
-                <a:solidFill>
-                  <a:srgbClr val="0E0C0C"/>
-                </a:solidFill>
-                <a:latin typeface="Arial" pitchFamily="34" charset="0"/>
-                <a:ea typeface="Arial" pitchFamily="34" charset="-122"/>
-                <a:cs typeface="Arial" pitchFamily="34" charset="-120"/>
-              </a:rPr>
-              <a:t>1. AI Flavoured showcases the feasibility and operational benefits of AI in document comprehension. 
-2. It streamlines information retrieval, improves knowledge acquisition, and fosters collaboration. 
-3. The project aims to stay at the forefront of AI-powered education and knowledge sharing. 
-</a:t>
-            </a:r>
-            <a:endParaRPr lang="en-US" sz="2600" dirty="0"/>
+              <a:rPr lang="en-US" sz="2400" b="1" dirty="0">
+                <a:solidFill>
+                  <a:srgbClr val="1D2428"/>
+                </a:solidFill>
+                <a:latin typeface="Arial" pitchFamily="34" charset="0"/>
+                <a:ea typeface="Arial" pitchFamily="34" charset="-122"/>
+                <a:cs typeface="Arial" pitchFamily="34" charset="-120"/>
+              </a:rPr>
+              <a:t>Efficiently extract key insights from vast amounts of information.</a:t>
+            </a:r>
+            <a:endParaRPr lang="en-US" sz="2400" dirty="0"/>
           </a:p>
         </p:txBody>
       </p:sp>
@@ -6159,7 +7523,7 @@
         <p:spPr>
           <a:xfrm>
             <a:off x="91440" y="6446520"/>
-            <a:ext cx="457200" cy="365760"/>
+            <a:ext cx="640080" cy="365760"/>
           </a:xfrm>
           <a:prstGeom prst="rect">
             <a:avLst/>
@@ -6173,7 +7537,431 @@
         <p:txBody>
           <a:bodyPr/>
           <a:lstStyle>
-            <a:lvl1pPr/>
+            <a:lvl1pPr>
+              <a:defRPr sz="1200">
+                <a:solidFill>
+                  <a:srgbClr val="0C151B"/>
+                </a:solidFill>
+              </a:defRPr>
+            </a:lvl1pPr>
+          </a:lstStyle>
+          <a:p>
+            <a:pPr algn="l"/>
+            <a:fld id="{F7021451-1387-4CA6-816F-3879F97B5CBC}" type="slidenum">
+              <a:rPr b="0" lang="en-US"/>
+              <a:t>7</a:t>
+            </a:fld>
+            <a:endParaRPr lang="en-US"/>
+          </a:p>
+        </p:txBody>
+      </p:sp>
+    </p:spTree>
+  </p:cSld>
+  <p:clrMapOvr>
+    <a:masterClrMapping/>
+  </p:clrMapOvr>
+</p:sld>
+</file>
+
+<file path=ppt/slides/slide8.xml><?xml version="1.0" encoding="utf-8"?>
+<p:sld xmlns:a="http://schemas.openxmlformats.org/drawingml/2006/main" xmlns:r="http://schemas.openxmlformats.org/officeDocument/2006/relationships" xmlns:p="http://schemas.openxmlformats.org/presentationml/2006/main">
+  <p:cSld name="Slide 8">
+    <p:bg>
+      <p:bgPr>
+        <a:blipFill dpi="0" rotWithShape="1">
+          <a:blip r:embed="rId1">
+            <a:lum/>
+          </a:blip>
+          <a:srcRect/>
+          <a:stretch>
+            <a:fillRect/>
+          </a:stretch>
+        </a:blipFill>
+        <a:effectLst/>
+      </p:bgPr>
+    </p:bg>
+    <p:spTree>
+      <p:nvGrpSpPr>
+        <p:cNvPr id="1" name=""/>
+        <p:cNvGrpSpPr/>
+        <p:nvPr/>
+      </p:nvGrpSpPr>
+      <p:grpSpPr>
+        <a:xfrm>
+          <a:off x="0" y="0"/>
+          <a:ext cx="0" cy="0"/>
+          <a:chOff x="0" y="0"/>
+          <a:chExt cx="0" cy="0"/>
+        </a:xfrm>
+      </p:grpSpPr>
+      <p:sp>
+        <p:nvSpPr>
+          <p:cNvPr id="2" name="Text 0"/>
+          <p:cNvSpPr/>
+          <p:nvPr>
+            <p:ph idx="100" type="title" hasCustomPrompt="1"/>
+          </p:nvPr>
+        </p:nvSpPr>
+        <p:spPr>
+          <a:xfrm>
+            <a:off x="457200" y="457200"/>
+            <a:ext cx="5486400" cy="1371600"/>
+          </a:xfrm>
+          <a:prstGeom prst="rect">
+            <a:avLst/>
+          </a:prstGeom>
+          <a:noFill/>
+          <a:ln/>
+        </p:spPr>
+        <p:txBody>
+          <a:bodyPr wrap="square" rtlCol="0" anchor="ctr"/>
+          <a:lstStyle/>
+          <a:p>
+            <a:pPr algn="l" indent="0" marL="0">
+              <a:buNone/>
+            </a:pPr>
+            <a:r>
+              <a:rPr lang="en-US" sz="4000" b="1" dirty="0">
+                <a:solidFill>
+                  <a:srgbClr val="0C151B"/>
+                </a:solidFill>
+                <a:latin typeface="Arial" pitchFamily="34" charset="0"/>
+                <a:ea typeface="Arial" pitchFamily="34" charset="-122"/>
+                <a:cs typeface="Arial" pitchFamily="34" charset="-120"/>
+              </a:rPr>
+              <a:t>Interactive Engagement</a:t>
+            </a:r>
+            <a:endParaRPr lang="en-US" sz="4000" dirty="0"/>
+          </a:p>
+        </p:txBody>
+      </p:sp>
+      <p:sp>
+        <p:nvSpPr>
+          <p:cNvPr id="3" name="Text 0"/>
+          <p:cNvSpPr/>
+          <p:nvPr>
+            <p:ph idx="101" type="body" hasCustomPrompt="1"/>
+          </p:nvPr>
+        </p:nvSpPr>
+        <p:spPr>
+          <a:xfrm>
+            <a:off x="6400800" y="457200"/>
+            <a:ext cx="5029200" cy="5486400"/>
+          </a:xfrm>
+          <a:prstGeom prst="rect">
+            <a:avLst/>
+          </a:prstGeom>
+          <a:noFill/>
+          <a:ln/>
+        </p:spPr>
+        <p:txBody>
+          <a:bodyPr wrap="square" rtlCol="0" anchor="ctr"/>
+          <a:lstStyle/>
+          <a:p>
+            <a:pPr algn="l" indent="0" marL="0">
+              <a:buNone/>
+            </a:pPr>
+            <a:r>
+              <a:rPr lang="en-US" sz="2200" b="1" dirty="0">
+                <a:solidFill>
+                  <a:srgbClr val="1D2428"/>
+                </a:solidFill>
+                <a:latin typeface="Arial" pitchFamily="34" charset="0"/>
+                <a:ea typeface="Arial" pitchFamily="34" charset="-122"/>
+                <a:cs typeface="Arial" pitchFamily="34" charset="-120"/>
+              </a:rPr>
+              <a:t>1. The platform offers interactive communication features to enhance user engagement. 
+2. Users can interact with the content, ask questions, and receive instant feedback. 
+</a:t>
+            </a:r>
+            <a:endParaRPr lang="en-US" sz="2200" dirty="0"/>
+          </a:p>
+        </p:txBody>
+      </p:sp>
+      <p:sp>
+        <p:nvSpPr>
+          <p:cNvPr id="4" name="Text 0"/>
+          <p:cNvSpPr/>
+          <p:nvPr>
+            <p:ph idx="102" type="body" hasCustomPrompt="1"/>
+          </p:nvPr>
+        </p:nvSpPr>
+        <p:spPr>
+          <a:xfrm>
+            <a:off x="457200" y="2286000"/>
+            <a:ext cx="5486400" cy="3657600"/>
+          </a:xfrm>
+          <a:prstGeom prst="rect">
+            <a:avLst/>
+          </a:prstGeom>
+          <a:noFill/>
+          <a:ln/>
+        </p:spPr>
+        <p:txBody>
+          <a:bodyPr wrap="square" rtlCol="0" anchor="t"/>
+          <a:lstStyle/>
+          <a:p>
+            <a:pPr algn="l" indent="0" marL="0">
+              <a:buNone/>
+            </a:pPr>
+            <a:r>
+              <a:rPr lang="en-US" sz="2400" b="1" dirty="0">
+                <a:solidFill>
+                  <a:srgbClr val="1D2428"/>
+                </a:solidFill>
+                <a:latin typeface="Arial" pitchFamily="34" charset="0"/>
+                <a:ea typeface="Arial" pitchFamily="34" charset="-122"/>
+                <a:cs typeface="Arial" pitchFamily="34" charset="-120"/>
+              </a:rPr>
+              <a:t>Foster a more engaging and interactive learning experience.</a:t>
+            </a:r>
+            <a:endParaRPr lang="en-US" sz="2400" dirty="0"/>
+          </a:p>
+        </p:txBody>
+      </p:sp>
+      <p:sp>
+        <p:nvSpPr>
+          <p:cNvPr id="25" name="Slide Number Placeholder 0"/>
+          <p:cNvSpPr>
+            <a:spLocks noGrp="1"/>
+          </p:cNvSpPr>
+          <p:nvPr>
+            <p:ph type="sldNum" sz="quarter" idx="4294967295"/>
+          </p:nvPr>
+        </p:nvSpPr>
+        <p:spPr>
+          <a:xfrm>
+            <a:off x="91440" y="6446520"/>
+            <a:ext cx="640080" cy="365760"/>
+          </a:xfrm>
+          <a:prstGeom prst="rect">
+            <a:avLst/>
+          </a:prstGeom>
+          <a:extLst>
+            <a:ext uri="{C572A759-6A51-4108-AA02-DFA0A04FC94B}">
+              <ma14:wrappingTextBoxFlag xmlns:ma14="http://schemas.microsoft.com/office/mac/drawingml/2011/main" val="0"/>
+            </a:ext>
+          </a:extLst>
+        </p:spPr>
+        <p:txBody>
+          <a:bodyPr/>
+          <a:lstStyle>
+            <a:lvl1pPr>
+              <a:defRPr sz="1200">
+                <a:solidFill>
+                  <a:srgbClr val="0C151B"/>
+                </a:solidFill>
+              </a:defRPr>
+            </a:lvl1pPr>
+          </a:lstStyle>
+          <a:p>
+            <a:pPr algn="l"/>
+            <a:fld id="{F7021451-1387-4CA6-816F-3879F97B5CBC}" type="slidenum">
+              <a:rPr b="0" lang="en-US"/>
+              <a:t>8</a:t>
+            </a:fld>
+            <a:endParaRPr lang="en-US"/>
+          </a:p>
+        </p:txBody>
+      </p:sp>
+    </p:spTree>
+  </p:cSld>
+  <p:clrMapOvr>
+    <a:masterClrMapping/>
+  </p:clrMapOvr>
+</p:sld>
+</file>
+
+<file path=ppt/slides/slide9.xml><?xml version="1.0" encoding="utf-8"?>
+<p:sld xmlns:a="http://schemas.openxmlformats.org/drawingml/2006/main" xmlns:r="http://schemas.openxmlformats.org/officeDocument/2006/relationships" xmlns:p="http://schemas.openxmlformats.org/presentationml/2006/main">
+  <p:cSld name="Slide 9">
+    <p:bg>
+      <p:bgPr>
+        <a:blipFill dpi="0" rotWithShape="1">
+          <a:blip r:embed="rId1">
+            <a:lum/>
+          </a:blip>
+          <a:srcRect/>
+          <a:stretch>
+            <a:fillRect/>
+          </a:stretch>
+        </a:blipFill>
+        <a:effectLst/>
+      </p:bgPr>
+    </p:bg>
+    <p:spTree>
+      <p:nvGrpSpPr>
+        <p:cNvPr id="1" name=""/>
+        <p:cNvGrpSpPr/>
+        <p:nvPr/>
+      </p:nvGrpSpPr>
+      <p:grpSpPr>
+        <a:xfrm>
+          <a:off x="0" y="0"/>
+          <a:ext cx="0" cy="0"/>
+          <a:chOff x="0" y="0"/>
+          <a:chExt cx="0" cy="0"/>
+        </a:xfrm>
+      </p:grpSpPr>
+      <p:sp>
+        <p:nvSpPr>
+          <p:cNvPr id="2" name="Text 0"/>
+          <p:cNvSpPr/>
+          <p:nvPr>
+            <p:ph idx="100" type="title" hasCustomPrompt="1"/>
+          </p:nvPr>
+        </p:nvSpPr>
+        <p:spPr>
+          <a:xfrm>
+            <a:off x="457200" y="457200"/>
+            <a:ext cx="5486400" cy="1371600"/>
+          </a:xfrm>
+          <a:prstGeom prst="rect">
+            <a:avLst/>
+          </a:prstGeom>
+          <a:noFill/>
+          <a:ln/>
+        </p:spPr>
+        <p:txBody>
+          <a:bodyPr wrap="square" rtlCol="0" anchor="ctr"/>
+          <a:lstStyle/>
+          <a:p>
+            <a:pPr algn="l" indent="0" marL="0">
+              <a:buNone/>
+            </a:pPr>
+            <a:r>
+              <a:rPr lang="en-US" sz="4000" b="1" dirty="0">
+                <a:solidFill>
+                  <a:srgbClr val="0C151B"/>
+                </a:solidFill>
+                <a:latin typeface="Arial" pitchFamily="34" charset="0"/>
+                <a:ea typeface="Arial" pitchFamily="34" charset="-122"/>
+                <a:cs typeface="Arial" pitchFamily="34" charset="-120"/>
+              </a:rPr>
+              <a:t>Multilingual Support</a:t>
+            </a:r>
+            <a:endParaRPr lang="en-US" sz="4000" dirty="0"/>
+          </a:p>
+        </p:txBody>
+      </p:sp>
+      <p:sp>
+        <p:nvSpPr>
+          <p:cNvPr id="3" name="Text 0"/>
+          <p:cNvSpPr/>
+          <p:nvPr>
+            <p:ph idx="101" type="body" hasCustomPrompt="1"/>
+          </p:nvPr>
+        </p:nvSpPr>
+        <p:spPr>
+          <a:xfrm>
+            <a:off x="6400800" y="457200"/>
+            <a:ext cx="5029200" cy="5486400"/>
+          </a:xfrm>
+          <a:prstGeom prst="rect">
+            <a:avLst/>
+          </a:prstGeom>
+          <a:noFill/>
+          <a:ln/>
+        </p:spPr>
+        <p:txBody>
+          <a:bodyPr wrap="square" rtlCol="0" anchor="ctr"/>
+          <a:lstStyle/>
+          <a:p>
+            <a:pPr algn="l" indent="0" marL="0">
+              <a:buNone/>
+            </a:pPr>
+            <a:r>
+              <a:rPr lang="en-US" sz="2200" b="1" dirty="0">
+                <a:solidFill>
+                  <a:srgbClr val="1D2428"/>
+                </a:solidFill>
+                <a:latin typeface="Arial" pitchFamily="34" charset="0"/>
+                <a:ea typeface="Arial" pitchFamily="34" charset="-122"/>
+                <a:cs typeface="Arial" pitchFamily="34" charset="-120"/>
+              </a:rPr>
+              <a:t>1. AI Flavoured supports multiple languages, breaking down language barriers. 
+2. This feature ensures accessibility for a global audience. 
+</a:t>
+            </a:r>
+            <a:endParaRPr lang="en-US" sz="2200" dirty="0"/>
+          </a:p>
+        </p:txBody>
+      </p:sp>
+      <p:sp>
+        <p:nvSpPr>
+          <p:cNvPr id="4" name="Text 0"/>
+          <p:cNvSpPr/>
+          <p:nvPr>
+            <p:ph idx="102" type="body" hasCustomPrompt="1"/>
+          </p:nvPr>
+        </p:nvSpPr>
+        <p:spPr>
+          <a:xfrm>
+            <a:off x="457200" y="2286000"/>
+            <a:ext cx="5486400" cy="3657600"/>
+          </a:xfrm>
+          <a:prstGeom prst="rect">
+            <a:avLst/>
+          </a:prstGeom>
+          <a:noFill/>
+          <a:ln/>
+        </p:spPr>
+        <p:txBody>
+          <a:bodyPr wrap="square" rtlCol="0" anchor="t"/>
+          <a:lstStyle/>
+          <a:p>
+            <a:pPr algn="l" indent="0" marL="0">
+              <a:buNone/>
+            </a:pPr>
+            <a:r>
+              <a:rPr lang="en-US" sz="2400" b="1" dirty="0">
+                <a:solidFill>
+                  <a:srgbClr val="1D2428"/>
+                </a:solidFill>
+                <a:latin typeface="Arial" pitchFamily="34" charset="0"/>
+                <a:ea typeface="Arial" pitchFamily="34" charset="-122"/>
+                <a:cs typeface="Arial" pitchFamily="34" charset="-120"/>
+              </a:rPr>
+              <a:t>Promote inclusivity and accessibility in document comprehension.</a:t>
+            </a:r>
+            <a:endParaRPr lang="en-US" sz="2400" dirty="0"/>
+          </a:p>
+        </p:txBody>
+      </p:sp>
+      <p:sp>
+        <p:nvSpPr>
+          <p:cNvPr id="25" name="Slide Number Placeholder 0"/>
+          <p:cNvSpPr>
+            <a:spLocks noGrp="1"/>
+          </p:cNvSpPr>
+          <p:nvPr>
+            <p:ph type="sldNum" sz="quarter" idx="4294967295"/>
+          </p:nvPr>
+        </p:nvSpPr>
+        <p:spPr>
+          <a:xfrm>
+            <a:off x="91440" y="6446520"/>
+            <a:ext cx="640080" cy="365760"/>
+          </a:xfrm>
+          <a:prstGeom prst="rect">
+            <a:avLst/>
+          </a:prstGeom>
+          <a:extLst>
+            <a:ext uri="{C572A759-6A51-4108-AA02-DFA0A04FC94B}">
+              <ma14:wrappingTextBoxFlag xmlns:ma14="http://schemas.microsoft.com/office/mac/drawingml/2011/main" val="0"/>
+            </a:ext>
+          </a:extLst>
+        </p:spPr>
+        <p:txBody>
+          <a:bodyPr/>
+          <a:lstStyle>
+            <a:lvl1pPr>
+              <a:defRPr sz="1200">
+                <a:solidFill>
+                  <a:srgbClr val="0C151B"/>
+                </a:solidFill>
+              </a:defRPr>
+            </a:lvl1pPr>
           </a:lstStyle>
           <a:p>
             <a:pPr algn="l"/>
